--- a/Готовые части/NormPreza.pptx
+++ b/Готовые части/NormPreza.pptx
@@ -7,17 +7,20 @@
   <p:sldIdLst>
     <p:sldId id="256" r:id="rId2"/>
     <p:sldId id="257" r:id="rId3"/>
-    <p:sldId id="259" r:id="rId4"/>
-    <p:sldId id="260" r:id="rId5"/>
+    <p:sldId id="271" r:id="rId4"/>
+    <p:sldId id="259" r:id="rId5"/>
     <p:sldId id="267" r:id="rId6"/>
-    <p:sldId id="261" r:id="rId7"/>
-    <p:sldId id="264" r:id="rId8"/>
-    <p:sldId id="268" r:id="rId9"/>
-    <p:sldId id="262" r:id="rId10"/>
-    <p:sldId id="269" r:id="rId11"/>
-    <p:sldId id="265" r:id="rId12"/>
-    <p:sldId id="266" r:id="rId13"/>
-    <p:sldId id="263" r:id="rId14"/>
+    <p:sldId id="260" r:id="rId7"/>
+    <p:sldId id="261" r:id="rId8"/>
+    <p:sldId id="264" r:id="rId9"/>
+    <p:sldId id="268" r:id="rId10"/>
+    <p:sldId id="262" r:id="rId11"/>
+    <p:sldId id="269" r:id="rId12"/>
+    <p:sldId id="265" r:id="rId13"/>
+    <p:sldId id="272" r:id="rId14"/>
+    <p:sldId id="266" r:id="rId15"/>
+    <p:sldId id="263" r:id="rId16"/>
+    <p:sldId id="270" r:id="rId17"/>
   </p:sldIdLst>
   <p:sldSz cx="12192000" cy="6858000"/>
   <p:notesSz cx="6858000" cy="9144000"/>
@@ -3526,7 +3529,7 @@
         <p:spPr>
           <a:xfrm>
             <a:off x="550506" y="4943449"/>
-            <a:ext cx="4292082" cy="707886"/>
+            <a:ext cx="5477070" cy="707886"/>
           </a:xfrm>
           <a:prstGeom prst="rect">
             <a:avLst/>
@@ -3543,7 +3546,7 @@
               <a:rPr lang="ru-RU" sz="2000" b="1" dirty="0">
                 <a:latin typeface="Arial Narrow" panose="020B0606020202030204" pitchFamily="34" charset="0"/>
               </a:rPr>
-              <a:t>Дипломник: ст. гр. ИТ-42 </a:t>
+              <a:t>Выполнил: ст. гр. ИТ-42 </a:t>
             </a:r>
             <a:r>
               <a:rPr lang="ru-RU" sz="2000" b="1" dirty="0" err="1">
@@ -3563,7 +3566,7 @@
               <a:rPr lang="ru-RU" sz="2000" b="1" dirty="0">
                 <a:latin typeface="Arial Narrow" panose="020B0606020202030204" pitchFamily="34" charset="0"/>
               </a:rPr>
-              <a:t>Руководитель: ст. пр. Подгорный Н.Н.</a:t>
+              <a:t>Руководитель: канд. Техн. наук Подгорный Н.Н.</a:t>
             </a:r>
             <a:endParaRPr lang="ru-RU" sz="2400" b="1" dirty="0">
               <a:latin typeface="Arial Narrow" panose="020B0606020202030204" pitchFamily="34" charset="0"/>
@@ -3776,59 +3779,8 @@
               <a:rPr lang="ru-RU" sz="3600" b="1" dirty="0">
                 <a:latin typeface="Arial Narrow" panose="020B0606020202030204" pitchFamily="34" charset="0"/>
               </a:rPr>
-              <a:t>Реализация управления</a:t>
-            </a:r>
-          </a:p>
-        </p:txBody>
-      </p:sp>
-      <p:sp>
-        <p:nvSpPr>
-          <p:cNvPr id="2" name="Прямоугольник 1">
-            <a:extLst>
-              <a:ext uri="{FF2B5EF4-FFF2-40B4-BE49-F238E27FC236}">
-                <a16:creationId xmlns:a16="http://schemas.microsoft.com/office/drawing/2014/main" id="{1898F5A6-20C9-9C82-5E14-EDF0CB7FB03C}"/>
-              </a:ext>
-            </a:extLst>
-          </p:cNvPr>
-          <p:cNvSpPr/>
-          <p:nvPr/>
-        </p:nvSpPr>
-        <p:spPr>
-          <a:xfrm>
-            <a:off x="11941629" y="0"/>
-            <a:ext cx="93306" cy="6858000"/>
-          </a:xfrm>
-          <a:prstGeom prst="rect">
-            <a:avLst/>
-          </a:prstGeom>
-          <a:solidFill>
-            <a:schemeClr val="accent6">
-              <a:lumMod val="75000"/>
-            </a:schemeClr>
-          </a:solidFill>
-        </p:spPr>
-        <p:style>
-          <a:lnRef idx="2">
-            <a:schemeClr val="accent1">
-              <a:shade val="50000"/>
-            </a:schemeClr>
-          </a:lnRef>
-          <a:fillRef idx="1">
-            <a:schemeClr val="accent1"/>
-          </a:fillRef>
-          <a:effectRef idx="0">
-            <a:schemeClr val="accent1"/>
-          </a:effectRef>
-          <a:fontRef idx="minor">
-            <a:schemeClr val="lt1"/>
-          </a:fontRef>
-        </p:style>
-        <p:txBody>
-          <a:bodyPr rtlCol="0" anchor="ctr"/>
-          <a:lstStyle/>
-          <a:p>
-            <a:pPr algn="ctr"/>
-            <a:endParaRPr lang="ru-RU"/>
+              <a:t>Подсистемы управления</a:t>
+            </a:r>
           </a:p>
         </p:txBody>
       </p:sp>
@@ -3876,10 +3828,10 @@
       </p:sp>
       <p:pic>
         <p:nvPicPr>
-          <p:cNvPr id="10" name="Рисунок 9">
-            <a:extLst>
-              <a:ext uri="{FF2B5EF4-FFF2-40B4-BE49-F238E27FC236}">
-                <a16:creationId xmlns:a16="http://schemas.microsoft.com/office/drawing/2014/main" id="{C364429E-ECCE-AA69-9398-72863156E08B}"/>
+          <p:cNvPr id="9" name="Рисунок 8">
+            <a:extLst>
+              <a:ext uri="{FF2B5EF4-FFF2-40B4-BE49-F238E27FC236}">
+                <a16:creationId xmlns:a16="http://schemas.microsoft.com/office/drawing/2014/main" id="{A0DA63EB-A092-44B7-1EBD-A64192836460}"/>
               </a:ext>
             </a:extLst>
           </p:cNvPr>
@@ -3896,8 +3848,8 @@
         </p:blipFill>
         <p:spPr>
           <a:xfrm>
-            <a:off x="1527128" y="1408834"/>
-            <a:ext cx="8849097" cy="4909925"/>
+            <a:off x="1979637" y="1226021"/>
+            <a:ext cx="7902268" cy="5419048"/>
           </a:xfrm>
           <a:prstGeom prst="rect">
             <a:avLst/>
@@ -3907,7 +3859,7 @@
     </p:spTree>
     <p:extLst>
       <p:ext uri="{BB962C8B-B14F-4D97-AF65-F5344CB8AC3E}">
-        <p14:creationId xmlns:p14="http://schemas.microsoft.com/office/powerpoint/2010/main" val="3185162394"/>
+        <p14:creationId xmlns:p14="http://schemas.microsoft.com/office/powerpoint/2010/main" val="1576205623"/>
       </p:ext>
     </p:extLst>
   </p:cSld>
@@ -4069,59 +4021,8 @@
               <a:rPr lang="ru-RU" sz="3600" b="1" dirty="0">
                 <a:latin typeface="Arial Narrow" panose="020B0606020202030204" pitchFamily="34" charset="0"/>
               </a:rPr>
-              <a:t>Расширения редактора</a:t>
-            </a:r>
-          </a:p>
-        </p:txBody>
-      </p:sp>
-      <p:sp>
-        <p:nvSpPr>
-          <p:cNvPr id="2" name="Прямоугольник 1">
-            <a:extLst>
-              <a:ext uri="{FF2B5EF4-FFF2-40B4-BE49-F238E27FC236}">
-                <a16:creationId xmlns:a16="http://schemas.microsoft.com/office/drawing/2014/main" id="{1898F5A6-20C9-9C82-5E14-EDF0CB7FB03C}"/>
-              </a:ext>
-            </a:extLst>
-          </p:cNvPr>
-          <p:cNvSpPr/>
-          <p:nvPr/>
-        </p:nvSpPr>
-        <p:spPr>
-          <a:xfrm>
-            <a:off x="11941629" y="0"/>
-            <a:ext cx="93306" cy="6858000"/>
-          </a:xfrm>
-          <a:prstGeom prst="rect">
-            <a:avLst/>
-          </a:prstGeom>
-          <a:solidFill>
-            <a:schemeClr val="accent6">
-              <a:lumMod val="75000"/>
-            </a:schemeClr>
-          </a:solidFill>
-        </p:spPr>
-        <p:style>
-          <a:lnRef idx="2">
-            <a:schemeClr val="accent1">
-              <a:shade val="50000"/>
-            </a:schemeClr>
-          </a:lnRef>
-          <a:fillRef idx="1">
-            <a:schemeClr val="accent1"/>
-          </a:fillRef>
-          <a:effectRef idx="0">
-            <a:schemeClr val="accent1"/>
-          </a:effectRef>
-          <a:fontRef idx="minor">
-            <a:schemeClr val="lt1"/>
-          </a:fontRef>
-        </p:style>
-        <p:txBody>
-          <a:bodyPr rtlCol="0" anchor="ctr"/>
-          <a:lstStyle/>
-          <a:p>
-            <a:pPr algn="ctr"/>
-            <a:endParaRPr lang="ru-RU"/>
+              <a:t>Реализация управления</a:t>
+            </a:r>
           </a:p>
         </p:txBody>
       </p:sp>
@@ -4169,10 +4070,10 @@
       </p:sp>
       <p:pic>
         <p:nvPicPr>
-          <p:cNvPr id="10" name="Рисунок 9" descr="Изображение выглядит как текст, табло, снимок экрана&#10;&#10;Автоматически созданное описание">
-            <a:extLst>
-              <a:ext uri="{FF2B5EF4-FFF2-40B4-BE49-F238E27FC236}">
-                <a16:creationId xmlns:a16="http://schemas.microsoft.com/office/drawing/2014/main" id="{1C310545-07EC-C03F-A8C7-FD4F867D766B}"/>
+          <p:cNvPr id="10" name="Рисунок 9">
+            <a:extLst>
+              <a:ext uri="{FF2B5EF4-FFF2-40B4-BE49-F238E27FC236}">
+                <a16:creationId xmlns:a16="http://schemas.microsoft.com/office/drawing/2014/main" id="{C364429E-ECCE-AA69-9398-72863156E08B}"/>
               </a:ext>
             </a:extLst>
           </p:cNvPr>
@@ -4189,38 +4090,8 @@
         </p:blipFill>
         <p:spPr>
           <a:xfrm>
-            <a:off x="1825300" y="2024645"/>
-            <a:ext cx="3723640" cy="3885565"/>
-          </a:xfrm>
-          <a:prstGeom prst="rect">
-            <a:avLst/>
-          </a:prstGeom>
-        </p:spPr>
-      </p:pic>
-      <p:pic>
-        <p:nvPicPr>
-          <p:cNvPr id="11" name="Рисунок 10" descr="Изображение выглядит как текст, табло, табличка, снимок экрана&#10;&#10;Автоматически созданное описание">
-            <a:extLst>
-              <a:ext uri="{FF2B5EF4-FFF2-40B4-BE49-F238E27FC236}">
-                <a16:creationId xmlns:a16="http://schemas.microsoft.com/office/drawing/2014/main" id="{0BAA28D1-0108-8D82-6039-7A8F87B02105}"/>
-              </a:ext>
-            </a:extLst>
-          </p:cNvPr>
-          <p:cNvPicPr>
-            <a:picLocks noChangeAspect="1"/>
-          </p:cNvPicPr>
-          <p:nvPr/>
-        </p:nvPicPr>
-        <p:blipFill>
-          <a:blip r:embed="rId3"/>
-          <a:stretch>
-            <a:fillRect/>
-          </a:stretch>
-        </p:blipFill>
-        <p:spPr>
-          <a:xfrm>
-            <a:off x="7374239" y="875641"/>
-            <a:ext cx="3740150" cy="3578860"/>
+            <a:off x="1527128" y="1408834"/>
+            <a:ext cx="8849097" cy="4909925"/>
           </a:xfrm>
           <a:prstGeom prst="rect">
             <a:avLst/>
@@ -4230,7 +4101,7 @@
     </p:spTree>
     <p:extLst>
       <p:ext uri="{BB962C8B-B14F-4D97-AF65-F5344CB8AC3E}">
-        <p14:creationId xmlns:p14="http://schemas.microsoft.com/office/powerpoint/2010/main" val="226663092"/>
+        <p14:creationId xmlns:p14="http://schemas.microsoft.com/office/powerpoint/2010/main" val="3185162394"/>
       </p:ext>
     </p:extLst>
   </p:cSld>
@@ -4392,59 +4263,8 @@
               <a:rPr lang="ru-RU" sz="3600" b="1" dirty="0">
                 <a:latin typeface="Arial Narrow" panose="020B0606020202030204" pitchFamily="34" charset="0"/>
               </a:rPr>
-              <a:t>Тестирование</a:t>
-            </a:r>
-          </a:p>
-        </p:txBody>
-      </p:sp>
-      <p:sp>
-        <p:nvSpPr>
-          <p:cNvPr id="2" name="Прямоугольник 1">
-            <a:extLst>
-              <a:ext uri="{FF2B5EF4-FFF2-40B4-BE49-F238E27FC236}">
-                <a16:creationId xmlns:a16="http://schemas.microsoft.com/office/drawing/2014/main" id="{1898F5A6-20C9-9C82-5E14-EDF0CB7FB03C}"/>
-              </a:ext>
-            </a:extLst>
-          </p:cNvPr>
-          <p:cNvSpPr/>
-          <p:nvPr/>
-        </p:nvSpPr>
-        <p:spPr>
-          <a:xfrm>
-            <a:off x="11941629" y="0"/>
-            <a:ext cx="93306" cy="6858000"/>
-          </a:xfrm>
-          <a:prstGeom prst="rect">
-            <a:avLst/>
-          </a:prstGeom>
-          <a:solidFill>
-            <a:schemeClr val="accent6">
-              <a:lumMod val="75000"/>
-            </a:schemeClr>
-          </a:solidFill>
-        </p:spPr>
-        <p:style>
-          <a:lnRef idx="2">
-            <a:schemeClr val="accent1">
-              <a:shade val="50000"/>
-            </a:schemeClr>
-          </a:lnRef>
-          <a:fillRef idx="1">
-            <a:schemeClr val="accent1"/>
-          </a:fillRef>
-          <a:effectRef idx="0">
-            <a:schemeClr val="accent1"/>
-          </a:effectRef>
-          <a:fontRef idx="minor">
-            <a:schemeClr val="lt1"/>
-          </a:fontRef>
-        </p:style>
-        <p:txBody>
-          <a:bodyPr rtlCol="0" anchor="ctr"/>
-          <a:lstStyle/>
-          <a:p>
-            <a:pPr algn="ctr"/>
-            <a:endParaRPr lang="ru-RU"/>
+              <a:t>Расширения редактора</a:t>
+            </a:r>
           </a:p>
         </p:txBody>
       </p:sp>
@@ -4492,10 +4312,10 @@
       </p:sp>
       <p:pic>
         <p:nvPicPr>
-          <p:cNvPr id="7" name="Рисунок 6" descr="Изображение выглядит как текст&#10;&#10;Автоматически созданное описание">
-            <a:extLst>
-              <a:ext uri="{FF2B5EF4-FFF2-40B4-BE49-F238E27FC236}">
-                <a16:creationId xmlns:a16="http://schemas.microsoft.com/office/drawing/2014/main" id="{5D5771FD-056D-2686-E5B0-F8686F914C32}"/>
+          <p:cNvPr id="10" name="Рисунок 9" descr="Изображение выглядит как текст, табло, снимок экрана&#10;&#10;Автоматически созданное описание">
+            <a:extLst>
+              <a:ext uri="{FF2B5EF4-FFF2-40B4-BE49-F238E27FC236}">
+                <a16:creationId xmlns:a16="http://schemas.microsoft.com/office/drawing/2014/main" id="{1C310545-07EC-C03F-A8C7-FD4F867D766B}"/>
               </a:ext>
             </a:extLst>
           </p:cNvPr>
@@ -4512,8 +4332,8 @@
         </p:blipFill>
         <p:spPr>
           <a:xfrm>
-            <a:off x="93307" y="1156908"/>
-            <a:ext cx="6895352" cy="3668249"/>
+            <a:off x="1825300" y="2024645"/>
+            <a:ext cx="3723640" cy="3885565"/>
           </a:xfrm>
           <a:prstGeom prst="rect">
             <a:avLst/>
@@ -4522,10 +4342,10 @@
       </p:pic>
       <p:pic>
         <p:nvPicPr>
-          <p:cNvPr id="9" name="Рисунок 8">
-            <a:extLst>
-              <a:ext uri="{FF2B5EF4-FFF2-40B4-BE49-F238E27FC236}">
-                <a16:creationId xmlns:a16="http://schemas.microsoft.com/office/drawing/2014/main" id="{5723D7FB-3D06-0DC3-F927-941387057CF7}"/>
+          <p:cNvPr id="11" name="Рисунок 10" descr="Изображение выглядит как текст, табло, табличка, снимок экрана&#10;&#10;Автоматически созданное описание">
+            <a:extLst>
+              <a:ext uri="{FF2B5EF4-FFF2-40B4-BE49-F238E27FC236}">
+                <a16:creationId xmlns:a16="http://schemas.microsoft.com/office/drawing/2014/main" id="{0BAA28D1-0108-8D82-6039-7A8F87B02105}"/>
               </a:ext>
             </a:extLst>
           </p:cNvPr>
@@ -4542,8 +4362,8 @@
         </p:blipFill>
         <p:spPr>
           <a:xfrm>
-            <a:off x="5186531" y="4582351"/>
-            <a:ext cx="6017763" cy="2194714"/>
+            <a:off x="7374239" y="875641"/>
+            <a:ext cx="3740150" cy="3578860"/>
           </a:xfrm>
           <a:prstGeom prst="rect">
             <a:avLst/>
@@ -4553,7 +4373,7 @@
     </p:spTree>
     <p:extLst>
       <p:ext uri="{BB962C8B-B14F-4D97-AF65-F5344CB8AC3E}">
-        <p14:creationId xmlns:p14="http://schemas.microsoft.com/office/powerpoint/2010/main" val="3698893246"/>
+        <p14:creationId xmlns:p14="http://schemas.microsoft.com/office/powerpoint/2010/main" val="226663092"/>
       </p:ext>
     </p:extLst>
   </p:cSld>
@@ -4582,10 +4402,10 @@
       </p:grpSpPr>
       <p:sp>
         <p:nvSpPr>
-          <p:cNvPr id="9" name="Прямоугольник 8">
-            <a:extLst>
-              <a:ext uri="{FF2B5EF4-FFF2-40B4-BE49-F238E27FC236}">
-                <a16:creationId xmlns:a16="http://schemas.microsoft.com/office/drawing/2014/main" id="{0D61A3C7-4E6B-85AD-DD84-08739ED10AC7}"/>
+          <p:cNvPr id="4" name="Прямоугольник 3">
+            <a:extLst>
+              <a:ext uri="{FF2B5EF4-FFF2-40B4-BE49-F238E27FC236}">
+                <a16:creationId xmlns:a16="http://schemas.microsoft.com/office/drawing/2014/main" id="{88A108B3-5818-6264-1CD6-3D23BFF1B259}"/>
               </a:ext>
             </a:extLst>
           </p:cNvPr>
@@ -4594,14 +4414,14 @@
         </p:nvSpPr>
         <p:spPr>
           <a:xfrm>
-            <a:off x="-1" y="0"/>
+            <a:off x="0" y="0"/>
             <a:ext cx="12192000" cy="6858000"/>
           </a:xfrm>
           <a:prstGeom prst="rect">
             <a:avLst/>
           </a:prstGeom>
           <a:solidFill>
-            <a:srgbClr val="F8BD88"/>
+            <a:srgbClr val="B3D5B4"/>
           </a:solidFill>
         </p:spPr>
         <p:style>
@@ -4631,6 +4451,60 @@
       </p:sp>
       <p:sp>
         <p:nvSpPr>
+          <p:cNvPr id="8" name="Прямоугольник 7">
+            <a:extLst>
+              <a:ext uri="{FF2B5EF4-FFF2-40B4-BE49-F238E27FC236}">
+                <a16:creationId xmlns:a16="http://schemas.microsoft.com/office/drawing/2014/main" id="{6A0066BD-3270-2326-403B-286F6C79ABE4}"/>
+              </a:ext>
+            </a:extLst>
+          </p:cNvPr>
+          <p:cNvSpPr/>
+          <p:nvPr/>
+        </p:nvSpPr>
+        <p:spPr>
+          <a:xfrm>
+            <a:off x="0" y="331978"/>
+            <a:ext cx="5791201" cy="744878"/>
+          </a:xfrm>
+          <a:prstGeom prst="rect">
+            <a:avLst/>
+          </a:prstGeom>
+          <a:solidFill>
+            <a:schemeClr val="accent1">
+              <a:alpha val="75000"/>
+            </a:schemeClr>
+          </a:solidFill>
+          <a:ln>
+            <a:noFill/>
+          </a:ln>
+        </p:spPr>
+        <p:style>
+          <a:lnRef idx="2">
+            <a:schemeClr val="accent1">
+              <a:shade val="50000"/>
+            </a:schemeClr>
+          </a:lnRef>
+          <a:fillRef idx="1">
+            <a:schemeClr val="accent1"/>
+          </a:fillRef>
+          <a:effectRef idx="0">
+            <a:schemeClr val="accent1"/>
+          </a:effectRef>
+          <a:fontRef idx="minor">
+            <a:schemeClr val="lt1"/>
+          </a:fontRef>
+        </p:style>
+        <p:txBody>
+          <a:bodyPr rtlCol="0" anchor="ctr"/>
+          <a:lstStyle/>
+          <a:p>
+            <a:pPr algn="ctr"/>
+            <a:endParaRPr lang="ru-RU" dirty="0"/>
+          </a:p>
+        </p:txBody>
+      </p:sp>
+      <p:sp>
+        <p:nvSpPr>
           <p:cNvPr id="5" name="TextBox 4">
             <a:extLst>
               <a:ext uri="{FF2B5EF4-FFF2-40B4-BE49-F238E27FC236}">
@@ -4643,8 +4517,8 @@
         </p:nvSpPr>
         <p:spPr>
           <a:xfrm>
-            <a:off x="304801" y="412030"/>
-            <a:ext cx="4805680" cy="584775"/>
+            <a:off x="304800" y="412030"/>
+            <a:ext cx="5486401" cy="646331"/>
           </a:xfrm>
           <a:prstGeom prst="rect">
             <a:avLst/>
@@ -4658,10 +4532,500 @@
           <a:lstStyle/>
           <a:p>
             <a:r>
+              <a:rPr lang="ru-RU" sz="3600" b="1" dirty="0">
+                <a:latin typeface="Arial Narrow" panose="020B0606020202030204" pitchFamily="34" charset="0"/>
+              </a:rPr>
+              <a:t>Расширения редактора</a:t>
+            </a:r>
+          </a:p>
+        </p:txBody>
+      </p:sp>
+      <p:sp>
+        <p:nvSpPr>
+          <p:cNvPr id="3" name="TextBox 2">
+            <a:extLst>
+              <a:ext uri="{FF2B5EF4-FFF2-40B4-BE49-F238E27FC236}">
+                <a16:creationId xmlns:a16="http://schemas.microsoft.com/office/drawing/2014/main" id="{830DA6B1-AFAA-B43F-424F-7D28736F06D2}"/>
+              </a:ext>
+            </a:extLst>
+          </p:cNvPr>
+          <p:cNvSpPr txBox="1"/>
+          <p:nvPr/>
+        </p:nvSpPr>
+        <p:spPr>
+          <a:xfrm>
+            <a:off x="11525639" y="6183404"/>
+            <a:ext cx="415990" cy="461665"/>
+          </a:xfrm>
+          <a:prstGeom prst="rect">
+            <a:avLst/>
+          </a:prstGeom>
+          <a:noFill/>
+        </p:spPr>
+        <p:txBody>
+          <a:bodyPr wrap="square" rtlCol="0">
+            <a:spAutoFit/>
+          </a:bodyPr>
+          <a:lstStyle/>
+          <a:p>
+            <a:r>
+              <a:rPr lang="ru-RU" sz="2400" dirty="0">
+                <a:solidFill>
+                  <a:schemeClr val="accent6">
+                    <a:lumMod val="75000"/>
+                  </a:schemeClr>
+                </a:solidFill>
+                <a:latin typeface="Arial Black" panose="020B0A04020102020204" pitchFamily="34" charset="0"/>
+              </a:rPr>
+              <a:t>6</a:t>
+            </a:r>
+          </a:p>
+        </p:txBody>
+      </p:sp>
+      <p:pic>
+        <p:nvPicPr>
+          <p:cNvPr id="10" name="Рисунок 9" descr="Изображение выглядит как текст, табло, снимок экрана&#10;&#10;Автоматически созданное описание">
+            <a:extLst>
+              <a:ext uri="{FF2B5EF4-FFF2-40B4-BE49-F238E27FC236}">
+                <a16:creationId xmlns:a16="http://schemas.microsoft.com/office/drawing/2014/main" id="{1C310545-07EC-C03F-A8C7-FD4F867D766B}"/>
+              </a:ext>
+            </a:extLst>
+          </p:cNvPr>
+          <p:cNvPicPr>
+            <a:picLocks noChangeAspect="1"/>
+          </p:cNvPicPr>
+          <p:nvPr/>
+        </p:nvPicPr>
+        <p:blipFill>
+          <a:blip r:embed="rId2"/>
+          <a:stretch>
+            <a:fillRect/>
+          </a:stretch>
+        </p:blipFill>
+        <p:spPr>
+          <a:xfrm>
+            <a:off x="1441505" y="2560405"/>
+            <a:ext cx="3723640" cy="3885565"/>
+          </a:xfrm>
+          <a:prstGeom prst="rect">
+            <a:avLst/>
+          </a:prstGeom>
+        </p:spPr>
+      </p:pic>
+      <p:pic>
+        <p:nvPicPr>
+          <p:cNvPr id="11" name="Рисунок 10" descr="Изображение выглядит как текст, табло, табличка, снимок экрана&#10;&#10;Автоматически созданное описание">
+            <a:extLst>
+              <a:ext uri="{FF2B5EF4-FFF2-40B4-BE49-F238E27FC236}">
+                <a16:creationId xmlns:a16="http://schemas.microsoft.com/office/drawing/2014/main" id="{0BAA28D1-0108-8D82-6039-7A8F87B02105}"/>
+              </a:ext>
+            </a:extLst>
+          </p:cNvPr>
+          <p:cNvPicPr>
+            <a:picLocks noChangeAspect="1"/>
+          </p:cNvPicPr>
+          <p:nvPr/>
+        </p:nvPicPr>
+        <p:blipFill>
+          <a:blip r:embed="rId3"/>
+          <a:stretch>
+            <a:fillRect/>
+          </a:stretch>
+        </p:blipFill>
+        <p:spPr>
+          <a:xfrm>
+            <a:off x="7010345" y="847649"/>
+            <a:ext cx="3740150" cy="3578860"/>
+          </a:xfrm>
+          <a:prstGeom prst="rect">
+            <a:avLst/>
+          </a:prstGeom>
+        </p:spPr>
+      </p:pic>
+    </p:spTree>
+    <p:extLst>
+      <p:ext uri="{BB962C8B-B14F-4D97-AF65-F5344CB8AC3E}">
+        <p14:creationId xmlns:p14="http://schemas.microsoft.com/office/powerpoint/2010/main" val="3708993496"/>
+      </p:ext>
+    </p:extLst>
+  </p:cSld>
+  <p:clrMapOvr>
+    <a:masterClrMapping/>
+  </p:clrMapOvr>
+</p:sld>
+</file>
+
+<file path=ppt/slides/slide14.xml><?xml version="1.0" encoding="utf-8"?>
+<p:sld xmlns:a="http://schemas.openxmlformats.org/drawingml/2006/main" xmlns:r="http://schemas.openxmlformats.org/officeDocument/2006/relationships" xmlns:p="http://schemas.openxmlformats.org/presentationml/2006/main">
+  <p:cSld>
+    <p:spTree>
+      <p:nvGrpSpPr>
+        <p:cNvPr id="1" name=""/>
+        <p:cNvGrpSpPr/>
+        <p:nvPr/>
+      </p:nvGrpSpPr>
+      <p:grpSpPr>
+        <a:xfrm>
+          <a:off x="0" y="0"/>
+          <a:ext cx="0" cy="0"/>
+          <a:chOff x="0" y="0"/>
+          <a:chExt cx="0" cy="0"/>
+        </a:xfrm>
+      </p:grpSpPr>
+      <p:sp>
+        <p:nvSpPr>
+          <p:cNvPr id="4" name="Прямоугольник 3">
+            <a:extLst>
+              <a:ext uri="{FF2B5EF4-FFF2-40B4-BE49-F238E27FC236}">
+                <a16:creationId xmlns:a16="http://schemas.microsoft.com/office/drawing/2014/main" id="{88A108B3-5818-6264-1CD6-3D23BFF1B259}"/>
+              </a:ext>
+            </a:extLst>
+          </p:cNvPr>
+          <p:cNvSpPr/>
+          <p:nvPr/>
+        </p:nvSpPr>
+        <p:spPr>
+          <a:xfrm>
+            <a:off x="0" y="0"/>
+            <a:ext cx="12192000" cy="6858000"/>
+          </a:xfrm>
+          <a:prstGeom prst="rect">
+            <a:avLst/>
+          </a:prstGeom>
+          <a:solidFill>
+            <a:srgbClr val="B3D5B4"/>
+          </a:solidFill>
+        </p:spPr>
+        <p:style>
+          <a:lnRef idx="2">
+            <a:schemeClr val="accent1">
+              <a:shade val="50000"/>
+            </a:schemeClr>
+          </a:lnRef>
+          <a:fillRef idx="1">
+            <a:schemeClr val="accent1"/>
+          </a:fillRef>
+          <a:effectRef idx="0">
+            <a:schemeClr val="accent1"/>
+          </a:effectRef>
+          <a:fontRef idx="minor">
+            <a:schemeClr val="lt1"/>
+          </a:fontRef>
+        </p:style>
+        <p:txBody>
+          <a:bodyPr rtlCol="0" anchor="ctr"/>
+          <a:lstStyle/>
+          <a:p>
+            <a:pPr algn="ctr"/>
+            <a:endParaRPr lang="ru-RU"/>
+          </a:p>
+        </p:txBody>
+      </p:sp>
+      <p:sp>
+        <p:nvSpPr>
+          <p:cNvPr id="8" name="Прямоугольник 7">
+            <a:extLst>
+              <a:ext uri="{FF2B5EF4-FFF2-40B4-BE49-F238E27FC236}">
+                <a16:creationId xmlns:a16="http://schemas.microsoft.com/office/drawing/2014/main" id="{6A0066BD-3270-2326-403B-286F6C79ABE4}"/>
+              </a:ext>
+            </a:extLst>
+          </p:cNvPr>
+          <p:cNvSpPr/>
+          <p:nvPr/>
+        </p:nvSpPr>
+        <p:spPr>
+          <a:xfrm>
+            <a:off x="0" y="331978"/>
+            <a:ext cx="5791201" cy="744878"/>
+          </a:xfrm>
+          <a:prstGeom prst="rect">
+            <a:avLst/>
+          </a:prstGeom>
+          <a:solidFill>
+            <a:schemeClr val="accent1">
+              <a:alpha val="75000"/>
+            </a:schemeClr>
+          </a:solidFill>
+          <a:ln>
+            <a:noFill/>
+          </a:ln>
+        </p:spPr>
+        <p:style>
+          <a:lnRef idx="2">
+            <a:schemeClr val="accent1">
+              <a:shade val="50000"/>
+            </a:schemeClr>
+          </a:lnRef>
+          <a:fillRef idx="1">
+            <a:schemeClr val="accent1"/>
+          </a:fillRef>
+          <a:effectRef idx="0">
+            <a:schemeClr val="accent1"/>
+          </a:effectRef>
+          <a:fontRef idx="minor">
+            <a:schemeClr val="lt1"/>
+          </a:fontRef>
+        </p:style>
+        <p:txBody>
+          <a:bodyPr rtlCol="0" anchor="ctr"/>
+          <a:lstStyle/>
+          <a:p>
+            <a:pPr algn="ctr"/>
+            <a:endParaRPr lang="ru-RU" dirty="0"/>
+          </a:p>
+        </p:txBody>
+      </p:sp>
+      <p:sp>
+        <p:nvSpPr>
+          <p:cNvPr id="5" name="TextBox 4">
+            <a:extLst>
+              <a:ext uri="{FF2B5EF4-FFF2-40B4-BE49-F238E27FC236}">
+                <a16:creationId xmlns:a16="http://schemas.microsoft.com/office/drawing/2014/main" id="{F71A844B-7627-0241-B45B-44F2D9D1EF05}"/>
+              </a:ext>
+            </a:extLst>
+          </p:cNvPr>
+          <p:cNvSpPr txBox="1"/>
+          <p:nvPr/>
+        </p:nvSpPr>
+        <p:spPr>
+          <a:xfrm>
+            <a:off x="304800" y="412030"/>
+            <a:ext cx="5486401" cy="646331"/>
+          </a:xfrm>
+          <a:prstGeom prst="rect">
+            <a:avLst/>
+          </a:prstGeom>
+          <a:noFill/>
+        </p:spPr>
+        <p:txBody>
+          <a:bodyPr wrap="square">
+            <a:spAutoFit/>
+          </a:bodyPr>
+          <a:lstStyle/>
+          <a:p>
+            <a:r>
+              <a:rPr lang="ru-RU" sz="3600" b="1" dirty="0">
+                <a:latin typeface="Arial Narrow" panose="020B0606020202030204" pitchFamily="34" charset="0"/>
+              </a:rPr>
+              <a:t>Тестирование</a:t>
+            </a:r>
+          </a:p>
+        </p:txBody>
+      </p:sp>
+      <p:sp>
+        <p:nvSpPr>
+          <p:cNvPr id="3" name="TextBox 2">
+            <a:extLst>
+              <a:ext uri="{FF2B5EF4-FFF2-40B4-BE49-F238E27FC236}">
+                <a16:creationId xmlns:a16="http://schemas.microsoft.com/office/drawing/2014/main" id="{830DA6B1-AFAA-B43F-424F-7D28736F06D2}"/>
+              </a:ext>
+            </a:extLst>
+          </p:cNvPr>
+          <p:cNvSpPr txBox="1"/>
+          <p:nvPr/>
+        </p:nvSpPr>
+        <p:spPr>
+          <a:xfrm>
+            <a:off x="11525639" y="6183404"/>
+            <a:ext cx="415990" cy="461665"/>
+          </a:xfrm>
+          <a:prstGeom prst="rect">
+            <a:avLst/>
+          </a:prstGeom>
+          <a:noFill/>
+        </p:spPr>
+        <p:txBody>
+          <a:bodyPr wrap="square" rtlCol="0">
+            <a:spAutoFit/>
+          </a:bodyPr>
+          <a:lstStyle/>
+          <a:p>
+            <a:r>
+              <a:rPr lang="ru-RU" sz="2400" dirty="0">
+                <a:solidFill>
+                  <a:schemeClr val="accent6">
+                    <a:lumMod val="75000"/>
+                  </a:schemeClr>
+                </a:solidFill>
+                <a:latin typeface="Arial Black" panose="020B0A04020102020204" pitchFamily="34" charset="0"/>
+              </a:rPr>
+              <a:t>6</a:t>
+            </a:r>
+          </a:p>
+        </p:txBody>
+      </p:sp>
+      <p:pic>
+        <p:nvPicPr>
+          <p:cNvPr id="7" name="Рисунок 6" descr="Изображение выглядит как текст&#10;&#10;Автоматически созданное описание">
+            <a:extLst>
+              <a:ext uri="{FF2B5EF4-FFF2-40B4-BE49-F238E27FC236}">
+                <a16:creationId xmlns:a16="http://schemas.microsoft.com/office/drawing/2014/main" id="{5D5771FD-056D-2686-E5B0-F8686F914C32}"/>
+              </a:ext>
+            </a:extLst>
+          </p:cNvPr>
+          <p:cNvPicPr>
+            <a:picLocks noChangeAspect="1"/>
+          </p:cNvPicPr>
+          <p:nvPr/>
+        </p:nvPicPr>
+        <p:blipFill>
+          <a:blip r:embed="rId2"/>
+          <a:stretch>
+            <a:fillRect/>
+          </a:stretch>
+        </p:blipFill>
+        <p:spPr>
+          <a:xfrm>
+            <a:off x="93307" y="1156908"/>
+            <a:ext cx="6895352" cy="3668249"/>
+          </a:xfrm>
+          <a:prstGeom prst="rect">
+            <a:avLst/>
+          </a:prstGeom>
+        </p:spPr>
+      </p:pic>
+      <p:pic>
+        <p:nvPicPr>
+          <p:cNvPr id="9" name="Рисунок 8">
+            <a:extLst>
+              <a:ext uri="{FF2B5EF4-FFF2-40B4-BE49-F238E27FC236}">
+                <a16:creationId xmlns:a16="http://schemas.microsoft.com/office/drawing/2014/main" id="{5723D7FB-3D06-0DC3-F927-941387057CF7}"/>
+              </a:ext>
+            </a:extLst>
+          </p:cNvPr>
+          <p:cNvPicPr>
+            <a:picLocks noChangeAspect="1"/>
+          </p:cNvPicPr>
+          <p:nvPr/>
+        </p:nvPicPr>
+        <p:blipFill>
+          <a:blip r:embed="rId3"/>
+          <a:stretch>
+            <a:fillRect/>
+          </a:stretch>
+        </p:blipFill>
+        <p:spPr>
+          <a:xfrm>
+            <a:off x="5186531" y="4582351"/>
+            <a:ext cx="6017763" cy="2194714"/>
+          </a:xfrm>
+          <a:prstGeom prst="rect">
+            <a:avLst/>
+          </a:prstGeom>
+        </p:spPr>
+      </p:pic>
+    </p:spTree>
+    <p:extLst>
+      <p:ext uri="{BB962C8B-B14F-4D97-AF65-F5344CB8AC3E}">
+        <p14:creationId xmlns:p14="http://schemas.microsoft.com/office/powerpoint/2010/main" val="3698893246"/>
+      </p:ext>
+    </p:extLst>
+  </p:cSld>
+  <p:clrMapOvr>
+    <a:masterClrMapping/>
+  </p:clrMapOvr>
+</p:sld>
+</file>
+
+<file path=ppt/slides/slide15.xml><?xml version="1.0" encoding="utf-8"?>
+<p:sld xmlns:a="http://schemas.openxmlformats.org/drawingml/2006/main" xmlns:r="http://schemas.openxmlformats.org/officeDocument/2006/relationships" xmlns:p="http://schemas.openxmlformats.org/presentationml/2006/main">
+  <p:cSld>
+    <p:spTree>
+      <p:nvGrpSpPr>
+        <p:cNvPr id="1" name=""/>
+        <p:cNvGrpSpPr/>
+        <p:nvPr/>
+      </p:nvGrpSpPr>
+      <p:grpSpPr>
+        <a:xfrm>
+          <a:off x="0" y="0"/>
+          <a:ext cx="0" cy="0"/>
+          <a:chOff x="0" y="0"/>
+          <a:chExt cx="0" cy="0"/>
+        </a:xfrm>
+      </p:grpSpPr>
+      <p:sp>
+        <p:nvSpPr>
+          <p:cNvPr id="9" name="Прямоугольник 8">
+            <a:extLst>
+              <a:ext uri="{FF2B5EF4-FFF2-40B4-BE49-F238E27FC236}">
+                <a16:creationId xmlns:a16="http://schemas.microsoft.com/office/drawing/2014/main" id="{0D61A3C7-4E6B-85AD-DD84-08739ED10AC7}"/>
+              </a:ext>
+            </a:extLst>
+          </p:cNvPr>
+          <p:cNvSpPr/>
+          <p:nvPr/>
+        </p:nvSpPr>
+        <p:spPr>
+          <a:xfrm>
+            <a:off x="-1" y="0"/>
+            <a:ext cx="12192000" cy="6858000"/>
+          </a:xfrm>
+          <a:prstGeom prst="rect">
+            <a:avLst/>
+          </a:prstGeom>
+          <a:solidFill>
+            <a:srgbClr val="F8BD88"/>
+          </a:solidFill>
+        </p:spPr>
+        <p:style>
+          <a:lnRef idx="2">
+            <a:schemeClr val="accent1">
+              <a:shade val="50000"/>
+            </a:schemeClr>
+          </a:lnRef>
+          <a:fillRef idx="1">
+            <a:schemeClr val="accent1"/>
+          </a:fillRef>
+          <a:effectRef idx="0">
+            <a:schemeClr val="accent1"/>
+          </a:effectRef>
+          <a:fontRef idx="minor">
+            <a:schemeClr val="lt1"/>
+          </a:fontRef>
+        </p:style>
+        <p:txBody>
+          <a:bodyPr rtlCol="0" anchor="ctr"/>
+          <a:lstStyle/>
+          <a:p>
+            <a:pPr algn="ctr"/>
+            <a:endParaRPr lang="ru-RU"/>
+          </a:p>
+        </p:txBody>
+      </p:sp>
+      <p:sp>
+        <p:nvSpPr>
+          <p:cNvPr id="5" name="TextBox 4">
+            <a:extLst>
+              <a:ext uri="{FF2B5EF4-FFF2-40B4-BE49-F238E27FC236}">
+                <a16:creationId xmlns:a16="http://schemas.microsoft.com/office/drawing/2014/main" id="{F71A844B-7627-0241-B45B-44F2D9D1EF05}"/>
+              </a:ext>
+            </a:extLst>
+          </p:cNvPr>
+          <p:cNvSpPr txBox="1"/>
+          <p:nvPr/>
+        </p:nvSpPr>
+        <p:spPr>
+          <a:xfrm>
+            <a:off x="304801" y="412030"/>
+            <a:ext cx="4805680" cy="584775"/>
+          </a:xfrm>
+          <a:prstGeom prst="rect">
+            <a:avLst/>
+          </a:prstGeom>
+          <a:noFill/>
+        </p:spPr>
+        <p:txBody>
+          <a:bodyPr wrap="square">
+            <a:spAutoFit/>
+          </a:bodyPr>
+          <a:lstStyle/>
+          <a:p>
+            <a:r>
               <a:rPr lang="ru-RU" sz="3200" b="1" dirty="0">
                 <a:latin typeface="Arial Narrow" panose="020B0606020202030204" pitchFamily="34" charset="0"/>
               </a:rPr>
-              <a:t>ИТОГИ</a:t>
+              <a:t>Заключение</a:t>
             </a:r>
             <a:endParaRPr lang="ru-RU" sz="3600" b="1" dirty="0">
               <a:latin typeface="Arial Narrow" panose="020B0606020202030204" pitchFamily="34" charset="0"/>
@@ -4751,54 +5115,89 @@
               </a:rPr>
               <a:t> 	</a:t>
             </a:r>
+            <a:endParaRPr lang="ru-RU" sz="2800" dirty="0">
+              <a:latin typeface="Arial" panose="020B0604020202020204" pitchFamily="34" charset="0"/>
+              <a:cs typeface="Arial" panose="020B0604020202020204" pitchFamily="34" charset="0"/>
+            </a:endParaRPr>
+          </a:p>
+          <a:p>
+            <a:pPr marL="457200" indent="-457200">
+              <a:lnSpc>
+                <a:spcPct val="130000"/>
+              </a:lnSpc>
+              <a:buFont typeface="Arial" panose="020B0604020202020204" pitchFamily="34" charset="0"/>
+              <a:buChar char="•"/>
+            </a:pPr>
             <a:r>
               <a:rPr lang="ru-RU" sz="2800" dirty="0">
                 <a:latin typeface="Arial" panose="020B0604020202020204" pitchFamily="34" charset="0"/>
                 <a:cs typeface="Arial" panose="020B0604020202020204" pitchFamily="34" charset="0"/>
               </a:rPr>
-              <a:t>Все модули подсистемы реализованы </a:t>
-            </a:r>
-          </a:p>
-          <a:p>
-            <a:pPr>
+              <a:t>Проведен анализ предметной области</a:t>
+            </a:r>
+          </a:p>
+          <a:p>
+            <a:pPr marL="457200" indent="-457200">
               <a:lnSpc>
                 <a:spcPct val="130000"/>
               </a:lnSpc>
+              <a:buFont typeface="Arial" panose="020B0604020202020204" pitchFamily="34" charset="0"/>
+              <a:buChar char="•"/>
             </a:pPr>
             <a:r>
               <a:rPr lang="ru-RU" sz="2800" dirty="0">
                 <a:latin typeface="Arial" panose="020B0604020202020204" pitchFamily="34" charset="0"/>
                 <a:cs typeface="Arial" panose="020B0604020202020204" pitchFamily="34" charset="0"/>
               </a:rPr>
-              <a:t>	Подсистема протестирована и внедрена в симулятор</a:t>
-            </a:r>
-          </a:p>
-          <a:p>
-            <a:pPr>
+              <a:t>Спроектированы модули подсистемы</a:t>
+            </a:r>
+          </a:p>
+          <a:p>
+            <a:pPr marL="457200" indent="-457200">
               <a:lnSpc>
                 <a:spcPct val="130000"/>
               </a:lnSpc>
+              <a:buFont typeface="Arial" panose="020B0604020202020204" pitchFamily="34" charset="0"/>
+              <a:buChar char="•"/>
             </a:pPr>
             <a:r>
               <a:rPr lang="ru-RU" sz="2800" dirty="0">
                 <a:latin typeface="Arial" panose="020B0604020202020204" pitchFamily="34" charset="0"/>
                 <a:cs typeface="Arial" panose="020B0604020202020204" pitchFamily="34" charset="0"/>
               </a:rPr>
-              <a:t>	Поддержка модулей обеспечена написанными авто-тестами</a:t>
-            </a:r>
-          </a:p>
-          <a:p>
-            <a:pPr>
+              <a:t>Выполнена программная реализация</a:t>
+            </a:r>
+          </a:p>
+          <a:p>
+            <a:pPr marL="457200" indent="-457200">
               <a:lnSpc>
                 <a:spcPct val="130000"/>
               </a:lnSpc>
+              <a:buFont typeface="Arial" panose="020B0604020202020204" pitchFamily="34" charset="0"/>
+              <a:buChar char="•"/>
             </a:pPr>
             <a:r>
               <a:rPr lang="ru-RU" sz="2800" dirty="0">
                 <a:latin typeface="Arial" panose="020B0604020202020204" pitchFamily="34" charset="0"/>
                 <a:cs typeface="Arial" panose="020B0604020202020204" pitchFamily="34" charset="0"/>
               </a:rPr>
-              <a:t>	Работа с подсистемой упрощена расширениями редактора</a:t>
+              <a:t>Связаны подсистемы с визуальной частью</a:t>
+            </a:r>
+          </a:p>
+          <a:p>
+            <a:pPr marL="457200" indent="-457200">
+              <a:lnSpc>
+                <a:spcPct val="130000"/>
+              </a:lnSpc>
+              <a:buFont typeface="Arial" panose="020B0604020202020204" pitchFamily="34" charset="0"/>
+              <a:buChar char="•"/>
+            </a:pPr>
+            <a:r>
+              <a:rPr lang="ru-RU" sz="2800" dirty="0">
+                <a:latin typeface="Arial" panose="020B0604020202020204" pitchFamily="34" charset="0"/>
+                <a:cs typeface="Arial" panose="020B0604020202020204" pitchFamily="34" charset="0"/>
+              </a:rPr>
+              <a:t>Выполнено модульное тестирование</a:t>
             </a:r>
           </a:p>
           <a:p>
@@ -4818,55 +5217,10 @@
                 <a:spcPct val="130000"/>
               </a:lnSpc>
             </a:pPr>
-            <a:r>
-              <a:rPr lang="ru-RU" sz="2800" dirty="0">
-                <a:latin typeface="Arial" panose="020B0604020202020204" pitchFamily="34" charset="0"/>
-                <a:cs typeface="Arial" panose="020B0604020202020204" pitchFamily="34" charset="0"/>
-              </a:rPr>
-              <a:t>В процессе работы над ВКР:</a:t>
-            </a:r>
-          </a:p>
-          <a:p>
-            <a:pPr>
-              <a:lnSpc>
-                <a:spcPct val="130000"/>
-              </a:lnSpc>
-            </a:pPr>
-            <a:r>
-              <a:rPr lang="ru-RU" sz="2800" dirty="0">
-                <a:latin typeface="Arial" panose="020B0604020202020204" pitchFamily="34" charset="0"/>
-                <a:cs typeface="Arial" panose="020B0604020202020204" pitchFamily="34" charset="0"/>
-              </a:rPr>
-              <a:t>1.  Была исследована предметная область</a:t>
-            </a:r>
-          </a:p>
-          <a:p>
-            <a:pPr>
-              <a:lnSpc>
-                <a:spcPct val="130000"/>
-              </a:lnSpc>
-            </a:pPr>
-            <a:r>
-              <a:rPr lang="ru-RU" sz="2800" dirty="0">
-                <a:latin typeface="Arial" panose="020B0604020202020204" pitchFamily="34" charset="0"/>
-                <a:cs typeface="Arial" panose="020B0604020202020204" pitchFamily="34" charset="0"/>
-              </a:rPr>
-              <a:t>2.  Спроектирована и разработана подсистема</a:t>
-            </a:r>
-          </a:p>
-          <a:p>
-            <a:pPr>
-              <a:lnSpc>
-                <a:spcPct val="130000"/>
-              </a:lnSpc>
-            </a:pPr>
-            <a:r>
-              <a:rPr lang="ru-RU" sz="2800" dirty="0">
-                <a:latin typeface="Arial" panose="020B0604020202020204" pitchFamily="34" charset="0"/>
-                <a:cs typeface="Arial" panose="020B0604020202020204" pitchFamily="34" charset="0"/>
-              </a:rPr>
-              <a:t>3.  Закреплены полученные в процессе обучения навыки</a:t>
-            </a:r>
+            <a:endParaRPr lang="ru-RU" sz="2800" dirty="0">
+              <a:latin typeface="Arial" panose="020B0604020202020204" pitchFamily="34" charset="0"/>
+              <a:cs typeface="Arial" panose="020B0604020202020204" pitchFamily="34" charset="0"/>
+            </a:endParaRPr>
           </a:p>
           <a:p>
             <a:pPr>
@@ -4879,168 +5233,181 @@
               <a:cs typeface="Arial" panose="020B0604020202020204" pitchFamily="34" charset="0"/>
             </a:endParaRPr>
           </a:p>
-        </p:txBody>
-      </p:sp>
-      <p:pic>
-        <p:nvPicPr>
-          <p:cNvPr id="8" name="Рисунок 7" descr="Флажок со сплошной заливкой">
-            <a:extLst>
-              <a:ext uri="{FF2B5EF4-FFF2-40B4-BE49-F238E27FC236}">
-                <a16:creationId xmlns:a16="http://schemas.microsoft.com/office/drawing/2014/main" id="{6D539815-9D89-06E1-53E9-4B8A4C632838}"/>
-              </a:ext>
-            </a:extLst>
-          </p:cNvPr>
-          <p:cNvPicPr>
-            <a:picLocks noChangeAspect="1"/>
-          </p:cNvPicPr>
-          <p:nvPr/>
-        </p:nvPicPr>
-        <p:blipFill>
-          <a:blip r:embed="rId2">
-            <a:extLst>
-              <a:ext uri="{28A0092B-C50C-407E-A947-70E740481C1C}">
-                <a14:useLocalDpi xmlns:a14="http://schemas.microsoft.com/office/drawing/2010/main" val="0"/>
-              </a:ext>
-              <a:ext uri="{96DAC541-7B7A-43D3-8B79-37D633B846F1}">
-                <asvg:svgBlip xmlns:asvg="http://schemas.microsoft.com/office/drawing/2016/SVG/main" r:embed="rId3"/>
-              </a:ext>
-            </a:extLst>
-          </a:blip>
-          <a:stretch>
-            <a:fillRect/>
-          </a:stretch>
-        </p:blipFill>
-        <p:spPr>
-          <a:xfrm>
-            <a:off x="635767" y="1277175"/>
-            <a:ext cx="448520" cy="448520"/>
-          </a:xfrm>
-          <a:prstGeom prst="rect">
-            <a:avLst/>
-          </a:prstGeom>
-        </p:spPr>
-      </p:pic>
-      <p:pic>
-        <p:nvPicPr>
-          <p:cNvPr id="10" name="Рисунок 9" descr="Флажок со сплошной заливкой">
-            <a:extLst>
-              <a:ext uri="{FF2B5EF4-FFF2-40B4-BE49-F238E27FC236}">
-                <a16:creationId xmlns:a16="http://schemas.microsoft.com/office/drawing/2014/main" id="{F80DE54C-1A09-A950-C97F-AC85FAE2D971}"/>
-              </a:ext>
-            </a:extLst>
-          </p:cNvPr>
-          <p:cNvPicPr>
-            <a:picLocks noChangeAspect="1"/>
-          </p:cNvPicPr>
-          <p:nvPr/>
-        </p:nvPicPr>
-        <p:blipFill>
-          <a:blip r:embed="rId2">
-            <a:extLst>
-              <a:ext uri="{28A0092B-C50C-407E-A947-70E740481C1C}">
-                <a14:useLocalDpi xmlns:a14="http://schemas.microsoft.com/office/drawing/2010/main" val="0"/>
-              </a:ext>
-              <a:ext uri="{96DAC541-7B7A-43D3-8B79-37D633B846F1}">
-                <asvg:svgBlip xmlns:asvg="http://schemas.microsoft.com/office/drawing/2016/SVG/main" r:embed="rId3"/>
-              </a:ext>
-            </a:extLst>
-          </a:blip>
-          <a:stretch>
-            <a:fillRect/>
-          </a:stretch>
-        </p:blipFill>
-        <p:spPr>
-          <a:xfrm>
-            <a:off x="635767" y="1828714"/>
-            <a:ext cx="448520" cy="448520"/>
-          </a:xfrm>
-          <a:prstGeom prst="rect">
-            <a:avLst/>
-          </a:prstGeom>
-        </p:spPr>
-      </p:pic>
-      <p:pic>
-        <p:nvPicPr>
-          <p:cNvPr id="11" name="Рисунок 10" descr="Флажок со сплошной заливкой">
-            <a:extLst>
-              <a:ext uri="{FF2B5EF4-FFF2-40B4-BE49-F238E27FC236}">
-                <a16:creationId xmlns:a16="http://schemas.microsoft.com/office/drawing/2014/main" id="{81B2B8AD-711A-4945-20E1-091F88C71DB4}"/>
-              </a:ext>
-            </a:extLst>
-          </p:cNvPr>
-          <p:cNvPicPr>
-            <a:picLocks noChangeAspect="1"/>
-          </p:cNvPicPr>
-          <p:nvPr/>
-        </p:nvPicPr>
-        <p:blipFill>
-          <a:blip r:embed="rId2">
-            <a:extLst>
-              <a:ext uri="{28A0092B-C50C-407E-A947-70E740481C1C}">
-                <a14:useLocalDpi xmlns:a14="http://schemas.microsoft.com/office/drawing/2010/main" val="0"/>
-              </a:ext>
-              <a:ext uri="{96DAC541-7B7A-43D3-8B79-37D633B846F1}">
-                <asvg:svgBlip xmlns:asvg="http://schemas.microsoft.com/office/drawing/2016/SVG/main" r:embed="rId3"/>
-              </a:ext>
-            </a:extLst>
-          </a:blip>
-          <a:stretch>
-            <a:fillRect/>
-          </a:stretch>
-        </p:blipFill>
-        <p:spPr>
-          <a:xfrm>
-            <a:off x="635767" y="2380253"/>
-            <a:ext cx="448520" cy="448520"/>
-          </a:xfrm>
-          <a:prstGeom prst="rect">
-            <a:avLst/>
-          </a:prstGeom>
-        </p:spPr>
-      </p:pic>
-      <p:pic>
-        <p:nvPicPr>
-          <p:cNvPr id="12" name="Рисунок 11" descr="Флажок со сплошной заливкой">
-            <a:extLst>
-              <a:ext uri="{FF2B5EF4-FFF2-40B4-BE49-F238E27FC236}">
-                <a16:creationId xmlns:a16="http://schemas.microsoft.com/office/drawing/2014/main" id="{2CEBEA70-B37F-CF6E-49C3-5B8FECB906BF}"/>
-              </a:ext>
-            </a:extLst>
-          </p:cNvPr>
-          <p:cNvPicPr>
-            <a:picLocks noChangeAspect="1"/>
-          </p:cNvPicPr>
-          <p:nvPr/>
-        </p:nvPicPr>
-        <p:blipFill>
-          <a:blip r:embed="rId2">
-            <a:extLst>
-              <a:ext uri="{28A0092B-C50C-407E-A947-70E740481C1C}">
-                <a14:useLocalDpi xmlns:a14="http://schemas.microsoft.com/office/drawing/2010/main" val="0"/>
-              </a:ext>
-              <a:ext uri="{96DAC541-7B7A-43D3-8B79-37D633B846F1}">
-                <asvg:svgBlip xmlns:asvg="http://schemas.microsoft.com/office/drawing/2016/SVG/main" r:embed="rId3"/>
-              </a:ext>
-            </a:extLst>
-          </a:blip>
-          <a:stretch>
-            <a:fillRect/>
-          </a:stretch>
-        </p:blipFill>
-        <p:spPr>
-          <a:xfrm>
-            <a:off x="635767" y="2931792"/>
-            <a:ext cx="448520" cy="448520"/>
-          </a:xfrm>
-          <a:prstGeom prst="rect">
-            <a:avLst/>
-          </a:prstGeom>
-        </p:spPr>
-      </p:pic>
+          <a:p>
+            <a:pPr>
+              <a:lnSpc>
+                <a:spcPct val="130000"/>
+              </a:lnSpc>
+            </a:pPr>
+            <a:endParaRPr lang="ru-RU" sz="2800" dirty="0">
+              <a:latin typeface="Arial" panose="020B0604020202020204" pitchFamily="34" charset="0"/>
+              <a:cs typeface="Arial" panose="020B0604020202020204" pitchFamily="34" charset="0"/>
+            </a:endParaRPr>
+          </a:p>
+        </p:txBody>
+      </p:sp>
     </p:spTree>
     <p:extLst>
       <p:ext uri="{BB962C8B-B14F-4D97-AF65-F5344CB8AC3E}">
         <p14:creationId xmlns:p14="http://schemas.microsoft.com/office/powerpoint/2010/main" val="403349445"/>
+      </p:ext>
+    </p:extLst>
+  </p:cSld>
+  <p:clrMapOvr>
+    <a:masterClrMapping/>
+  </p:clrMapOvr>
+</p:sld>
+</file>
+
+<file path=ppt/slides/slide16.xml><?xml version="1.0" encoding="utf-8"?>
+<p:sld xmlns:a="http://schemas.openxmlformats.org/drawingml/2006/main" xmlns:r="http://schemas.openxmlformats.org/officeDocument/2006/relationships" xmlns:p="http://schemas.openxmlformats.org/presentationml/2006/main">
+  <p:cSld>
+    <p:spTree>
+      <p:nvGrpSpPr>
+        <p:cNvPr id="1" name=""/>
+        <p:cNvGrpSpPr/>
+        <p:nvPr/>
+      </p:nvGrpSpPr>
+      <p:grpSpPr>
+        <a:xfrm>
+          <a:off x="0" y="0"/>
+          <a:ext cx="0" cy="0"/>
+          <a:chOff x="0" y="0"/>
+          <a:chExt cx="0" cy="0"/>
+        </a:xfrm>
+      </p:grpSpPr>
+      <p:sp>
+        <p:nvSpPr>
+          <p:cNvPr id="9" name="Прямоугольник 8">
+            <a:extLst>
+              <a:ext uri="{FF2B5EF4-FFF2-40B4-BE49-F238E27FC236}">
+                <a16:creationId xmlns:a16="http://schemas.microsoft.com/office/drawing/2014/main" id="{0D61A3C7-4E6B-85AD-DD84-08739ED10AC7}"/>
+              </a:ext>
+            </a:extLst>
+          </p:cNvPr>
+          <p:cNvSpPr/>
+          <p:nvPr/>
+        </p:nvSpPr>
+        <p:spPr>
+          <a:xfrm>
+            <a:off x="-1" y="0"/>
+            <a:ext cx="12192000" cy="6858000"/>
+          </a:xfrm>
+          <a:prstGeom prst="rect">
+            <a:avLst/>
+          </a:prstGeom>
+          <a:solidFill>
+            <a:srgbClr val="F8BD88"/>
+          </a:solidFill>
+        </p:spPr>
+        <p:style>
+          <a:lnRef idx="2">
+            <a:schemeClr val="accent1">
+              <a:shade val="50000"/>
+            </a:schemeClr>
+          </a:lnRef>
+          <a:fillRef idx="1">
+            <a:schemeClr val="accent1"/>
+          </a:fillRef>
+          <a:effectRef idx="0">
+            <a:schemeClr val="accent1"/>
+          </a:effectRef>
+          <a:fontRef idx="minor">
+            <a:schemeClr val="lt1"/>
+          </a:fontRef>
+        </p:style>
+        <p:txBody>
+          <a:bodyPr rtlCol="0" anchor="ctr"/>
+          <a:lstStyle/>
+          <a:p>
+            <a:pPr algn="ctr"/>
+            <a:endParaRPr lang="ru-RU"/>
+          </a:p>
+        </p:txBody>
+      </p:sp>
+      <p:sp>
+        <p:nvSpPr>
+          <p:cNvPr id="5" name="TextBox 4">
+            <a:extLst>
+              <a:ext uri="{FF2B5EF4-FFF2-40B4-BE49-F238E27FC236}">
+                <a16:creationId xmlns:a16="http://schemas.microsoft.com/office/drawing/2014/main" id="{F71A844B-7627-0241-B45B-44F2D9D1EF05}"/>
+              </a:ext>
+            </a:extLst>
+          </p:cNvPr>
+          <p:cNvSpPr txBox="1"/>
+          <p:nvPr/>
+        </p:nvSpPr>
+        <p:spPr>
+          <a:xfrm>
+            <a:off x="1424474" y="2790503"/>
+            <a:ext cx="8605933" cy="1015663"/>
+          </a:xfrm>
+          <a:prstGeom prst="rect">
+            <a:avLst/>
+          </a:prstGeom>
+          <a:noFill/>
+        </p:spPr>
+        <p:txBody>
+          <a:bodyPr wrap="square">
+            <a:spAutoFit/>
+          </a:bodyPr>
+          <a:lstStyle/>
+          <a:p>
+            <a:r>
+              <a:rPr lang="ru-RU" sz="6000" b="1" dirty="0">
+                <a:latin typeface="Arial Narrow" panose="020B0606020202030204" pitchFamily="34" charset="0"/>
+              </a:rPr>
+              <a:t>Благодарю за внимание !</a:t>
+            </a:r>
+          </a:p>
+        </p:txBody>
+      </p:sp>
+      <p:sp>
+        <p:nvSpPr>
+          <p:cNvPr id="3" name="TextBox 2">
+            <a:extLst>
+              <a:ext uri="{FF2B5EF4-FFF2-40B4-BE49-F238E27FC236}">
+                <a16:creationId xmlns:a16="http://schemas.microsoft.com/office/drawing/2014/main" id="{830DA6B1-AFAA-B43F-424F-7D28736F06D2}"/>
+              </a:ext>
+            </a:extLst>
+          </p:cNvPr>
+          <p:cNvSpPr txBox="1"/>
+          <p:nvPr/>
+        </p:nvSpPr>
+        <p:spPr>
+          <a:xfrm>
+            <a:off x="11525639" y="6183404"/>
+            <a:ext cx="415990" cy="461665"/>
+          </a:xfrm>
+          <a:prstGeom prst="rect">
+            <a:avLst/>
+          </a:prstGeom>
+          <a:noFill/>
+        </p:spPr>
+        <p:txBody>
+          <a:bodyPr wrap="square" rtlCol="0">
+            <a:spAutoFit/>
+          </a:bodyPr>
+          <a:lstStyle/>
+          <a:p>
+            <a:r>
+              <a:rPr lang="ru-RU" sz="2400" dirty="0">
+                <a:solidFill>
+                  <a:schemeClr val="accent6">
+                    <a:lumMod val="75000"/>
+                  </a:schemeClr>
+                </a:solidFill>
+                <a:latin typeface="Arial Black" panose="020B0A04020102020204" pitchFamily="34" charset="0"/>
+              </a:rPr>
+              <a:t>7</a:t>
+            </a:r>
+          </a:p>
+        </p:txBody>
+      </p:sp>
+    </p:spTree>
+    <p:extLst>
+      <p:ext uri="{BB962C8B-B14F-4D97-AF65-F5344CB8AC3E}">
+        <p14:creationId xmlns:p14="http://schemas.microsoft.com/office/powerpoint/2010/main" val="228968667"/>
       </p:ext>
     </p:extLst>
   </p:cSld>
@@ -5202,7 +5569,7 @@
               <a:rPr lang="ru-RU" sz="3200" b="1" dirty="0">
                 <a:latin typeface="Arial Narrow" panose="020B0606020202030204" pitchFamily="34" charset="0"/>
               </a:rPr>
-              <a:t>ЦЕЛИ И ЗАДАЧИ</a:t>
+              <a:t>ЦЕЛИ</a:t>
             </a:r>
             <a:endParaRPr lang="ru-RU" sz="3600" b="1" dirty="0">
               <a:latin typeface="Arial Narrow" panose="020B0606020202030204" pitchFamily="34" charset="0"/>
@@ -5224,8 +5591,8 @@
         </p:nvSpPr>
         <p:spPr>
           <a:xfrm>
-            <a:off x="314129" y="1175793"/>
-            <a:ext cx="11563741" cy="4225772"/>
+            <a:off x="304800" y="1316114"/>
+            <a:ext cx="11563741" cy="1754326"/>
           </a:xfrm>
           <a:prstGeom prst="rect">
             <a:avLst/>
@@ -5239,235 +5606,20 @@
           <a:lstStyle/>
           <a:p>
             <a:r>
-              <a:rPr lang="ru-RU" sz="2600" b="1" dirty="0">
+              <a:rPr lang="ru-RU" sz="2400" dirty="0">
+                <a:solidFill>
+                  <a:srgbClr val="000000"/>
+                </a:solidFill>
+                <a:effectLst/>
                 <a:latin typeface="Arial" panose="020B0604020202020204" pitchFamily="34" charset="0"/>
+                <a:ea typeface="Times New Roman" panose="02020603050405020304" pitchFamily="18" charset="0"/>
                 <a:cs typeface="Arial" panose="020B0604020202020204" pitchFamily="34" charset="0"/>
               </a:rPr>
-              <a:t>Целью</a:t>
-            </a:r>
-            <a:r>
-              <a:rPr lang="ru-RU" sz="2600" dirty="0">
-                <a:latin typeface="Arial" panose="020B0604020202020204" pitchFamily="34" charset="0"/>
-                <a:cs typeface="Arial" panose="020B0604020202020204" pitchFamily="34" charset="0"/>
-              </a:rPr>
-              <a:t> данной работы является </a:t>
-            </a:r>
-          </a:p>
-          <a:p>
-            <a:pPr>
-              <a:lnSpc>
-                <a:spcPct val="150000"/>
-              </a:lnSpc>
-            </a:pPr>
-            <a:r>
-              <a:rPr lang="ru-RU" sz="2600" b="1" dirty="0">
-                <a:latin typeface="Arial" panose="020B0604020202020204" pitchFamily="34" charset="0"/>
-                <a:cs typeface="Arial" panose="020B0604020202020204" pitchFamily="34" charset="0"/>
-              </a:rPr>
-              <a:t>Основные задачи</a:t>
-            </a:r>
-            <a:r>
-              <a:rPr lang="ru-RU" sz="2600" dirty="0">
-                <a:latin typeface="Arial" panose="020B0604020202020204" pitchFamily="34" charset="0"/>
-                <a:cs typeface="Arial" panose="020B0604020202020204" pitchFamily="34" charset="0"/>
-              </a:rPr>
-              <a:t>:</a:t>
-            </a:r>
-          </a:p>
-          <a:p>
-            <a:pPr>
-              <a:lnSpc>
-                <a:spcPct val="130000"/>
-              </a:lnSpc>
-            </a:pPr>
-            <a:r>
-              <a:rPr lang="ru-RU" sz="2200" b="1" dirty="0">
-                <a:latin typeface="Arial" panose="020B0604020202020204" pitchFamily="34" charset="0"/>
-                <a:cs typeface="Arial" panose="020B0604020202020204" pitchFamily="34" charset="0"/>
-              </a:rPr>
-              <a:t>1</a:t>
-            </a:r>
-            <a:r>
-              <a:rPr lang="ru-RU" sz="2000" dirty="0">
-                <a:latin typeface="Arial" panose="020B0604020202020204" pitchFamily="34" charset="0"/>
-                <a:cs typeface="Arial" panose="020B0604020202020204" pitchFamily="34" charset="0"/>
-              </a:rPr>
-              <a:t> Реализация ввода пользователя</a:t>
-            </a:r>
-            <a:r>
-              <a:rPr lang="en-US" sz="2000" dirty="0">
-                <a:latin typeface="Arial" panose="020B0604020202020204" pitchFamily="34" charset="0"/>
-                <a:cs typeface="Arial" panose="020B0604020202020204" pitchFamily="34" charset="0"/>
-              </a:rPr>
-              <a:t>;</a:t>
-            </a:r>
-            <a:endParaRPr lang="ru-RU" sz="2000" dirty="0">
-              <a:latin typeface="Arial" panose="020B0604020202020204" pitchFamily="34" charset="0"/>
-              <a:cs typeface="Arial" panose="020B0604020202020204" pitchFamily="34" charset="0"/>
-            </a:endParaRPr>
-          </a:p>
-          <a:p>
-            <a:pPr>
-              <a:lnSpc>
-                <a:spcPct val="130000"/>
-              </a:lnSpc>
-            </a:pPr>
-            <a:r>
-              <a:rPr lang="ru-RU" sz="2200" b="1" dirty="0">
-                <a:latin typeface="Arial" panose="020B0604020202020204" pitchFamily="34" charset="0"/>
-                <a:cs typeface="Arial" panose="020B0604020202020204" pitchFamily="34" charset="0"/>
-              </a:rPr>
-              <a:t>2</a:t>
-            </a:r>
-            <a:r>
-              <a:rPr lang="ru-RU" sz="2000" dirty="0">
-                <a:latin typeface="Arial" panose="020B0604020202020204" pitchFamily="34" charset="0"/>
-                <a:cs typeface="Arial" panose="020B0604020202020204" pitchFamily="34" charset="0"/>
-              </a:rPr>
-              <a:t> Разработка модуля движения модели поезда; </a:t>
-            </a:r>
-          </a:p>
-          <a:p>
-            <a:pPr>
-              <a:lnSpc>
-                <a:spcPct val="130000"/>
-              </a:lnSpc>
-            </a:pPr>
-            <a:r>
-              <a:rPr lang="ru-RU" sz="2200" b="1" dirty="0">
-                <a:latin typeface="Arial" panose="020B0604020202020204" pitchFamily="34" charset="0"/>
-                <a:cs typeface="Arial" panose="020B0604020202020204" pitchFamily="34" charset="0"/>
-              </a:rPr>
-              <a:t>3</a:t>
-            </a:r>
-            <a:r>
-              <a:rPr lang="ru-RU" sz="2000" dirty="0">
-                <a:latin typeface="Arial" panose="020B0604020202020204" pitchFamily="34" charset="0"/>
-                <a:cs typeface="Arial" panose="020B0604020202020204" pitchFamily="34" charset="0"/>
-              </a:rPr>
-              <a:t> Разработка модулей для взаимодействия с вспомогательными системами поезда</a:t>
-            </a:r>
-            <a:r>
-              <a:rPr lang="en-US" sz="2000" dirty="0">
-                <a:latin typeface="Arial" panose="020B0604020202020204" pitchFamily="34" charset="0"/>
-                <a:cs typeface="Arial" panose="020B0604020202020204" pitchFamily="34" charset="0"/>
-              </a:rPr>
-              <a:t>;</a:t>
-            </a:r>
-            <a:endParaRPr lang="ru-RU" sz="2000" dirty="0">
-              <a:latin typeface="Arial" panose="020B0604020202020204" pitchFamily="34" charset="0"/>
-              <a:cs typeface="Arial" panose="020B0604020202020204" pitchFamily="34" charset="0"/>
-            </a:endParaRPr>
-          </a:p>
-          <a:p>
-            <a:pPr>
-              <a:lnSpc>
-                <a:spcPct val="130000"/>
-              </a:lnSpc>
-            </a:pPr>
-            <a:r>
-              <a:rPr lang="ru-RU" sz="2200" b="1" dirty="0">
-                <a:latin typeface="Arial" panose="020B0604020202020204" pitchFamily="34" charset="0"/>
-                <a:cs typeface="Arial" panose="020B0604020202020204" pitchFamily="34" charset="0"/>
-              </a:rPr>
-              <a:t>4</a:t>
-            </a:r>
-            <a:r>
-              <a:rPr lang="ru-RU" sz="2000" dirty="0">
-                <a:latin typeface="Arial" panose="020B0604020202020204" pitchFamily="34" charset="0"/>
-                <a:cs typeface="Arial" panose="020B0604020202020204" pitchFamily="34" charset="0"/>
-              </a:rPr>
-              <a:t> Создание инструментом для упрощенной работы с системой</a:t>
-            </a:r>
-          </a:p>
-          <a:p>
-            <a:pPr>
-              <a:lnSpc>
-                <a:spcPct val="130000"/>
-              </a:lnSpc>
-            </a:pPr>
-            <a:r>
-              <a:rPr lang="ru-RU" sz="2200" b="1" dirty="0">
-                <a:latin typeface="Arial" panose="020B0604020202020204" pitchFamily="34" charset="0"/>
-                <a:cs typeface="Arial" panose="020B0604020202020204" pitchFamily="34" charset="0"/>
-              </a:rPr>
-              <a:t>5</a:t>
-            </a:r>
-            <a:r>
-              <a:rPr lang="ru-RU" sz="2000" dirty="0">
-                <a:latin typeface="Arial" panose="020B0604020202020204" pitchFamily="34" charset="0"/>
-                <a:cs typeface="Arial" panose="020B0604020202020204" pitchFamily="34" charset="0"/>
-              </a:rPr>
-              <a:t> </a:t>
-            </a:r>
-            <a:r>
-              <a:rPr lang="ru-RU" sz="2000">
-                <a:latin typeface="Arial" panose="020B0604020202020204" pitchFamily="34" charset="0"/>
-                <a:cs typeface="Arial" panose="020B0604020202020204" pitchFamily="34" charset="0"/>
-              </a:rPr>
-              <a:t>Связь подсистемы с </a:t>
-            </a:r>
-            <a:r>
-              <a:rPr lang="ru-RU" sz="2000" dirty="0">
-                <a:latin typeface="Arial" panose="020B0604020202020204" pitchFamily="34" charset="0"/>
-                <a:cs typeface="Arial" panose="020B0604020202020204" pitchFamily="34" charset="0"/>
-              </a:rPr>
-              <a:t>визуальной частью</a:t>
-            </a:r>
-            <a:r>
-              <a:rPr lang="en-US" sz="2000" dirty="0">
-                <a:latin typeface="Arial" panose="020B0604020202020204" pitchFamily="34" charset="0"/>
-                <a:cs typeface="Arial" panose="020B0604020202020204" pitchFamily="34" charset="0"/>
-              </a:rPr>
-              <a:t>;</a:t>
-            </a:r>
-            <a:endParaRPr lang="ru-RU" sz="2000" dirty="0">
-              <a:latin typeface="Arial" panose="020B0604020202020204" pitchFamily="34" charset="0"/>
-              <a:cs typeface="Arial" panose="020B0604020202020204" pitchFamily="34" charset="0"/>
-            </a:endParaRPr>
-          </a:p>
-          <a:p>
-            <a:pPr>
-              <a:lnSpc>
-                <a:spcPct val="130000"/>
-              </a:lnSpc>
-            </a:pPr>
-            <a:r>
-              <a:rPr lang="ru-RU" sz="2200" b="1" dirty="0">
-                <a:latin typeface="Arial" panose="020B0604020202020204" pitchFamily="34" charset="0"/>
-                <a:cs typeface="Arial" panose="020B0604020202020204" pitchFamily="34" charset="0"/>
-              </a:rPr>
-              <a:t>6</a:t>
-            </a:r>
-            <a:r>
-              <a:rPr lang="ru-RU" sz="2000" dirty="0">
-                <a:latin typeface="Arial" panose="020B0604020202020204" pitchFamily="34" charset="0"/>
-                <a:cs typeface="Arial" panose="020B0604020202020204" pitchFamily="34" charset="0"/>
-              </a:rPr>
-              <a:t> Написание </a:t>
-            </a:r>
-            <a:r>
-              <a:rPr lang="ru-RU" sz="2000" dirty="0" err="1">
-                <a:latin typeface="Arial" panose="020B0604020202020204" pitchFamily="34" charset="0"/>
-                <a:cs typeface="Arial" panose="020B0604020202020204" pitchFamily="34" charset="0"/>
-              </a:rPr>
-              <a:t>unit</a:t>
-            </a:r>
-            <a:r>
-              <a:rPr lang="ru-RU" sz="2000" dirty="0">
-                <a:latin typeface="Arial" panose="020B0604020202020204" pitchFamily="34" charset="0"/>
-                <a:cs typeface="Arial" panose="020B0604020202020204" pitchFamily="34" charset="0"/>
-              </a:rPr>
-              <a:t>-тестов для автоматизации процесса тестирования</a:t>
-            </a:r>
-            <a:r>
-              <a:rPr lang="en-US" sz="2000" dirty="0">
-                <a:latin typeface="Arial" panose="020B0604020202020204" pitchFamily="34" charset="0"/>
-                <a:cs typeface="Arial" panose="020B0604020202020204" pitchFamily="34" charset="0"/>
-              </a:rPr>
-              <a:t>;</a:t>
-            </a:r>
-            <a:endParaRPr lang="ru-RU" sz="2000" dirty="0">
+              <a:t>Реализовать подсистему управления поездом в симуляторе машиниста московского метрополитена. </a:t>
+            </a:r>
+          </a:p>
+          <a:p>
+            <a:endParaRPr lang="ru-RU" sz="2600" dirty="0">
               <a:latin typeface="Arial" panose="020B0604020202020204" pitchFamily="34" charset="0"/>
               <a:cs typeface="Arial" panose="020B0604020202020204" pitchFamily="34" charset="0"/>
             </a:endParaRPr>
@@ -5522,192 +5674,6 @@
           </a:p>
         </p:txBody>
       </p:sp>
-      <p:grpSp>
-        <p:nvGrpSpPr>
-          <p:cNvPr id="9" name="Группа 8">
-            <a:extLst>
-              <a:ext uri="{FF2B5EF4-FFF2-40B4-BE49-F238E27FC236}">
-                <a16:creationId xmlns:a16="http://schemas.microsoft.com/office/drawing/2014/main" id="{9C7225EE-EF76-125E-AF59-4682D919DC33}"/>
-              </a:ext>
-            </a:extLst>
-          </p:cNvPr>
-          <p:cNvGrpSpPr/>
-          <p:nvPr/>
-        </p:nvGrpSpPr>
-        <p:grpSpPr>
-          <a:xfrm>
-            <a:off x="11706808" y="223946"/>
-            <a:ext cx="186613" cy="757713"/>
-            <a:chOff x="11706808" y="223946"/>
-            <a:chExt cx="186613" cy="757713"/>
-          </a:xfrm>
-        </p:grpSpPr>
-        <p:sp>
-          <p:nvSpPr>
-            <p:cNvPr id="10" name="Овал 9">
-              <a:extLst>
-                <a:ext uri="{FF2B5EF4-FFF2-40B4-BE49-F238E27FC236}">
-                  <a16:creationId xmlns:a16="http://schemas.microsoft.com/office/drawing/2014/main" id="{AA0B1644-47E5-4216-5AA9-FBD3CED3190E}"/>
-                </a:ext>
-              </a:extLst>
-            </p:cNvPr>
-            <p:cNvSpPr/>
-            <p:nvPr/>
-          </p:nvSpPr>
-          <p:spPr>
-            <a:xfrm>
-              <a:off x="11706808" y="223946"/>
-              <a:ext cx="186613" cy="186613"/>
-            </a:xfrm>
-            <a:prstGeom prst="ellipse">
-              <a:avLst/>
-            </a:prstGeom>
-            <a:solidFill>
-              <a:schemeClr val="tx2">
-                <a:lumMod val="85000"/>
-                <a:lumOff val="15000"/>
-              </a:schemeClr>
-            </a:solidFill>
-            <a:ln>
-              <a:noFill/>
-            </a:ln>
-          </p:spPr>
-          <p:style>
-            <a:lnRef idx="2">
-              <a:schemeClr val="accent1">
-                <a:shade val="50000"/>
-              </a:schemeClr>
-            </a:lnRef>
-            <a:fillRef idx="1">
-              <a:schemeClr val="accent1"/>
-            </a:fillRef>
-            <a:effectRef idx="0">
-              <a:schemeClr val="accent1"/>
-            </a:effectRef>
-            <a:fontRef idx="minor">
-              <a:schemeClr val="lt1"/>
-            </a:fontRef>
-          </p:style>
-          <p:txBody>
-            <a:bodyPr rtlCol="0" anchor="ctr"/>
-            <a:lstStyle/>
-            <a:p>
-              <a:pPr algn="ctr"/>
-              <a:endParaRPr lang="ru-RU"/>
-            </a:p>
-          </p:txBody>
-        </p:sp>
-        <p:sp>
-          <p:nvSpPr>
-            <p:cNvPr id="11" name="Овал 10">
-              <a:extLst>
-                <a:ext uri="{FF2B5EF4-FFF2-40B4-BE49-F238E27FC236}">
-                  <a16:creationId xmlns:a16="http://schemas.microsoft.com/office/drawing/2014/main" id="{C222AC4F-DDDB-2EC3-D299-6ED4C3202D27}"/>
-                </a:ext>
-              </a:extLst>
-            </p:cNvPr>
-            <p:cNvSpPr/>
-            <p:nvPr/>
-          </p:nvSpPr>
-          <p:spPr>
-            <a:xfrm>
-              <a:off x="11706808" y="509496"/>
-              <a:ext cx="186613" cy="186613"/>
-            </a:xfrm>
-            <a:prstGeom prst="ellipse">
-              <a:avLst/>
-            </a:prstGeom>
-            <a:solidFill>
-              <a:schemeClr val="tx2">
-                <a:lumMod val="85000"/>
-                <a:lumOff val="15000"/>
-              </a:schemeClr>
-            </a:solidFill>
-            <a:ln>
-              <a:noFill/>
-            </a:ln>
-          </p:spPr>
-          <p:style>
-            <a:lnRef idx="2">
-              <a:schemeClr val="accent1">
-                <a:shade val="50000"/>
-              </a:schemeClr>
-            </a:lnRef>
-            <a:fillRef idx="1">
-              <a:schemeClr val="accent1"/>
-            </a:fillRef>
-            <a:effectRef idx="0">
-              <a:schemeClr val="accent1"/>
-            </a:effectRef>
-            <a:fontRef idx="minor">
-              <a:schemeClr val="lt1"/>
-            </a:fontRef>
-          </p:style>
-          <p:txBody>
-            <a:bodyPr rtlCol="0" anchor="ctr"/>
-            <a:lstStyle/>
-            <a:p>
-              <a:pPr algn="ctr"/>
-              <a:endParaRPr lang="ru-RU"/>
-            </a:p>
-          </p:txBody>
-        </p:sp>
-        <p:sp>
-          <p:nvSpPr>
-            <p:cNvPr id="12" name="Овал 11">
-              <a:extLst>
-                <a:ext uri="{FF2B5EF4-FFF2-40B4-BE49-F238E27FC236}">
-                  <a16:creationId xmlns:a16="http://schemas.microsoft.com/office/drawing/2014/main" id="{5BA4AD12-363A-674E-94DA-A930B7C4A9AB}"/>
-                </a:ext>
-              </a:extLst>
-            </p:cNvPr>
-            <p:cNvSpPr/>
-            <p:nvPr/>
-          </p:nvSpPr>
-          <p:spPr>
-            <a:xfrm>
-              <a:off x="11706808" y="795046"/>
-              <a:ext cx="186613" cy="186613"/>
-            </a:xfrm>
-            <a:prstGeom prst="ellipse">
-              <a:avLst/>
-            </a:prstGeom>
-            <a:solidFill>
-              <a:schemeClr val="tx2">
-                <a:lumMod val="85000"/>
-                <a:lumOff val="15000"/>
-              </a:schemeClr>
-            </a:solidFill>
-            <a:ln>
-              <a:noFill/>
-            </a:ln>
-          </p:spPr>
-          <p:style>
-            <a:lnRef idx="2">
-              <a:schemeClr val="accent1">
-                <a:shade val="50000"/>
-              </a:schemeClr>
-            </a:lnRef>
-            <a:fillRef idx="1">
-              <a:schemeClr val="accent1"/>
-            </a:fillRef>
-            <a:effectRef idx="0">
-              <a:schemeClr val="accent1"/>
-            </a:effectRef>
-            <a:fontRef idx="minor">
-              <a:schemeClr val="lt1"/>
-            </a:fontRef>
-          </p:style>
-          <p:txBody>
-            <a:bodyPr rtlCol="0" anchor="ctr"/>
-            <a:lstStyle/>
-            <a:p>
-              <a:pPr algn="ctr"/>
-              <a:endParaRPr lang="ru-RU"/>
-            </a:p>
-          </p:txBody>
-        </p:sp>
-      </p:grpSp>
     </p:spTree>
     <p:extLst>
       <p:ext uri="{BB962C8B-B14F-4D97-AF65-F5344CB8AC3E}">
@@ -5789,10 +5755,10 @@
       </p:sp>
       <p:sp>
         <p:nvSpPr>
-          <p:cNvPr id="22" name="Прямоугольник 21">
-            <a:extLst>
-              <a:ext uri="{FF2B5EF4-FFF2-40B4-BE49-F238E27FC236}">
-                <a16:creationId xmlns:a16="http://schemas.microsoft.com/office/drawing/2014/main" id="{88697CB2-014E-11E1-D199-D5C53736F2F2}"/>
+          <p:cNvPr id="8" name="Прямоугольник 7">
+            <a:extLst>
+              <a:ext uri="{FF2B5EF4-FFF2-40B4-BE49-F238E27FC236}">
+                <a16:creationId xmlns:a16="http://schemas.microsoft.com/office/drawing/2014/main" id="{6A0066BD-3270-2326-403B-286F6C79ABE4}"/>
               </a:ext>
             </a:extLst>
           </p:cNvPr>
@@ -5873,10 +5839,141 @@
               <a:rPr lang="ru-RU" sz="3200" b="1" dirty="0">
                 <a:latin typeface="Arial Narrow" panose="020B0606020202030204" pitchFamily="34" charset="0"/>
               </a:rPr>
-              <a:t>АНАЛОГИ</a:t>
+              <a:t>ЗАДАЧИ</a:t>
             </a:r>
             <a:endParaRPr lang="ru-RU" sz="3600" b="1" dirty="0">
               <a:latin typeface="Arial Narrow" panose="020B0606020202030204" pitchFamily="34" charset="0"/>
+            </a:endParaRPr>
+          </a:p>
+        </p:txBody>
+      </p:sp>
+      <p:sp>
+        <p:nvSpPr>
+          <p:cNvPr id="6" name="TextBox 5">
+            <a:extLst>
+              <a:ext uri="{FF2B5EF4-FFF2-40B4-BE49-F238E27FC236}">
+                <a16:creationId xmlns:a16="http://schemas.microsoft.com/office/drawing/2014/main" id="{F02C1988-801B-D566-CFD9-ADD114A1C611}"/>
+              </a:ext>
+            </a:extLst>
+          </p:cNvPr>
+          <p:cNvSpPr txBox="1"/>
+          <p:nvPr/>
+        </p:nvSpPr>
+        <p:spPr>
+          <a:xfrm>
+            <a:off x="304800" y="1316114"/>
+            <a:ext cx="11563741" cy="3822585"/>
+          </a:xfrm>
+          <a:prstGeom prst="rect">
+            <a:avLst/>
+          </a:prstGeom>
+          <a:noFill/>
+        </p:spPr>
+        <p:txBody>
+          <a:bodyPr wrap="square">
+            <a:spAutoFit/>
+          </a:bodyPr>
+          <a:lstStyle/>
+          <a:p>
+            <a:pPr marL="342900" indent="-342900">
+              <a:lnSpc>
+                <a:spcPct val="130000"/>
+              </a:lnSpc>
+              <a:buFont typeface="Arial" panose="020B0604020202020204" pitchFamily="34" charset="0"/>
+              <a:buChar char="•"/>
+            </a:pPr>
+            <a:r>
+              <a:rPr lang="ru-RU" sz="2400" dirty="0">
+                <a:latin typeface="Arial" panose="020B0604020202020204" pitchFamily="34" charset="0"/>
+                <a:cs typeface="Arial" panose="020B0604020202020204" pitchFamily="34" charset="0"/>
+              </a:rPr>
+              <a:t>Реализовать ввод пользователя</a:t>
+            </a:r>
+          </a:p>
+          <a:p>
+            <a:pPr marL="342900" indent="-342900">
+              <a:lnSpc>
+                <a:spcPct val="130000"/>
+              </a:lnSpc>
+              <a:buFont typeface="Arial" panose="020B0604020202020204" pitchFamily="34" charset="0"/>
+              <a:buChar char="•"/>
+            </a:pPr>
+            <a:r>
+              <a:rPr lang="ru-RU" sz="2400" dirty="0">
+                <a:latin typeface="Arial" panose="020B0604020202020204" pitchFamily="34" charset="0"/>
+                <a:cs typeface="Arial" panose="020B0604020202020204" pitchFamily="34" charset="0"/>
+              </a:rPr>
+              <a:t>Разработать модуль движения модели поезда </a:t>
+            </a:r>
+          </a:p>
+          <a:p>
+            <a:pPr marL="342900" indent="-342900">
+              <a:lnSpc>
+                <a:spcPct val="130000"/>
+              </a:lnSpc>
+              <a:buFont typeface="Arial" panose="020B0604020202020204" pitchFamily="34" charset="0"/>
+              <a:buChar char="•"/>
+            </a:pPr>
+            <a:r>
+              <a:rPr lang="ru-RU" sz="2400" dirty="0">
+                <a:latin typeface="Arial" panose="020B0604020202020204" pitchFamily="34" charset="0"/>
+                <a:cs typeface="Arial" panose="020B0604020202020204" pitchFamily="34" charset="0"/>
+              </a:rPr>
+              <a:t>Разработать модули для взаимодействия с вспомогательными системами поезда</a:t>
+            </a:r>
+          </a:p>
+          <a:p>
+            <a:pPr marL="342900" indent="-342900">
+              <a:lnSpc>
+                <a:spcPct val="130000"/>
+              </a:lnSpc>
+              <a:buFont typeface="Arial" panose="020B0604020202020204" pitchFamily="34" charset="0"/>
+              <a:buChar char="•"/>
+            </a:pPr>
+            <a:r>
+              <a:rPr lang="ru-RU" sz="2400" dirty="0">
+                <a:latin typeface="Arial" panose="020B0604020202020204" pitchFamily="34" charset="0"/>
+                <a:cs typeface="Arial" panose="020B0604020202020204" pitchFamily="34" charset="0"/>
+              </a:rPr>
+              <a:t>Создать инструменты для упрощенной работы с системой</a:t>
+            </a:r>
+          </a:p>
+          <a:p>
+            <a:pPr marL="342900" indent="-342900">
+              <a:lnSpc>
+                <a:spcPct val="130000"/>
+              </a:lnSpc>
+              <a:buFont typeface="Arial" panose="020B0604020202020204" pitchFamily="34" charset="0"/>
+              <a:buChar char="•"/>
+            </a:pPr>
+            <a:r>
+              <a:rPr lang="ru-RU" sz="2400" dirty="0">
+                <a:latin typeface="Arial" panose="020B0604020202020204" pitchFamily="34" charset="0"/>
+                <a:cs typeface="Arial" panose="020B0604020202020204" pitchFamily="34" charset="0"/>
+              </a:rPr>
+              <a:t>Связать подсистемы с визуальной частью</a:t>
+            </a:r>
+          </a:p>
+          <a:p>
+            <a:pPr marL="342900" indent="-342900">
+              <a:lnSpc>
+                <a:spcPct val="130000"/>
+              </a:lnSpc>
+              <a:buFont typeface="Arial" panose="020B0604020202020204" pitchFamily="34" charset="0"/>
+              <a:buChar char="•"/>
+            </a:pPr>
+            <a:r>
+              <a:rPr lang="ru-RU" sz="2400" dirty="0">
+                <a:latin typeface="Arial" panose="020B0604020202020204" pitchFamily="34" charset="0"/>
+                <a:cs typeface="Arial" panose="020B0604020202020204" pitchFamily="34" charset="0"/>
+              </a:rPr>
+              <a:t>Написать модульные тесты для автоматизации процесса тестирования</a:t>
+            </a:r>
+          </a:p>
+          <a:p>
+            <a:endParaRPr lang="ru-RU" sz="2400" dirty="0">
+              <a:latin typeface="Arial Narrow" panose="020B0606020202030204" pitchFamily="34" charset="0"/>
+              <a:cs typeface="Gautami" panose="020B0502040204020203" pitchFamily="34" charset="0"/>
             </a:endParaRPr>
           </a:p>
         </p:txBody>
@@ -5918,349 +6015,15 @@
                 </a:solidFill>
                 <a:latin typeface="Arial Black" panose="020B0A04020102020204" pitchFamily="34" charset="0"/>
               </a:rPr>
-              <a:t>3</a:t>
-            </a:r>
-          </a:p>
-        </p:txBody>
-      </p:sp>
-      <p:sp>
-        <p:nvSpPr>
-          <p:cNvPr id="21" name="Прямоугольник 20">
-            <a:extLst>
-              <a:ext uri="{FF2B5EF4-FFF2-40B4-BE49-F238E27FC236}">
-                <a16:creationId xmlns:a16="http://schemas.microsoft.com/office/drawing/2014/main" id="{E30C3D28-0587-06D7-6BF2-E2F6340EFA69}"/>
-              </a:ext>
-            </a:extLst>
-          </p:cNvPr>
-          <p:cNvSpPr/>
-          <p:nvPr/>
-        </p:nvSpPr>
-        <p:spPr>
-          <a:xfrm>
-            <a:off x="6996688" y="0"/>
-            <a:ext cx="4258718" cy="6858000"/>
-          </a:xfrm>
-          <a:prstGeom prst="rect">
-            <a:avLst/>
-          </a:prstGeom>
-          <a:solidFill>
-            <a:schemeClr val="accent1">
-              <a:alpha val="50000"/>
-            </a:schemeClr>
-          </a:solidFill>
-          <a:ln>
-            <a:noFill/>
-          </a:ln>
-        </p:spPr>
-        <p:style>
-          <a:lnRef idx="0">
-            <a:scrgbClr r="0" g="0" b="0"/>
-          </a:lnRef>
-          <a:fillRef idx="0">
-            <a:scrgbClr r="0" g="0" b="0"/>
-          </a:fillRef>
-          <a:effectRef idx="0">
-            <a:scrgbClr r="0" g="0" b="0"/>
-          </a:effectRef>
-          <a:fontRef idx="minor">
-            <a:schemeClr val="lt1"/>
-          </a:fontRef>
-        </p:style>
-        <p:txBody>
-          <a:bodyPr rtlCol="0" anchor="ctr"/>
-          <a:lstStyle/>
-          <a:p>
-            <a:pPr algn="ctr"/>
-            <a:endParaRPr lang="ru-RU">
-              <a:ln w="0"/>
-              <a:solidFill>
-                <a:schemeClr val="accent1"/>
-              </a:solidFill>
-              <a:effectLst>
-                <a:outerShdw blurRad="38100" dist="25400" dir="5400000" algn="ctr" rotWithShape="0">
-                  <a:srgbClr val="6E747A">
-                    <a:alpha val="43000"/>
-                  </a:srgbClr>
-                </a:outerShdw>
-              </a:effectLst>
-            </a:endParaRPr>
-          </a:p>
-        </p:txBody>
-      </p:sp>
-      <p:pic>
-        <p:nvPicPr>
-          <p:cNvPr id="11" name="Рисунок 10">
-            <a:extLst>
-              <a:ext uri="{FF2B5EF4-FFF2-40B4-BE49-F238E27FC236}">
-                <a16:creationId xmlns:a16="http://schemas.microsoft.com/office/drawing/2014/main" id="{A76F2614-F05A-4767-F0FF-70E8E93E5B7C}"/>
-              </a:ext>
-            </a:extLst>
-          </p:cNvPr>
-          <p:cNvPicPr>
-            <a:picLocks noChangeAspect="1"/>
-          </p:cNvPicPr>
-          <p:nvPr/>
-        </p:nvPicPr>
-        <p:blipFill>
-          <a:blip r:embed="rId2"/>
-          <a:stretch>
-            <a:fillRect/>
-          </a:stretch>
-        </p:blipFill>
-        <p:spPr>
-          <a:xfrm>
-            <a:off x="7546064" y="996805"/>
-            <a:ext cx="3159967" cy="1751307"/>
-          </a:xfrm>
-          <a:prstGeom prst="rect">
-            <a:avLst/>
-          </a:prstGeom>
-        </p:spPr>
-      </p:pic>
-      <p:pic>
-        <p:nvPicPr>
-          <p:cNvPr id="15" name="Рисунок 14" descr="Изображение выглядит как текст&#10;&#10;Автоматически созданное описание">
-            <a:extLst>
-              <a:ext uri="{FF2B5EF4-FFF2-40B4-BE49-F238E27FC236}">
-                <a16:creationId xmlns:a16="http://schemas.microsoft.com/office/drawing/2014/main" id="{C355F4D4-876D-470F-DE09-5C382F16A035}"/>
-              </a:ext>
-            </a:extLst>
-          </p:cNvPr>
-          <p:cNvPicPr>
-            <a:picLocks noChangeAspect="1"/>
-          </p:cNvPicPr>
-          <p:nvPr/>
-        </p:nvPicPr>
-        <p:blipFill rotWithShape="1">
-          <a:blip r:embed="rId3">
-            <a:extLst>
-              <a:ext uri="{28A0092B-C50C-407E-A947-70E740481C1C}">
-                <a14:useLocalDpi xmlns:a14="http://schemas.microsoft.com/office/drawing/2010/main" val="0"/>
-              </a:ext>
-            </a:extLst>
-          </a:blip>
-          <a:srcRect l="3074"/>
-          <a:stretch/>
-        </p:blipFill>
-        <p:spPr bwMode="auto">
-          <a:xfrm>
-            <a:off x="7546064" y="2875102"/>
-            <a:ext cx="2248470" cy="1739629"/>
-          </a:xfrm>
-          <a:prstGeom prst="rect">
-            <a:avLst/>
-          </a:prstGeom>
-          <a:noFill/>
-          <a:ln>
-            <a:noFill/>
-          </a:ln>
-        </p:spPr>
-      </p:pic>
-      <p:pic>
-        <p:nvPicPr>
-          <p:cNvPr id="16" name="Рисунок 15">
-            <a:extLst>
-              <a:ext uri="{FF2B5EF4-FFF2-40B4-BE49-F238E27FC236}">
-                <a16:creationId xmlns:a16="http://schemas.microsoft.com/office/drawing/2014/main" id="{14F4A66B-7F6B-E7D4-4DFE-DFE78FB20B4B}"/>
-              </a:ext>
-            </a:extLst>
-          </p:cNvPr>
-          <p:cNvPicPr>
-            <a:picLocks noChangeAspect="1"/>
-          </p:cNvPicPr>
-          <p:nvPr/>
-        </p:nvPicPr>
-        <p:blipFill>
-          <a:blip r:embed="rId4"/>
-          <a:stretch>
-            <a:fillRect/>
-          </a:stretch>
-        </p:blipFill>
-        <p:spPr>
-          <a:xfrm>
-            <a:off x="7546064" y="4741721"/>
-            <a:ext cx="3240970" cy="1759684"/>
-          </a:xfrm>
-          <a:prstGeom prst="rect">
-            <a:avLst/>
-          </a:prstGeom>
-        </p:spPr>
-      </p:pic>
-      <p:sp>
-        <p:nvSpPr>
-          <p:cNvPr id="18" name="TextBox 17">
-            <a:extLst>
-              <a:ext uri="{FF2B5EF4-FFF2-40B4-BE49-F238E27FC236}">
-                <a16:creationId xmlns:a16="http://schemas.microsoft.com/office/drawing/2014/main" id="{13F10780-CB9F-E245-DE43-F42934A217DF}"/>
-              </a:ext>
-            </a:extLst>
-          </p:cNvPr>
-          <p:cNvSpPr txBox="1"/>
-          <p:nvPr/>
-        </p:nvSpPr>
-        <p:spPr>
-          <a:xfrm>
-            <a:off x="304800" y="1178002"/>
-            <a:ext cx="6691888" cy="553998"/>
-          </a:xfrm>
-          <a:prstGeom prst="rect">
-            <a:avLst/>
-          </a:prstGeom>
-          <a:noFill/>
-        </p:spPr>
-        <p:txBody>
-          <a:bodyPr wrap="square">
-            <a:spAutoFit/>
-          </a:bodyPr>
-          <a:lstStyle/>
-          <a:p>
-            <a:r>
-              <a:rPr lang="ru-RU" sz="2800" b="1" dirty="0">
-                <a:latin typeface="Arial Black" panose="020B0A04020102020204" pitchFamily="34" charset="0"/>
-                <a:cs typeface="Arial" panose="020B0604020202020204" pitchFamily="34" charset="0"/>
-              </a:rPr>
-              <a:t>1</a:t>
-            </a:r>
-            <a:r>
-              <a:rPr lang="ru-RU" sz="3000" dirty="0">
-                <a:latin typeface="Arial" panose="020B0604020202020204" pitchFamily="34" charset="0"/>
-                <a:cs typeface="Arial" panose="020B0604020202020204" pitchFamily="34" charset="0"/>
-              </a:rPr>
-              <a:t> </a:t>
-            </a:r>
-            <a:r>
-              <a:rPr lang="en-US" sz="2800" dirty="0">
-                <a:latin typeface="Arial" panose="020B0604020202020204" pitchFamily="34" charset="0"/>
-                <a:cs typeface="Arial" panose="020B0604020202020204" pitchFamily="34" charset="0"/>
-              </a:rPr>
-              <a:t>Subway Simulator</a:t>
-            </a:r>
-            <a:endParaRPr lang="ru-RU" sz="2800" dirty="0">
-              <a:latin typeface="Arial" panose="020B0604020202020204" pitchFamily="34" charset="0"/>
-              <a:cs typeface="Arial" panose="020B0604020202020204" pitchFamily="34" charset="0"/>
-            </a:endParaRPr>
-          </a:p>
-        </p:txBody>
-      </p:sp>
-      <p:sp>
-        <p:nvSpPr>
-          <p:cNvPr id="19" name="TextBox 18">
-            <a:extLst>
-              <a:ext uri="{FF2B5EF4-FFF2-40B4-BE49-F238E27FC236}">
-                <a16:creationId xmlns:a16="http://schemas.microsoft.com/office/drawing/2014/main" id="{8807A9B1-7C56-9514-110B-57F2301EDF14}"/>
-              </a:ext>
-            </a:extLst>
-          </p:cNvPr>
-          <p:cNvSpPr txBox="1"/>
-          <p:nvPr/>
-        </p:nvSpPr>
-        <p:spPr>
-          <a:xfrm>
-            <a:off x="304800" y="2919374"/>
-            <a:ext cx="6691888" cy="553998"/>
-          </a:xfrm>
-          <a:prstGeom prst="rect">
-            <a:avLst/>
-          </a:prstGeom>
-          <a:noFill/>
-        </p:spPr>
-        <p:txBody>
-          <a:bodyPr wrap="square">
-            <a:spAutoFit/>
-          </a:bodyPr>
-          <a:lstStyle/>
-          <a:p>
-            <a:r>
-              <a:rPr lang="ru-RU" sz="2800" dirty="0">
-                <a:latin typeface="Arial Black" panose="020B0A04020102020204" pitchFamily="34" charset="0"/>
-                <a:cs typeface="Arial" panose="020B0604020202020204" pitchFamily="34" charset="0"/>
-              </a:rPr>
               <a:t>2</a:t>
             </a:r>
-            <a:r>
-              <a:rPr lang="ru-RU" sz="3000" dirty="0">
-                <a:latin typeface="Arial" panose="020B0604020202020204" pitchFamily="34" charset="0"/>
-                <a:cs typeface="Arial" panose="020B0604020202020204" pitchFamily="34" charset="0"/>
-              </a:rPr>
-              <a:t> </a:t>
-            </a:r>
-            <a:r>
-              <a:rPr lang="ru-RU" sz="2800" dirty="0">
-                <a:latin typeface="Arial" panose="020B0604020202020204" pitchFamily="34" charset="0"/>
-                <a:cs typeface="Arial" panose="020B0604020202020204" pitchFamily="34" charset="0"/>
-              </a:rPr>
-              <a:t>Учебный тренажёр для машиниста</a:t>
-            </a:r>
-          </a:p>
-        </p:txBody>
-      </p:sp>
-      <p:sp>
-        <p:nvSpPr>
-          <p:cNvPr id="20" name="TextBox 19">
-            <a:extLst>
-              <a:ext uri="{FF2B5EF4-FFF2-40B4-BE49-F238E27FC236}">
-                <a16:creationId xmlns:a16="http://schemas.microsoft.com/office/drawing/2014/main" id="{69449198-BBA2-AE64-66D6-31DB6EEE4F20}"/>
-              </a:ext>
-            </a:extLst>
-          </p:cNvPr>
-          <p:cNvSpPr txBox="1"/>
-          <p:nvPr/>
-        </p:nvSpPr>
-        <p:spPr>
-          <a:xfrm>
-            <a:off x="304800" y="4701680"/>
-            <a:ext cx="6604000" cy="553998"/>
-          </a:xfrm>
-          <a:prstGeom prst="rect">
-            <a:avLst/>
-          </a:prstGeom>
-          <a:noFill/>
-        </p:spPr>
-        <p:txBody>
-          <a:bodyPr wrap="square">
-            <a:spAutoFit/>
-          </a:bodyPr>
-          <a:lstStyle/>
-          <a:p>
-            <a:r>
-              <a:rPr lang="ru-RU" sz="2800" dirty="0">
-                <a:latin typeface="Arial Black" panose="020B0A04020102020204" pitchFamily="34" charset="0"/>
-                <a:cs typeface="Arial" panose="020B0604020202020204" pitchFamily="34" charset="0"/>
-              </a:rPr>
-              <a:t>3</a:t>
-            </a:r>
-            <a:r>
-              <a:rPr lang="ru-RU" sz="3000" dirty="0">
-                <a:latin typeface="Arial" panose="020B0604020202020204" pitchFamily="34" charset="0"/>
-                <a:cs typeface="Arial" panose="020B0604020202020204" pitchFamily="34" charset="0"/>
-              </a:rPr>
-              <a:t> </a:t>
-            </a:r>
-            <a:r>
-              <a:rPr lang="en-US" sz="2800" dirty="0" err="1">
-                <a:latin typeface="Arial" panose="020B0604020202020204" pitchFamily="34" charset="0"/>
-                <a:cs typeface="Arial" panose="020B0604020202020204" pitchFamily="34" charset="0"/>
-              </a:rPr>
-              <a:t>Hmmsim</a:t>
-            </a:r>
-            <a:r>
-              <a:rPr lang="en-US" sz="2800" dirty="0">
-                <a:latin typeface="Arial" panose="020B0604020202020204" pitchFamily="34" charset="0"/>
-                <a:cs typeface="Arial" panose="020B0604020202020204" pitchFamily="34" charset="0"/>
-              </a:rPr>
-              <a:t> Metro</a:t>
-            </a:r>
-            <a:endParaRPr lang="ru-RU" sz="2800" dirty="0">
-              <a:latin typeface="Arial" panose="020B0604020202020204" pitchFamily="34" charset="0"/>
-              <a:cs typeface="Arial" panose="020B0604020202020204" pitchFamily="34" charset="0"/>
-            </a:endParaRPr>
           </a:p>
         </p:txBody>
       </p:sp>
     </p:spTree>
     <p:extLst>
       <p:ext uri="{BB962C8B-B14F-4D97-AF65-F5344CB8AC3E}">
-        <p14:creationId xmlns:p14="http://schemas.microsoft.com/office/powerpoint/2010/main" val="4118263342"/>
+        <p14:creationId xmlns:p14="http://schemas.microsoft.com/office/powerpoint/2010/main" val="369477858"/>
       </p:ext>
     </p:extLst>
   </p:cSld>
@@ -6289,10 +6052,10 @@
       </p:grpSpPr>
       <p:sp>
         <p:nvSpPr>
-          <p:cNvPr id="9" name="Прямоугольник 8">
-            <a:extLst>
-              <a:ext uri="{FF2B5EF4-FFF2-40B4-BE49-F238E27FC236}">
-                <a16:creationId xmlns:a16="http://schemas.microsoft.com/office/drawing/2014/main" id="{0D61A3C7-4E6B-85AD-DD84-08739ED10AC7}"/>
+          <p:cNvPr id="4" name="Прямоугольник 3">
+            <a:extLst>
+              <a:ext uri="{FF2B5EF4-FFF2-40B4-BE49-F238E27FC236}">
+                <a16:creationId xmlns:a16="http://schemas.microsoft.com/office/drawing/2014/main" id="{88A108B3-5818-6264-1CD6-3D23BFF1B259}"/>
               </a:ext>
             </a:extLst>
           </p:cNvPr>
@@ -6301,14 +6064,14 @@
         </p:nvSpPr>
         <p:spPr>
           <a:xfrm>
-            <a:off x="-1" y="0"/>
+            <a:off x="0" y="0"/>
             <a:ext cx="12192000" cy="6858000"/>
           </a:xfrm>
           <a:prstGeom prst="rect">
             <a:avLst/>
           </a:prstGeom>
           <a:solidFill>
-            <a:srgbClr val="EADA9E"/>
+            <a:srgbClr val="B3D5B4"/>
           </a:solidFill>
         </p:spPr>
         <p:style>
@@ -6338,6 +6101,60 @@
       </p:sp>
       <p:sp>
         <p:nvSpPr>
+          <p:cNvPr id="22" name="Прямоугольник 21">
+            <a:extLst>
+              <a:ext uri="{FF2B5EF4-FFF2-40B4-BE49-F238E27FC236}">
+                <a16:creationId xmlns:a16="http://schemas.microsoft.com/office/drawing/2014/main" id="{88697CB2-014E-11E1-D199-D5C53736F2F2}"/>
+              </a:ext>
+            </a:extLst>
+          </p:cNvPr>
+          <p:cNvSpPr/>
+          <p:nvPr/>
+        </p:nvSpPr>
+        <p:spPr>
+          <a:xfrm>
+            <a:off x="0" y="331978"/>
+            <a:ext cx="5791201" cy="744878"/>
+          </a:xfrm>
+          <a:prstGeom prst="rect">
+            <a:avLst/>
+          </a:prstGeom>
+          <a:solidFill>
+            <a:schemeClr val="accent1">
+              <a:alpha val="75000"/>
+            </a:schemeClr>
+          </a:solidFill>
+          <a:ln>
+            <a:noFill/>
+          </a:ln>
+        </p:spPr>
+        <p:style>
+          <a:lnRef idx="2">
+            <a:schemeClr val="accent1">
+              <a:shade val="50000"/>
+            </a:schemeClr>
+          </a:lnRef>
+          <a:fillRef idx="1">
+            <a:schemeClr val="accent1"/>
+          </a:fillRef>
+          <a:effectRef idx="0">
+            <a:schemeClr val="accent1"/>
+          </a:effectRef>
+          <a:fontRef idx="minor">
+            <a:schemeClr val="lt1"/>
+          </a:fontRef>
+        </p:style>
+        <p:txBody>
+          <a:bodyPr rtlCol="0" anchor="ctr"/>
+          <a:lstStyle/>
+          <a:p>
+            <a:pPr algn="ctr"/>
+            <a:endParaRPr lang="ru-RU" dirty="0"/>
+          </a:p>
+        </p:txBody>
+      </p:sp>
+      <p:sp>
+        <p:nvSpPr>
           <p:cNvPr id="5" name="TextBox 4">
             <a:extLst>
               <a:ext uri="{FF2B5EF4-FFF2-40B4-BE49-F238E27FC236}">
@@ -6350,8 +6167,8 @@
         </p:nvSpPr>
         <p:spPr>
           <a:xfrm>
-            <a:off x="304801" y="412030"/>
-            <a:ext cx="4805680" cy="584775"/>
+            <a:off x="304800" y="412030"/>
+            <a:ext cx="3128865" cy="584775"/>
           </a:xfrm>
           <a:prstGeom prst="rect">
             <a:avLst/>
@@ -6368,7 +6185,7 @@
               <a:rPr lang="ru-RU" sz="3200" b="1" dirty="0">
                 <a:latin typeface="Arial Narrow" panose="020B0606020202030204" pitchFamily="34" charset="0"/>
               </a:rPr>
-              <a:t>КОНТЕКТНАЯ ДИАГРАММА</a:t>
+              <a:t>АНАЛОГИ</a:t>
             </a:r>
             <a:endParaRPr lang="ru-RU" sz="3600" b="1" dirty="0">
               <a:latin typeface="Arial Narrow" panose="020B0606020202030204" pitchFamily="34" charset="0"/>
@@ -6413,17 +6230,81 @@
                 </a:solidFill>
                 <a:latin typeface="Arial Black" panose="020B0A04020102020204" pitchFamily="34" charset="0"/>
               </a:rPr>
-              <a:t>4</a:t>
-            </a:r>
+              <a:t>3</a:t>
+            </a:r>
+          </a:p>
+        </p:txBody>
+      </p:sp>
+      <p:sp>
+        <p:nvSpPr>
+          <p:cNvPr id="21" name="Прямоугольник 20">
+            <a:extLst>
+              <a:ext uri="{FF2B5EF4-FFF2-40B4-BE49-F238E27FC236}">
+                <a16:creationId xmlns:a16="http://schemas.microsoft.com/office/drawing/2014/main" id="{E30C3D28-0587-06D7-6BF2-E2F6340EFA69}"/>
+              </a:ext>
+            </a:extLst>
+          </p:cNvPr>
+          <p:cNvSpPr/>
+          <p:nvPr/>
+        </p:nvSpPr>
+        <p:spPr>
+          <a:xfrm>
+            <a:off x="6996688" y="0"/>
+            <a:ext cx="4258718" cy="6858000"/>
+          </a:xfrm>
+          <a:prstGeom prst="rect">
+            <a:avLst/>
+          </a:prstGeom>
+          <a:solidFill>
+            <a:schemeClr val="accent1">
+              <a:alpha val="50000"/>
+            </a:schemeClr>
+          </a:solidFill>
+          <a:ln>
+            <a:noFill/>
+          </a:ln>
+        </p:spPr>
+        <p:style>
+          <a:lnRef idx="0">
+            <a:scrgbClr r="0" g="0" b="0"/>
+          </a:lnRef>
+          <a:fillRef idx="0">
+            <a:scrgbClr r="0" g="0" b="0"/>
+          </a:fillRef>
+          <a:effectRef idx="0">
+            <a:scrgbClr r="0" g="0" b="0"/>
+          </a:effectRef>
+          <a:fontRef idx="minor">
+            <a:schemeClr val="lt1"/>
+          </a:fontRef>
+        </p:style>
+        <p:txBody>
+          <a:bodyPr rtlCol="0" anchor="ctr"/>
+          <a:lstStyle/>
+          <a:p>
+            <a:pPr algn="ctr"/>
+            <a:endParaRPr lang="ru-RU">
+              <a:ln w="0"/>
+              <a:solidFill>
+                <a:schemeClr val="accent1"/>
+              </a:solidFill>
+              <a:effectLst>
+                <a:outerShdw blurRad="38100" dist="25400" dir="5400000" algn="ctr" rotWithShape="0">
+                  <a:srgbClr val="6E747A">
+                    <a:alpha val="43000"/>
+                  </a:srgbClr>
+                </a:outerShdw>
+              </a:effectLst>
+            </a:endParaRPr>
           </a:p>
         </p:txBody>
       </p:sp>
       <p:pic>
         <p:nvPicPr>
-          <p:cNvPr id="10" name="Рисунок 9">
-            <a:extLst>
-              <a:ext uri="{FF2B5EF4-FFF2-40B4-BE49-F238E27FC236}">
-                <a16:creationId xmlns:a16="http://schemas.microsoft.com/office/drawing/2014/main" id="{2AA2A5B1-35AB-C6EC-6827-E8342CAAFFD0}"/>
+          <p:cNvPr id="11" name="Рисунок 10">
+            <a:extLst>
+              <a:ext uri="{FF2B5EF4-FFF2-40B4-BE49-F238E27FC236}">
+                <a16:creationId xmlns:a16="http://schemas.microsoft.com/office/drawing/2014/main" id="{A76F2614-F05A-4767-F0FF-70E8E93E5B7C}"/>
               </a:ext>
             </a:extLst>
           </p:cNvPr>
@@ -6440,18 +6321,216 @@
         </p:blipFill>
         <p:spPr>
           <a:xfrm>
-            <a:off x="751839" y="1061950"/>
-            <a:ext cx="10688320" cy="5121454"/>
+            <a:off x="7546064" y="996805"/>
+            <a:ext cx="3159967" cy="1751307"/>
           </a:xfrm>
           <a:prstGeom prst="rect">
             <a:avLst/>
           </a:prstGeom>
         </p:spPr>
       </p:pic>
+      <p:pic>
+        <p:nvPicPr>
+          <p:cNvPr id="15" name="Рисунок 14" descr="Изображение выглядит как текст&#10;&#10;Автоматически созданное описание">
+            <a:extLst>
+              <a:ext uri="{FF2B5EF4-FFF2-40B4-BE49-F238E27FC236}">
+                <a16:creationId xmlns:a16="http://schemas.microsoft.com/office/drawing/2014/main" id="{C355F4D4-876D-470F-DE09-5C382F16A035}"/>
+              </a:ext>
+            </a:extLst>
+          </p:cNvPr>
+          <p:cNvPicPr>
+            <a:picLocks noChangeAspect="1"/>
+          </p:cNvPicPr>
+          <p:nvPr/>
+        </p:nvPicPr>
+        <p:blipFill rotWithShape="1">
+          <a:blip r:embed="rId3">
+            <a:extLst>
+              <a:ext uri="{28A0092B-C50C-407E-A947-70E740481C1C}">
+                <a14:useLocalDpi xmlns:a14="http://schemas.microsoft.com/office/drawing/2010/main" val="0"/>
+              </a:ext>
+            </a:extLst>
+          </a:blip>
+          <a:srcRect l="3074"/>
+          <a:stretch/>
+        </p:blipFill>
+        <p:spPr bwMode="auto">
+          <a:xfrm>
+            <a:off x="7546064" y="2875102"/>
+            <a:ext cx="2248470" cy="1739629"/>
+          </a:xfrm>
+          <a:prstGeom prst="rect">
+            <a:avLst/>
+          </a:prstGeom>
+          <a:noFill/>
+          <a:ln>
+            <a:noFill/>
+          </a:ln>
+        </p:spPr>
+      </p:pic>
+      <p:pic>
+        <p:nvPicPr>
+          <p:cNvPr id="16" name="Рисунок 15">
+            <a:extLst>
+              <a:ext uri="{FF2B5EF4-FFF2-40B4-BE49-F238E27FC236}">
+                <a16:creationId xmlns:a16="http://schemas.microsoft.com/office/drawing/2014/main" id="{14F4A66B-7F6B-E7D4-4DFE-DFE78FB20B4B}"/>
+              </a:ext>
+            </a:extLst>
+          </p:cNvPr>
+          <p:cNvPicPr>
+            <a:picLocks noChangeAspect="1"/>
+          </p:cNvPicPr>
+          <p:nvPr/>
+        </p:nvPicPr>
+        <p:blipFill>
+          <a:blip r:embed="rId4"/>
+          <a:stretch>
+            <a:fillRect/>
+          </a:stretch>
+        </p:blipFill>
+        <p:spPr>
+          <a:xfrm>
+            <a:off x="7546064" y="4741721"/>
+            <a:ext cx="3240970" cy="1759684"/>
+          </a:xfrm>
+          <a:prstGeom prst="rect">
+            <a:avLst/>
+          </a:prstGeom>
+        </p:spPr>
+      </p:pic>
+      <p:sp>
+        <p:nvSpPr>
+          <p:cNvPr id="18" name="TextBox 17">
+            <a:extLst>
+              <a:ext uri="{FF2B5EF4-FFF2-40B4-BE49-F238E27FC236}">
+                <a16:creationId xmlns:a16="http://schemas.microsoft.com/office/drawing/2014/main" id="{13F10780-CB9F-E245-DE43-F42934A217DF}"/>
+              </a:ext>
+            </a:extLst>
+          </p:cNvPr>
+          <p:cNvSpPr txBox="1"/>
+          <p:nvPr/>
+        </p:nvSpPr>
+        <p:spPr>
+          <a:xfrm>
+            <a:off x="304800" y="1178002"/>
+            <a:ext cx="6691888" cy="523220"/>
+          </a:xfrm>
+          <a:prstGeom prst="rect">
+            <a:avLst/>
+          </a:prstGeom>
+          <a:noFill/>
+        </p:spPr>
+        <p:txBody>
+          <a:bodyPr wrap="square">
+            <a:spAutoFit/>
+          </a:bodyPr>
+          <a:lstStyle/>
+          <a:p>
+            <a:r>
+              <a:rPr lang="en-US" sz="2800" dirty="0">
+                <a:latin typeface="Arial" panose="020B0604020202020204" pitchFamily="34" charset="0"/>
+                <a:cs typeface="Arial" panose="020B0604020202020204" pitchFamily="34" charset="0"/>
+              </a:rPr>
+              <a:t>Subway Simulator</a:t>
+            </a:r>
+            <a:endParaRPr lang="ru-RU" sz="2800" dirty="0">
+              <a:latin typeface="Arial" panose="020B0604020202020204" pitchFamily="34" charset="0"/>
+              <a:cs typeface="Arial" panose="020B0604020202020204" pitchFamily="34" charset="0"/>
+            </a:endParaRPr>
+          </a:p>
+        </p:txBody>
+      </p:sp>
+      <p:sp>
+        <p:nvSpPr>
+          <p:cNvPr id="19" name="TextBox 18">
+            <a:extLst>
+              <a:ext uri="{FF2B5EF4-FFF2-40B4-BE49-F238E27FC236}">
+                <a16:creationId xmlns:a16="http://schemas.microsoft.com/office/drawing/2014/main" id="{8807A9B1-7C56-9514-110B-57F2301EDF14}"/>
+              </a:ext>
+            </a:extLst>
+          </p:cNvPr>
+          <p:cNvSpPr txBox="1"/>
+          <p:nvPr/>
+        </p:nvSpPr>
+        <p:spPr>
+          <a:xfrm>
+            <a:off x="260856" y="1651587"/>
+            <a:ext cx="6691888" cy="523220"/>
+          </a:xfrm>
+          <a:prstGeom prst="rect">
+            <a:avLst/>
+          </a:prstGeom>
+          <a:noFill/>
+        </p:spPr>
+        <p:txBody>
+          <a:bodyPr wrap="square">
+            <a:spAutoFit/>
+          </a:bodyPr>
+          <a:lstStyle/>
+          <a:p>
+            <a:r>
+              <a:rPr lang="ru-RU" sz="2800" dirty="0">
+                <a:latin typeface="Arial" panose="020B0604020202020204" pitchFamily="34" charset="0"/>
+                <a:cs typeface="Arial" panose="020B0604020202020204" pitchFamily="34" charset="0"/>
+              </a:rPr>
+              <a:t>Учебный тренажёр для машиниста</a:t>
+            </a:r>
+          </a:p>
+        </p:txBody>
+      </p:sp>
+      <p:sp>
+        <p:nvSpPr>
+          <p:cNvPr id="20" name="TextBox 19">
+            <a:extLst>
+              <a:ext uri="{FF2B5EF4-FFF2-40B4-BE49-F238E27FC236}">
+                <a16:creationId xmlns:a16="http://schemas.microsoft.com/office/drawing/2014/main" id="{69449198-BBA2-AE64-66D6-31DB6EEE4F20}"/>
+              </a:ext>
+            </a:extLst>
+          </p:cNvPr>
+          <p:cNvSpPr txBox="1"/>
+          <p:nvPr/>
+        </p:nvSpPr>
+        <p:spPr>
+          <a:xfrm>
+            <a:off x="260856" y="2125172"/>
+            <a:ext cx="6604000" cy="523220"/>
+          </a:xfrm>
+          <a:prstGeom prst="rect">
+            <a:avLst/>
+          </a:prstGeom>
+          <a:noFill/>
+        </p:spPr>
+        <p:txBody>
+          <a:bodyPr wrap="square">
+            <a:spAutoFit/>
+          </a:bodyPr>
+          <a:lstStyle/>
+          <a:p>
+            <a:r>
+              <a:rPr lang="en-US" sz="2800" dirty="0" err="1">
+                <a:latin typeface="Arial" panose="020B0604020202020204" pitchFamily="34" charset="0"/>
+                <a:cs typeface="Arial" panose="020B0604020202020204" pitchFamily="34" charset="0"/>
+              </a:rPr>
+              <a:t>Hmmsim</a:t>
+            </a:r>
+            <a:r>
+              <a:rPr lang="en-US" sz="2800" dirty="0">
+                <a:latin typeface="Arial" panose="020B0604020202020204" pitchFamily="34" charset="0"/>
+                <a:cs typeface="Arial" panose="020B0604020202020204" pitchFamily="34" charset="0"/>
+              </a:rPr>
+              <a:t> Metro</a:t>
+            </a:r>
+            <a:endParaRPr lang="ru-RU" sz="2800" dirty="0">
+              <a:latin typeface="Arial" panose="020B0604020202020204" pitchFamily="34" charset="0"/>
+              <a:cs typeface="Arial" panose="020B0604020202020204" pitchFamily="34" charset="0"/>
+            </a:endParaRPr>
+          </a:p>
+        </p:txBody>
+      </p:sp>
     </p:spTree>
     <p:extLst>
       <p:ext uri="{BB962C8B-B14F-4D97-AF65-F5344CB8AC3E}">
-        <p14:creationId xmlns:p14="http://schemas.microsoft.com/office/powerpoint/2010/main" val="3040585686"/>
+        <p14:creationId xmlns:p14="http://schemas.microsoft.com/office/powerpoint/2010/main" val="4118263342"/>
       </p:ext>
     </p:extLst>
   </p:cSld>
@@ -6609,277 +6688,67 @@
           </a:p>
         </p:txBody>
       </p:sp>
-      <p:pic>
-        <p:nvPicPr>
-          <p:cNvPr id="13" name="Рисунок 12">
-            <a:extLst>
-              <a:ext uri="{FF2B5EF4-FFF2-40B4-BE49-F238E27FC236}">
-                <a16:creationId xmlns:a16="http://schemas.microsoft.com/office/drawing/2014/main" id="{7F0270B6-9904-0DEF-A07C-8BA08B70545B}"/>
-              </a:ext>
-            </a:extLst>
-          </p:cNvPr>
-          <p:cNvPicPr>
-            <a:picLocks noChangeAspect="1"/>
-          </p:cNvPicPr>
-          <p:nvPr/>
-        </p:nvPicPr>
-        <p:blipFill>
-          <a:blip r:embed="rId2">
-            <a:extLst>
-              <a:ext uri="{BEBA8EAE-BF5A-486C-A8C5-ECC9F3942E4B}">
-                <a14:imgProps xmlns:a14="http://schemas.microsoft.com/office/drawing/2010/main">
-                  <a14:imgLayer r:embed="rId3">
-                    <a14:imgEffect>
-                      <a14:backgroundRemoval t="10000" b="90000" l="10000" r="90000">
-                        <a14:foregroundMark x1="14722" y1="58056" x2="32222" y2="47500"/>
-                        <a14:foregroundMark x1="32222" y1="47500" x2="53611" y2="41389"/>
-                        <a14:foregroundMark x1="53611" y1="41389" x2="53889" y2="40833"/>
-                        <a14:foregroundMark x1="66389" y1="82778" x2="43889" y2="41944"/>
-                        <a14:foregroundMark x1="43889" y1="41944" x2="62222" y2="29167"/>
-                        <a14:foregroundMark x1="62222" y1="29167" x2="70278" y2="28333"/>
-                        <a14:foregroundMark x1="67778" y1="72222" x2="78056" y2="55833"/>
-                        <a14:foregroundMark x1="78056" y1="55833" x2="70000" y2="53056"/>
-                        <a14:foregroundMark x1="71111" y1="48056" x2="70278" y2="31389"/>
-                        <a14:foregroundMark x1="70278" y1="31389" x2="50278" y2="22778"/>
-                        <a14:foregroundMark x1="50278" y1="22778" x2="53056" y2="28611"/>
-                        <a14:foregroundMark x1="52222" y1="19167" x2="43611" y2="30278"/>
-                        <a14:foregroundMark x1="43611" y1="30278" x2="16389" y2="50000"/>
-                        <a14:foregroundMark x1="16389" y1="50000" x2="39722" y2="70556"/>
-                        <a14:foregroundMark x1="39722" y1="70556" x2="58056" y2="73056"/>
-                        <a14:foregroundMark x1="58056" y1="73056" x2="59444" y2="78611"/>
-                      </a14:backgroundRemoval>
-                    </a14:imgEffect>
-                  </a14:imgLayer>
-                </a14:imgProps>
-              </a:ext>
-              <a:ext uri="{28A0092B-C50C-407E-A947-70E740481C1C}">
-                <a14:useLocalDpi xmlns:a14="http://schemas.microsoft.com/office/drawing/2010/main" val="0"/>
-              </a:ext>
-            </a:extLst>
-          </a:blip>
-          <a:stretch>
-            <a:fillRect/>
-          </a:stretch>
-        </p:blipFill>
-        <p:spPr>
-          <a:xfrm>
-            <a:off x="794438" y="1597423"/>
-            <a:ext cx="2852030" cy="2852030"/>
-          </a:xfrm>
-          <a:prstGeom prst="rect">
-            <a:avLst/>
-          </a:prstGeom>
-        </p:spPr>
-      </p:pic>
-      <p:pic>
-        <p:nvPicPr>
-          <p:cNvPr id="15" name="Рисунок 14">
-            <a:extLst>
-              <a:ext uri="{FF2B5EF4-FFF2-40B4-BE49-F238E27FC236}">
-                <a16:creationId xmlns:a16="http://schemas.microsoft.com/office/drawing/2014/main" id="{4EFAF055-A82F-4C95-E81D-A3B2776C7204}"/>
-              </a:ext>
-            </a:extLst>
-          </p:cNvPr>
-          <p:cNvPicPr>
-            <a:picLocks noChangeAspect="1"/>
-          </p:cNvPicPr>
-          <p:nvPr/>
-        </p:nvPicPr>
-        <p:blipFill>
-          <a:blip r:embed="rId4">
-            <a:extLst>
-              <a:ext uri="{BEBA8EAE-BF5A-486C-A8C5-ECC9F3942E4B}">
-                <a14:imgProps xmlns:a14="http://schemas.microsoft.com/office/drawing/2010/main">
-                  <a14:imgLayer r:embed="rId5">
-                    <a14:imgEffect>
-                      <a14:backgroundRemoval t="4000" b="93778" l="8889" r="89778">
-                        <a14:foregroundMark x1="28889" y1="51111" x2="28889" y2="51111"/>
-                        <a14:foregroundMark x1="15556" y1="62222" x2="26222" y2="73333"/>
-                        <a14:foregroundMark x1="31556" y1="67556" x2="41778" y2="75111"/>
-                        <a14:foregroundMark x1="44000" y1="75111" x2="59556" y2="69333"/>
-                        <a14:foregroundMark x1="31556" y1="63556" x2="27111" y2="50222"/>
-                        <a14:foregroundMark x1="24889" y1="44889" x2="32889" y2="33333"/>
-                        <a14:foregroundMark x1="45778" y1="29333" x2="51556" y2="28000"/>
-                        <a14:foregroundMark x1="62667" y1="30222" x2="70667" y2="34667"/>
-                        <a14:foregroundMark x1="73778" y1="45778" x2="76000" y2="56000"/>
-                        <a14:foregroundMark x1="79111" y1="45778" x2="79111" y2="45778"/>
-                        <a14:foregroundMark x1="81333" y1="41333" x2="84000" y2="56444"/>
-                        <a14:foregroundMark x1="82222" y1="65333" x2="77778" y2="68889"/>
-                        <a14:foregroundMark x1="76889" y1="57333" x2="76000" y2="38667"/>
-                        <a14:foregroundMark x1="33333" y1="37778" x2="28444" y2="25778"/>
-                        <a14:foregroundMark x1="15556" y1="32889" x2="29778" y2="22222"/>
-                        <a14:foregroundMark x1="45778" y1="19111" x2="49333" y2="18222"/>
-                        <a14:foregroundMark x1="75556" y1="26222" x2="83556" y2="40000"/>
-                        <a14:foregroundMark x1="86667" y1="46667" x2="87556" y2="53333"/>
-                        <a14:foregroundMark x1="87111" y1="58667" x2="86222" y2="68889"/>
-                        <a14:foregroundMark x1="85333" y1="72889" x2="80444" y2="77333"/>
-                        <a14:foregroundMark x1="77333" y1="77778" x2="70667" y2="79556"/>
-                        <a14:foregroundMark x1="63556" y1="70667" x2="68889" y2="64889"/>
-                        <a14:foregroundMark x1="68000" y1="67556" x2="75111" y2="59111"/>
-                        <a14:foregroundMark x1="82222" y1="68889" x2="89333" y2="65778"/>
-                        <a14:foregroundMark x1="88444" y1="63111" x2="88444" y2="52889"/>
-                        <a14:foregroundMark x1="87556" y1="36889" x2="87556" y2="32889"/>
-                        <a14:foregroundMark x1="45778" y1="88444" x2="50222" y2="88444"/>
-                        <a14:foregroundMark x1="48000" y1="4444" x2="51111" y2="5333"/>
-                        <a14:foregroundMark x1="9333" y1="47556" x2="8889" y2="40444"/>
-                        <a14:foregroundMark x1="51556" y1="93778" x2="52000" y2="86667"/>
-                        <a14:foregroundMark x1="40444" y1="27556" x2="45333" y2="23111"/>
-                        <a14:foregroundMark x1="73778" y1="40444" x2="77778" y2="44000"/>
-                        <a14:foregroundMark x1="88889" y1="72000" x2="89778" y2="71556"/>
-                      </a14:backgroundRemoval>
-                    </a14:imgEffect>
-                  </a14:imgLayer>
-                </a14:imgProps>
-              </a:ext>
-              <a:ext uri="{28A0092B-C50C-407E-A947-70E740481C1C}">
-                <a14:useLocalDpi xmlns:a14="http://schemas.microsoft.com/office/drawing/2010/main" val="0"/>
-              </a:ext>
-            </a:extLst>
-          </a:blip>
-          <a:stretch>
-            <a:fillRect/>
-          </a:stretch>
-        </p:blipFill>
-        <p:spPr>
-          <a:xfrm>
-            <a:off x="4023437" y="3722674"/>
-            <a:ext cx="2770902" cy="2770902"/>
-          </a:xfrm>
-          <a:prstGeom prst="rect">
-            <a:avLst/>
-          </a:prstGeom>
-        </p:spPr>
-      </p:pic>
-      <p:pic>
-        <p:nvPicPr>
-          <p:cNvPr id="17" name="Рисунок 16">
-            <a:extLst>
-              <a:ext uri="{FF2B5EF4-FFF2-40B4-BE49-F238E27FC236}">
-                <a16:creationId xmlns:a16="http://schemas.microsoft.com/office/drawing/2014/main" id="{BF510AEB-8202-03E8-8792-D4984CE8BBEB}"/>
-              </a:ext>
-            </a:extLst>
-          </p:cNvPr>
-          <p:cNvPicPr>
-            <a:picLocks noChangeAspect="1"/>
-          </p:cNvPicPr>
-          <p:nvPr/>
-        </p:nvPicPr>
-        <p:blipFill>
-          <a:blip r:embed="rId6">
-            <a:extLst>
-              <a:ext uri="{28A0092B-C50C-407E-A947-70E740481C1C}">
-                <a14:useLocalDpi xmlns:a14="http://schemas.microsoft.com/office/drawing/2010/main" val="0"/>
-              </a:ext>
-            </a:extLst>
-          </a:blip>
-          <a:stretch>
-            <a:fillRect/>
-          </a:stretch>
-        </p:blipFill>
-        <p:spPr>
-          <a:xfrm>
-            <a:off x="7657997" y="4827950"/>
-            <a:ext cx="3867642" cy="973203"/>
-          </a:xfrm>
-          <a:prstGeom prst="rect">
-            <a:avLst/>
-          </a:prstGeom>
-        </p:spPr>
-      </p:pic>
-      <p:pic>
-        <p:nvPicPr>
-          <p:cNvPr id="19" name="Рисунок 18" descr="Изображение выглядит как текст&#10;&#10;Автоматически созданное описание">
-            <a:extLst>
-              <a:ext uri="{FF2B5EF4-FFF2-40B4-BE49-F238E27FC236}">
-                <a16:creationId xmlns:a16="http://schemas.microsoft.com/office/drawing/2014/main" id="{A5B00168-1499-B24E-F0F5-99A43DF9A824}"/>
-              </a:ext>
-            </a:extLst>
-          </p:cNvPr>
-          <p:cNvPicPr>
-            <a:picLocks noChangeAspect="1"/>
-          </p:cNvPicPr>
-          <p:nvPr/>
-        </p:nvPicPr>
-        <p:blipFill>
-          <a:blip r:embed="rId7">
-            <a:extLst>
-              <a:ext uri="{28A0092B-C50C-407E-A947-70E740481C1C}">
-                <a14:useLocalDpi xmlns:a14="http://schemas.microsoft.com/office/drawing/2010/main" val="0"/>
-              </a:ext>
-            </a:extLst>
-          </a:blip>
-          <a:stretch>
-            <a:fillRect/>
-          </a:stretch>
-        </p:blipFill>
-        <p:spPr>
-          <a:xfrm>
-            <a:off x="8196134" y="2593367"/>
-            <a:ext cx="2571750" cy="1590675"/>
-          </a:xfrm>
-          <a:prstGeom prst="rect">
-            <a:avLst/>
-          </a:prstGeom>
-        </p:spPr>
-      </p:pic>
-      <p:pic>
-        <p:nvPicPr>
-          <p:cNvPr id="21" name="Рисунок 20">
-            <a:extLst>
-              <a:ext uri="{FF2B5EF4-FFF2-40B4-BE49-F238E27FC236}">
-                <a16:creationId xmlns:a16="http://schemas.microsoft.com/office/drawing/2014/main" id="{A8E527C2-014A-324C-CAAD-0B5D3078522F}"/>
-              </a:ext>
-            </a:extLst>
-          </p:cNvPr>
-          <p:cNvPicPr>
-            <a:picLocks noChangeAspect="1"/>
-          </p:cNvPicPr>
-          <p:nvPr/>
-        </p:nvPicPr>
-        <p:blipFill>
-          <a:blip r:embed="rId8">
-            <a:extLst>
-              <a:ext uri="{BEBA8EAE-BF5A-486C-A8C5-ECC9F3942E4B}">
-                <a14:imgProps xmlns:a14="http://schemas.microsoft.com/office/drawing/2010/main">
-                  <a14:imgLayer r:embed="rId9">
-                    <a14:imgEffect>
-                      <a14:backgroundRemoval t="9769" b="89974" l="7946" r="89922">
-                        <a14:foregroundMark x1="72093" y1="42416" x2="58140" y2="30591"/>
-                        <a14:foregroundMark x1="58140" y1="30591" x2="58915" y2="28278"/>
-                        <a14:foregroundMark x1="70543" y1="23136" x2="69186" y2="25450"/>
-                        <a14:foregroundMark x1="7946" y1="49357" x2="18217" y2="49357"/>
-                        <a14:foregroundMark x1="23256" y1="57584" x2="23450" y2="54756"/>
-                        <a14:foregroundMark x1="47287" y1="56041" x2="47287" y2="56041"/>
-                        <a14:foregroundMark x1="52713" y1="58612" x2="52713" y2="58612"/>
-                        <a14:foregroundMark x1="52519" y1="48843" x2="52519" y2="48843"/>
-                        <a14:foregroundMark x1="56589" y1="58355" x2="56589" y2="58355"/>
-                        <a14:foregroundMark x1="71124" y1="58612" x2="71124" y2="58612"/>
-                        <a14:foregroundMark x1="85078" y1="60154" x2="85078" y2="60154"/>
-                        <a14:foregroundMark x1="63760" y1="33419" x2="62597" y2="29049"/>
-                      </a14:backgroundRemoval>
-                    </a14:imgEffect>
-                  </a14:imgLayer>
-                </a14:imgProps>
-              </a:ext>
-              <a:ext uri="{28A0092B-C50C-407E-A947-70E740481C1C}">
-                <a14:useLocalDpi xmlns:a14="http://schemas.microsoft.com/office/drawing/2010/main" val="0"/>
-              </a:ext>
-            </a:extLst>
-          </a:blip>
-          <a:stretch>
-            <a:fillRect/>
-          </a:stretch>
-        </p:blipFill>
-        <p:spPr>
-          <a:xfrm>
-            <a:off x="6463896" y="479671"/>
-            <a:ext cx="2910675" cy="2194288"/>
-          </a:xfrm>
-          <a:prstGeom prst="rect">
-            <a:avLst/>
-          </a:prstGeom>
-        </p:spPr>
-      </p:pic>
+      <p:sp>
+        <p:nvSpPr>
+          <p:cNvPr id="10" name="TextBox 9">
+            <a:extLst>
+              <a:ext uri="{FF2B5EF4-FFF2-40B4-BE49-F238E27FC236}">
+                <a16:creationId xmlns:a16="http://schemas.microsoft.com/office/drawing/2014/main" id="{E17FC534-546C-CF67-7F51-C0570E1603A8}"/>
+              </a:ext>
+            </a:extLst>
+          </p:cNvPr>
+          <p:cNvSpPr txBox="1"/>
+          <p:nvPr/>
+        </p:nvSpPr>
+        <p:spPr>
+          <a:xfrm>
+            <a:off x="304801" y="2480852"/>
+            <a:ext cx="9212424" cy="1446550"/>
+          </a:xfrm>
+          <a:prstGeom prst="rect">
+            <a:avLst/>
+          </a:prstGeom>
+          <a:noFill/>
+        </p:spPr>
+        <p:txBody>
+          <a:bodyPr wrap="square">
+            <a:spAutoFit/>
+          </a:bodyPr>
+          <a:lstStyle/>
+          <a:p>
+            <a:r>
+              <a:rPr lang="ru-RU" sz="4400" dirty="0">
+                <a:latin typeface="Arial" panose="020B0604020202020204" pitchFamily="34" charset="0"/>
+                <a:cs typeface="Arial" panose="020B0604020202020204" pitchFamily="34" charset="0"/>
+              </a:rPr>
+              <a:t>Игровой движок – </a:t>
+            </a:r>
+            <a:r>
+              <a:rPr lang="en-US" sz="4400" dirty="0">
+                <a:latin typeface="Arial" panose="020B0604020202020204" pitchFamily="34" charset="0"/>
+                <a:cs typeface="Arial" panose="020B0604020202020204" pitchFamily="34" charset="0"/>
+              </a:rPr>
+              <a:t>Unity</a:t>
+            </a:r>
+          </a:p>
+          <a:p>
+            <a:r>
+              <a:rPr lang="ru-RU" sz="4400" dirty="0">
+                <a:latin typeface="Arial" panose="020B0604020202020204" pitchFamily="34" charset="0"/>
+                <a:cs typeface="Arial" panose="020B0604020202020204" pitchFamily="34" charset="0"/>
+              </a:rPr>
+              <a:t>Язык программирования – </a:t>
+            </a:r>
+            <a:r>
+              <a:rPr lang="en-US" sz="4400" dirty="0">
+                <a:latin typeface="Arial" panose="020B0604020202020204" pitchFamily="34" charset="0"/>
+                <a:cs typeface="Arial" panose="020B0604020202020204" pitchFamily="34" charset="0"/>
+              </a:rPr>
+              <a:t>C#</a:t>
+            </a:r>
+          </a:p>
+        </p:txBody>
+      </p:sp>
     </p:spTree>
     <p:extLst>
       <p:ext uri="{BB962C8B-B14F-4D97-AF65-F5344CB8AC3E}">
@@ -6912,10 +6781,10 @@
       </p:grpSpPr>
       <p:sp>
         <p:nvSpPr>
-          <p:cNvPr id="4" name="Прямоугольник 3">
-            <a:extLst>
-              <a:ext uri="{FF2B5EF4-FFF2-40B4-BE49-F238E27FC236}">
-                <a16:creationId xmlns:a16="http://schemas.microsoft.com/office/drawing/2014/main" id="{88A108B3-5818-6264-1CD6-3D23BFF1B259}"/>
+          <p:cNvPr id="9" name="Прямоугольник 8">
+            <a:extLst>
+              <a:ext uri="{FF2B5EF4-FFF2-40B4-BE49-F238E27FC236}">
+                <a16:creationId xmlns:a16="http://schemas.microsoft.com/office/drawing/2014/main" id="{0D61A3C7-4E6B-85AD-DD84-08739ED10AC7}"/>
               </a:ext>
             </a:extLst>
           </p:cNvPr>
@@ -6924,14 +6793,14 @@
         </p:nvSpPr>
         <p:spPr>
           <a:xfrm>
-            <a:off x="0" y="0"/>
+            <a:off x="-1" y="0"/>
             <a:ext cx="12192000" cy="6858000"/>
           </a:xfrm>
           <a:prstGeom prst="rect">
             <a:avLst/>
           </a:prstGeom>
           <a:solidFill>
-            <a:srgbClr val="B3D5B4"/>
+            <a:srgbClr val="EADA9E"/>
           </a:solidFill>
         </p:spPr>
         <p:style>
@@ -6955,98 +6824,7 @@
           <a:lstStyle/>
           <a:p>
             <a:pPr algn="ctr"/>
-            <a:endParaRPr lang="ru-RU" dirty="0"/>
-          </a:p>
-        </p:txBody>
-      </p:sp>
-      <p:sp>
-        <p:nvSpPr>
-          <p:cNvPr id="8" name="Прямоугольник 7">
-            <a:extLst>
-              <a:ext uri="{FF2B5EF4-FFF2-40B4-BE49-F238E27FC236}">
-                <a16:creationId xmlns:a16="http://schemas.microsoft.com/office/drawing/2014/main" id="{6A0066BD-3270-2326-403B-286F6C79ABE4}"/>
-              </a:ext>
-            </a:extLst>
-          </p:cNvPr>
-          <p:cNvSpPr/>
-          <p:nvPr/>
-        </p:nvSpPr>
-        <p:spPr>
-          <a:xfrm>
-            <a:off x="0" y="331978"/>
-            <a:ext cx="5791201" cy="744878"/>
-          </a:xfrm>
-          <a:prstGeom prst="rect">
-            <a:avLst/>
-          </a:prstGeom>
-          <a:solidFill>
-            <a:schemeClr val="accent1">
-              <a:alpha val="75000"/>
-            </a:schemeClr>
-          </a:solidFill>
-          <a:ln>
-            <a:noFill/>
-          </a:ln>
-        </p:spPr>
-        <p:style>
-          <a:lnRef idx="2">
-            <a:schemeClr val="accent1">
-              <a:shade val="50000"/>
-            </a:schemeClr>
-          </a:lnRef>
-          <a:fillRef idx="1">
-            <a:schemeClr val="accent1"/>
-          </a:fillRef>
-          <a:effectRef idx="0">
-            <a:schemeClr val="accent1"/>
-          </a:effectRef>
-          <a:fontRef idx="minor">
-            <a:schemeClr val="lt1"/>
-          </a:fontRef>
-        </p:style>
-        <p:txBody>
-          <a:bodyPr rtlCol="0" anchor="ctr"/>
-          <a:lstStyle/>
-          <a:p>
-            <a:pPr algn="ctr"/>
-            <a:endParaRPr lang="ru-RU" dirty="0"/>
-          </a:p>
-        </p:txBody>
-      </p:sp>
-      <p:sp>
-        <p:nvSpPr>
-          <p:cNvPr id="5" name="TextBox 4">
-            <a:extLst>
-              <a:ext uri="{FF2B5EF4-FFF2-40B4-BE49-F238E27FC236}">
-                <a16:creationId xmlns:a16="http://schemas.microsoft.com/office/drawing/2014/main" id="{F71A844B-7627-0241-B45B-44F2D9D1EF05}"/>
-              </a:ext>
-            </a:extLst>
-          </p:cNvPr>
-          <p:cNvSpPr txBox="1"/>
-          <p:nvPr/>
-        </p:nvSpPr>
-        <p:spPr>
-          <a:xfrm>
-            <a:off x="34213" y="393842"/>
-            <a:ext cx="7943460" cy="646331"/>
-          </a:xfrm>
-          <a:prstGeom prst="rect">
-            <a:avLst/>
-          </a:prstGeom>
-          <a:noFill/>
-        </p:spPr>
-        <p:txBody>
-          <a:bodyPr wrap="square">
-            <a:spAutoFit/>
-          </a:bodyPr>
-          <a:lstStyle/>
-          <a:p>
-            <a:r>
-              <a:rPr lang="ru-RU" sz="3600" b="1" dirty="0">
-                <a:latin typeface="Arial Narrow" panose="020B0606020202030204" pitchFamily="34" charset="0"/>
-              </a:rPr>
-              <a:t>Ввод данных</a:t>
-            </a:r>
+            <a:endParaRPr lang="ru-RU"/>
           </a:p>
         </p:txBody>
       </p:sp>
@@ -7087,203 +6865,17 @@
                 </a:solidFill>
                 <a:latin typeface="Arial Black" panose="020B0A04020102020204" pitchFamily="34" charset="0"/>
               </a:rPr>
-              <a:t>5</a:t>
-            </a:r>
-          </a:p>
-        </p:txBody>
-      </p:sp>
-      <p:grpSp>
-        <p:nvGrpSpPr>
-          <p:cNvPr id="20" name="Группа 19">
-            <a:extLst>
-              <a:ext uri="{FF2B5EF4-FFF2-40B4-BE49-F238E27FC236}">
-                <a16:creationId xmlns:a16="http://schemas.microsoft.com/office/drawing/2014/main" id="{14CC9C3D-7843-D40E-1A75-EFACF5EF5597}"/>
-              </a:ext>
-            </a:extLst>
-          </p:cNvPr>
-          <p:cNvGrpSpPr/>
-          <p:nvPr/>
-        </p:nvGrpSpPr>
-        <p:grpSpPr>
-          <a:xfrm>
-            <a:off x="11706808" y="223946"/>
-            <a:ext cx="186613" cy="757713"/>
-            <a:chOff x="11706808" y="223946"/>
-            <a:chExt cx="186613" cy="757713"/>
-          </a:xfrm>
-        </p:grpSpPr>
-        <p:sp>
-          <p:nvSpPr>
-            <p:cNvPr id="9" name="Овал 8">
-              <a:extLst>
-                <a:ext uri="{FF2B5EF4-FFF2-40B4-BE49-F238E27FC236}">
-                  <a16:creationId xmlns:a16="http://schemas.microsoft.com/office/drawing/2014/main" id="{BA6C340B-EC38-F294-1958-3F5AA9D8C4A0}"/>
-                </a:ext>
-              </a:extLst>
-            </p:cNvPr>
-            <p:cNvSpPr/>
-            <p:nvPr/>
-          </p:nvSpPr>
-          <p:spPr>
-            <a:xfrm>
-              <a:off x="11706808" y="223946"/>
-              <a:ext cx="186613" cy="186613"/>
-            </a:xfrm>
-            <a:prstGeom prst="ellipse">
-              <a:avLst/>
-            </a:prstGeom>
-            <a:solidFill>
-              <a:schemeClr val="tx2">
-                <a:lumMod val="85000"/>
-                <a:lumOff val="15000"/>
-              </a:schemeClr>
-            </a:solidFill>
-            <a:ln>
-              <a:noFill/>
-            </a:ln>
-          </p:spPr>
-          <p:style>
-            <a:lnRef idx="2">
-              <a:schemeClr val="accent1">
-                <a:shade val="50000"/>
-              </a:schemeClr>
-            </a:lnRef>
-            <a:fillRef idx="1">
-              <a:schemeClr val="accent1"/>
-            </a:fillRef>
-            <a:effectRef idx="0">
-              <a:schemeClr val="accent1"/>
-            </a:effectRef>
-            <a:fontRef idx="minor">
-              <a:schemeClr val="lt1"/>
-            </a:fontRef>
-          </p:style>
-          <p:txBody>
-            <a:bodyPr rtlCol="0" anchor="ctr"/>
-            <a:lstStyle/>
-            <a:p>
-              <a:pPr algn="ctr"/>
-              <a:endParaRPr lang="ru-RU"/>
-            </a:p>
-          </p:txBody>
-        </p:sp>
-        <p:sp>
-          <p:nvSpPr>
-            <p:cNvPr id="16" name="Овал 15">
-              <a:extLst>
-                <a:ext uri="{FF2B5EF4-FFF2-40B4-BE49-F238E27FC236}">
-                  <a16:creationId xmlns:a16="http://schemas.microsoft.com/office/drawing/2014/main" id="{C30F2E32-58D4-E0E6-2F99-80F2B537C4FE}"/>
-                </a:ext>
-              </a:extLst>
-            </p:cNvPr>
-            <p:cNvSpPr/>
-            <p:nvPr/>
-          </p:nvSpPr>
-          <p:spPr>
-            <a:xfrm>
-              <a:off x="11706808" y="509496"/>
-              <a:ext cx="186613" cy="186613"/>
-            </a:xfrm>
-            <a:prstGeom prst="ellipse">
-              <a:avLst/>
-            </a:prstGeom>
-            <a:solidFill>
-              <a:schemeClr val="tx2">
-                <a:lumMod val="85000"/>
-                <a:lumOff val="15000"/>
-              </a:schemeClr>
-            </a:solidFill>
-            <a:ln>
-              <a:noFill/>
-            </a:ln>
-          </p:spPr>
-          <p:style>
-            <a:lnRef idx="2">
-              <a:schemeClr val="accent1">
-                <a:shade val="50000"/>
-              </a:schemeClr>
-            </a:lnRef>
-            <a:fillRef idx="1">
-              <a:schemeClr val="accent1"/>
-            </a:fillRef>
-            <a:effectRef idx="0">
-              <a:schemeClr val="accent1"/>
-            </a:effectRef>
-            <a:fontRef idx="minor">
-              <a:schemeClr val="lt1"/>
-            </a:fontRef>
-          </p:style>
-          <p:txBody>
-            <a:bodyPr rtlCol="0" anchor="ctr"/>
-            <a:lstStyle/>
-            <a:p>
-              <a:pPr algn="ctr"/>
-              <a:endParaRPr lang="ru-RU"/>
-            </a:p>
-          </p:txBody>
-        </p:sp>
-        <p:sp>
-          <p:nvSpPr>
-            <p:cNvPr id="19" name="Овал 18">
-              <a:extLst>
-                <a:ext uri="{FF2B5EF4-FFF2-40B4-BE49-F238E27FC236}">
-                  <a16:creationId xmlns:a16="http://schemas.microsoft.com/office/drawing/2014/main" id="{B9D2B621-BEBF-CE00-7DD1-D8934E44A257}"/>
-                </a:ext>
-              </a:extLst>
-            </p:cNvPr>
-            <p:cNvSpPr/>
-            <p:nvPr/>
-          </p:nvSpPr>
-          <p:spPr>
-            <a:xfrm>
-              <a:off x="11706808" y="795046"/>
-              <a:ext cx="186613" cy="186613"/>
-            </a:xfrm>
-            <a:prstGeom prst="ellipse">
-              <a:avLst/>
-            </a:prstGeom>
-            <a:solidFill>
-              <a:schemeClr val="tx2">
-                <a:lumMod val="85000"/>
-                <a:lumOff val="15000"/>
-              </a:schemeClr>
-            </a:solidFill>
-            <a:ln>
-              <a:noFill/>
-            </a:ln>
-          </p:spPr>
-          <p:style>
-            <a:lnRef idx="2">
-              <a:schemeClr val="accent1">
-                <a:shade val="50000"/>
-              </a:schemeClr>
-            </a:lnRef>
-            <a:fillRef idx="1">
-              <a:schemeClr val="accent1"/>
-            </a:fillRef>
-            <a:effectRef idx="0">
-              <a:schemeClr val="accent1"/>
-            </a:effectRef>
-            <a:fontRef idx="minor">
-              <a:schemeClr val="lt1"/>
-            </a:fontRef>
-          </p:style>
-          <p:txBody>
-            <a:bodyPr rtlCol="0" anchor="ctr"/>
-            <a:lstStyle/>
-            <a:p>
-              <a:pPr algn="ctr"/>
-              <a:endParaRPr lang="ru-RU"/>
-            </a:p>
-          </p:txBody>
-        </p:sp>
-      </p:grpSp>
+              <a:t>4</a:t>
+            </a:r>
+          </a:p>
+        </p:txBody>
+      </p:sp>
       <p:pic>
         <p:nvPicPr>
-          <p:cNvPr id="11" name="Рисунок 10">
-            <a:extLst>
-              <a:ext uri="{FF2B5EF4-FFF2-40B4-BE49-F238E27FC236}">
-                <a16:creationId xmlns:a16="http://schemas.microsoft.com/office/drawing/2014/main" id="{36887CF3-5465-38C0-17BD-37C03DE3F43E}"/>
+          <p:cNvPr id="10" name="Рисунок 9">
+            <a:extLst>
+              <a:ext uri="{FF2B5EF4-FFF2-40B4-BE49-F238E27FC236}">
+                <a16:creationId xmlns:a16="http://schemas.microsoft.com/office/drawing/2014/main" id="{2AA2A5B1-35AB-C6EC-6827-E8342CAAFFD0}"/>
               </a:ext>
             </a:extLst>
           </p:cNvPr>
@@ -7300,18 +6892,60 @@
         </p:blipFill>
         <p:spPr>
           <a:xfrm>
-            <a:off x="1476952" y="1470698"/>
-            <a:ext cx="9238095" cy="4600000"/>
+            <a:off x="1064828" y="1361896"/>
+            <a:ext cx="10062341" cy="4821508"/>
           </a:xfrm>
           <a:prstGeom prst="rect">
             <a:avLst/>
           </a:prstGeom>
         </p:spPr>
       </p:pic>
+      <p:sp>
+        <p:nvSpPr>
+          <p:cNvPr id="6" name="TextBox 5">
+            <a:extLst>
+              <a:ext uri="{FF2B5EF4-FFF2-40B4-BE49-F238E27FC236}">
+                <a16:creationId xmlns:a16="http://schemas.microsoft.com/office/drawing/2014/main" id="{5FF33FC1-4A5A-6754-AFAB-107C5F72DBDB}"/>
+              </a:ext>
+            </a:extLst>
+          </p:cNvPr>
+          <p:cNvSpPr txBox="1"/>
+          <p:nvPr/>
+        </p:nvSpPr>
+        <p:spPr>
+          <a:xfrm>
+            <a:off x="370115" y="251067"/>
+            <a:ext cx="9212424" cy="769441"/>
+          </a:xfrm>
+          <a:prstGeom prst="rect">
+            <a:avLst/>
+          </a:prstGeom>
+          <a:noFill/>
+        </p:spPr>
+        <p:txBody>
+          <a:bodyPr wrap="square">
+            <a:spAutoFit/>
+          </a:bodyPr>
+          <a:lstStyle/>
+          <a:p>
+            <a:r>
+              <a:rPr lang="ru-RU" sz="4400" dirty="0">
+                <a:latin typeface="Arial" panose="020B0604020202020204" pitchFamily="34" charset="0"/>
+                <a:cs typeface="Arial" panose="020B0604020202020204" pitchFamily="34" charset="0"/>
+              </a:rPr>
+              <a:t>Контекстная диаграмма</a:t>
+            </a:r>
+            <a:endParaRPr lang="en-US" sz="4400" dirty="0">
+              <a:latin typeface="Arial" panose="020B0604020202020204" pitchFamily="34" charset="0"/>
+              <a:cs typeface="Arial" panose="020B0604020202020204" pitchFamily="34" charset="0"/>
+            </a:endParaRPr>
+          </a:p>
+        </p:txBody>
+      </p:sp>
     </p:spTree>
     <p:extLst>
       <p:ext uri="{BB962C8B-B14F-4D97-AF65-F5344CB8AC3E}">
-        <p14:creationId xmlns:p14="http://schemas.microsoft.com/office/powerpoint/2010/main" val="530650421"/>
+        <p14:creationId xmlns:p14="http://schemas.microsoft.com/office/powerpoint/2010/main" val="3040585686"/>
       </p:ext>
     </p:extLst>
   </p:cSld>
@@ -7383,7 +7017,7 @@
           <a:lstStyle/>
           <a:p>
             <a:pPr algn="ctr"/>
-            <a:endParaRPr lang="ru-RU"/>
+            <a:endParaRPr lang="ru-RU" dirty="0"/>
           </a:p>
         </p:txBody>
       </p:sp>
@@ -7456,7 +7090,7 @@
         <p:spPr>
           <a:xfrm>
             <a:off x="34213" y="393842"/>
-            <a:ext cx="6366588" cy="646331"/>
+            <a:ext cx="7943460" cy="646331"/>
           </a:xfrm>
           <a:prstGeom prst="rect">
             <a:avLst/>
@@ -7473,7 +7107,7 @@
               <a:rPr lang="ru-RU" sz="3600" b="1" dirty="0">
                 <a:latin typeface="Arial Narrow" panose="020B0606020202030204" pitchFamily="34" charset="0"/>
               </a:rPr>
-              <a:t>Система движения</a:t>
+              <a:t>Ввод данных</a:t>
             </a:r>
           </a:p>
         </p:txBody>
@@ -7520,198 +7154,12 @@
           </a:p>
         </p:txBody>
       </p:sp>
-      <p:grpSp>
-        <p:nvGrpSpPr>
-          <p:cNvPr id="20" name="Группа 19">
-            <a:extLst>
-              <a:ext uri="{FF2B5EF4-FFF2-40B4-BE49-F238E27FC236}">
-                <a16:creationId xmlns:a16="http://schemas.microsoft.com/office/drawing/2014/main" id="{14CC9C3D-7843-D40E-1A75-EFACF5EF5597}"/>
-              </a:ext>
-            </a:extLst>
-          </p:cNvPr>
-          <p:cNvGrpSpPr/>
-          <p:nvPr/>
-        </p:nvGrpSpPr>
-        <p:grpSpPr>
-          <a:xfrm>
-            <a:off x="11706808" y="223946"/>
-            <a:ext cx="186613" cy="757713"/>
-            <a:chOff x="11706808" y="223946"/>
-            <a:chExt cx="186613" cy="757713"/>
-          </a:xfrm>
-        </p:grpSpPr>
-        <p:sp>
-          <p:nvSpPr>
-            <p:cNvPr id="9" name="Овал 8">
-              <a:extLst>
-                <a:ext uri="{FF2B5EF4-FFF2-40B4-BE49-F238E27FC236}">
-                  <a16:creationId xmlns:a16="http://schemas.microsoft.com/office/drawing/2014/main" id="{BA6C340B-EC38-F294-1958-3F5AA9D8C4A0}"/>
-                </a:ext>
-              </a:extLst>
-            </p:cNvPr>
-            <p:cNvSpPr/>
-            <p:nvPr/>
-          </p:nvSpPr>
-          <p:spPr>
-            <a:xfrm>
-              <a:off x="11706808" y="223946"/>
-              <a:ext cx="186613" cy="186613"/>
-            </a:xfrm>
-            <a:prstGeom prst="ellipse">
-              <a:avLst/>
-            </a:prstGeom>
-            <a:solidFill>
-              <a:schemeClr val="tx2">
-                <a:lumMod val="85000"/>
-                <a:lumOff val="15000"/>
-              </a:schemeClr>
-            </a:solidFill>
-            <a:ln>
-              <a:noFill/>
-            </a:ln>
-          </p:spPr>
-          <p:style>
-            <a:lnRef idx="2">
-              <a:schemeClr val="accent1">
-                <a:shade val="50000"/>
-              </a:schemeClr>
-            </a:lnRef>
-            <a:fillRef idx="1">
-              <a:schemeClr val="accent1"/>
-            </a:fillRef>
-            <a:effectRef idx="0">
-              <a:schemeClr val="accent1"/>
-            </a:effectRef>
-            <a:fontRef idx="minor">
-              <a:schemeClr val="lt1"/>
-            </a:fontRef>
-          </p:style>
-          <p:txBody>
-            <a:bodyPr rtlCol="0" anchor="ctr"/>
-            <a:lstStyle/>
-            <a:p>
-              <a:pPr algn="ctr"/>
-              <a:endParaRPr lang="ru-RU"/>
-            </a:p>
-          </p:txBody>
-        </p:sp>
-        <p:sp>
-          <p:nvSpPr>
-            <p:cNvPr id="16" name="Овал 15">
-              <a:extLst>
-                <a:ext uri="{FF2B5EF4-FFF2-40B4-BE49-F238E27FC236}">
-                  <a16:creationId xmlns:a16="http://schemas.microsoft.com/office/drawing/2014/main" id="{C30F2E32-58D4-E0E6-2F99-80F2B537C4FE}"/>
-                </a:ext>
-              </a:extLst>
-            </p:cNvPr>
-            <p:cNvSpPr/>
-            <p:nvPr/>
-          </p:nvSpPr>
-          <p:spPr>
-            <a:xfrm>
-              <a:off x="11706808" y="509496"/>
-              <a:ext cx="186613" cy="186613"/>
-            </a:xfrm>
-            <a:prstGeom prst="ellipse">
-              <a:avLst/>
-            </a:prstGeom>
-            <a:solidFill>
-              <a:schemeClr val="tx2">
-                <a:lumMod val="85000"/>
-                <a:lumOff val="15000"/>
-              </a:schemeClr>
-            </a:solidFill>
-            <a:ln>
-              <a:noFill/>
-            </a:ln>
-          </p:spPr>
-          <p:style>
-            <a:lnRef idx="2">
-              <a:schemeClr val="accent1">
-                <a:shade val="50000"/>
-              </a:schemeClr>
-            </a:lnRef>
-            <a:fillRef idx="1">
-              <a:schemeClr val="accent1"/>
-            </a:fillRef>
-            <a:effectRef idx="0">
-              <a:schemeClr val="accent1"/>
-            </a:effectRef>
-            <a:fontRef idx="minor">
-              <a:schemeClr val="lt1"/>
-            </a:fontRef>
-          </p:style>
-          <p:txBody>
-            <a:bodyPr rtlCol="0" anchor="ctr"/>
-            <a:lstStyle/>
-            <a:p>
-              <a:pPr algn="ctr"/>
-              <a:endParaRPr lang="ru-RU"/>
-            </a:p>
-          </p:txBody>
-        </p:sp>
-        <p:sp>
-          <p:nvSpPr>
-            <p:cNvPr id="19" name="Овал 18">
-              <a:extLst>
-                <a:ext uri="{FF2B5EF4-FFF2-40B4-BE49-F238E27FC236}">
-                  <a16:creationId xmlns:a16="http://schemas.microsoft.com/office/drawing/2014/main" id="{B9D2B621-BEBF-CE00-7DD1-D8934E44A257}"/>
-                </a:ext>
-              </a:extLst>
-            </p:cNvPr>
-            <p:cNvSpPr/>
-            <p:nvPr/>
-          </p:nvSpPr>
-          <p:spPr>
-            <a:xfrm>
-              <a:off x="11706808" y="795046"/>
-              <a:ext cx="186613" cy="186613"/>
-            </a:xfrm>
-            <a:prstGeom prst="ellipse">
-              <a:avLst/>
-            </a:prstGeom>
-            <a:solidFill>
-              <a:schemeClr val="tx2">
-                <a:lumMod val="85000"/>
-                <a:lumOff val="15000"/>
-              </a:schemeClr>
-            </a:solidFill>
-            <a:ln>
-              <a:noFill/>
-            </a:ln>
-          </p:spPr>
-          <p:style>
-            <a:lnRef idx="2">
-              <a:schemeClr val="accent1">
-                <a:shade val="50000"/>
-              </a:schemeClr>
-            </a:lnRef>
-            <a:fillRef idx="1">
-              <a:schemeClr val="accent1"/>
-            </a:fillRef>
-            <a:effectRef idx="0">
-              <a:schemeClr val="accent1"/>
-            </a:effectRef>
-            <a:fontRef idx="minor">
-              <a:schemeClr val="lt1"/>
-            </a:fontRef>
-          </p:style>
-          <p:txBody>
-            <a:bodyPr rtlCol="0" anchor="ctr"/>
-            <a:lstStyle/>
-            <a:p>
-              <a:pPr algn="ctr"/>
-              <a:endParaRPr lang="ru-RU"/>
-            </a:p>
-          </p:txBody>
-        </p:sp>
-      </p:grpSp>
       <p:pic>
         <p:nvPicPr>
-          <p:cNvPr id="7" name="Рисунок 6">
-            <a:extLst>
-              <a:ext uri="{FF2B5EF4-FFF2-40B4-BE49-F238E27FC236}">
-                <a16:creationId xmlns:a16="http://schemas.microsoft.com/office/drawing/2014/main" id="{CC627B56-63AD-E2F5-9622-5B99C5603B1C}"/>
+          <p:cNvPr id="11" name="Рисунок 10">
+            <a:extLst>
+              <a:ext uri="{FF2B5EF4-FFF2-40B4-BE49-F238E27FC236}">
+                <a16:creationId xmlns:a16="http://schemas.microsoft.com/office/drawing/2014/main" id="{36887CF3-5465-38C0-17BD-37C03DE3F43E}"/>
               </a:ext>
             </a:extLst>
           </p:cNvPr>
@@ -7728,8 +7176,8 @@
         </p:blipFill>
         <p:spPr>
           <a:xfrm>
-            <a:off x="662500" y="1668236"/>
-            <a:ext cx="10555888" cy="3824295"/>
+            <a:off x="1476952" y="1470698"/>
+            <a:ext cx="9238095" cy="4600000"/>
           </a:xfrm>
           <a:prstGeom prst="rect">
             <a:avLst/>
@@ -7739,7 +7187,7 @@
     </p:spTree>
     <p:extLst>
       <p:ext uri="{BB962C8B-B14F-4D97-AF65-F5344CB8AC3E}">
-        <p14:creationId xmlns:p14="http://schemas.microsoft.com/office/powerpoint/2010/main" val="221186031"/>
+        <p14:creationId xmlns:p14="http://schemas.microsoft.com/office/powerpoint/2010/main" val="530650421"/>
       </p:ext>
     </p:extLst>
   </p:cSld>
@@ -7883,8 +7331,8 @@
         </p:nvSpPr>
         <p:spPr>
           <a:xfrm>
-            <a:off x="304800" y="412030"/>
-            <a:ext cx="5486401" cy="646331"/>
+            <a:off x="34213" y="393842"/>
+            <a:ext cx="6366588" cy="646331"/>
           </a:xfrm>
           <a:prstGeom prst="rect">
             <a:avLst/>
@@ -7901,59 +7349,8 @@
               <a:rPr lang="ru-RU" sz="3600" b="1" dirty="0">
                 <a:latin typeface="Arial Narrow" panose="020B0606020202030204" pitchFamily="34" charset="0"/>
               </a:rPr>
-              <a:t>Реализация движения</a:t>
-            </a:r>
-          </a:p>
-        </p:txBody>
-      </p:sp>
-      <p:sp>
-        <p:nvSpPr>
-          <p:cNvPr id="2" name="Прямоугольник 1">
-            <a:extLst>
-              <a:ext uri="{FF2B5EF4-FFF2-40B4-BE49-F238E27FC236}">
-                <a16:creationId xmlns:a16="http://schemas.microsoft.com/office/drawing/2014/main" id="{1898F5A6-20C9-9C82-5E14-EDF0CB7FB03C}"/>
-              </a:ext>
-            </a:extLst>
-          </p:cNvPr>
-          <p:cNvSpPr/>
-          <p:nvPr/>
-        </p:nvSpPr>
-        <p:spPr>
-          <a:xfrm>
-            <a:off x="11941629" y="0"/>
-            <a:ext cx="93306" cy="6858000"/>
-          </a:xfrm>
-          <a:prstGeom prst="rect">
-            <a:avLst/>
-          </a:prstGeom>
-          <a:solidFill>
-            <a:schemeClr val="accent6">
-              <a:lumMod val="75000"/>
-            </a:schemeClr>
-          </a:solidFill>
-        </p:spPr>
-        <p:style>
-          <a:lnRef idx="2">
-            <a:schemeClr val="accent1">
-              <a:shade val="50000"/>
-            </a:schemeClr>
-          </a:lnRef>
-          <a:fillRef idx="1">
-            <a:schemeClr val="accent1"/>
-          </a:fillRef>
-          <a:effectRef idx="0">
-            <a:schemeClr val="accent1"/>
-          </a:effectRef>
-          <a:fontRef idx="minor">
-            <a:schemeClr val="lt1"/>
-          </a:fontRef>
-        </p:style>
-        <p:txBody>
-          <a:bodyPr rtlCol="0" anchor="ctr"/>
-          <a:lstStyle/>
-          <a:p>
-            <a:pPr algn="ctr"/>
-            <a:endParaRPr lang="ru-RU"/>
+              <a:t>Система движения</a:t>
+            </a:r>
           </a:p>
         </p:txBody>
       </p:sp>
@@ -7994,17 +7391,17 @@
                 </a:solidFill>
                 <a:latin typeface="Arial Black" panose="020B0A04020102020204" pitchFamily="34" charset="0"/>
               </a:rPr>
-              <a:t>6</a:t>
+              <a:t>5</a:t>
             </a:r>
           </a:p>
         </p:txBody>
       </p:sp>
       <p:pic>
         <p:nvPicPr>
-          <p:cNvPr id="7" name="Рисунок 6" descr="Изображение выглядит как текст, электроника, компьютер&#10;&#10;Автоматически созданное описание">
-            <a:extLst>
-              <a:ext uri="{FF2B5EF4-FFF2-40B4-BE49-F238E27FC236}">
-                <a16:creationId xmlns:a16="http://schemas.microsoft.com/office/drawing/2014/main" id="{9A94BB37-156D-BA25-5661-45FCC2BE47DE}"/>
+          <p:cNvPr id="7" name="Рисунок 6">
+            <a:extLst>
+              <a:ext uri="{FF2B5EF4-FFF2-40B4-BE49-F238E27FC236}">
+                <a16:creationId xmlns:a16="http://schemas.microsoft.com/office/drawing/2014/main" id="{CC627B56-63AD-E2F5-9622-5B99C5603B1C}"/>
               </a:ext>
             </a:extLst>
           </p:cNvPr>
@@ -8021,8 +7418,8 @@
         </p:blipFill>
         <p:spPr>
           <a:xfrm>
-            <a:off x="699477" y="1408834"/>
-            <a:ext cx="10793045" cy="4700522"/>
+            <a:off x="662500" y="1668236"/>
+            <a:ext cx="10555888" cy="3824295"/>
           </a:xfrm>
           <a:prstGeom prst="rect">
             <a:avLst/>
@@ -8032,7 +7429,7 @@
     </p:spTree>
     <p:extLst>
       <p:ext uri="{BB962C8B-B14F-4D97-AF65-F5344CB8AC3E}">
-        <p14:creationId xmlns:p14="http://schemas.microsoft.com/office/powerpoint/2010/main" val="1874325486"/>
+        <p14:creationId xmlns:p14="http://schemas.microsoft.com/office/powerpoint/2010/main" val="221186031"/>
       </p:ext>
     </p:extLst>
   </p:cSld>
@@ -8194,59 +7591,8 @@
               <a:rPr lang="ru-RU" sz="3600" b="1" dirty="0">
                 <a:latin typeface="Arial Narrow" panose="020B0606020202030204" pitchFamily="34" charset="0"/>
               </a:rPr>
-              <a:t>Подсистемы управления</a:t>
-            </a:r>
-          </a:p>
-        </p:txBody>
-      </p:sp>
-      <p:sp>
-        <p:nvSpPr>
-          <p:cNvPr id="2" name="Прямоугольник 1">
-            <a:extLst>
-              <a:ext uri="{FF2B5EF4-FFF2-40B4-BE49-F238E27FC236}">
-                <a16:creationId xmlns:a16="http://schemas.microsoft.com/office/drawing/2014/main" id="{1898F5A6-20C9-9C82-5E14-EDF0CB7FB03C}"/>
-              </a:ext>
-            </a:extLst>
-          </p:cNvPr>
-          <p:cNvSpPr/>
-          <p:nvPr/>
-        </p:nvSpPr>
-        <p:spPr>
-          <a:xfrm>
-            <a:off x="11941629" y="0"/>
-            <a:ext cx="93306" cy="6858000"/>
-          </a:xfrm>
-          <a:prstGeom prst="rect">
-            <a:avLst/>
-          </a:prstGeom>
-          <a:solidFill>
-            <a:schemeClr val="accent6">
-              <a:lumMod val="75000"/>
-            </a:schemeClr>
-          </a:solidFill>
-        </p:spPr>
-        <p:style>
-          <a:lnRef idx="2">
-            <a:schemeClr val="accent1">
-              <a:shade val="50000"/>
-            </a:schemeClr>
-          </a:lnRef>
-          <a:fillRef idx="1">
-            <a:schemeClr val="accent1"/>
-          </a:fillRef>
-          <a:effectRef idx="0">
-            <a:schemeClr val="accent1"/>
-          </a:effectRef>
-          <a:fontRef idx="minor">
-            <a:schemeClr val="lt1"/>
-          </a:fontRef>
-        </p:style>
-        <p:txBody>
-          <a:bodyPr rtlCol="0" anchor="ctr"/>
-          <a:lstStyle/>
-          <a:p>
-            <a:pPr algn="ctr"/>
-            <a:endParaRPr lang="ru-RU"/>
+              <a:t>Реализация движения</a:t>
+            </a:r>
           </a:p>
         </p:txBody>
       </p:sp>
@@ -8294,10 +7640,10 @@
       </p:sp>
       <p:pic>
         <p:nvPicPr>
-          <p:cNvPr id="9" name="Рисунок 8">
-            <a:extLst>
-              <a:ext uri="{FF2B5EF4-FFF2-40B4-BE49-F238E27FC236}">
-                <a16:creationId xmlns:a16="http://schemas.microsoft.com/office/drawing/2014/main" id="{A0DA63EB-A092-44B7-1EBD-A64192836460}"/>
+          <p:cNvPr id="7" name="Рисунок 6" descr="Изображение выглядит как текст, электроника, компьютер&#10;&#10;Автоматически созданное описание">
+            <a:extLst>
+              <a:ext uri="{FF2B5EF4-FFF2-40B4-BE49-F238E27FC236}">
+                <a16:creationId xmlns:a16="http://schemas.microsoft.com/office/drawing/2014/main" id="{9A94BB37-156D-BA25-5661-45FCC2BE47DE}"/>
               </a:ext>
             </a:extLst>
           </p:cNvPr>
@@ -8314,8 +7660,8 @@
         </p:blipFill>
         <p:spPr>
           <a:xfrm>
-            <a:off x="1791478" y="1257904"/>
-            <a:ext cx="7902268" cy="5419048"/>
+            <a:off x="699477" y="1408834"/>
+            <a:ext cx="10793045" cy="4700522"/>
           </a:xfrm>
           <a:prstGeom prst="rect">
             <a:avLst/>
@@ -8325,7 +7671,7 @@
     </p:spTree>
     <p:extLst>
       <p:ext uri="{BB962C8B-B14F-4D97-AF65-F5344CB8AC3E}">
-        <p14:creationId xmlns:p14="http://schemas.microsoft.com/office/powerpoint/2010/main" val="1576205623"/>
+        <p14:creationId xmlns:p14="http://schemas.microsoft.com/office/powerpoint/2010/main" val="1874325486"/>
       </p:ext>
     </p:extLst>
   </p:cSld>

--- a/Готовые части/NormPreza.pptx
+++ b/Готовые части/NormPreza.pptx
@@ -11,16 +11,15 @@
     <p:sldId id="259" r:id="rId5"/>
     <p:sldId id="267" r:id="rId6"/>
     <p:sldId id="260" r:id="rId7"/>
-    <p:sldId id="261" r:id="rId8"/>
+    <p:sldId id="272" r:id="rId8"/>
     <p:sldId id="264" r:id="rId9"/>
     <p:sldId id="268" r:id="rId10"/>
     <p:sldId id="262" r:id="rId11"/>
     <p:sldId id="269" r:id="rId12"/>
     <p:sldId id="265" r:id="rId13"/>
-    <p:sldId id="272" r:id="rId14"/>
-    <p:sldId id="266" r:id="rId15"/>
-    <p:sldId id="263" r:id="rId16"/>
-    <p:sldId id="270" r:id="rId17"/>
+    <p:sldId id="266" r:id="rId14"/>
+    <p:sldId id="263" r:id="rId15"/>
+    <p:sldId id="270" r:id="rId16"/>
   </p:sldIdLst>
   <p:sldSz cx="12192000" cy="6858000"/>
   <p:notesSz cx="6858000" cy="9144000"/>
@@ -274,7 +273,7 @@
           <a:p>
             <a:fld id="{944A6E1B-0D88-4A34-B162-82492BF04209}" type="datetimeFigureOut">
               <a:rPr lang="ru-RU" smtClean="0"/>
-              <a:t>09.06.2022</a:t>
+              <a:t>13.06.2022</a:t>
             </a:fld>
             <a:endParaRPr lang="ru-RU"/>
           </a:p>
@@ -472,7 +471,7 @@
           <a:p>
             <a:fld id="{944A6E1B-0D88-4A34-B162-82492BF04209}" type="datetimeFigureOut">
               <a:rPr lang="ru-RU" smtClean="0"/>
-              <a:t>09.06.2022</a:t>
+              <a:t>13.06.2022</a:t>
             </a:fld>
             <a:endParaRPr lang="ru-RU"/>
           </a:p>
@@ -680,7 +679,7 @@
           <a:p>
             <a:fld id="{944A6E1B-0D88-4A34-B162-82492BF04209}" type="datetimeFigureOut">
               <a:rPr lang="ru-RU" smtClean="0"/>
-              <a:t>09.06.2022</a:t>
+              <a:t>13.06.2022</a:t>
             </a:fld>
             <a:endParaRPr lang="ru-RU"/>
           </a:p>
@@ -878,7 +877,7 @@
           <a:p>
             <a:fld id="{944A6E1B-0D88-4A34-B162-82492BF04209}" type="datetimeFigureOut">
               <a:rPr lang="ru-RU" smtClean="0"/>
-              <a:t>09.06.2022</a:t>
+              <a:t>13.06.2022</a:t>
             </a:fld>
             <a:endParaRPr lang="ru-RU"/>
           </a:p>
@@ -1153,7 +1152,7 @@
           <a:p>
             <a:fld id="{944A6E1B-0D88-4A34-B162-82492BF04209}" type="datetimeFigureOut">
               <a:rPr lang="ru-RU" smtClean="0"/>
-              <a:t>09.06.2022</a:t>
+              <a:t>13.06.2022</a:t>
             </a:fld>
             <a:endParaRPr lang="ru-RU"/>
           </a:p>
@@ -1418,7 +1417,7 @@
           <a:p>
             <a:fld id="{944A6E1B-0D88-4A34-B162-82492BF04209}" type="datetimeFigureOut">
               <a:rPr lang="ru-RU" smtClean="0"/>
-              <a:t>09.06.2022</a:t>
+              <a:t>13.06.2022</a:t>
             </a:fld>
             <a:endParaRPr lang="ru-RU"/>
           </a:p>
@@ -1830,7 +1829,7 @@
           <a:p>
             <a:fld id="{944A6E1B-0D88-4A34-B162-82492BF04209}" type="datetimeFigureOut">
               <a:rPr lang="ru-RU" smtClean="0"/>
-              <a:t>09.06.2022</a:t>
+              <a:t>13.06.2022</a:t>
             </a:fld>
             <a:endParaRPr lang="ru-RU"/>
           </a:p>
@@ -1971,7 +1970,7 @@
           <a:p>
             <a:fld id="{944A6E1B-0D88-4A34-B162-82492BF04209}" type="datetimeFigureOut">
               <a:rPr lang="ru-RU" smtClean="0"/>
-              <a:t>09.06.2022</a:t>
+              <a:t>13.06.2022</a:t>
             </a:fld>
             <a:endParaRPr lang="ru-RU"/>
           </a:p>
@@ -2084,7 +2083,7 @@
           <a:p>
             <a:fld id="{944A6E1B-0D88-4A34-B162-82492BF04209}" type="datetimeFigureOut">
               <a:rPr lang="ru-RU" smtClean="0"/>
-              <a:t>09.06.2022</a:t>
+              <a:t>13.06.2022</a:t>
             </a:fld>
             <a:endParaRPr lang="ru-RU"/>
           </a:p>
@@ -2395,7 +2394,7 @@
           <a:p>
             <a:fld id="{944A6E1B-0D88-4A34-B162-82492BF04209}" type="datetimeFigureOut">
               <a:rPr lang="ru-RU" smtClean="0"/>
-              <a:t>09.06.2022</a:t>
+              <a:t>13.06.2022</a:t>
             </a:fld>
             <a:endParaRPr lang="ru-RU"/>
           </a:p>
@@ -2683,7 +2682,7 @@
           <a:p>
             <a:fld id="{944A6E1B-0D88-4A34-B162-82492BF04209}" type="datetimeFigureOut">
               <a:rPr lang="ru-RU" smtClean="0"/>
-              <a:t>09.06.2022</a:t>
+              <a:t>13.06.2022</a:t>
             </a:fld>
             <a:endParaRPr lang="ru-RU"/>
           </a:p>
@@ -2924,7 +2923,7 @@
           <a:p>
             <a:fld id="{944A6E1B-0D88-4A34-B162-82492BF04209}" type="datetimeFigureOut">
               <a:rPr lang="ru-RU" smtClean="0"/>
-              <a:t>09.06.2022</a:t>
+              <a:t>13.06.2022</a:t>
             </a:fld>
             <a:endParaRPr lang="ru-RU"/>
           </a:p>
@@ -3405,7 +3404,7 @@
         <p:spPr>
           <a:xfrm>
             <a:off x="550506" y="472008"/>
-            <a:ext cx="11308702" cy="1015663"/>
+            <a:ext cx="11308702" cy="1323439"/>
           </a:xfrm>
           <a:prstGeom prst="rect">
             <a:avLst/>
@@ -3437,29 +3436,34 @@
           <a:p>
             <a:r>
               <a:rPr lang="ru-RU" sz="2000" b="1" dirty="0">
-                <a:latin typeface="Arial Nova Light" panose="020B0604020202020204" pitchFamily="34" charset="0"/>
+                <a:latin typeface="Arial" panose="020B0604020202020204" pitchFamily="34" charset="0"/>
+                <a:cs typeface="Arial" panose="020B0604020202020204" pitchFamily="34" charset="0"/>
               </a:rPr>
               <a:t>«БЕЛГОРОДСКИЙ ГОСУДАРСТВЕННЫЙ ТЕХНОЛОГИЧЕСКИЙ УНИВЕРСИТЕТ им. В.Г. ШУХОВА»</a:t>
             </a:r>
             <a:endParaRPr lang="en-US" sz="2000" b="1" dirty="0">
-              <a:latin typeface="Arial Nova Light" panose="020B0604020202020204" pitchFamily="34" charset="0"/>
+              <a:latin typeface="Arial" panose="020B0604020202020204" pitchFamily="34" charset="0"/>
+              <a:cs typeface="Arial" panose="020B0604020202020204" pitchFamily="34" charset="0"/>
             </a:endParaRPr>
           </a:p>
           <a:p>
             <a:r>
               <a:rPr lang="ru-RU" sz="2000" b="1" dirty="0">
-                <a:latin typeface="Arial Nova Light" panose="020B0604020202020204" pitchFamily="34" charset="0"/>
+                <a:latin typeface="Arial" panose="020B0604020202020204" pitchFamily="34" charset="0"/>
+                <a:cs typeface="Arial" panose="020B0604020202020204" pitchFamily="34" charset="0"/>
               </a:rPr>
               <a:t>Институт энергетики, информационных технологий и управляющих систем</a:t>
             </a:r>
             <a:endParaRPr lang="en-US" sz="2000" b="1" dirty="0">
-              <a:latin typeface="Arial Nova Light" panose="020B0604020202020204" pitchFamily="34" charset="0"/>
+              <a:latin typeface="Arial" panose="020B0604020202020204" pitchFamily="34" charset="0"/>
+              <a:cs typeface="Arial" panose="020B0604020202020204" pitchFamily="34" charset="0"/>
             </a:endParaRPr>
           </a:p>
           <a:p>
             <a:r>
               <a:rPr lang="ru-RU" sz="2000" b="1" dirty="0">
-                <a:latin typeface="Arial Nova Light" panose="020B0604020202020204" pitchFamily="34" charset="0"/>
+                <a:latin typeface="Arial" panose="020B0604020202020204" pitchFamily="34" charset="0"/>
+                <a:cs typeface="Arial" panose="020B0604020202020204" pitchFamily="34" charset="0"/>
               </a:rPr>
               <a:t>Кафедра информационных технологий </a:t>
             </a:r>
@@ -3495,22 +3499,16 @@
           <a:lstStyle/>
           <a:p>
             <a:r>
-              <a:rPr lang="ru-RU" sz="2400" b="1" dirty="0">
-                <a:latin typeface="Arial Narrow" panose="020B0606020202030204" pitchFamily="34" charset="0"/>
-              </a:rPr>
+              <a:rPr lang="ru-RU" sz="2400" b="1" dirty="0"/>
               <a:t>ВЫПУСКНАЯ КВАЛИФИКАЦИОННАЯ РАБОТА</a:t>
             </a:r>
           </a:p>
           <a:p>
             <a:r>
-              <a:rPr lang="ru-RU" sz="2400" b="1" dirty="0">
-                <a:latin typeface="Arial Narrow" panose="020B0606020202030204" pitchFamily="34" charset="0"/>
-              </a:rPr>
+              <a:rPr lang="ru-RU" sz="2400" b="1" dirty="0"/>
               <a:t>«ПОДСИСТЕМА УПРАВЛЕНИЯ ПОЕЗДОМ В СИМУЛЯТОРЕ МОСКОВСКОГО МЕТРОПОЛИТЕНА» </a:t>
             </a:r>
-            <a:endParaRPr lang="ru-RU" sz="2800" b="1" dirty="0">
-              <a:latin typeface="Arial Narrow" panose="020B0606020202030204" pitchFamily="34" charset="0"/>
-            </a:endParaRPr>
+            <a:endParaRPr lang="ru-RU" sz="2800" b="1" dirty="0"/>
           </a:p>
         </p:txBody>
       </p:sp>
@@ -3543,34 +3541,24 @@
           <a:lstStyle/>
           <a:p>
             <a:r>
-              <a:rPr lang="ru-RU" sz="2000" b="1" dirty="0">
-                <a:latin typeface="Arial Narrow" panose="020B0606020202030204" pitchFamily="34" charset="0"/>
-              </a:rPr>
+              <a:rPr lang="ru-RU" sz="2000" b="1" dirty="0"/>
               <a:t>Выполнил: ст. гр. ИТ-42 </a:t>
             </a:r>
             <a:r>
-              <a:rPr lang="ru-RU" sz="2000" b="1" dirty="0" err="1">
-                <a:latin typeface="Arial Narrow" panose="020B0606020202030204" pitchFamily="34" charset="0"/>
-              </a:rPr>
+              <a:rPr lang="ru-RU" sz="2000" b="1" dirty="0" err="1"/>
               <a:t>Богунов</a:t>
             </a:r>
             <a:r>
-              <a:rPr lang="ru-RU" sz="2000" b="1" dirty="0">
-                <a:latin typeface="Arial Narrow" panose="020B0606020202030204" pitchFamily="34" charset="0"/>
-              </a:rPr>
+              <a:rPr lang="ru-RU" sz="2000" b="1" dirty="0"/>
               <a:t> А.А. </a:t>
             </a:r>
           </a:p>
           <a:p>
             <a:r>
-              <a:rPr lang="ru-RU" sz="2000" b="1" dirty="0">
-                <a:latin typeface="Arial Narrow" panose="020B0606020202030204" pitchFamily="34" charset="0"/>
-              </a:rPr>
+              <a:rPr lang="ru-RU" sz="2000" b="1" dirty="0"/>
               <a:t>Руководитель: канд. Техн. наук Подгорный Н.Н.</a:t>
             </a:r>
-            <a:endParaRPr lang="ru-RU" sz="2400" b="1" dirty="0">
-              <a:latin typeface="Arial Narrow" panose="020B0606020202030204" pitchFamily="34" charset="0"/>
-            </a:endParaRPr>
+            <a:endParaRPr lang="ru-RU" sz="2400" b="1" dirty="0"/>
           </a:p>
         </p:txBody>
       </p:sp>
@@ -3603,14 +3591,10 @@
           <a:lstStyle/>
           <a:p>
             <a:r>
-              <a:rPr lang="ru-RU" sz="1600" dirty="0">
-                <a:latin typeface="Arial Nova Light" panose="020B0304020202020204" pitchFamily="34" charset="0"/>
-              </a:rPr>
+              <a:rPr lang="ru-RU" sz="1600" dirty="0"/>
               <a:t>БЕЛГОРОД 2022</a:t>
             </a:r>
-            <a:endParaRPr lang="ru-RU" dirty="0">
-              <a:latin typeface="Arial Nova Light" panose="020B0304020202020204" pitchFamily="34" charset="0"/>
-            </a:endParaRPr>
+            <a:endParaRPr lang="ru-RU" dirty="0"/>
           </a:p>
         </p:txBody>
       </p:sp>
@@ -3646,10 +3630,10 @@
       </p:grpSpPr>
       <p:sp>
         <p:nvSpPr>
-          <p:cNvPr id="4" name="Прямоугольник 3">
-            <a:extLst>
-              <a:ext uri="{FF2B5EF4-FFF2-40B4-BE49-F238E27FC236}">
-                <a16:creationId xmlns:a16="http://schemas.microsoft.com/office/drawing/2014/main" id="{88A108B3-5818-6264-1CD6-3D23BFF1B259}"/>
+          <p:cNvPr id="10" name="Прямоугольник 9">
+            <a:extLst>
+              <a:ext uri="{FF2B5EF4-FFF2-40B4-BE49-F238E27FC236}">
+                <a16:creationId xmlns:a16="http://schemas.microsoft.com/office/drawing/2014/main" id="{A6EF710C-30F6-8510-59EB-F60767F738D8}"/>
               </a:ext>
             </a:extLst>
           </p:cNvPr>
@@ -3658,14 +3642,14 @@
         </p:nvSpPr>
         <p:spPr>
           <a:xfrm>
-            <a:off x="0" y="0"/>
+            <a:off x="-1" y="0"/>
             <a:ext cx="12192000" cy="6858000"/>
           </a:xfrm>
           <a:prstGeom prst="rect">
             <a:avLst/>
           </a:prstGeom>
           <a:solidFill>
-            <a:srgbClr val="B3D5B4"/>
+            <a:srgbClr val="F8BD88"/>
           </a:solidFill>
         </p:spPr>
         <p:style>
@@ -3689,60 +3673,6 @@
           <a:lstStyle/>
           <a:p>
             <a:pPr algn="ctr"/>
-            <a:endParaRPr lang="ru-RU"/>
-          </a:p>
-        </p:txBody>
-      </p:sp>
-      <p:sp>
-        <p:nvSpPr>
-          <p:cNvPr id="8" name="Прямоугольник 7">
-            <a:extLst>
-              <a:ext uri="{FF2B5EF4-FFF2-40B4-BE49-F238E27FC236}">
-                <a16:creationId xmlns:a16="http://schemas.microsoft.com/office/drawing/2014/main" id="{6A0066BD-3270-2326-403B-286F6C79ABE4}"/>
-              </a:ext>
-            </a:extLst>
-          </p:cNvPr>
-          <p:cNvSpPr/>
-          <p:nvPr/>
-        </p:nvSpPr>
-        <p:spPr>
-          <a:xfrm>
-            <a:off x="0" y="331978"/>
-            <a:ext cx="5791201" cy="744878"/>
-          </a:xfrm>
-          <a:prstGeom prst="rect">
-            <a:avLst/>
-          </a:prstGeom>
-          <a:solidFill>
-            <a:schemeClr val="accent1">
-              <a:alpha val="75000"/>
-            </a:schemeClr>
-          </a:solidFill>
-          <a:ln>
-            <a:noFill/>
-          </a:ln>
-        </p:spPr>
-        <p:style>
-          <a:lnRef idx="2">
-            <a:schemeClr val="accent1">
-              <a:shade val="50000"/>
-            </a:schemeClr>
-          </a:lnRef>
-          <a:fillRef idx="1">
-            <a:schemeClr val="accent1"/>
-          </a:fillRef>
-          <a:effectRef idx="0">
-            <a:schemeClr val="accent1"/>
-          </a:effectRef>
-          <a:fontRef idx="minor">
-            <a:schemeClr val="lt1"/>
-          </a:fontRef>
-        </p:style>
-        <p:txBody>
-          <a:bodyPr rtlCol="0" anchor="ctr"/>
-          <a:lstStyle/>
-          <a:p>
-            <a:pPr algn="ctr"/>
             <a:endParaRPr lang="ru-RU" dirty="0"/>
           </a:p>
         </p:txBody>
@@ -3762,7 +3692,7 @@
         <p:spPr>
           <a:xfrm>
             <a:off x="304800" y="412030"/>
-            <a:ext cx="5486401" cy="646331"/>
+            <a:ext cx="4985657" cy="646331"/>
           </a:xfrm>
           <a:prstGeom prst="rect">
             <a:avLst/>
@@ -3826,36 +3756,134 @@
           </a:p>
         </p:txBody>
       </p:sp>
-      <p:pic>
-        <p:nvPicPr>
-          <p:cNvPr id="9" name="Рисунок 8">
-            <a:extLst>
-              <a:ext uri="{FF2B5EF4-FFF2-40B4-BE49-F238E27FC236}">
-                <a16:creationId xmlns:a16="http://schemas.microsoft.com/office/drawing/2014/main" id="{A0DA63EB-A092-44B7-1EBD-A64192836460}"/>
-              </a:ext>
-            </a:extLst>
-          </p:cNvPr>
-          <p:cNvPicPr>
-            <a:picLocks noChangeAspect="1"/>
-          </p:cNvPicPr>
+      <p:sp>
+        <p:nvSpPr>
+          <p:cNvPr id="7" name="TextBox 6">
+            <a:extLst>
+              <a:ext uri="{FF2B5EF4-FFF2-40B4-BE49-F238E27FC236}">
+                <a16:creationId xmlns:a16="http://schemas.microsoft.com/office/drawing/2014/main" id="{459C69E5-7167-D46B-E24D-7EABF519FCC3}"/>
+              </a:ext>
+            </a:extLst>
+          </p:cNvPr>
+          <p:cNvSpPr txBox="1"/>
           <p:nvPr/>
-        </p:nvPicPr>
-        <p:blipFill>
-          <a:blip r:embed="rId2"/>
-          <a:stretch>
-            <a:fillRect/>
-          </a:stretch>
-        </p:blipFill>
-        <p:spPr>
-          <a:xfrm>
-            <a:off x="1979637" y="1226021"/>
-            <a:ext cx="7902268" cy="5419048"/>
+        </p:nvSpPr>
+        <p:spPr>
+          <a:xfrm>
+            <a:off x="304800" y="1327473"/>
+            <a:ext cx="9212424" cy="3539430"/>
           </a:xfrm>
           <a:prstGeom prst="rect">
             <a:avLst/>
           </a:prstGeom>
-        </p:spPr>
-      </p:pic>
+          <a:noFill/>
+        </p:spPr>
+        <p:txBody>
+          <a:bodyPr wrap="square">
+            <a:spAutoFit/>
+          </a:bodyPr>
+          <a:lstStyle/>
+          <a:p>
+            <a:pPr marL="457200" indent="-457200">
+              <a:buFont typeface="Arial" panose="020B0604020202020204" pitchFamily="34" charset="0"/>
+              <a:buChar char="•"/>
+            </a:pPr>
+            <a:r>
+              <a:rPr lang="ru-RU" sz="2800" dirty="0">
+                <a:cs typeface="Arial" panose="020B0604020202020204" pitchFamily="34" charset="0"/>
+              </a:rPr>
+              <a:t>Батарея</a:t>
+            </a:r>
+          </a:p>
+          <a:p>
+            <a:pPr marL="457200" indent="-457200">
+              <a:buFont typeface="Arial" panose="020B0604020202020204" pitchFamily="34" charset="0"/>
+              <a:buChar char="•"/>
+            </a:pPr>
+            <a:r>
+              <a:rPr lang="ru-RU" sz="2800" dirty="0">
+                <a:cs typeface="Arial" panose="020B0604020202020204" pitchFamily="34" charset="0"/>
+              </a:rPr>
+              <a:t>МФДУ</a:t>
+            </a:r>
+          </a:p>
+          <a:p>
+            <a:pPr marL="457200" indent="-457200">
+              <a:buFont typeface="Arial" panose="020B0604020202020204" pitchFamily="34" charset="0"/>
+              <a:buChar char="•"/>
+            </a:pPr>
+            <a:r>
+              <a:rPr lang="ru-RU" sz="2800" dirty="0">
+                <a:cs typeface="Arial" panose="020B0604020202020204" pitchFamily="34" charset="0"/>
+              </a:rPr>
+              <a:t>Контроллер реверса</a:t>
+            </a:r>
+          </a:p>
+          <a:p>
+            <a:pPr marL="457200" indent="-457200">
+              <a:buFont typeface="Arial" panose="020B0604020202020204" pitchFamily="34" charset="0"/>
+              <a:buChar char="•"/>
+            </a:pPr>
+            <a:r>
+              <a:rPr lang="ru-RU" sz="2800" dirty="0">
+                <a:cs typeface="Arial" panose="020B0604020202020204" pitchFamily="34" charset="0"/>
+              </a:rPr>
+              <a:t>Пассажирские двери</a:t>
+            </a:r>
+          </a:p>
+          <a:p>
+            <a:pPr marL="457200" indent="-457200">
+              <a:buFont typeface="Arial" panose="020B0604020202020204" pitchFamily="34" charset="0"/>
+              <a:buChar char="•"/>
+            </a:pPr>
+            <a:r>
+              <a:rPr lang="ru-RU" sz="2800" dirty="0">
+                <a:cs typeface="Arial" panose="020B0604020202020204" pitchFamily="34" charset="0"/>
+              </a:rPr>
+              <a:t>Фары</a:t>
+            </a:r>
+          </a:p>
+          <a:p>
+            <a:pPr marL="457200" indent="-457200">
+              <a:buFont typeface="Arial" panose="020B0604020202020204" pitchFamily="34" charset="0"/>
+              <a:buChar char="•"/>
+            </a:pPr>
+            <a:r>
+              <a:rPr lang="ru-RU" sz="2800" dirty="0">
+                <a:cs typeface="Arial" panose="020B0604020202020204" pitchFamily="34" charset="0"/>
+              </a:rPr>
+              <a:t>Торможение</a:t>
+            </a:r>
+          </a:p>
+          <a:p>
+            <a:pPr marL="457200" indent="-457200">
+              <a:buFont typeface="Arial" panose="020B0604020202020204" pitchFamily="34" charset="0"/>
+              <a:buChar char="•"/>
+            </a:pPr>
+            <a:r>
+              <a:rPr lang="ru-RU" sz="2800" dirty="0">
+                <a:cs typeface="Arial" panose="020B0604020202020204" pitchFamily="34" charset="0"/>
+              </a:rPr>
+              <a:t>Индикаторы состояния</a:t>
+            </a:r>
+          </a:p>
+          <a:p>
+            <a:pPr marL="457200" indent="-457200">
+              <a:buFont typeface="Arial" panose="020B0604020202020204" pitchFamily="34" charset="0"/>
+              <a:buChar char="•"/>
+            </a:pPr>
+            <a:r>
+              <a:rPr lang="ru-RU" sz="2800" dirty="0">
+                <a:cs typeface="Arial" panose="020B0604020202020204" pitchFamily="34" charset="0"/>
+              </a:rPr>
+              <a:t>Камеры машиниста</a:t>
+            </a:r>
+            <a:endParaRPr lang="en-US" sz="2800" dirty="0">
+              <a:cs typeface="Arial" panose="020B0604020202020204" pitchFamily="34" charset="0"/>
+            </a:endParaRPr>
+          </a:p>
+        </p:txBody>
+      </p:sp>
     </p:spTree>
     <p:extLst>
       <p:ext uri="{BB962C8B-B14F-4D97-AF65-F5344CB8AC3E}">
@@ -3888,10 +3916,10 @@
       </p:grpSpPr>
       <p:sp>
         <p:nvSpPr>
-          <p:cNvPr id="4" name="Прямоугольник 3">
-            <a:extLst>
-              <a:ext uri="{FF2B5EF4-FFF2-40B4-BE49-F238E27FC236}">
-                <a16:creationId xmlns:a16="http://schemas.microsoft.com/office/drawing/2014/main" id="{88A108B3-5818-6264-1CD6-3D23BFF1B259}"/>
+          <p:cNvPr id="7" name="Прямоугольник 6">
+            <a:extLst>
+              <a:ext uri="{FF2B5EF4-FFF2-40B4-BE49-F238E27FC236}">
+                <a16:creationId xmlns:a16="http://schemas.microsoft.com/office/drawing/2014/main" id="{27CDDE1F-7669-3713-EF2E-83F9FA89D37F}"/>
               </a:ext>
             </a:extLst>
           </p:cNvPr>
@@ -3900,14 +3928,14 @@
         </p:nvSpPr>
         <p:spPr>
           <a:xfrm>
-            <a:off x="0" y="0"/>
+            <a:off x="-1" y="0"/>
             <a:ext cx="12192000" cy="6858000"/>
           </a:xfrm>
           <a:prstGeom prst="rect">
             <a:avLst/>
           </a:prstGeom>
           <a:solidFill>
-            <a:srgbClr val="B3D5B4"/>
+            <a:srgbClr val="F8BD88"/>
           </a:solidFill>
         </p:spPr>
         <p:style>
@@ -3931,60 +3959,6 @@
           <a:lstStyle/>
           <a:p>
             <a:pPr algn="ctr"/>
-            <a:endParaRPr lang="ru-RU"/>
-          </a:p>
-        </p:txBody>
-      </p:sp>
-      <p:sp>
-        <p:nvSpPr>
-          <p:cNvPr id="8" name="Прямоугольник 7">
-            <a:extLst>
-              <a:ext uri="{FF2B5EF4-FFF2-40B4-BE49-F238E27FC236}">
-                <a16:creationId xmlns:a16="http://schemas.microsoft.com/office/drawing/2014/main" id="{6A0066BD-3270-2326-403B-286F6C79ABE4}"/>
-              </a:ext>
-            </a:extLst>
-          </p:cNvPr>
-          <p:cNvSpPr/>
-          <p:nvPr/>
-        </p:nvSpPr>
-        <p:spPr>
-          <a:xfrm>
-            <a:off x="0" y="331978"/>
-            <a:ext cx="5791201" cy="744878"/>
-          </a:xfrm>
-          <a:prstGeom prst="rect">
-            <a:avLst/>
-          </a:prstGeom>
-          <a:solidFill>
-            <a:schemeClr val="accent1">
-              <a:alpha val="75000"/>
-            </a:schemeClr>
-          </a:solidFill>
-          <a:ln>
-            <a:noFill/>
-          </a:ln>
-        </p:spPr>
-        <p:style>
-          <a:lnRef idx="2">
-            <a:schemeClr val="accent1">
-              <a:shade val="50000"/>
-            </a:schemeClr>
-          </a:lnRef>
-          <a:fillRef idx="1">
-            <a:schemeClr val="accent1"/>
-          </a:fillRef>
-          <a:effectRef idx="0">
-            <a:schemeClr val="accent1"/>
-          </a:effectRef>
-          <a:fontRef idx="minor">
-            <a:schemeClr val="lt1"/>
-          </a:fontRef>
-        </p:style>
-        <p:txBody>
-          <a:bodyPr rtlCol="0" anchor="ctr"/>
-          <a:lstStyle/>
-          <a:p>
-            <a:pPr algn="ctr"/>
             <a:endParaRPr lang="ru-RU" dirty="0"/>
           </a:p>
         </p:txBody>
@@ -4003,8 +3977,8 @@
         </p:nvSpPr>
         <p:spPr>
           <a:xfrm>
-            <a:off x="304800" y="412030"/>
-            <a:ext cx="5486401" cy="646331"/>
+            <a:off x="304801" y="412030"/>
+            <a:ext cx="5060302" cy="646331"/>
           </a:xfrm>
           <a:prstGeom prst="rect">
             <a:avLst/>
@@ -4090,8 +4064,8 @@
         </p:blipFill>
         <p:spPr>
           <a:xfrm>
-            <a:off x="1527128" y="1408834"/>
-            <a:ext cx="8849097" cy="4909925"/>
+            <a:off x="1156995" y="1240882"/>
+            <a:ext cx="9181907" cy="5094585"/>
           </a:xfrm>
           <a:prstGeom prst="rect">
             <a:avLst/>
@@ -4130,10 +4104,10 @@
       </p:grpSpPr>
       <p:sp>
         <p:nvSpPr>
-          <p:cNvPr id="4" name="Прямоугольник 3">
-            <a:extLst>
-              <a:ext uri="{FF2B5EF4-FFF2-40B4-BE49-F238E27FC236}">
-                <a16:creationId xmlns:a16="http://schemas.microsoft.com/office/drawing/2014/main" id="{88A108B3-5818-6264-1CD6-3D23BFF1B259}"/>
+          <p:cNvPr id="12" name="Прямоугольник 11">
+            <a:extLst>
+              <a:ext uri="{FF2B5EF4-FFF2-40B4-BE49-F238E27FC236}">
+                <a16:creationId xmlns:a16="http://schemas.microsoft.com/office/drawing/2014/main" id="{92D68066-1557-7F39-F0ED-5B7B479DC502}"/>
               </a:ext>
             </a:extLst>
           </p:cNvPr>
@@ -4142,14 +4116,14 @@
         </p:nvSpPr>
         <p:spPr>
           <a:xfrm>
-            <a:off x="0" y="0"/>
+            <a:off x="-1" y="0"/>
             <a:ext cx="12192000" cy="6858000"/>
           </a:xfrm>
           <a:prstGeom prst="rect">
             <a:avLst/>
           </a:prstGeom>
           <a:solidFill>
-            <a:srgbClr val="B3D5B4"/>
+            <a:srgbClr val="F8BD88"/>
           </a:solidFill>
         </p:spPr>
         <p:style>
@@ -4179,60 +4153,6 @@
       </p:sp>
       <p:sp>
         <p:nvSpPr>
-          <p:cNvPr id="8" name="Прямоугольник 7">
-            <a:extLst>
-              <a:ext uri="{FF2B5EF4-FFF2-40B4-BE49-F238E27FC236}">
-                <a16:creationId xmlns:a16="http://schemas.microsoft.com/office/drawing/2014/main" id="{6A0066BD-3270-2326-403B-286F6C79ABE4}"/>
-              </a:ext>
-            </a:extLst>
-          </p:cNvPr>
-          <p:cNvSpPr/>
-          <p:nvPr/>
-        </p:nvSpPr>
-        <p:spPr>
-          <a:xfrm>
-            <a:off x="0" y="331978"/>
-            <a:ext cx="5791201" cy="744878"/>
-          </a:xfrm>
-          <a:prstGeom prst="rect">
-            <a:avLst/>
-          </a:prstGeom>
-          <a:solidFill>
-            <a:schemeClr val="accent1">
-              <a:alpha val="75000"/>
-            </a:schemeClr>
-          </a:solidFill>
-          <a:ln>
-            <a:noFill/>
-          </a:ln>
-        </p:spPr>
-        <p:style>
-          <a:lnRef idx="2">
-            <a:schemeClr val="accent1">
-              <a:shade val="50000"/>
-            </a:schemeClr>
-          </a:lnRef>
-          <a:fillRef idx="1">
-            <a:schemeClr val="accent1"/>
-          </a:fillRef>
-          <a:effectRef idx="0">
-            <a:schemeClr val="accent1"/>
-          </a:effectRef>
-          <a:fontRef idx="minor">
-            <a:schemeClr val="lt1"/>
-          </a:fontRef>
-        </p:style>
-        <p:txBody>
-          <a:bodyPr rtlCol="0" anchor="ctr"/>
-          <a:lstStyle/>
-          <a:p>
-            <a:pPr algn="ctr"/>
-            <a:endParaRPr lang="ru-RU" dirty="0"/>
-          </a:p>
-        </p:txBody>
-      </p:sp>
-      <p:sp>
-        <p:nvSpPr>
           <p:cNvPr id="5" name="TextBox 4">
             <a:extLst>
               <a:ext uri="{FF2B5EF4-FFF2-40B4-BE49-F238E27FC236}">
@@ -4245,8 +4165,8 @@
         </p:nvSpPr>
         <p:spPr>
           <a:xfrm>
-            <a:off x="304800" y="412030"/>
-            <a:ext cx="5486401" cy="646331"/>
+            <a:off x="304801" y="412030"/>
+            <a:ext cx="5125616" cy="646331"/>
           </a:xfrm>
           <a:prstGeom prst="rect">
             <a:avLst/>
@@ -4312,10 +4232,10 @@
       </p:sp>
       <p:pic>
         <p:nvPicPr>
-          <p:cNvPr id="10" name="Рисунок 9" descr="Изображение выглядит как текст, табло, снимок экрана&#10;&#10;Автоматически созданное описание">
-            <a:extLst>
-              <a:ext uri="{FF2B5EF4-FFF2-40B4-BE49-F238E27FC236}">
-                <a16:creationId xmlns:a16="http://schemas.microsoft.com/office/drawing/2014/main" id="{1C310545-07EC-C03F-A8C7-FD4F867D766B}"/>
+          <p:cNvPr id="11" name="Рисунок 10" descr="Изображение выглядит как текст, табло, табличка, снимок экрана&#10;&#10;Автоматически созданное описание">
+            <a:extLst>
+              <a:ext uri="{FF2B5EF4-FFF2-40B4-BE49-F238E27FC236}">
+                <a16:creationId xmlns:a16="http://schemas.microsoft.com/office/drawing/2014/main" id="{0BAA28D1-0108-8D82-6039-7A8F87B02105}"/>
               </a:ext>
             </a:extLst>
           </p:cNvPr>
@@ -4332,8 +4252,8 @@
         </p:blipFill>
         <p:spPr>
           <a:xfrm>
-            <a:off x="1825300" y="2024645"/>
-            <a:ext cx="3723640" cy="3885565"/>
+            <a:off x="8054139" y="735195"/>
+            <a:ext cx="3740150" cy="3578860"/>
           </a:xfrm>
           <a:prstGeom prst="rect">
             <a:avLst/>
@@ -4342,10 +4262,10 @@
       </p:pic>
       <p:pic>
         <p:nvPicPr>
-          <p:cNvPr id="11" name="Рисунок 10" descr="Изображение выглядит как текст, табло, табличка, снимок экрана&#10;&#10;Автоматически созданное описание">
-            <a:extLst>
-              <a:ext uri="{FF2B5EF4-FFF2-40B4-BE49-F238E27FC236}">
-                <a16:creationId xmlns:a16="http://schemas.microsoft.com/office/drawing/2014/main" id="{0BAA28D1-0108-8D82-6039-7A8F87B02105}"/>
+          <p:cNvPr id="9" name="Рисунок 8">
+            <a:extLst>
+              <a:ext uri="{FF2B5EF4-FFF2-40B4-BE49-F238E27FC236}">
+                <a16:creationId xmlns:a16="http://schemas.microsoft.com/office/drawing/2014/main" id="{588ED801-EF22-4720-8EE8-665ACFF33627}"/>
               </a:ext>
             </a:extLst>
           </p:cNvPr>
@@ -4362,8 +4282,38 @@
         </p:blipFill>
         <p:spPr>
           <a:xfrm>
-            <a:off x="7374239" y="875641"/>
-            <a:ext cx="3740150" cy="3578860"/>
+            <a:off x="304799" y="1405380"/>
+            <a:ext cx="3133333" cy="4638095"/>
+          </a:xfrm>
+          <a:prstGeom prst="rect">
+            <a:avLst/>
+          </a:prstGeom>
+        </p:spPr>
+      </p:pic>
+      <p:pic>
+        <p:nvPicPr>
+          <p:cNvPr id="10" name="Рисунок 9" descr="Изображение выглядит как текст, табло, снимок экрана&#10;&#10;Автоматически созданное описание">
+            <a:extLst>
+              <a:ext uri="{FF2B5EF4-FFF2-40B4-BE49-F238E27FC236}">
+                <a16:creationId xmlns:a16="http://schemas.microsoft.com/office/drawing/2014/main" id="{1C310545-07EC-C03F-A8C7-FD4F867D766B}"/>
+              </a:ext>
+            </a:extLst>
+          </p:cNvPr>
+          <p:cNvPicPr>
+            <a:picLocks noChangeAspect="1"/>
+          </p:cNvPicPr>
+          <p:nvPr/>
+        </p:nvPicPr>
+        <p:blipFill>
+          <a:blip r:embed="rId4"/>
+          <a:stretch>
+            <a:fillRect/>
+          </a:stretch>
+        </p:blipFill>
+        <p:spPr>
+          <a:xfrm>
+            <a:off x="5030230" y="2640457"/>
+            <a:ext cx="3723640" cy="3885565"/>
           </a:xfrm>
           <a:prstGeom prst="rect">
             <a:avLst/>
@@ -4402,10 +4352,10 @@
       </p:grpSpPr>
       <p:sp>
         <p:nvSpPr>
-          <p:cNvPr id="4" name="Прямоугольник 3">
-            <a:extLst>
-              <a:ext uri="{FF2B5EF4-FFF2-40B4-BE49-F238E27FC236}">
-                <a16:creationId xmlns:a16="http://schemas.microsoft.com/office/drawing/2014/main" id="{88A108B3-5818-6264-1CD6-3D23BFF1B259}"/>
+          <p:cNvPr id="10" name="Прямоугольник 9">
+            <a:extLst>
+              <a:ext uri="{FF2B5EF4-FFF2-40B4-BE49-F238E27FC236}">
+                <a16:creationId xmlns:a16="http://schemas.microsoft.com/office/drawing/2014/main" id="{4BBD1E4F-E39D-C912-9657-2A1D4C2BF1B2}"/>
               </a:ext>
             </a:extLst>
           </p:cNvPr>
@@ -4414,14 +4364,14 @@
         </p:nvSpPr>
         <p:spPr>
           <a:xfrm>
-            <a:off x="0" y="0"/>
+            <a:off x="-1" y="0"/>
             <a:ext cx="12192000" cy="6858000"/>
           </a:xfrm>
           <a:prstGeom prst="rect">
             <a:avLst/>
           </a:prstGeom>
           <a:solidFill>
-            <a:srgbClr val="B3D5B4"/>
+            <a:srgbClr val="F8BD88"/>
           </a:solidFill>
         </p:spPr>
         <p:style>
@@ -4451,60 +4401,6 @@
       </p:sp>
       <p:sp>
         <p:nvSpPr>
-          <p:cNvPr id="8" name="Прямоугольник 7">
-            <a:extLst>
-              <a:ext uri="{FF2B5EF4-FFF2-40B4-BE49-F238E27FC236}">
-                <a16:creationId xmlns:a16="http://schemas.microsoft.com/office/drawing/2014/main" id="{6A0066BD-3270-2326-403B-286F6C79ABE4}"/>
-              </a:ext>
-            </a:extLst>
-          </p:cNvPr>
-          <p:cNvSpPr/>
-          <p:nvPr/>
-        </p:nvSpPr>
-        <p:spPr>
-          <a:xfrm>
-            <a:off x="0" y="331978"/>
-            <a:ext cx="5791201" cy="744878"/>
-          </a:xfrm>
-          <a:prstGeom prst="rect">
-            <a:avLst/>
-          </a:prstGeom>
-          <a:solidFill>
-            <a:schemeClr val="accent1">
-              <a:alpha val="75000"/>
-            </a:schemeClr>
-          </a:solidFill>
-          <a:ln>
-            <a:noFill/>
-          </a:ln>
-        </p:spPr>
-        <p:style>
-          <a:lnRef idx="2">
-            <a:schemeClr val="accent1">
-              <a:shade val="50000"/>
-            </a:schemeClr>
-          </a:lnRef>
-          <a:fillRef idx="1">
-            <a:schemeClr val="accent1"/>
-          </a:fillRef>
-          <a:effectRef idx="0">
-            <a:schemeClr val="accent1"/>
-          </a:effectRef>
-          <a:fontRef idx="minor">
-            <a:schemeClr val="lt1"/>
-          </a:fontRef>
-        </p:style>
-        <p:txBody>
-          <a:bodyPr rtlCol="0" anchor="ctr"/>
-          <a:lstStyle/>
-          <a:p>
-            <a:pPr algn="ctr"/>
-            <a:endParaRPr lang="ru-RU" dirty="0"/>
-          </a:p>
-        </p:txBody>
-      </p:sp>
-      <p:sp>
-        <p:nvSpPr>
           <p:cNvPr id="5" name="TextBox 4">
             <a:extLst>
               <a:ext uri="{FF2B5EF4-FFF2-40B4-BE49-F238E27FC236}">
@@ -4517,8 +4413,8 @@
         </p:nvSpPr>
         <p:spPr>
           <a:xfrm>
-            <a:off x="304800" y="412030"/>
-            <a:ext cx="5486401" cy="646331"/>
+            <a:off x="239486" y="248953"/>
+            <a:ext cx="4976327" cy="646331"/>
           </a:xfrm>
           <a:prstGeom prst="rect">
             <a:avLst/>
@@ -4535,7 +4431,7 @@
               <a:rPr lang="ru-RU" sz="3600" b="1" dirty="0">
                 <a:latin typeface="Arial Narrow" panose="020B0606020202030204" pitchFamily="34" charset="0"/>
               </a:rPr>
-              <a:t>Расширения редактора</a:t>
+              <a:t>Тестирование</a:t>
             </a:r>
           </a:p>
         </p:txBody>
@@ -4584,10 +4480,10 @@
       </p:sp>
       <p:pic>
         <p:nvPicPr>
-          <p:cNvPr id="10" name="Рисунок 9" descr="Изображение выглядит как текст, табло, снимок экрана&#10;&#10;Автоматически созданное описание">
-            <a:extLst>
-              <a:ext uri="{FF2B5EF4-FFF2-40B4-BE49-F238E27FC236}">
-                <a16:creationId xmlns:a16="http://schemas.microsoft.com/office/drawing/2014/main" id="{1C310545-07EC-C03F-A8C7-FD4F867D766B}"/>
+          <p:cNvPr id="7" name="Рисунок 6" descr="Изображение выглядит как текст&#10;&#10;Автоматически созданное описание">
+            <a:extLst>
+              <a:ext uri="{FF2B5EF4-FFF2-40B4-BE49-F238E27FC236}">
+                <a16:creationId xmlns:a16="http://schemas.microsoft.com/office/drawing/2014/main" id="{5D5771FD-056D-2686-E5B0-F8686F914C32}"/>
               </a:ext>
             </a:extLst>
           </p:cNvPr>
@@ -4604,8 +4500,8 @@
         </p:blipFill>
         <p:spPr>
           <a:xfrm>
-            <a:off x="1441505" y="2560405"/>
-            <a:ext cx="3723640" cy="3885565"/>
+            <a:off x="93307" y="1156908"/>
+            <a:ext cx="6895352" cy="3668249"/>
           </a:xfrm>
           <a:prstGeom prst="rect">
             <a:avLst/>
@@ -4614,10 +4510,10 @@
       </p:pic>
       <p:pic>
         <p:nvPicPr>
-          <p:cNvPr id="11" name="Рисунок 10" descr="Изображение выглядит как текст, табло, табличка, снимок экрана&#10;&#10;Автоматически созданное описание">
-            <a:extLst>
-              <a:ext uri="{FF2B5EF4-FFF2-40B4-BE49-F238E27FC236}">
-                <a16:creationId xmlns:a16="http://schemas.microsoft.com/office/drawing/2014/main" id="{0BAA28D1-0108-8D82-6039-7A8F87B02105}"/>
+          <p:cNvPr id="9" name="Рисунок 8">
+            <a:extLst>
+              <a:ext uri="{FF2B5EF4-FFF2-40B4-BE49-F238E27FC236}">
+                <a16:creationId xmlns:a16="http://schemas.microsoft.com/office/drawing/2014/main" id="{5723D7FB-3D06-0DC3-F927-941387057CF7}"/>
               </a:ext>
             </a:extLst>
           </p:cNvPr>
@@ -4634,8 +4530,8 @@
         </p:blipFill>
         <p:spPr>
           <a:xfrm>
-            <a:off x="7010345" y="847649"/>
-            <a:ext cx="3740150" cy="3578860"/>
+            <a:off x="4813306" y="4078497"/>
+            <a:ext cx="6017763" cy="2194714"/>
           </a:xfrm>
           <a:prstGeom prst="rect">
             <a:avLst/>
@@ -4645,7 +4541,7 @@
     </p:spTree>
     <p:extLst>
       <p:ext uri="{BB962C8B-B14F-4D97-AF65-F5344CB8AC3E}">
-        <p14:creationId xmlns:p14="http://schemas.microsoft.com/office/powerpoint/2010/main" val="3708993496"/>
+        <p14:creationId xmlns:p14="http://schemas.microsoft.com/office/powerpoint/2010/main" val="3698893246"/>
       </p:ext>
     </p:extLst>
   </p:cSld>
@@ -4674,10 +4570,10 @@
       </p:grpSpPr>
       <p:sp>
         <p:nvSpPr>
-          <p:cNvPr id="4" name="Прямоугольник 3">
-            <a:extLst>
-              <a:ext uri="{FF2B5EF4-FFF2-40B4-BE49-F238E27FC236}">
-                <a16:creationId xmlns:a16="http://schemas.microsoft.com/office/drawing/2014/main" id="{88A108B3-5818-6264-1CD6-3D23BFF1B259}"/>
+          <p:cNvPr id="9" name="Прямоугольник 8">
+            <a:extLst>
+              <a:ext uri="{FF2B5EF4-FFF2-40B4-BE49-F238E27FC236}">
+                <a16:creationId xmlns:a16="http://schemas.microsoft.com/office/drawing/2014/main" id="{0D61A3C7-4E6B-85AD-DD84-08739ED10AC7}"/>
               </a:ext>
             </a:extLst>
           </p:cNvPr>
@@ -4686,14 +4582,14 @@
         </p:nvSpPr>
         <p:spPr>
           <a:xfrm>
-            <a:off x="0" y="0"/>
+            <a:off x="-1" y="0"/>
             <a:ext cx="12192000" cy="6858000"/>
           </a:xfrm>
           <a:prstGeom prst="rect">
             <a:avLst/>
           </a:prstGeom>
           <a:solidFill>
-            <a:srgbClr val="B3D5B4"/>
+            <a:srgbClr val="F8BD88"/>
           </a:solidFill>
         </p:spPr>
         <p:style>
@@ -4723,278 +4619,6 @@
       </p:sp>
       <p:sp>
         <p:nvSpPr>
-          <p:cNvPr id="8" name="Прямоугольник 7">
-            <a:extLst>
-              <a:ext uri="{FF2B5EF4-FFF2-40B4-BE49-F238E27FC236}">
-                <a16:creationId xmlns:a16="http://schemas.microsoft.com/office/drawing/2014/main" id="{6A0066BD-3270-2326-403B-286F6C79ABE4}"/>
-              </a:ext>
-            </a:extLst>
-          </p:cNvPr>
-          <p:cNvSpPr/>
-          <p:nvPr/>
-        </p:nvSpPr>
-        <p:spPr>
-          <a:xfrm>
-            <a:off x="0" y="331978"/>
-            <a:ext cx="5791201" cy="744878"/>
-          </a:xfrm>
-          <a:prstGeom prst="rect">
-            <a:avLst/>
-          </a:prstGeom>
-          <a:solidFill>
-            <a:schemeClr val="accent1">
-              <a:alpha val="75000"/>
-            </a:schemeClr>
-          </a:solidFill>
-          <a:ln>
-            <a:noFill/>
-          </a:ln>
-        </p:spPr>
-        <p:style>
-          <a:lnRef idx="2">
-            <a:schemeClr val="accent1">
-              <a:shade val="50000"/>
-            </a:schemeClr>
-          </a:lnRef>
-          <a:fillRef idx="1">
-            <a:schemeClr val="accent1"/>
-          </a:fillRef>
-          <a:effectRef idx="0">
-            <a:schemeClr val="accent1"/>
-          </a:effectRef>
-          <a:fontRef idx="minor">
-            <a:schemeClr val="lt1"/>
-          </a:fontRef>
-        </p:style>
-        <p:txBody>
-          <a:bodyPr rtlCol="0" anchor="ctr"/>
-          <a:lstStyle/>
-          <a:p>
-            <a:pPr algn="ctr"/>
-            <a:endParaRPr lang="ru-RU" dirty="0"/>
-          </a:p>
-        </p:txBody>
-      </p:sp>
-      <p:sp>
-        <p:nvSpPr>
-          <p:cNvPr id="5" name="TextBox 4">
-            <a:extLst>
-              <a:ext uri="{FF2B5EF4-FFF2-40B4-BE49-F238E27FC236}">
-                <a16:creationId xmlns:a16="http://schemas.microsoft.com/office/drawing/2014/main" id="{F71A844B-7627-0241-B45B-44F2D9D1EF05}"/>
-              </a:ext>
-            </a:extLst>
-          </p:cNvPr>
-          <p:cNvSpPr txBox="1"/>
-          <p:nvPr/>
-        </p:nvSpPr>
-        <p:spPr>
-          <a:xfrm>
-            <a:off x="304800" y="412030"/>
-            <a:ext cx="5486401" cy="646331"/>
-          </a:xfrm>
-          <a:prstGeom prst="rect">
-            <a:avLst/>
-          </a:prstGeom>
-          <a:noFill/>
-        </p:spPr>
-        <p:txBody>
-          <a:bodyPr wrap="square">
-            <a:spAutoFit/>
-          </a:bodyPr>
-          <a:lstStyle/>
-          <a:p>
-            <a:r>
-              <a:rPr lang="ru-RU" sz="3600" b="1" dirty="0">
-                <a:latin typeface="Arial Narrow" panose="020B0606020202030204" pitchFamily="34" charset="0"/>
-              </a:rPr>
-              <a:t>Тестирование</a:t>
-            </a:r>
-          </a:p>
-        </p:txBody>
-      </p:sp>
-      <p:sp>
-        <p:nvSpPr>
-          <p:cNvPr id="3" name="TextBox 2">
-            <a:extLst>
-              <a:ext uri="{FF2B5EF4-FFF2-40B4-BE49-F238E27FC236}">
-                <a16:creationId xmlns:a16="http://schemas.microsoft.com/office/drawing/2014/main" id="{830DA6B1-AFAA-B43F-424F-7D28736F06D2}"/>
-              </a:ext>
-            </a:extLst>
-          </p:cNvPr>
-          <p:cNvSpPr txBox="1"/>
-          <p:nvPr/>
-        </p:nvSpPr>
-        <p:spPr>
-          <a:xfrm>
-            <a:off x="11525639" y="6183404"/>
-            <a:ext cx="415990" cy="461665"/>
-          </a:xfrm>
-          <a:prstGeom prst="rect">
-            <a:avLst/>
-          </a:prstGeom>
-          <a:noFill/>
-        </p:spPr>
-        <p:txBody>
-          <a:bodyPr wrap="square" rtlCol="0">
-            <a:spAutoFit/>
-          </a:bodyPr>
-          <a:lstStyle/>
-          <a:p>
-            <a:r>
-              <a:rPr lang="ru-RU" sz="2400" dirty="0">
-                <a:solidFill>
-                  <a:schemeClr val="accent6">
-                    <a:lumMod val="75000"/>
-                  </a:schemeClr>
-                </a:solidFill>
-                <a:latin typeface="Arial Black" panose="020B0A04020102020204" pitchFamily="34" charset="0"/>
-              </a:rPr>
-              <a:t>6</a:t>
-            </a:r>
-          </a:p>
-        </p:txBody>
-      </p:sp>
-      <p:pic>
-        <p:nvPicPr>
-          <p:cNvPr id="7" name="Рисунок 6" descr="Изображение выглядит как текст&#10;&#10;Автоматически созданное описание">
-            <a:extLst>
-              <a:ext uri="{FF2B5EF4-FFF2-40B4-BE49-F238E27FC236}">
-                <a16:creationId xmlns:a16="http://schemas.microsoft.com/office/drawing/2014/main" id="{5D5771FD-056D-2686-E5B0-F8686F914C32}"/>
-              </a:ext>
-            </a:extLst>
-          </p:cNvPr>
-          <p:cNvPicPr>
-            <a:picLocks noChangeAspect="1"/>
-          </p:cNvPicPr>
-          <p:nvPr/>
-        </p:nvPicPr>
-        <p:blipFill>
-          <a:blip r:embed="rId2"/>
-          <a:stretch>
-            <a:fillRect/>
-          </a:stretch>
-        </p:blipFill>
-        <p:spPr>
-          <a:xfrm>
-            <a:off x="93307" y="1156908"/>
-            <a:ext cx="6895352" cy="3668249"/>
-          </a:xfrm>
-          <a:prstGeom prst="rect">
-            <a:avLst/>
-          </a:prstGeom>
-        </p:spPr>
-      </p:pic>
-      <p:pic>
-        <p:nvPicPr>
-          <p:cNvPr id="9" name="Рисунок 8">
-            <a:extLst>
-              <a:ext uri="{FF2B5EF4-FFF2-40B4-BE49-F238E27FC236}">
-                <a16:creationId xmlns:a16="http://schemas.microsoft.com/office/drawing/2014/main" id="{5723D7FB-3D06-0DC3-F927-941387057CF7}"/>
-              </a:ext>
-            </a:extLst>
-          </p:cNvPr>
-          <p:cNvPicPr>
-            <a:picLocks noChangeAspect="1"/>
-          </p:cNvPicPr>
-          <p:nvPr/>
-        </p:nvPicPr>
-        <p:blipFill>
-          <a:blip r:embed="rId3"/>
-          <a:stretch>
-            <a:fillRect/>
-          </a:stretch>
-        </p:blipFill>
-        <p:spPr>
-          <a:xfrm>
-            <a:off x="5186531" y="4582351"/>
-            <a:ext cx="6017763" cy="2194714"/>
-          </a:xfrm>
-          <a:prstGeom prst="rect">
-            <a:avLst/>
-          </a:prstGeom>
-        </p:spPr>
-      </p:pic>
-    </p:spTree>
-    <p:extLst>
-      <p:ext uri="{BB962C8B-B14F-4D97-AF65-F5344CB8AC3E}">
-        <p14:creationId xmlns:p14="http://schemas.microsoft.com/office/powerpoint/2010/main" val="3698893246"/>
-      </p:ext>
-    </p:extLst>
-  </p:cSld>
-  <p:clrMapOvr>
-    <a:masterClrMapping/>
-  </p:clrMapOvr>
-</p:sld>
-</file>
-
-<file path=ppt/slides/slide15.xml><?xml version="1.0" encoding="utf-8"?>
-<p:sld xmlns:a="http://schemas.openxmlformats.org/drawingml/2006/main" xmlns:r="http://schemas.openxmlformats.org/officeDocument/2006/relationships" xmlns:p="http://schemas.openxmlformats.org/presentationml/2006/main">
-  <p:cSld>
-    <p:spTree>
-      <p:nvGrpSpPr>
-        <p:cNvPr id="1" name=""/>
-        <p:cNvGrpSpPr/>
-        <p:nvPr/>
-      </p:nvGrpSpPr>
-      <p:grpSpPr>
-        <a:xfrm>
-          <a:off x="0" y="0"/>
-          <a:ext cx="0" cy="0"/>
-          <a:chOff x="0" y="0"/>
-          <a:chExt cx="0" cy="0"/>
-        </a:xfrm>
-      </p:grpSpPr>
-      <p:sp>
-        <p:nvSpPr>
-          <p:cNvPr id="9" name="Прямоугольник 8">
-            <a:extLst>
-              <a:ext uri="{FF2B5EF4-FFF2-40B4-BE49-F238E27FC236}">
-                <a16:creationId xmlns:a16="http://schemas.microsoft.com/office/drawing/2014/main" id="{0D61A3C7-4E6B-85AD-DD84-08739ED10AC7}"/>
-              </a:ext>
-            </a:extLst>
-          </p:cNvPr>
-          <p:cNvSpPr/>
-          <p:nvPr/>
-        </p:nvSpPr>
-        <p:spPr>
-          <a:xfrm>
-            <a:off x="-1" y="0"/>
-            <a:ext cx="12192000" cy="6858000"/>
-          </a:xfrm>
-          <a:prstGeom prst="rect">
-            <a:avLst/>
-          </a:prstGeom>
-          <a:solidFill>
-            <a:srgbClr val="F8BD88"/>
-          </a:solidFill>
-        </p:spPr>
-        <p:style>
-          <a:lnRef idx="2">
-            <a:schemeClr val="accent1">
-              <a:shade val="50000"/>
-            </a:schemeClr>
-          </a:lnRef>
-          <a:fillRef idx="1">
-            <a:schemeClr val="accent1"/>
-          </a:fillRef>
-          <a:effectRef idx="0">
-            <a:schemeClr val="accent1"/>
-          </a:effectRef>
-          <a:fontRef idx="minor">
-            <a:schemeClr val="lt1"/>
-          </a:fontRef>
-        </p:style>
-        <p:txBody>
-          <a:bodyPr rtlCol="0" anchor="ctr"/>
-          <a:lstStyle/>
-          <a:p>
-            <a:pPr algn="ctr"/>
-            <a:endParaRPr lang="ru-RU"/>
-          </a:p>
-        </p:txBody>
-      </p:sp>
-      <p:sp>
-        <p:nvSpPr>
           <p:cNvPr id="5" name="TextBox 4">
             <a:extLst>
               <a:ext uri="{FF2B5EF4-FFF2-40B4-BE49-F238E27FC236}">
@@ -5259,7 +4883,7 @@
 </p:sld>
 </file>
 
-<file path=ppt/slides/slide16.xml><?xml version="1.0" encoding="utf-8"?>
+<file path=ppt/slides/slide15.xml><?xml version="1.0" encoding="utf-8"?>
 <p:sld xmlns:a="http://schemas.openxmlformats.org/drawingml/2006/main" xmlns:r="http://schemas.openxmlformats.org/officeDocument/2006/relationships" xmlns:p="http://schemas.openxmlformats.org/presentationml/2006/main">
   <p:cSld>
     <p:spTree>
@@ -5436,10 +5060,10 @@
       </p:grpSpPr>
       <p:sp>
         <p:nvSpPr>
-          <p:cNvPr id="4" name="Прямоугольник 3">
-            <a:extLst>
-              <a:ext uri="{FF2B5EF4-FFF2-40B4-BE49-F238E27FC236}">
-                <a16:creationId xmlns:a16="http://schemas.microsoft.com/office/drawing/2014/main" id="{88A108B3-5818-6264-1CD6-3D23BFF1B259}"/>
+          <p:cNvPr id="7" name="Прямоугольник 6">
+            <a:extLst>
+              <a:ext uri="{FF2B5EF4-FFF2-40B4-BE49-F238E27FC236}">
+                <a16:creationId xmlns:a16="http://schemas.microsoft.com/office/drawing/2014/main" id="{B700E350-D6E6-2BC3-72C2-B0C0C8C71125}"/>
               </a:ext>
             </a:extLst>
           </p:cNvPr>
@@ -5448,69 +5072,15 @@
         </p:nvSpPr>
         <p:spPr>
           <a:xfrm>
-            <a:off x="0" y="0"/>
+            <a:off x="-1" y="0"/>
             <a:ext cx="12192000" cy="6858000"/>
           </a:xfrm>
           <a:prstGeom prst="rect">
             <a:avLst/>
           </a:prstGeom>
           <a:solidFill>
-            <a:srgbClr val="B3D5B4"/>
+            <a:srgbClr val="F8BD88"/>
           </a:solidFill>
-        </p:spPr>
-        <p:style>
-          <a:lnRef idx="2">
-            <a:schemeClr val="accent1">
-              <a:shade val="50000"/>
-            </a:schemeClr>
-          </a:lnRef>
-          <a:fillRef idx="1">
-            <a:schemeClr val="accent1"/>
-          </a:fillRef>
-          <a:effectRef idx="0">
-            <a:schemeClr val="accent1"/>
-          </a:effectRef>
-          <a:fontRef idx="minor">
-            <a:schemeClr val="lt1"/>
-          </a:fontRef>
-        </p:style>
-        <p:txBody>
-          <a:bodyPr rtlCol="0" anchor="ctr"/>
-          <a:lstStyle/>
-          <a:p>
-            <a:pPr algn="ctr"/>
-            <a:endParaRPr lang="ru-RU"/>
-          </a:p>
-        </p:txBody>
-      </p:sp>
-      <p:sp>
-        <p:nvSpPr>
-          <p:cNvPr id="8" name="Прямоугольник 7">
-            <a:extLst>
-              <a:ext uri="{FF2B5EF4-FFF2-40B4-BE49-F238E27FC236}">
-                <a16:creationId xmlns:a16="http://schemas.microsoft.com/office/drawing/2014/main" id="{6A0066BD-3270-2326-403B-286F6C79ABE4}"/>
-              </a:ext>
-            </a:extLst>
-          </p:cNvPr>
-          <p:cNvSpPr/>
-          <p:nvPr/>
-        </p:nvSpPr>
-        <p:spPr>
-          <a:xfrm>
-            <a:off x="0" y="331978"/>
-            <a:ext cx="5791201" cy="744878"/>
-          </a:xfrm>
-          <a:prstGeom prst="rect">
-            <a:avLst/>
-          </a:prstGeom>
-          <a:solidFill>
-            <a:schemeClr val="accent1">
-              <a:alpha val="75000"/>
-            </a:schemeClr>
-          </a:solidFill>
-          <a:ln>
-            <a:noFill/>
-          </a:ln>
         </p:spPr>
         <p:style>
           <a:lnRef idx="2">
@@ -5706,10 +5276,10 @@
       </p:grpSpPr>
       <p:sp>
         <p:nvSpPr>
-          <p:cNvPr id="4" name="Прямоугольник 3">
-            <a:extLst>
-              <a:ext uri="{FF2B5EF4-FFF2-40B4-BE49-F238E27FC236}">
-                <a16:creationId xmlns:a16="http://schemas.microsoft.com/office/drawing/2014/main" id="{88A108B3-5818-6264-1CD6-3D23BFF1B259}"/>
+          <p:cNvPr id="7" name="Прямоугольник 6">
+            <a:extLst>
+              <a:ext uri="{FF2B5EF4-FFF2-40B4-BE49-F238E27FC236}">
+                <a16:creationId xmlns:a16="http://schemas.microsoft.com/office/drawing/2014/main" id="{96A2F7E4-6AF2-E92C-8B53-0C233082524B}"/>
               </a:ext>
             </a:extLst>
           </p:cNvPr>
@@ -5718,14 +5288,14 @@
         </p:nvSpPr>
         <p:spPr>
           <a:xfrm>
-            <a:off x="0" y="0"/>
+            <a:off x="-1" y="0"/>
             <a:ext cx="12192000" cy="6858000"/>
           </a:xfrm>
           <a:prstGeom prst="rect">
             <a:avLst/>
           </a:prstGeom>
           <a:solidFill>
-            <a:srgbClr val="B3D5B4"/>
+            <a:srgbClr val="F8BD88"/>
           </a:solidFill>
         </p:spPr>
         <p:style>
@@ -5749,60 +5319,6 @@
           <a:lstStyle/>
           <a:p>
             <a:pPr algn="ctr"/>
-            <a:endParaRPr lang="ru-RU"/>
-          </a:p>
-        </p:txBody>
-      </p:sp>
-      <p:sp>
-        <p:nvSpPr>
-          <p:cNvPr id="8" name="Прямоугольник 7">
-            <a:extLst>
-              <a:ext uri="{FF2B5EF4-FFF2-40B4-BE49-F238E27FC236}">
-                <a16:creationId xmlns:a16="http://schemas.microsoft.com/office/drawing/2014/main" id="{6A0066BD-3270-2326-403B-286F6C79ABE4}"/>
-              </a:ext>
-            </a:extLst>
-          </p:cNvPr>
-          <p:cNvSpPr/>
-          <p:nvPr/>
-        </p:nvSpPr>
-        <p:spPr>
-          <a:xfrm>
-            <a:off x="0" y="331978"/>
-            <a:ext cx="5791201" cy="744878"/>
-          </a:xfrm>
-          <a:prstGeom prst="rect">
-            <a:avLst/>
-          </a:prstGeom>
-          <a:solidFill>
-            <a:schemeClr val="accent1">
-              <a:alpha val="75000"/>
-            </a:schemeClr>
-          </a:solidFill>
-          <a:ln>
-            <a:noFill/>
-          </a:ln>
-        </p:spPr>
-        <p:style>
-          <a:lnRef idx="2">
-            <a:schemeClr val="accent1">
-              <a:shade val="50000"/>
-            </a:schemeClr>
-          </a:lnRef>
-          <a:fillRef idx="1">
-            <a:schemeClr val="accent1"/>
-          </a:fillRef>
-          <a:effectRef idx="0">
-            <a:schemeClr val="accent1"/>
-          </a:effectRef>
-          <a:fontRef idx="minor">
-            <a:schemeClr val="lt1"/>
-          </a:fontRef>
-        </p:style>
-        <p:txBody>
-          <a:bodyPr rtlCol="0" anchor="ctr"/>
-          <a:lstStyle/>
-          <a:p>
-            <a:pPr algn="ctr"/>
             <a:endParaRPr lang="ru-RU" dirty="0"/>
           </a:p>
         </p:txBody>
@@ -5887,7 +5403,7 @@
                 <a:latin typeface="Arial" panose="020B0604020202020204" pitchFamily="34" charset="0"/>
                 <a:cs typeface="Arial" panose="020B0604020202020204" pitchFamily="34" charset="0"/>
               </a:rPr>
-              <a:t>Реализовать ввод пользователя</a:t>
+              <a:t>Реализовать модуль чтения ввода пользователя</a:t>
             </a:r>
           </a:p>
           <a:p>
@@ -6015,7 +5531,7 @@
                 </a:solidFill>
                 <a:latin typeface="Arial Black" panose="020B0A04020102020204" pitchFamily="34" charset="0"/>
               </a:rPr>
-              <a:t>2</a:t>
+              <a:t>3</a:t>
             </a:r>
           </a:p>
         </p:txBody>
@@ -6052,10 +5568,10 @@
       </p:grpSpPr>
       <p:sp>
         <p:nvSpPr>
-          <p:cNvPr id="4" name="Прямоугольник 3">
-            <a:extLst>
-              <a:ext uri="{FF2B5EF4-FFF2-40B4-BE49-F238E27FC236}">
-                <a16:creationId xmlns:a16="http://schemas.microsoft.com/office/drawing/2014/main" id="{88A108B3-5818-6264-1CD6-3D23BFF1B259}"/>
+          <p:cNvPr id="14" name="Прямоугольник 13">
+            <a:extLst>
+              <a:ext uri="{FF2B5EF4-FFF2-40B4-BE49-F238E27FC236}">
+                <a16:creationId xmlns:a16="http://schemas.microsoft.com/office/drawing/2014/main" id="{AA20400C-DBA7-E79C-63BD-78DE5A62D9CA}"/>
               </a:ext>
             </a:extLst>
           </p:cNvPr>
@@ -6064,14 +5580,14 @@
         </p:nvSpPr>
         <p:spPr>
           <a:xfrm>
-            <a:off x="0" y="0"/>
+            <a:off x="-1" y="0"/>
             <a:ext cx="12192000" cy="6858000"/>
           </a:xfrm>
           <a:prstGeom prst="rect">
             <a:avLst/>
           </a:prstGeom>
           <a:solidFill>
-            <a:srgbClr val="B3D5B4"/>
+            <a:srgbClr val="F8BD88"/>
           </a:solidFill>
         </p:spPr>
         <p:style>
@@ -6095,60 +5611,6 @@
           <a:lstStyle/>
           <a:p>
             <a:pPr algn="ctr"/>
-            <a:endParaRPr lang="ru-RU"/>
-          </a:p>
-        </p:txBody>
-      </p:sp>
-      <p:sp>
-        <p:nvSpPr>
-          <p:cNvPr id="22" name="Прямоугольник 21">
-            <a:extLst>
-              <a:ext uri="{FF2B5EF4-FFF2-40B4-BE49-F238E27FC236}">
-                <a16:creationId xmlns:a16="http://schemas.microsoft.com/office/drawing/2014/main" id="{88697CB2-014E-11E1-D199-D5C53736F2F2}"/>
-              </a:ext>
-            </a:extLst>
-          </p:cNvPr>
-          <p:cNvSpPr/>
-          <p:nvPr/>
-        </p:nvSpPr>
-        <p:spPr>
-          <a:xfrm>
-            <a:off x="0" y="331978"/>
-            <a:ext cx="5791201" cy="744878"/>
-          </a:xfrm>
-          <a:prstGeom prst="rect">
-            <a:avLst/>
-          </a:prstGeom>
-          <a:solidFill>
-            <a:schemeClr val="accent1">
-              <a:alpha val="75000"/>
-            </a:schemeClr>
-          </a:solidFill>
-          <a:ln>
-            <a:noFill/>
-          </a:ln>
-        </p:spPr>
-        <p:style>
-          <a:lnRef idx="2">
-            <a:schemeClr val="accent1">
-              <a:shade val="50000"/>
-            </a:schemeClr>
-          </a:lnRef>
-          <a:fillRef idx="1">
-            <a:schemeClr val="accent1"/>
-          </a:fillRef>
-          <a:effectRef idx="0">
-            <a:schemeClr val="accent1"/>
-          </a:effectRef>
-          <a:fontRef idx="minor">
-            <a:schemeClr val="lt1"/>
-          </a:fontRef>
-        </p:style>
-        <p:txBody>
-          <a:bodyPr rtlCol="0" anchor="ctr"/>
-          <a:lstStyle/>
-          <a:p>
-            <a:pPr algn="ctr"/>
             <a:endParaRPr lang="ru-RU" dirty="0"/>
           </a:p>
         </p:txBody>
@@ -6168,7 +5630,7 @@
         <p:spPr>
           <a:xfrm>
             <a:off x="304800" y="412030"/>
-            <a:ext cx="3128865" cy="584775"/>
+            <a:ext cx="7159690" cy="584775"/>
           </a:xfrm>
           <a:prstGeom prst="rect">
             <a:avLst/>
@@ -6185,7 +5647,7 @@
               <a:rPr lang="ru-RU" sz="3200" b="1" dirty="0">
                 <a:latin typeface="Arial Narrow" panose="020B0606020202030204" pitchFamily="34" charset="0"/>
               </a:rPr>
-              <a:t>АНАЛОГИ</a:t>
+              <a:t>Сравнительная таблица аналогов</a:t>
             </a:r>
             <a:endParaRPr lang="ru-RU" sz="3600" b="1" dirty="0">
               <a:latin typeface="Arial Narrow" panose="020B0606020202030204" pitchFamily="34" charset="0"/>
@@ -6230,303 +5692,1341 @@
                 </a:solidFill>
                 <a:latin typeface="Arial Black" panose="020B0A04020102020204" pitchFamily="34" charset="0"/>
               </a:rPr>
-              <a:t>3</a:t>
-            </a:r>
-          </a:p>
-        </p:txBody>
-      </p:sp>
-      <p:sp>
-        <p:nvSpPr>
-          <p:cNvPr id="21" name="Прямоугольник 20">
-            <a:extLst>
-              <a:ext uri="{FF2B5EF4-FFF2-40B4-BE49-F238E27FC236}">
-                <a16:creationId xmlns:a16="http://schemas.microsoft.com/office/drawing/2014/main" id="{E30C3D28-0587-06D7-6BF2-E2F6340EFA69}"/>
-              </a:ext>
-            </a:extLst>
-          </p:cNvPr>
-          <p:cNvSpPr/>
-          <p:nvPr/>
-        </p:nvSpPr>
-        <p:spPr>
-          <a:xfrm>
-            <a:off x="6996688" y="0"/>
-            <a:ext cx="4258718" cy="6858000"/>
-          </a:xfrm>
-          <a:prstGeom prst="rect">
-            <a:avLst/>
-          </a:prstGeom>
-          <a:solidFill>
-            <a:schemeClr val="accent1">
-              <a:alpha val="50000"/>
-            </a:schemeClr>
-          </a:solidFill>
-          <a:ln>
-            <a:noFill/>
-          </a:ln>
-        </p:spPr>
-        <p:style>
-          <a:lnRef idx="0">
-            <a:scrgbClr r="0" g="0" b="0"/>
-          </a:lnRef>
-          <a:fillRef idx="0">
-            <a:scrgbClr r="0" g="0" b="0"/>
-          </a:fillRef>
-          <a:effectRef idx="0">
-            <a:scrgbClr r="0" g="0" b="0"/>
-          </a:effectRef>
-          <a:fontRef idx="minor">
-            <a:schemeClr val="lt1"/>
-          </a:fontRef>
-        </p:style>
-        <p:txBody>
-          <a:bodyPr rtlCol="0" anchor="ctr"/>
-          <a:lstStyle/>
-          <a:p>
-            <a:pPr algn="ctr"/>
-            <a:endParaRPr lang="ru-RU">
-              <a:ln w="0"/>
-              <a:solidFill>
-                <a:schemeClr val="accent1"/>
-              </a:solidFill>
-              <a:effectLst>
-                <a:outerShdw blurRad="38100" dist="25400" dir="5400000" algn="ctr" rotWithShape="0">
-                  <a:srgbClr val="6E747A">
-                    <a:alpha val="43000"/>
-                  </a:srgbClr>
-                </a:outerShdw>
-              </a:effectLst>
-            </a:endParaRPr>
-          </a:p>
-        </p:txBody>
-      </p:sp>
-      <p:pic>
-        <p:nvPicPr>
-          <p:cNvPr id="11" name="Рисунок 10">
-            <a:extLst>
-              <a:ext uri="{FF2B5EF4-FFF2-40B4-BE49-F238E27FC236}">
-                <a16:creationId xmlns:a16="http://schemas.microsoft.com/office/drawing/2014/main" id="{A76F2614-F05A-4767-F0FF-70E8E93E5B7C}"/>
-              </a:ext>
-            </a:extLst>
-          </p:cNvPr>
-          <p:cNvPicPr>
-            <a:picLocks noChangeAspect="1"/>
-          </p:cNvPicPr>
-          <p:nvPr/>
-        </p:nvPicPr>
-        <p:blipFill>
-          <a:blip r:embed="rId2"/>
-          <a:stretch>
-            <a:fillRect/>
-          </a:stretch>
-        </p:blipFill>
-        <p:spPr>
-          <a:xfrm>
-            <a:off x="7546064" y="996805"/>
-            <a:ext cx="3159967" cy="1751307"/>
-          </a:xfrm>
-          <a:prstGeom prst="rect">
-            <a:avLst/>
-          </a:prstGeom>
-        </p:spPr>
-      </p:pic>
-      <p:pic>
-        <p:nvPicPr>
-          <p:cNvPr id="15" name="Рисунок 14" descr="Изображение выглядит как текст&#10;&#10;Автоматически созданное описание">
-            <a:extLst>
-              <a:ext uri="{FF2B5EF4-FFF2-40B4-BE49-F238E27FC236}">
-                <a16:creationId xmlns:a16="http://schemas.microsoft.com/office/drawing/2014/main" id="{C355F4D4-876D-470F-DE09-5C382F16A035}"/>
-              </a:ext>
-            </a:extLst>
-          </p:cNvPr>
-          <p:cNvPicPr>
-            <a:picLocks noChangeAspect="1"/>
-          </p:cNvPicPr>
-          <p:nvPr/>
-        </p:nvPicPr>
-        <p:blipFill rotWithShape="1">
-          <a:blip r:embed="rId3">
-            <a:extLst>
-              <a:ext uri="{28A0092B-C50C-407E-A947-70E740481C1C}">
-                <a14:useLocalDpi xmlns:a14="http://schemas.microsoft.com/office/drawing/2010/main" val="0"/>
-              </a:ext>
-            </a:extLst>
-          </a:blip>
-          <a:srcRect l="3074"/>
-          <a:stretch/>
-        </p:blipFill>
-        <p:spPr bwMode="auto">
-          <a:xfrm>
-            <a:off x="7546064" y="2875102"/>
-            <a:ext cx="2248470" cy="1739629"/>
-          </a:xfrm>
-          <a:prstGeom prst="rect">
-            <a:avLst/>
-          </a:prstGeom>
-          <a:noFill/>
-          <a:ln>
-            <a:noFill/>
-          </a:ln>
-        </p:spPr>
-      </p:pic>
-      <p:pic>
-        <p:nvPicPr>
-          <p:cNvPr id="16" name="Рисунок 15">
-            <a:extLst>
-              <a:ext uri="{FF2B5EF4-FFF2-40B4-BE49-F238E27FC236}">
-                <a16:creationId xmlns:a16="http://schemas.microsoft.com/office/drawing/2014/main" id="{14F4A66B-7F6B-E7D4-4DFE-DFE78FB20B4B}"/>
-              </a:ext>
-            </a:extLst>
-          </p:cNvPr>
-          <p:cNvPicPr>
-            <a:picLocks noChangeAspect="1"/>
-          </p:cNvPicPr>
-          <p:nvPr/>
-        </p:nvPicPr>
-        <p:blipFill>
-          <a:blip r:embed="rId4"/>
-          <a:stretch>
-            <a:fillRect/>
-          </a:stretch>
-        </p:blipFill>
-        <p:spPr>
-          <a:xfrm>
-            <a:off x="7546064" y="4741721"/>
-            <a:ext cx="3240970" cy="1759684"/>
-          </a:xfrm>
-          <a:prstGeom prst="rect">
-            <a:avLst/>
-          </a:prstGeom>
-        </p:spPr>
-      </p:pic>
-      <p:sp>
-        <p:nvSpPr>
-          <p:cNvPr id="18" name="TextBox 17">
-            <a:extLst>
-              <a:ext uri="{FF2B5EF4-FFF2-40B4-BE49-F238E27FC236}">
-                <a16:creationId xmlns:a16="http://schemas.microsoft.com/office/drawing/2014/main" id="{13F10780-CB9F-E245-DE43-F42934A217DF}"/>
-              </a:ext>
-            </a:extLst>
-          </p:cNvPr>
-          <p:cNvSpPr txBox="1"/>
-          <p:nvPr/>
-        </p:nvSpPr>
-        <p:spPr>
-          <a:xfrm>
-            <a:off x="304800" y="1178002"/>
-            <a:ext cx="6691888" cy="523220"/>
-          </a:xfrm>
-          <a:prstGeom prst="rect">
-            <a:avLst/>
-          </a:prstGeom>
-          <a:noFill/>
-        </p:spPr>
-        <p:txBody>
-          <a:bodyPr wrap="square">
-            <a:spAutoFit/>
-          </a:bodyPr>
-          <a:lstStyle/>
-          <a:p>
-            <a:r>
-              <a:rPr lang="en-US" sz="2800" dirty="0">
-                <a:latin typeface="Arial" panose="020B0604020202020204" pitchFamily="34" charset="0"/>
-                <a:cs typeface="Arial" panose="020B0604020202020204" pitchFamily="34" charset="0"/>
-              </a:rPr>
-              <a:t>Subway Simulator</a:t>
-            </a:r>
-            <a:endParaRPr lang="ru-RU" sz="2800" dirty="0">
-              <a:latin typeface="Arial" panose="020B0604020202020204" pitchFamily="34" charset="0"/>
-              <a:cs typeface="Arial" panose="020B0604020202020204" pitchFamily="34" charset="0"/>
-            </a:endParaRPr>
-          </a:p>
-        </p:txBody>
-      </p:sp>
-      <p:sp>
-        <p:nvSpPr>
-          <p:cNvPr id="19" name="TextBox 18">
-            <a:extLst>
-              <a:ext uri="{FF2B5EF4-FFF2-40B4-BE49-F238E27FC236}">
-                <a16:creationId xmlns:a16="http://schemas.microsoft.com/office/drawing/2014/main" id="{8807A9B1-7C56-9514-110B-57F2301EDF14}"/>
-              </a:ext>
-            </a:extLst>
-          </p:cNvPr>
-          <p:cNvSpPr txBox="1"/>
-          <p:nvPr/>
-        </p:nvSpPr>
-        <p:spPr>
-          <a:xfrm>
-            <a:off x="260856" y="1651587"/>
-            <a:ext cx="6691888" cy="523220"/>
-          </a:xfrm>
-          <a:prstGeom prst="rect">
-            <a:avLst/>
-          </a:prstGeom>
-          <a:noFill/>
-        </p:spPr>
-        <p:txBody>
-          <a:bodyPr wrap="square">
-            <a:spAutoFit/>
-          </a:bodyPr>
-          <a:lstStyle/>
-          <a:p>
-            <a:r>
-              <a:rPr lang="ru-RU" sz="2800" dirty="0">
-                <a:latin typeface="Arial" panose="020B0604020202020204" pitchFamily="34" charset="0"/>
-                <a:cs typeface="Arial" panose="020B0604020202020204" pitchFamily="34" charset="0"/>
-              </a:rPr>
-              <a:t>Учебный тренажёр для машиниста</a:t>
-            </a:r>
-          </a:p>
-        </p:txBody>
-      </p:sp>
-      <p:sp>
-        <p:nvSpPr>
-          <p:cNvPr id="20" name="TextBox 19">
-            <a:extLst>
-              <a:ext uri="{FF2B5EF4-FFF2-40B4-BE49-F238E27FC236}">
-                <a16:creationId xmlns:a16="http://schemas.microsoft.com/office/drawing/2014/main" id="{69449198-BBA2-AE64-66D6-31DB6EEE4F20}"/>
-              </a:ext>
-            </a:extLst>
-          </p:cNvPr>
-          <p:cNvSpPr txBox="1"/>
-          <p:nvPr/>
-        </p:nvSpPr>
-        <p:spPr>
-          <a:xfrm>
-            <a:off x="260856" y="2125172"/>
-            <a:ext cx="6604000" cy="523220"/>
-          </a:xfrm>
-          <a:prstGeom prst="rect">
-            <a:avLst/>
-          </a:prstGeom>
-          <a:noFill/>
-        </p:spPr>
-        <p:txBody>
-          <a:bodyPr wrap="square">
-            <a:spAutoFit/>
-          </a:bodyPr>
-          <a:lstStyle/>
-          <a:p>
-            <a:r>
-              <a:rPr lang="en-US" sz="2800" dirty="0" err="1">
-                <a:latin typeface="Arial" panose="020B0604020202020204" pitchFamily="34" charset="0"/>
-                <a:cs typeface="Arial" panose="020B0604020202020204" pitchFamily="34" charset="0"/>
-              </a:rPr>
-              <a:t>Hmmsim</a:t>
-            </a:r>
-            <a:r>
-              <a:rPr lang="en-US" sz="2800" dirty="0">
-                <a:latin typeface="Arial" panose="020B0604020202020204" pitchFamily="34" charset="0"/>
-                <a:cs typeface="Arial" panose="020B0604020202020204" pitchFamily="34" charset="0"/>
-              </a:rPr>
-              <a:t> Metro</a:t>
-            </a:r>
-            <a:endParaRPr lang="ru-RU" sz="2800" dirty="0">
-              <a:latin typeface="Arial" panose="020B0604020202020204" pitchFamily="34" charset="0"/>
-              <a:cs typeface="Arial" panose="020B0604020202020204" pitchFamily="34" charset="0"/>
-            </a:endParaRPr>
-          </a:p>
-        </p:txBody>
-      </p:sp>
+              <a:t>4</a:t>
+            </a:r>
+          </a:p>
+        </p:txBody>
+      </p:sp>
+      <p:graphicFrame>
+        <p:nvGraphicFramePr>
+          <p:cNvPr id="2" name="Таблица 5">
+            <a:extLst>
+              <a:ext uri="{FF2B5EF4-FFF2-40B4-BE49-F238E27FC236}">
+                <a16:creationId xmlns:a16="http://schemas.microsoft.com/office/drawing/2014/main" id="{294FE0E8-745D-CD6A-7AAF-BE5CDDE4D040}"/>
+              </a:ext>
+            </a:extLst>
+          </p:cNvPr>
+          <p:cNvGraphicFramePr>
+            <a:graphicFrameLocks noGrp="1"/>
+          </p:cNvGraphicFramePr>
+          <p:nvPr>
+            <p:extLst>
+              <p:ext uri="{D42A27DB-BD31-4B8C-83A1-F6EECF244321}">
+                <p14:modId xmlns:p14="http://schemas.microsoft.com/office/powerpoint/2010/main" val="3377131903"/>
+              </p:ext>
+            </p:extLst>
+          </p:nvPr>
+        </p:nvGraphicFramePr>
+        <p:xfrm>
+          <a:off x="1220755" y="1171368"/>
+          <a:ext cx="9602756" cy="5105426"/>
+        </p:xfrm>
+        <a:graphic>
+          <a:graphicData uri="http://schemas.openxmlformats.org/drawingml/2006/table">
+            <a:tbl>
+              <a:tblPr firstRow="1" bandRow="1">
+                <a:tableStyleId>{37CE84F3-28C3-443E-9E96-99CF82512B78}</a:tableStyleId>
+              </a:tblPr>
+              <a:tblGrid>
+                <a:gridCol w="1844582">
+                  <a:extLst>
+                    <a:ext uri="{9D8B030D-6E8A-4147-A177-3AD203B41FA5}">
+                      <a16:colId xmlns:a16="http://schemas.microsoft.com/office/drawing/2014/main" val="3280204703"/>
+                    </a:ext>
+                  </a:extLst>
+                </a:gridCol>
+                <a:gridCol w="1783606">
+                  <a:extLst>
+                    <a:ext uri="{9D8B030D-6E8A-4147-A177-3AD203B41FA5}">
+                      <a16:colId xmlns:a16="http://schemas.microsoft.com/office/drawing/2014/main" val="49853346"/>
+                    </a:ext>
+                  </a:extLst>
+                </a:gridCol>
+                <a:gridCol w="2705896">
+                  <a:extLst>
+                    <a:ext uri="{9D8B030D-6E8A-4147-A177-3AD203B41FA5}">
+                      <a16:colId xmlns:a16="http://schemas.microsoft.com/office/drawing/2014/main" val="2298664248"/>
+                    </a:ext>
+                  </a:extLst>
+                </a:gridCol>
+                <a:gridCol w="3268672">
+                  <a:extLst>
+                    <a:ext uri="{9D8B030D-6E8A-4147-A177-3AD203B41FA5}">
+                      <a16:colId xmlns:a16="http://schemas.microsoft.com/office/drawing/2014/main" val="4039840141"/>
+                    </a:ext>
+                  </a:extLst>
+                </a:gridCol>
+              </a:tblGrid>
+              <a:tr h="784022">
+                <a:tc>
+                  <a:txBody>
+                    <a:bodyPr/>
+                    <a:lstStyle/>
+                    <a:p>
+                      <a:endParaRPr lang="ru-RU" dirty="0">
+                        <a:solidFill>
+                          <a:schemeClr val="tx1"/>
+                        </a:solidFill>
+                      </a:endParaRPr>
+                    </a:p>
+                  </a:txBody>
+                  <a:tcPr>
+                    <a:lnL w="12700" cap="flat" cmpd="sng" algn="ctr">
+                      <a:solidFill>
+                        <a:schemeClr val="tx1"/>
+                      </a:solidFill>
+                      <a:prstDash val="solid"/>
+                      <a:round/>
+                      <a:headEnd type="none" w="med" len="med"/>
+                      <a:tailEnd type="none" w="med" len="med"/>
+                    </a:lnL>
+                    <a:lnR w="12700" cap="flat" cmpd="sng" algn="ctr">
+                      <a:solidFill>
+                        <a:schemeClr val="tx1"/>
+                      </a:solidFill>
+                      <a:prstDash val="solid"/>
+                      <a:round/>
+                      <a:headEnd type="none" w="med" len="med"/>
+                      <a:tailEnd type="none" w="med" len="med"/>
+                    </a:lnR>
+                    <a:lnT w="12700" cap="flat" cmpd="sng" algn="ctr">
+                      <a:solidFill>
+                        <a:schemeClr val="tx1"/>
+                      </a:solidFill>
+                      <a:prstDash val="solid"/>
+                      <a:round/>
+                      <a:headEnd type="none" w="med" len="med"/>
+                      <a:tailEnd type="none" w="med" len="med"/>
+                    </a:lnT>
+                    <a:lnB w="12700" cap="flat" cmpd="sng" algn="ctr">
+                      <a:solidFill>
+                        <a:schemeClr val="tx1"/>
+                      </a:solidFill>
+                      <a:prstDash val="solid"/>
+                      <a:round/>
+                      <a:headEnd type="none" w="med" len="med"/>
+                      <a:tailEnd type="none" w="med" len="med"/>
+                    </a:lnB>
+                    <a:solidFill>
+                      <a:schemeClr val="tx1">
+                        <a:alpha val="24000"/>
+                      </a:schemeClr>
+                    </a:solidFill>
+                  </a:tcPr>
+                </a:tc>
+                <a:tc>
+                  <a:txBody>
+                    <a:bodyPr/>
+                    <a:lstStyle/>
+                    <a:p>
+                      <a:r>
+                        <a:rPr lang="en-US" dirty="0">
+                          <a:solidFill>
+                            <a:schemeClr val="tx1"/>
+                          </a:solidFill>
+                        </a:rPr>
+                        <a:t>Subway Simulator</a:t>
+                      </a:r>
+                      <a:endParaRPr lang="ru-RU" dirty="0">
+                        <a:solidFill>
+                          <a:schemeClr val="tx1"/>
+                        </a:solidFill>
+                      </a:endParaRPr>
+                    </a:p>
+                  </a:txBody>
+                  <a:tcPr>
+                    <a:lnL w="12700" cap="flat" cmpd="sng" algn="ctr">
+                      <a:solidFill>
+                        <a:schemeClr val="tx1"/>
+                      </a:solidFill>
+                      <a:prstDash val="solid"/>
+                      <a:round/>
+                      <a:headEnd type="none" w="med" len="med"/>
+                      <a:tailEnd type="none" w="med" len="med"/>
+                    </a:lnL>
+                    <a:lnR w="12700" cap="flat" cmpd="sng" algn="ctr">
+                      <a:solidFill>
+                        <a:schemeClr val="tx1"/>
+                      </a:solidFill>
+                      <a:prstDash val="solid"/>
+                      <a:round/>
+                      <a:headEnd type="none" w="med" len="med"/>
+                      <a:tailEnd type="none" w="med" len="med"/>
+                    </a:lnR>
+                    <a:lnT w="12700" cap="flat" cmpd="sng" algn="ctr">
+                      <a:solidFill>
+                        <a:schemeClr val="tx1"/>
+                      </a:solidFill>
+                      <a:prstDash val="solid"/>
+                      <a:round/>
+                      <a:headEnd type="none" w="med" len="med"/>
+                      <a:tailEnd type="none" w="med" len="med"/>
+                    </a:lnT>
+                    <a:lnB w="12700" cap="flat" cmpd="sng" algn="ctr">
+                      <a:solidFill>
+                        <a:schemeClr val="tx1"/>
+                      </a:solidFill>
+                      <a:prstDash val="solid"/>
+                      <a:round/>
+                      <a:headEnd type="none" w="med" len="med"/>
+                      <a:tailEnd type="none" w="med" len="med"/>
+                    </a:lnB>
+                    <a:solidFill>
+                      <a:schemeClr val="tx1">
+                        <a:alpha val="24000"/>
+                      </a:schemeClr>
+                    </a:solidFill>
+                  </a:tcPr>
+                </a:tc>
+                <a:tc>
+                  <a:txBody>
+                    <a:bodyPr/>
+                    <a:lstStyle/>
+                    <a:p>
+                      <a:r>
+                        <a:rPr lang="ru-RU" dirty="0">
+                          <a:solidFill>
+                            <a:schemeClr val="tx1"/>
+                          </a:solidFill>
+                        </a:rPr>
+                        <a:t>Тренажер машиниста</a:t>
+                      </a:r>
+                    </a:p>
+                  </a:txBody>
+                  <a:tcPr>
+                    <a:lnL w="12700" cap="flat" cmpd="sng" algn="ctr">
+                      <a:solidFill>
+                        <a:schemeClr val="tx1"/>
+                      </a:solidFill>
+                      <a:prstDash val="solid"/>
+                      <a:round/>
+                      <a:headEnd type="none" w="med" len="med"/>
+                      <a:tailEnd type="none" w="med" len="med"/>
+                    </a:lnL>
+                    <a:lnR w="12700" cap="flat" cmpd="sng" algn="ctr">
+                      <a:solidFill>
+                        <a:schemeClr val="tx1"/>
+                      </a:solidFill>
+                      <a:prstDash val="solid"/>
+                      <a:round/>
+                      <a:headEnd type="none" w="med" len="med"/>
+                      <a:tailEnd type="none" w="med" len="med"/>
+                    </a:lnR>
+                    <a:lnT w="12700" cap="flat" cmpd="sng" algn="ctr">
+                      <a:solidFill>
+                        <a:schemeClr val="tx1"/>
+                      </a:solidFill>
+                      <a:prstDash val="solid"/>
+                      <a:round/>
+                      <a:headEnd type="none" w="med" len="med"/>
+                      <a:tailEnd type="none" w="med" len="med"/>
+                    </a:lnT>
+                    <a:lnB w="12700" cap="flat" cmpd="sng" algn="ctr">
+                      <a:solidFill>
+                        <a:schemeClr val="tx1"/>
+                      </a:solidFill>
+                      <a:prstDash val="solid"/>
+                      <a:round/>
+                      <a:headEnd type="none" w="med" len="med"/>
+                      <a:tailEnd type="none" w="med" len="med"/>
+                    </a:lnB>
+                    <a:solidFill>
+                      <a:schemeClr val="tx1">
+                        <a:alpha val="24000"/>
+                      </a:schemeClr>
+                    </a:solidFill>
+                  </a:tcPr>
+                </a:tc>
+                <a:tc>
+                  <a:txBody>
+                    <a:bodyPr/>
+                    <a:lstStyle/>
+                    <a:p>
+                      <a:pPr marL="0" marR="0" lvl="0" indent="0" algn="l" defTabSz="914400" rtl="0" eaLnBrk="1" fontAlgn="auto" latinLnBrk="0" hangingPunct="1">
+                        <a:lnSpc>
+                          <a:spcPct val="100000"/>
+                        </a:lnSpc>
+                        <a:spcBef>
+                          <a:spcPts val="0"/>
+                        </a:spcBef>
+                        <a:spcAft>
+                          <a:spcPts val="0"/>
+                        </a:spcAft>
+                        <a:buClrTx/>
+                        <a:buSzTx/>
+                        <a:buFontTx/>
+                        <a:buNone/>
+                        <a:tabLst/>
+                        <a:defRPr/>
+                      </a:pPr>
+                      <a:r>
+                        <a:rPr lang="en-US" dirty="0" err="1">
+                          <a:solidFill>
+                            <a:schemeClr val="tx1"/>
+                          </a:solidFill>
+                        </a:rPr>
+                        <a:t>hmmsim</a:t>
+                      </a:r>
+                      <a:r>
+                        <a:rPr lang="en-US" dirty="0">
+                          <a:solidFill>
+                            <a:schemeClr val="tx1"/>
+                          </a:solidFill>
+                        </a:rPr>
+                        <a:t> metro</a:t>
+                      </a:r>
+                      <a:endParaRPr lang="ru-RU" dirty="0">
+                        <a:solidFill>
+                          <a:schemeClr val="tx1"/>
+                        </a:solidFill>
+                      </a:endParaRPr>
+                    </a:p>
+                    <a:p>
+                      <a:endParaRPr lang="ru-RU" dirty="0">
+                        <a:solidFill>
+                          <a:schemeClr val="tx1"/>
+                        </a:solidFill>
+                      </a:endParaRPr>
+                    </a:p>
+                  </a:txBody>
+                  <a:tcPr>
+                    <a:lnL w="12700" cap="flat" cmpd="sng" algn="ctr">
+                      <a:solidFill>
+                        <a:schemeClr val="tx1"/>
+                      </a:solidFill>
+                      <a:prstDash val="solid"/>
+                      <a:round/>
+                      <a:headEnd type="none" w="med" len="med"/>
+                      <a:tailEnd type="none" w="med" len="med"/>
+                    </a:lnL>
+                    <a:lnR w="12700" cap="flat" cmpd="sng" algn="ctr">
+                      <a:solidFill>
+                        <a:schemeClr val="tx1"/>
+                      </a:solidFill>
+                      <a:prstDash val="solid"/>
+                      <a:round/>
+                      <a:headEnd type="none" w="med" len="med"/>
+                      <a:tailEnd type="none" w="med" len="med"/>
+                    </a:lnR>
+                    <a:lnT w="12700" cap="flat" cmpd="sng" algn="ctr">
+                      <a:solidFill>
+                        <a:schemeClr val="tx1"/>
+                      </a:solidFill>
+                      <a:prstDash val="solid"/>
+                      <a:round/>
+                      <a:headEnd type="none" w="med" len="med"/>
+                      <a:tailEnd type="none" w="med" len="med"/>
+                    </a:lnT>
+                    <a:lnB w="12700" cap="flat" cmpd="sng" algn="ctr">
+                      <a:solidFill>
+                        <a:schemeClr val="tx1"/>
+                      </a:solidFill>
+                      <a:prstDash val="solid"/>
+                      <a:round/>
+                      <a:headEnd type="none" w="med" len="med"/>
+                      <a:tailEnd type="none" w="med" len="med"/>
+                    </a:lnB>
+                    <a:solidFill>
+                      <a:schemeClr val="tx1">
+                        <a:alpha val="24000"/>
+                      </a:schemeClr>
+                    </a:solidFill>
+                  </a:tcPr>
+                </a:tc>
+                <a:extLst>
+                  <a:ext uri="{0D108BD9-81ED-4DB2-BD59-A6C34878D82A}">
+                    <a16:rowId xmlns:a16="http://schemas.microsoft.com/office/drawing/2014/main" val="2350221595"/>
+                  </a:ext>
+                </a:extLst>
+              </a:tr>
+              <a:tr h="670787">
+                <a:tc>
+                  <a:txBody>
+                    <a:bodyPr/>
+                    <a:lstStyle/>
+                    <a:p>
+                      <a:r>
+                        <a:rPr lang="ru-RU" dirty="0">
+                          <a:solidFill>
+                            <a:schemeClr val="tx1"/>
+                          </a:solidFill>
+                        </a:rPr>
+                        <a:t>Возможность обучения</a:t>
+                      </a:r>
+                    </a:p>
+                  </a:txBody>
+                  <a:tcPr>
+                    <a:lnL w="12700" cap="flat" cmpd="sng" algn="ctr">
+                      <a:solidFill>
+                        <a:schemeClr val="tx1"/>
+                      </a:solidFill>
+                      <a:prstDash val="solid"/>
+                      <a:round/>
+                      <a:headEnd type="none" w="med" len="med"/>
+                      <a:tailEnd type="none" w="med" len="med"/>
+                    </a:lnL>
+                    <a:lnR w="12700" cap="flat" cmpd="sng" algn="ctr">
+                      <a:solidFill>
+                        <a:schemeClr val="tx1"/>
+                      </a:solidFill>
+                      <a:prstDash val="solid"/>
+                      <a:round/>
+                      <a:headEnd type="none" w="med" len="med"/>
+                      <a:tailEnd type="none" w="med" len="med"/>
+                    </a:lnR>
+                    <a:lnT w="12700" cap="flat" cmpd="sng" algn="ctr">
+                      <a:solidFill>
+                        <a:schemeClr val="tx1"/>
+                      </a:solidFill>
+                      <a:prstDash val="solid"/>
+                      <a:round/>
+                      <a:headEnd type="none" w="med" len="med"/>
+                      <a:tailEnd type="none" w="med" len="med"/>
+                    </a:lnT>
+                    <a:lnB w="12700" cap="flat" cmpd="sng" algn="ctr">
+                      <a:solidFill>
+                        <a:schemeClr val="tx1"/>
+                      </a:solidFill>
+                      <a:prstDash val="solid"/>
+                      <a:round/>
+                      <a:headEnd type="none" w="med" len="med"/>
+                      <a:tailEnd type="none" w="med" len="med"/>
+                    </a:lnB>
+                    <a:solidFill>
+                      <a:schemeClr val="tx1">
+                        <a:alpha val="24000"/>
+                      </a:schemeClr>
+                    </a:solidFill>
+                  </a:tcPr>
+                </a:tc>
+                <a:tc>
+                  <a:txBody>
+                    <a:bodyPr/>
+                    <a:lstStyle/>
+                    <a:p>
+                      <a:pPr algn="ctr"/>
+                      <a:r>
+                        <a:rPr lang="ru-RU" sz="4000" dirty="0">
+                          <a:solidFill>
+                            <a:schemeClr val="tx1"/>
+                          </a:solidFill>
+                        </a:rPr>
+                        <a:t>-</a:t>
+                      </a:r>
+                    </a:p>
+                  </a:txBody>
+                  <a:tcPr anchor="ctr">
+                    <a:lnL w="12700" cap="flat" cmpd="sng" algn="ctr">
+                      <a:solidFill>
+                        <a:schemeClr val="tx1"/>
+                      </a:solidFill>
+                      <a:prstDash val="solid"/>
+                      <a:round/>
+                      <a:headEnd type="none" w="med" len="med"/>
+                      <a:tailEnd type="none" w="med" len="med"/>
+                    </a:lnL>
+                    <a:lnR w="12700" cap="flat" cmpd="sng" algn="ctr">
+                      <a:solidFill>
+                        <a:schemeClr val="tx1"/>
+                      </a:solidFill>
+                      <a:prstDash val="solid"/>
+                      <a:round/>
+                      <a:headEnd type="none" w="med" len="med"/>
+                      <a:tailEnd type="none" w="med" len="med"/>
+                    </a:lnR>
+                    <a:lnT w="12700" cap="flat" cmpd="sng" algn="ctr">
+                      <a:solidFill>
+                        <a:schemeClr val="tx1"/>
+                      </a:solidFill>
+                      <a:prstDash val="solid"/>
+                      <a:round/>
+                      <a:headEnd type="none" w="med" len="med"/>
+                      <a:tailEnd type="none" w="med" len="med"/>
+                    </a:lnT>
+                    <a:lnB w="12700" cap="flat" cmpd="sng" algn="ctr">
+                      <a:solidFill>
+                        <a:schemeClr val="tx1"/>
+                      </a:solidFill>
+                      <a:prstDash val="solid"/>
+                      <a:round/>
+                      <a:headEnd type="none" w="med" len="med"/>
+                      <a:tailEnd type="none" w="med" len="med"/>
+                    </a:lnB>
+                    <a:solidFill>
+                      <a:schemeClr val="tx1">
+                        <a:alpha val="24000"/>
+                      </a:schemeClr>
+                    </a:solidFill>
+                  </a:tcPr>
+                </a:tc>
+                <a:tc>
+                  <a:txBody>
+                    <a:bodyPr/>
+                    <a:lstStyle/>
+                    <a:p>
+                      <a:pPr algn="ctr"/>
+                      <a:r>
+                        <a:rPr lang="ru-RU" sz="4000" dirty="0">
+                          <a:solidFill>
+                            <a:schemeClr val="tx1"/>
+                          </a:solidFill>
+                        </a:rPr>
+                        <a:t>+</a:t>
+                      </a:r>
+                    </a:p>
+                  </a:txBody>
+                  <a:tcPr anchor="ctr">
+                    <a:lnL w="12700" cap="flat" cmpd="sng" algn="ctr">
+                      <a:solidFill>
+                        <a:schemeClr val="tx1"/>
+                      </a:solidFill>
+                      <a:prstDash val="solid"/>
+                      <a:round/>
+                      <a:headEnd type="none" w="med" len="med"/>
+                      <a:tailEnd type="none" w="med" len="med"/>
+                    </a:lnL>
+                    <a:lnR w="12700" cap="flat" cmpd="sng" algn="ctr">
+                      <a:solidFill>
+                        <a:schemeClr val="tx1"/>
+                      </a:solidFill>
+                      <a:prstDash val="solid"/>
+                      <a:round/>
+                      <a:headEnd type="none" w="med" len="med"/>
+                      <a:tailEnd type="none" w="med" len="med"/>
+                    </a:lnR>
+                    <a:lnT w="12700" cap="flat" cmpd="sng" algn="ctr">
+                      <a:solidFill>
+                        <a:schemeClr val="tx1"/>
+                      </a:solidFill>
+                      <a:prstDash val="solid"/>
+                      <a:round/>
+                      <a:headEnd type="none" w="med" len="med"/>
+                      <a:tailEnd type="none" w="med" len="med"/>
+                    </a:lnT>
+                    <a:lnB w="12700" cap="flat" cmpd="sng" algn="ctr">
+                      <a:solidFill>
+                        <a:schemeClr val="tx1"/>
+                      </a:solidFill>
+                      <a:prstDash val="solid"/>
+                      <a:round/>
+                      <a:headEnd type="none" w="med" len="med"/>
+                      <a:tailEnd type="none" w="med" len="med"/>
+                    </a:lnB>
+                    <a:solidFill>
+                      <a:schemeClr val="tx1">
+                        <a:alpha val="24000"/>
+                      </a:schemeClr>
+                    </a:solidFill>
+                  </a:tcPr>
+                </a:tc>
+                <a:tc>
+                  <a:txBody>
+                    <a:bodyPr/>
+                    <a:lstStyle/>
+                    <a:p>
+                      <a:pPr algn="ctr"/>
+                      <a:r>
+                        <a:rPr lang="ru-RU" sz="4000" dirty="0">
+                          <a:solidFill>
+                            <a:schemeClr val="tx1"/>
+                          </a:solidFill>
+                        </a:rPr>
+                        <a:t>-</a:t>
+                      </a:r>
+                    </a:p>
+                  </a:txBody>
+                  <a:tcPr anchor="ctr">
+                    <a:lnL w="12700" cap="flat" cmpd="sng" algn="ctr">
+                      <a:solidFill>
+                        <a:schemeClr val="tx1"/>
+                      </a:solidFill>
+                      <a:prstDash val="solid"/>
+                      <a:round/>
+                      <a:headEnd type="none" w="med" len="med"/>
+                      <a:tailEnd type="none" w="med" len="med"/>
+                    </a:lnL>
+                    <a:lnR w="12700" cap="flat" cmpd="sng" algn="ctr">
+                      <a:solidFill>
+                        <a:schemeClr val="tx1"/>
+                      </a:solidFill>
+                      <a:prstDash val="solid"/>
+                      <a:round/>
+                      <a:headEnd type="none" w="med" len="med"/>
+                      <a:tailEnd type="none" w="med" len="med"/>
+                    </a:lnR>
+                    <a:lnT w="12700" cap="flat" cmpd="sng" algn="ctr">
+                      <a:solidFill>
+                        <a:schemeClr val="tx1"/>
+                      </a:solidFill>
+                      <a:prstDash val="solid"/>
+                      <a:round/>
+                      <a:headEnd type="none" w="med" len="med"/>
+                      <a:tailEnd type="none" w="med" len="med"/>
+                    </a:lnT>
+                    <a:lnB w="12700" cap="flat" cmpd="sng" algn="ctr">
+                      <a:solidFill>
+                        <a:schemeClr val="tx1"/>
+                      </a:solidFill>
+                      <a:prstDash val="solid"/>
+                      <a:round/>
+                      <a:headEnd type="none" w="med" len="med"/>
+                      <a:tailEnd type="none" w="med" len="med"/>
+                    </a:lnB>
+                    <a:solidFill>
+                      <a:schemeClr val="tx1">
+                        <a:alpha val="24000"/>
+                      </a:schemeClr>
+                    </a:solidFill>
+                  </a:tcPr>
+                </a:tc>
+                <a:extLst>
+                  <a:ext uri="{0D108BD9-81ED-4DB2-BD59-A6C34878D82A}">
+                    <a16:rowId xmlns:a16="http://schemas.microsoft.com/office/drawing/2014/main" val="2750310592"/>
+                  </a:ext>
+                </a:extLst>
+              </a:tr>
+              <a:tr h="1399903">
+                <a:tc>
+                  <a:txBody>
+                    <a:bodyPr/>
+                    <a:lstStyle/>
+                    <a:p>
+                      <a:r>
+                        <a:rPr lang="ru-RU" dirty="0">
+                          <a:solidFill>
+                            <a:schemeClr val="tx1"/>
+                          </a:solidFill>
+                        </a:rPr>
+                        <a:t>Достаточный уровень реализации кабины машиниста</a:t>
+                      </a:r>
+                    </a:p>
+                  </a:txBody>
+                  <a:tcPr>
+                    <a:lnL w="12700" cap="flat" cmpd="sng" algn="ctr">
+                      <a:solidFill>
+                        <a:schemeClr val="tx1"/>
+                      </a:solidFill>
+                      <a:prstDash val="solid"/>
+                      <a:round/>
+                      <a:headEnd type="none" w="med" len="med"/>
+                      <a:tailEnd type="none" w="med" len="med"/>
+                    </a:lnL>
+                    <a:lnR w="12700" cap="flat" cmpd="sng" algn="ctr">
+                      <a:solidFill>
+                        <a:schemeClr val="tx1"/>
+                      </a:solidFill>
+                      <a:prstDash val="solid"/>
+                      <a:round/>
+                      <a:headEnd type="none" w="med" len="med"/>
+                      <a:tailEnd type="none" w="med" len="med"/>
+                    </a:lnR>
+                    <a:lnT w="12700" cap="flat" cmpd="sng" algn="ctr">
+                      <a:solidFill>
+                        <a:schemeClr val="tx1"/>
+                      </a:solidFill>
+                      <a:prstDash val="solid"/>
+                      <a:round/>
+                      <a:headEnd type="none" w="med" len="med"/>
+                      <a:tailEnd type="none" w="med" len="med"/>
+                    </a:lnT>
+                    <a:lnB w="12700" cap="flat" cmpd="sng" algn="ctr">
+                      <a:solidFill>
+                        <a:schemeClr val="tx1"/>
+                      </a:solidFill>
+                      <a:prstDash val="solid"/>
+                      <a:round/>
+                      <a:headEnd type="none" w="med" len="med"/>
+                      <a:tailEnd type="none" w="med" len="med"/>
+                    </a:lnB>
+                    <a:solidFill>
+                      <a:schemeClr val="tx1">
+                        <a:alpha val="24000"/>
+                      </a:schemeClr>
+                    </a:solidFill>
+                  </a:tcPr>
+                </a:tc>
+                <a:tc>
+                  <a:txBody>
+                    <a:bodyPr/>
+                    <a:lstStyle/>
+                    <a:p>
+                      <a:pPr algn="ctr"/>
+                      <a:r>
+                        <a:rPr lang="ru-RU" sz="4000" dirty="0">
+                          <a:solidFill>
+                            <a:schemeClr val="tx1"/>
+                          </a:solidFill>
+                        </a:rPr>
+                        <a:t>-</a:t>
+                      </a:r>
+                    </a:p>
+                  </a:txBody>
+                  <a:tcPr anchor="ctr">
+                    <a:lnL w="12700" cap="flat" cmpd="sng" algn="ctr">
+                      <a:solidFill>
+                        <a:schemeClr val="tx1"/>
+                      </a:solidFill>
+                      <a:prstDash val="solid"/>
+                      <a:round/>
+                      <a:headEnd type="none" w="med" len="med"/>
+                      <a:tailEnd type="none" w="med" len="med"/>
+                    </a:lnL>
+                    <a:lnR w="12700" cap="flat" cmpd="sng" algn="ctr">
+                      <a:solidFill>
+                        <a:schemeClr val="tx1"/>
+                      </a:solidFill>
+                      <a:prstDash val="solid"/>
+                      <a:round/>
+                      <a:headEnd type="none" w="med" len="med"/>
+                      <a:tailEnd type="none" w="med" len="med"/>
+                    </a:lnR>
+                    <a:lnT w="12700" cap="flat" cmpd="sng" algn="ctr">
+                      <a:solidFill>
+                        <a:schemeClr val="tx1"/>
+                      </a:solidFill>
+                      <a:prstDash val="solid"/>
+                      <a:round/>
+                      <a:headEnd type="none" w="med" len="med"/>
+                      <a:tailEnd type="none" w="med" len="med"/>
+                    </a:lnT>
+                    <a:lnB w="12700" cap="flat" cmpd="sng" algn="ctr">
+                      <a:solidFill>
+                        <a:schemeClr val="tx1"/>
+                      </a:solidFill>
+                      <a:prstDash val="solid"/>
+                      <a:round/>
+                      <a:headEnd type="none" w="med" len="med"/>
+                      <a:tailEnd type="none" w="med" len="med"/>
+                    </a:lnB>
+                    <a:solidFill>
+                      <a:schemeClr val="tx1">
+                        <a:alpha val="24000"/>
+                      </a:schemeClr>
+                    </a:solidFill>
+                  </a:tcPr>
+                </a:tc>
+                <a:tc>
+                  <a:txBody>
+                    <a:bodyPr/>
+                    <a:lstStyle/>
+                    <a:p>
+                      <a:pPr algn="ctr"/>
+                      <a:r>
+                        <a:rPr lang="ru-RU" sz="4000" dirty="0">
+                          <a:solidFill>
+                            <a:schemeClr val="tx1"/>
+                          </a:solidFill>
+                        </a:rPr>
+                        <a:t>+</a:t>
+                      </a:r>
+                    </a:p>
+                  </a:txBody>
+                  <a:tcPr anchor="ctr">
+                    <a:lnL w="12700" cap="flat" cmpd="sng" algn="ctr">
+                      <a:solidFill>
+                        <a:schemeClr val="tx1"/>
+                      </a:solidFill>
+                      <a:prstDash val="solid"/>
+                      <a:round/>
+                      <a:headEnd type="none" w="med" len="med"/>
+                      <a:tailEnd type="none" w="med" len="med"/>
+                    </a:lnL>
+                    <a:lnR w="12700" cap="flat" cmpd="sng" algn="ctr">
+                      <a:solidFill>
+                        <a:schemeClr val="tx1"/>
+                      </a:solidFill>
+                      <a:prstDash val="solid"/>
+                      <a:round/>
+                      <a:headEnd type="none" w="med" len="med"/>
+                      <a:tailEnd type="none" w="med" len="med"/>
+                    </a:lnR>
+                    <a:lnT w="12700" cap="flat" cmpd="sng" algn="ctr">
+                      <a:solidFill>
+                        <a:schemeClr val="tx1"/>
+                      </a:solidFill>
+                      <a:prstDash val="solid"/>
+                      <a:round/>
+                      <a:headEnd type="none" w="med" len="med"/>
+                      <a:tailEnd type="none" w="med" len="med"/>
+                    </a:lnT>
+                    <a:lnB w="12700" cap="flat" cmpd="sng" algn="ctr">
+                      <a:solidFill>
+                        <a:schemeClr val="tx1"/>
+                      </a:solidFill>
+                      <a:prstDash val="solid"/>
+                      <a:round/>
+                      <a:headEnd type="none" w="med" len="med"/>
+                      <a:tailEnd type="none" w="med" len="med"/>
+                    </a:lnB>
+                    <a:solidFill>
+                      <a:schemeClr val="tx1">
+                        <a:alpha val="24000"/>
+                      </a:schemeClr>
+                    </a:solidFill>
+                  </a:tcPr>
+                </a:tc>
+                <a:tc>
+                  <a:txBody>
+                    <a:bodyPr/>
+                    <a:lstStyle/>
+                    <a:p>
+                      <a:pPr algn="ctr"/>
+                      <a:r>
+                        <a:rPr lang="ru-RU" sz="4000" dirty="0">
+                          <a:solidFill>
+                            <a:schemeClr val="tx1"/>
+                          </a:solidFill>
+                        </a:rPr>
+                        <a:t>+</a:t>
+                      </a:r>
+                    </a:p>
+                  </a:txBody>
+                  <a:tcPr anchor="ctr">
+                    <a:lnL w="12700" cap="flat" cmpd="sng" algn="ctr">
+                      <a:solidFill>
+                        <a:schemeClr val="tx1"/>
+                      </a:solidFill>
+                      <a:prstDash val="solid"/>
+                      <a:round/>
+                      <a:headEnd type="none" w="med" len="med"/>
+                      <a:tailEnd type="none" w="med" len="med"/>
+                    </a:lnL>
+                    <a:lnR w="12700" cap="flat" cmpd="sng" algn="ctr">
+                      <a:solidFill>
+                        <a:schemeClr val="tx1"/>
+                      </a:solidFill>
+                      <a:prstDash val="solid"/>
+                      <a:round/>
+                      <a:headEnd type="none" w="med" len="med"/>
+                      <a:tailEnd type="none" w="med" len="med"/>
+                    </a:lnR>
+                    <a:lnT w="12700" cap="flat" cmpd="sng" algn="ctr">
+                      <a:solidFill>
+                        <a:schemeClr val="tx1"/>
+                      </a:solidFill>
+                      <a:prstDash val="solid"/>
+                      <a:round/>
+                      <a:headEnd type="none" w="med" len="med"/>
+                      <a:tailEnd type="none" w="med" len="med"/>
+                    </a:lnT>
+                    <a:lnB w="12700" cap="flat" cmpd="sng" algn="ctr">
+                      <a:solidFill>
+                        <a:schemeClr val="tx1"/>
+                      </a:solidFill>
+                      <a:prstDash val="solid"/>
+                      <a:round/>
+                      <a:headEnd type="none" w="med" len="med"/>
+                      <a:tailEnd type="none" w="med" len="med"/>
+                    </a:lnB>
+                    <a:solidFill>
+                      <a:schemeClr val="tx1">
+                        <a:alpha val="24000"/>
+                      </a:schemeClr>
+                    </a:solidFill>
+                  </a:tcPr>
+                </a:tc>
+                <a:extLst>
+                  <a:ext uri="{0D108BD9-81ED-4DB2-BD59-A6C34878D82A}">
+                    <a16:rowId xmlns:a16="http://schemas.microsoft.com/office/drawing/2014/main" val="1254080432"/>
+                  </a:ext>
+                </a:extLst>
+              </a:tr>
+              <a:tr h="1078662">
+                <a:tc>
+                  <a:txBody>
+                    <a:bodyPr/>
+                    <a:lstStyle/>
+                    <a:p>
+                      <a:r>
+                        <a:rPr lang="ru-RU" dirty="0">
+                          <a:solidFill>
+                            <a:schemeClr val="tx1"/>
+                          </a:solidFill>
+                        </a:rPr>
+                        <a:t>Возможность личного использования</a:t>
+                      </a:r>
+                    </a:p>
+                  </a:txBody>
+                  <a:tcPr>
+                    <a:lnL w="12700" cap="flat" cmpd="sng" algn="ctr">
+                      <a:solidFill>
+                        <a:schemeClr val="tx1"/>
+                      </a:solidFill>
+                      <a:prstDash val="solid"/>
+                      <a:round/>
+                      <a:headEnd type="none" w="med" len="med"/>
+                      <a:tailEnd type="none" w="med" len="med"/>
+                    </a:lnL>
+                    <a:lnR w="12700" cap="flat" cmpd="sng" algn="ctr">
+                      <a:solidFill>
+                        <a:schemeClr val="tx1"/>
+                      </a:solidFill>
+                      <a:prstDash val="solid"/>
+                      <a:round/>
+                      <a:headEnd type="none" w="med" len="med"/>
+                      <a:tailEnd type="none" w="med" len="med"/>
+                    </a:lnR>
+                    <a:lnT w="12700" cap="flat" cmpd="sng" algn="ctr">
+                      <a:solidFill>
+                        <a:schemeClr val="tx1"/>
+                      </a:solidFill>
+                      <a:prstDash val="solid"/>
+                      <a:round/>
+                      <a:headEnd type="none" w="med" len="med"/>
+                      <a:tailEnd type="none" w="med" len="med"/>
+                    </a:lnT>
+                    <a:lnB w="12700" cap="flat" cmpd="sng" algn="ctr">
+                      <a:solidFill>
+                        <a:schemeClr val="tx1"/>
+                      </a:solidFill>
+                      <a:prstDash val="solid"/>
+                      <a:round/>
+                      <a:headEnd type="none" w="med" len="med"/>
+                      <a:tailEnd type="none" w="med" len="med"/>
+                    </a:lnB>
+                    <a:solidFill>
+                      <a:schemeClr val="tx1">
+                        <a:alpha val="24000"/>
+                      </a:schemeClr>
+                    </a:solidFill>
+                  </a:tcPr>
+                </a:tc>
+                <a:tc>
+                  <a:txBody>
+                    <a:bodyPr/>
+                    <a:lstStyle/>
+                    <a:p>
+                      <a:pPr algn="ctr"/>
+                      <a:r>
+                        <a:rPr lang="ru-RU" sz="4000" dirty="0">
+                          <a:solidFill>
+                            <a:schemeClr val="tx1"/>
+                          </a:solidFill>
+                        </a:rPr>
+                        <a:t>+</a:t>
+                      </a:r>
+                    </a:p>
+                  </a:txBody>
+                  <a:tcPr anchor="ctr">
+                    <a:lnL w="12700" cap="flat" cmpd="sng" algn="ctr">
+                      <a:solidFill>
+                        <a:schemeClr val="tx1"/>
+                      </a:solidFill>
+                      <a:prstDash val="solid"/>
+                      <a:round/>
+                      <a:headEnd type="none" w="med" len="med"/>
+                      <a:tailEnd type="none" w="med" len="med"/>
+                    </a:lnL>
+                    <a:lnR w="12700" cap="flat" cmpd="sng" algn="ctr">
+                      <a:solidFill>
+                        <a:schemeClr val="tx1"/>
+                      </a:solidFill>
+                      <a:prstDash val="solid"/>
+                      <a:round/>
+                      <a:headEnd type="none" w="med" len="med"/>
+                      <a:tailEnd type="none" w="med" len="med"/>
+                    </a:lnR>
+                    <a:lnT w="12700" cap="flat" cmpd="sng" algn="ctr">
+                      <a:solidFill>
+                        <a:schemeClr val="tx1"/>
+                      </a:solidFill>
+                      <a:prstDash val="solid"/>
+                      <a:round/>
+                      <a:headEnd type="none" w="med" len="med"/>
+                      <a:tailEnd type="none" w="med" len="med"/>
+                    </a:lnT>
+                    <a:lnB w="12700" cap="flat" cmpd="sng" algn="ctr">
+                      <a:solidFill>
+                        <a:schemeClr val="tx1"/>
+                      </a:solidFill>
+                      <a:prstDash val="solid"/>
+                      <a:round/>
+                      <a:headEnd type="none" w="med" len="med"/>
+                      <a:tailEnd type="none" w="med" len="med"/>
+                    </a:lnB>
+                    <a:solidFill>
+                      <a:schemeClr val="tx1">
+                        <a:alpha val="24000"/>
+                      </a:schemeClr>
+                    </a:solidFill>
+                  </a:tcPr>
+                </a:tc>
+                <a:tc>
+                  <a:txBody>
+                    <a:bodyPr/>
+                    <a:lstStyle/>
+                    <a:p>
+                      <a:pPr algn="ctr"/>
+                      <a:r>
+                        <a:rPr lang="ru-RU" sz="4000" dirty="0">
+                          <a:solidFill>
+                            <a:schemeClr val="tx1"/>
+                          </a:solidFill>
+                        </a:rPr>
+                        <a:t>-</a:t>
+                      </a:r>
+                    </a:p>
+                  </a:txBody>
+                  <a:tcPr anchor="ctr">
+                    <a:lnL w="12700" cap="flat" cmpd="sng" algn="ctr">
+                      <a:solidFill>
+                        <a:schemeClr val="tx1"/>
+                      </a:solidFill>
+                      <a:prstDash val="solid"/>
+                      <a:round/>
+                      <a:headEnd type="none" w="med" len="med"/>
+                      <a:tailEnd type="none" w="med" len="med"/>
+                    </a:lnL>
+                    <a:lnR w="12700" cap="flat" cmpd="sng" algn="ctr">
+                      <a:solidFill>
+                        <a:schemeClr val="tx1"/>
+                      </a:solidFill>
+                      <a:prstDash val="solid"/>
+                      <a:round/>
+                      <a:headEnd type="none" w="med" len="med"/>
+                      <a:tailEnd type="none" w="med" len="med"/>
+                    </a:lnR>
+                    <a:lnT w="12700" cap="flat" cmpd="sng" algn="ctr">
+                      <a:solidFill>
+                        <a:schemeClr val="tx1"/>
+                      </a:solidFill>
+                      <a:prstDash val="solid"/>
+                      <a:round/>
+                      <a:headEnd type="none" w="med" len="med"/>
+                      <a:tailEnd type="none" w="med" len="med"/>
+                    </a:lnT>
+                    <a:lnB w="12700" cap="flat" cmpd="sng" algn="ctr">
+                      <a:solidFill>
+                        <a:schemeClr val="tx1"/>
+                      </a:solidFill>
+                      <a:prstDash val="solid"/>
+                      <a:round/>
+                      <a:headEnd type="none" w="med" len="med"/>
+                      <a:tailEnd type="none" w="med" len="med"/>
+                    </a:lnB>
+                    <a:solidFill>
+                      <a:schemeClr val="tx1">
+                        <a:alpha val="24000"/>
+                      </a:schemeClr>
+                    </a:solidFill>
+                  </a:tcPr>
+                </a:tc>
+                <a:tc>
+                  <a:txBody>
+                    <a:bodyPr/>
+                    <a:lstStyle/>
+                    <a:p>
+                      <a:pPr algn="ctr"/>
+                      <a:r>
+                        <a:rPr lang="ru-RU" sz="4000" dirty="0">
+                          <a:solidFill>
+                            <a:schemeClr val="tx1"/>
+                          </a:solidFill>
+                        </a:rPr>
+                        <a:t>+</a:t>
+                      </a:r>
+                    </a:p>
+                  </a:txBody>
+                  <a:tcPr anchor="ctr">
+                    <a:lnL w="12700" cap="flat" cmpd="sng" algn="ctr">
+                      <a:solidFill>
+                        <a:schemeClr val="tx1"/>
+                      </a:solidFill>
+                      <a:prstDash val="solid"/>
+                      <a:round/>
+                      <a:headEnd type="none" w="med" len="med"/>
+                      <a:tailEnd type="none" w="med" len="med"/>
+                    </a:lnL>
+                    <a:lnR w="12700" cap="flat" cmpd="sng" algn="ctr">
+                      <a:solidFill>
+                        <a:schemeClr val="tx1"/>
+                      </a:solidFill>
+                      <a:prstDash val="solid"/>
+                      <a:round/>
+                      <a:headEnd type="none" w="med" len="med"/>
+                      <a:tailEnd type="none" w="med" len="med"/>
+                    </a:lnR>
+                    <a:lnT w="12700" cap="flat" cmpd="sng" algn="ctr">
+                      <a:solidFill>
+                        <a:schemeClr val="tx1"/>
+                      </a:solidFill>
+                      <a:prstDash val="solid"/>
+                      <a:round/>
+                      <a:headEnd type="none" w="med" len="med"/>
+                      <a:tailEnd type="none" w="med" len="med"/>
+                    </a:lnT>
+                    <a:lnB w="12700" cap="flat" cmpd="sng" algn="ctr">
+                      <a:solidFill>
+                        <a:schemeClr val="tx1"/>
+                      </a:solidFill>
+                      <a:prstDash val="solid"/>
+                      <a:round/>
+                      <a:headEnd type="none" w="med" len="med"/>
+                      <a:tailEnd type="none" w="med" len="med"/>
+                    </a:lnB>
+                    <a:solidFill>
+                      <a:schemeClr val="tx1">
+                        <a:alpha val="24000"/>
+                      </a:schemeClr>
+                    </a:solidFill>
+                  </a:tcPr>
+                </a:tc>
+                <a:extLst>
+                  <a:ext uri="{0D108BD9-81ED-4DB2-BD59-A6C34878D82A}">
+                    <a16:rowId xmlns:a16="http://schemas.microsoft.com/office/drawing/2014/main" val="5879148"/>
+                  </a:ext>
+                </a:extLst>
+              </a:tr>
+              <a:tr h="1078662">
+                <a:tc>
+                  <a:txBody>
+                    <a:bodyPr/>
+                    <a:lstStyle/>
+                    <a:p>
+                      <a:r>
+                        <a:rPr lang="ru-RU" dirty="0">
+                          <a:solidFill>
+                            <a:schemeClr val="tx1"/>
+                          </a:solidFill>
+                        </a:rPr>
+                        <a:t>Гибкость в настройках и параметрах</a:t>
+                      </a:r>
+                    </a:p>
+                  </a:txBody>
+                  <a:tcPr>
+                    <a:lnL w="12700" cap="flat" cmpd="sng" algn="ctr">
+                      <a:solidFill>
+                        <a:schemeClr val="tx1"/>
+                      </a:solidFill>
+                      <a:prstDash val="solid"/>
+                      <a:round/>
+                      <a:headEnd type="none" w="med" len="med"/>
+                      <a:tailEnd type="none" w="med" len="med"/>
+                    </a:lnL>
+                    <a:lnR w="12700" cap="flat" cmpd="sng" algn="ctr">
+                      <a:solidFill>
+                        <a:schemeClr val="tx1"/>
+                      </a:solidFill>
+                      <a:prstDash val="solid"/>
+                      <a:round/>
+                      <a:headEnd type="none" w="med" len="med"/>
+                      <a:tailEnd type="none" w="med" len="med"/>
+                    </a:lnR>
+                    <a:lnT w="12700" cap="flat" cmpd="sng" algn="ctr">
+                      <a:solidFill>
+                        <a:schemeClr val="tx1"/>
+                      </a:solidFill>
+                      <a:prstDash val="solid"/>
+                      <a:round/>
+                      <a:headEnd type="none" w="med" len="med"/>
+                      <a:tailEnd type="none" w="med" len="med"/>
+                    </a:lnT>
+                    <a:lnB w="12700" cap="flat" cmpd="sng" algn="ctr">
+                      <a:solidFill>
+                        <a:schemeClr val="tx1"/>
+                      </a:solidFill>
+                      <a:prstDash val="solid"/>
+                      <a:round/>
+                      <a:headEnd type="none" w="med" len="med"/>
+                      <a:tailEnd type="none" w="med" len="med"/>
+                    </a:lnB>
+                    <a:solidFill>
+                      <a:schemeClr val="tx1">
+                        <a:alpha val="24000"/>
+                      </a:schemeClr>
+                    </a:solidFill>
+                  </a:tcPr>
+                </a:tc>
+                <a:tc>
+                  <a:txBody>
+                    <a:bodyPr/>
+                    <a:lstStyle/>
+                    <a:p>
+                      <a:pPr algn="ctr"/>
+                      <a:r>
+                        <a:rPr lang="ru-RU" sz="4000" dirty="0">
+                          <a:solidFill>
+                            <a:schemeClr val="tx1"/>
+                          </a:solidFill>
+                        </a:rPr>
+                        <a:t>-</a:t>
+                      </a:r>
+                    </a:p>
+                  </a:txBody>
+                  <a:tcPr anchor="ctr">
+                    <a:lnL w="12700" cap="flat" cmpd="sng" algn="ctr">
+                      <a:solidFill>
+                        <a:schemeClr val="tx1"/>
+                      </a:solidFill>
+                      <a:prstDash val="solid"/>
+                      <a:round/>
+                      <a:headEnd type="none" w="med" len="med"/>
+                      <a:tailEnd type="none" w="med" len="med"/>
+                    </a:lnL>
+                    <a:lnR w="12700" cap="flat" cmpd="sng" algn="ctr">
+                      <a:solidFill>
+                        <a:schemeClr val="tx1"/>
+                      </a:solidFill>
+                      <a:prstDash val="solid"/>
+                      <a:round/>
+                      <a:headEnd type="none" w="med" len="med"/>
+                      <a:tailEnd type="none" w="med" len="med"/>
+                    </a:lnR>
+                    <a:lnT w="12700" cap="flat" cmpd="sng" algn="ctr">
+                      <a:solidFill>
+                        <a:schemeClr val="tx1"/>
+                      </a:solidFill>
+                      <a:prstDash val="solid"/>
+                      <a:round/>
+                      <a:headEnd type="none" w="med" len="med"/>
+                      <a:tailEnd type="none" w="med" len="med"/>
+                    </a:lnT>
+                    <a:lnB w="12700" cap="flat" cmpd="sng" algn="ctr">
+                      <a:solidFill>
+                        <a:schemeClr val="tx1"/>
+                      </a:solidFill>
+                      <a:prstDash val="solid"/>
+                      <a:round/>
+                      <a:headEnd type="none" w="med" len="med"/>
+                      <a:tailEnd type="none" w="med" len="med"/>
+                    </a:lnB>
+                    <a:solidFill>
+                      <a:schemeClr val="tx1">
+                        <a:alpha val="24000"/>
+                      </a:schemeClr>
+                    </a:solidFill>
+                  </a:tcPr>
+                </a:tc>
+                <a:tc>
+                  <a:txBody>
+                    <a:bodyPr/>
+                    <a:lstStyle/>
+                    <a:p>
+                      <a:pPr algn="ctr"/>
+                      <a:r>
+                        <a:rPr lang="ru-RU" sz="4000" dirty="0">
+                          <a:solidFill>
+                            <a:schemeClr val="tx1"/>
+                          </a:solidFill>
+                        </a:rPr>
+                        <a:t>-</a:t>
+                      </a:r>
+                    </a:p>
+                  </a:txBody>
+                  <a:tcPr anchor="ctr">
+                    <a:lnL w="12700" cap="flat" cmpd="sng" algn="ctr">
+                      <a:solidFill>
+                        <a:schemeClr val="tx1"/>
+                      </a:solidFill>
+                      <a:prstDash val="solid"/>
+                      <a:round/>
+                      <a:headEnd type="none" w="med" len="med"/>
+                      <a:tailEnd type="none" w="med" len="med"/>
+                    </a:lnL>
+                    <a:lnR w="12700" cap="flat" cmpd="sng" algn="ctr">
+                      <a:solidFill>
+                        <a:schemeClr val="tx1"/>
+                      </a:solidFill>
+                      <a:prstDash val="solid"/>
+                      <a:round/>
+                      <a:headEnd type="none" w="med" len="med"/>
+                      <a:tailEnd type="none" w="med" len="med"/>
+                    </a:lnR>
+                    <a:lnT w="12700" cap="flat" cmpd="sng" algn="ctr">
+                      <a:solidFill>
+                        <a:schemeClr val="tx1"/>
+                      </a:solidFill>
+                      <a:prstDash val="solid"/>
+                      <a:round/>
+                      <a:headEnd type="none" w="med" len="med"/>
+                      <a:tailEnd type="none" w="med" len="med"/>
+                    </a:lnT>
+                    <a:lnB w="12700" cap="flat" cmpd="sng" algn="ctr">
+                      <a:solidFill>
+                        <a:schemeClr val="tx1"/>
+                      </a:solidFill>
+                      <a:prstDash val="solid"/>
+                      <a:round/>
+                      <a:headEnd type="none" w="med" len="med"/>
+                      <a:tailEnd type="none" w="med" len="med"/>
+                    </a:lnB>
+                    <a:solidFill>
+                      <a:schemeClr val="tx1">
+                        <a:alpha val="24000"/>
+                      </a:schemeClr>
+                    </a:solidFill>
+                  </a:tcPr>
+                </a:tc>
+                <a:tc>
+                  <a:txBody>
+                    <a:bodyPr/>
+                    <a:lstStyle/>
+                    <a:p>
+                      <a:pPr algn="ctr"/>
+                      <a:r>
+                        <a:rPr lang="ru-RU" sz="4000" dirty="0">
+                          <a:solidFill>
+                            <a:schemeClr val="tx1"/>
+                          </a:solidFill>
+                        </a:rPr>
+                        <a:t>-</a:t>
+                      </a:r>
+                    </a:p>
+                  </a:txBody>
+                  <a:tcPr anchor="ctr">
+                    <a:lnL w="12700" cap="flat" cmpd="sng" algn="ctr">
+                      <a:solidFill>
+                        <a:schemeClr val="tx1"/>
+                      </a:solidFill>
+                      <a:prstDash val="solid"/>
+                      <a:round/>
+                      <a:headEnd type="none" w="med" len="med"/>
+                      <a:tailEnd type="none" w="med" len="med"/>
+                    </a:lnL>
+                    <a:lnR w="12700" cap="flat" cmpd="sng" algn="ctr">
+                      <a:solidFill>
+                        <a:schemeClr val="tx1"/>
+                      </a:solidFill>
+                      <a:prstDash val="solid"/>
+                      <a:round/>
+                      <a:headEnd type="none" w="med" len="med"/>
+                      <a:tailEnd type="none" w="med" len="med"/>
+                    </a:lnR>
+                    <a:lnT w="12700" cap="flat" cmpd="sng" algn="ctr">
+                      <a:solidFill>
+                        <a:schemeClr val="tx1"/>
+                      </a:solidFill>
+                      <a:prstDash val="solid"/>
+                      <a:round/>
+                      <a:headEnd type="none" w="med" len="med"/>
+                      <a:tailEnd type="none" w="med" len="med"/>
+                    </a:lnT>
+                    <a:lnB w="12700" cap="flat" cmpd="sng" algn="ctr">
+                      <a:solidFill>
+                        <a:schemeClr val="tx1"/>
+                      </a:solidFill>
+                      <a:prstDash val="solid"/>
+                      <a:round/>
+                      <a:headEnd type="none" w="med" len="med"/>
+                      <a:tailEnd type="none" w="med" len="med"/>
+                    </a:lnB>
+                    <a:solidFill>
+                      <a:schemeClr val="tx1">
+                        <a:alpha val="24000"/>
+                      </a:schemeClr>
+                    </a:solidFill>
+                  </a:tcPr>
+                </a:tc>
+                <a:extLst>
+                  <a:ext uri="{0D108BD9-81ED-4DB2-BD59-A6C34878D82A}">
+                    <a16:rowId xmlns:a16="http://schemas.microsoft.com/office/drawing/2014/main" val="3976709436"/>
+                  </a:ext>
+                </a:extLst>
+              </a:tr>
+            </a:tbl>
+          </a:graphicData>
+        </a:graphic>
+      </p:graphicFrame>
     </p:spTree>
     <p:extLst>
       <p:ext uri="{BB962C8B-B14F-4D97-AF65-F5344CB8AC3E}">
@@ -6781,10 +7281,10 @@
       </p:grpSpPr>
       <p:sp>
         <p:nvSpPr>
-          <p:cNvPr id="9" name="Прямоугольник 8">
-            <a:extLst>
-              <a:ext uri="{FF2B5EF4-FFF2-40B4-BE49-F238E27FC236}">
-                <a16:creationId xmlns:a16="http://schemas.microsoft.com/office/drawing/2014/main" id="{0D61A3C7-4E6B-85AD-DD84-08739ED10AC7}"/>
+          <p:cNvPr id="7" name="Прямоугольник 6">
+            <a:extLst>
+              <a:ext uri="{FF2B5EF4-FFF2-40B4-BE49-F238E27FC236}">
+                <a16:creationId xmlns:a16="http://schemas.microsoft.com/office/drawing/2014/main" id="{C20A429C-54C8-353B-4F60-4F472CB92A6E}"/>
               </a:ext>
             </a:extLst>
           </p:cNvPr>
@@ -6800,7 +7300,7 @@
             <a:avLst/>
           </a:prstGeom>
           <a:solidFill>
-            <a:srgbClr val="EADA9E"/>
+            <a:srgbClr val="F8BD88"/>
           </a:solidFill>
         </p:spPr>
         <p:style>
@@ -6824,7 +7324,7 @@
           <a:lstStyle/>
           <a:p>
             <a:pPr algn="ctr"/>
-            <a:endParaRPr lang="ru-RU"/>
+            <a:endParaRPr lang="ru-RU" dirty="0"/>
           </a:p>
         </p:txBody>
       </p:sp>
@@ -6870,12 +7370,54 @@
           </a:p>
         </p:txBody>
       </p:sp>
+      <p:sp>
+        <p:nvSpPr>
+          <p:cNvPr id="6" name="TextBox 5">
+            <a:extLst>
+              <a:ext uri="{FF2B5EF4-FFF2-40B4-BE49-F238E27FC236}">
+                <a16:creationId xmlns:a16="http://schemas.microsoft.com/office/drawing/2014/main" id="{5FF33FC1-4A5A-6754-AFAB-107C5F72DBDB}"/>
+              </a:ext>
+            </a:extLst>
+          </p:cNvPr>
+          <p:cNvSpPr txBox="1"/>
+          <p:nvPr/>
+        </p:nvSpPr>
+        <p:spPr>
+          <a:xfrm>
+            <a:off x="370115" y="251067"/>
+            <a:ext cx="9212424" cy="769441"/>
+          </a:xfrm>
+          <a:prstGeom prst="rect">
+            <a:avLst/>
+          </a:prstGeom>
+          <a:noFill/>
+        </p:spPr>
+        <p:txBody>
+          <a:bodyPr wrap="square">
+            <a:spAutoFit/>
+          </a:bodyPr>
+          <a:lstStyle/>
+          <a:p>
+            <a:r>
+              <a:rPr lang="ru-RU" sz="4400" dirty="0">
+                <a:latin typeface="Arial" panose="020B0604020202020204" pitchFamily="34" charset="0"/>
+                <a:cs typeface="Arial" panose="020B0604020202020204" pitchFamily="34" charset="0"/>
+              </a:rPr>
+              <a:t>Диаграмма последовательности</a:t>
+            </a:r>
+            <a:endParaRPr lang="en-US" sz="4400" dirty="0">
+              <a:latin typeface="Arial" panose="020B0604020202020204" pitchFamily="34" charset="0"/>
+              <a:cs typeface="Arial" panose="020B0604020202020204" pitchFamily="34" charset="0"/>
+            </a:endParaRPr>
+          </a:p>
+        </p:txBody>
+      </p:sp>
       <p:pic>
         <p:nvPicPr>
-          <p:cNvPr id="10" name="Рисунок 9">
-            <a:extLst>
-              <a:ext uri="{FF2B5EF4-FFF2-40B4-BE49-F238E27FC236}">
-                <a16:creationId xmlns:a16="http://schemas.microsoft.com/office/drawing/2014/main" id="{2AA2A5B1-35AB-C6EC-6827-E8342CAAFFD0}"/>
+          <p:cNvPr id="8" name="Рисунок 7">
+            <a:extLst>
+              <a:ext uri="{FF2B5EF4-FFF2-40B4-BE49-F238E27FC236}">
+                <a16:creationId xmlns:a16="http://schemas.microsoft.com/office/drawing/2014/main" id="{C39617E3-AB0D-51D1-FC05-9F8819160FCC}"/>
               </a:ext>
             </a:extLst>
           </p:cNvPr>
@@ -6892,56 +7434,14 @@
         </p:blipFill>
         <p:spPr>
           <a:xfrm>
-            <a:off x="1064828" y="1361896"/>
-            <a:ext cx="10062341" cy="4821508"/>
+            <a:off x="935447" y="1406022"/>
+            <a:ext cx="10190476" cy="4885714"/>
           </a:xfrm>
           <a:prstGeom prst="rect">
             <a:avLst/>
           </a:prstGeom>
         </p:spPr>
       </p:pic>
-      <p:sp>
-        <p:nvSpPr>
-          <p:cNvPr id="6" name="TextBox 5">
-            <a:extLst>
-              <a:ext uri="{FF2B5EF4-FFF2-40B4-BE49-F238E27FC236}">
-                <a16:creationId xmlns:a16="http://schemas.microsoft.com/office/drawing/2014/main" id="{5FF33FC1-4A5A-6754-AFAB-107C5F72DBDB}"/>
-              </a:ext>
-            </a:extLst>
-          </p:cNvPr>
-          <p:cNvSpPr txBox="1"/>
-          <p:nvPr/>
-        </p:nvSpPr>
-        <p:spPr>
-          <a:xfrm>
-            <a:off x="370115" y="251067"/>
-            <a:ext cx="9212424" cy="769441"/>
-          </a:xfrm>
-          <a:prstGeom prst="rect">
-            <a:avLst/>
-          </a:prstGeom>
-          <a:noFill/>
-        </p:spPr>
-        <p:txBody>
-          <a:bodyPr wrap="square">
-            <a:spAutoFit/>
-          </a:bodyPr>
-          <a:lstStyle/>
-          <a:p>
-            <a:r>
-              <a:rPr lang="ru-RU" sz="4400" dirty="0">
-                <a:latin typeface="Arial" panose="020B0604020202020204" pitchFamily="34" charset="0"/>
-                <a:cs typeface="Arial" panose="020B0604020202020204" pitchFamily="34" charset="0"/>
-              </a:rPr>
-              <a:t>Контекстная диаграмма</a:t>
-            </a:r>
-            <a:endParaRPr lang="en-US" sz="4400" dirty="0">
-              <a:latin typeface="Arial" panose="020B0604020202020204" pitchFamily="34" charset="0"/>
-              <a:cs typeface="Arial" panose="020B0604020202020204" pitchFamily="34" charset="0"/>
-            </a:endParaRPr>
-          </a:p>
-        </p:txBody>
-      </p:sp>
     </p:spTree>
     <p:extLst>
       <p:ext uri="{BB962C8B-B14F-4D97-AF65-F5344CB8AC3E}">
@@ -6974,10 +7474,10 @@
       </p:grpSpPr>
       <p:sp>
         <p:nvSpPr>
-          <p:cNvPr id="4" name="Прямоугольник 3">
-            <a:extLst>
-              <a:ext uri="{FF2B5EF4-FFF2-40B4-BE49-F238E27FC236}">
-                <a16:creationId xmlns:a16="http://schemas.microsoft.com/office/drawing/2014/main" id="{88A108B3-5818-6264-1CD6-3D23BFF1B259}"/>
+          <p:cNvPr id="9" name="Прямоугольник 8">
+            <a:extLst>
+              <a:ext uri="{FF2B5EF4-FFF2-40B4-BE49-F238E27FC236}">
+                <a16:creationId xmlns:a16="http://schemas.microsoft.com/office/drawing/2014/main" id="{0D61A3C7-4E6B-85AD-DD84-08739ED10AC7}"/>
               </a:ext>
             </a:extLst>
           </p:cNvPr>
@@ -6986,14 +7486,14 @@
         </p:nvSpPr>
         <p:spPr>
           <a:xfrm>
-            <a:off x="0" y="0"/>
+            <a:off x="-1" y="0"/>
             <a:ext cx="12192000" cy="6858000"/>
           </a:xfrm>
           <a:prstGeom prst="rect">
             <a:avLst/>
           </a:prstGeom>
           <a:solidFill>
-            <a:srgbClr val="B3D5B4"/>
+            <a:srgbClr val="F8BD88"/>
           </a:solidFill>
         </p:spPr>
         <p:style>
@@ -7023,60 +7523,6 @@
       </p:sp>
       <p:sp>
         <p:nvSpPr>
-          <p:cNvPr id="8" name="Прямоугольник 7">
-            <a:extLst>
-              <a:ext uri="{FF2B5EF4-FFF2-40B4-BE49-F238E27FC236}">
-                <a16:creationId xmlns:a16="http://schemas.microsoft.com/office/drawing/2014/main" id="{6A0066BD-3270-2326-403B-286F6C79ABE4}"/>
-              </a:ext>
-            </a:extLst>
-          </p:cNvPr>
-          <p:cNvSpPr/>
-          <p:nvPr/>
-        </p:nvSpPr>
-        <p:spPr>
-          <a:xfrm>
-            <a:off x="0" y="331978"/>
-            <a:ext cx="5791201" cy="744878"/>
-          </a:xfrm>
-          <a:prstGeom prst="rect">
-            <a:avLst/>
-          </a:prstGeom>
-          <a:solidFill>
-            <a:schemeClr val="accent1">
-              <a:alpha val="75000"/>
-            </a:schemeClr>
-          </a:solidFill>
-          <a:ln>
-            <a:noFill/>
-          </a:ln>
-        </p:spPr>
-        <p:style>
-          <a:lnRef idx="2">
-            <a:schemeClr val="accent1">
-              <a:shade val="50000"/>
-            </a:schemeClr>
-          </a:lnRef>
-          <a:fillRef idx="1">
-            <a:schemeClr val="accent1"/>
-          </a:fillRef>
-          <a:effectRef idx="0">
-            <a:schemeClr val="accent1"/>
-          </a:effectRef>
-          <a:fontRef idx="minor">
-            <a:schemeClr val="lt1"/>
-          </a:fontRef>
-        </p:style>
-        <p:txBody>
-          <a:bodyPr rtlCol="0" anchor="ctr"/>
-          <a:lstStyle/>
-          <a:p>
-            <a:pPr algn="ctr"/>
-            <a:endParaRPr lang="ru-RU" dirty="0"/>
-          </a:p>
-        </p:txBody>
-      </p:sp>
-      <p:sp>
-        <p:nvSpPr>
           <p:cNvPr id="5" name="TextBox 4">
             <a:extLst>
               <a:ext uri="{FF2B5EF4-FFF2-40B4-BE49-F238E27FC236}">
@@ -7089,8 +7535,8 @@
         </p:nvSpPr>
         <p:spPr>
           <a:xfrm>
-            <a:off x="34213" y="393842"/>
-            <a:ext cx="7943460" cy="646331"/>
+            <a:off x="304801" y="412030"/>
+            <a:ext cx="8214048" cy="584775"/>
           </a:xfrm>
           <a:prstGeom prst="rect">
             <a:avLst/>
@@ -7104,11 +7550,14 @@
           <a:lstStyle/>
           <a:p>
             <a:r>
-              <a:rPr lang="ru-RU" sz="3600" b="1" dirty="0">
+              <a:rPr lang="ru-RU" sz="3200" b="1" dirty="0">
                 <a:latin typeface="Arial Narrow" panose="020B0606020202030204" pitchFamily="34" charset="0"/>
               </a:rPr>
-              <a:t>Ввод данных</a:t>
-            </a:r>
+              <a:t>Считывание ввода пользователя</a:t>
+            </a:r>
+            <a:endParaRPr lang="ru-RU" sz="3600" b="1" dirty="0">
+              <a:latin typeface="Arial Narrow" panose="020B0606020202030204" pitchFamily="34" charset="0"/>
+            </a:endParaRPr>
           </a:p>
         </p:txBody>
       </p:sp>
@@ -7149,17 +7598,17 @@
                 </a:solidFill>
                 <a:latin typeface="Arial Black" panose="020B0A04020102020204" pitchFamily="34" charset="0"/>
               </a:rPr>
-              <a:t>5</a:t>
+              <a:t>7</a:t>
             </a:r>
           </a:p>
         </p:txBody>
       </p:sp>
       <p:pic>
         <p:nvPicPr>
-          <p:cNvPr id="11" name="Рисунок 10">
-            <a:extLst>
-              <a:ext uri="{FF2B5EF4-FFF2-40B4-BE49-F238E27FC236}">
-                <a16:creationId xmlns:a16="http://schemas.microsoft.com/office/drawing/2014/main" id="{36887CF3-5465-38C0-17BD-37C03DE3F43E}"/>
+          <p:cNvPr id="4" name="Рисунок 3">
+            <a:extLst>
+              <a:ext uri="{FF2B5EF4-FFF2-40B4-BE49-F238E27FC236}">
+                <a16:creationId xmlns:a16="http://schemas.microsoft.com/office/drawing/2014/main" id="{A33FE87E-FA5D-4DD5-ED45-DE5FD8C8F98E}"/>
               </a:ext>
             </a:extLst>
           </p:cNvPr>
@@ -7176,8 +7625,8 @@
         </p:blipFill>
         <p:spPr>
           <a:xfrm>
-            <a:off x="1476952" y="1470698"/>
-            <a:ext cx="9238095" cy="4600000"/>
+            <a:off x="3114869" y="1095975"/>
+            <a:ext cx="5962260" cy="5443302"/>
           </a:xfrm>
           <a:prstGeom prst="rect">
             <a:avLst/>
@@ -7187,7 +7636,7 @@
     </p:spTree>
     <p:extLst>
       <p:ext uri="{BB962C8B-B14F-4D97-AF65-F5344CB8AC3E}">
-        <p14:creationId xmlns:p14="http://schemas.microsoft.com/office/powerpoint/2010/main" val="530650421"/>
+        <p14:creationId xmlns:p14="http://schemas.microsoft.com/office/powerpoint/2010/main" val="435180575"/>
       </p:ext>
     </p:extLst>
   </p:cSld>
@@ -7216,10 +7665,10 @@
       </p:grpSpPr>
       <p:sp>
         <p:nvSpPr>
-          <p:cNvPr id="4" name="Прямоугольник 3">
-            <a:extLst>
-              <a:ext uri="{FF2B5EF4-FFF2-40B4-BE49-F238E27FC236}">
-                <a16:creationId xmlns:a16="http://schemas.microsoft.com/office/drawing/2014/main" id="{88A108B3-5818-6264-1CD6-3D23BFF1B259}"/>
+          <p:cNvPr id="9" name="Прямоугольник 8">
+            <a:extLst>
+              <a:ext uri="{FF2B5EF4-FFF2-40B4-BE49-F238E27FC236}">
+                <a16:creationId xmlns:a16="http://schemas.microsoft.com/office/drawing/2014/main" id="{78225ECB-6164-6D98-B566-13E4C129B6E9}"/>
               </a:ext>
             </a:extLst>
           </p:cNvPr>
@@ -7228,14 +7677,14 @@
         </p:nvSpPr>
         <p:spPr>
           <a:xfrm>
-            <a:off x="0" y="0"/>
+            <a:off x="-1" y="0"/>
             <a:ext cx="12192000" cy="6858000"/>
           </a:xfrm>
           <a:prstGeom prst="rect">
             <a:avLst/>
           </a:prstGeom>
           <a:solidFill>
-            <a:srgbClr val="B3D5B4"/>
+            <a:srgbClr val="F8BD88"/>
           </a:solidFill>
         </p:spPr>
         <p:style>
@@ -7259,60 +7708,6 @@
           <a:lstStyle/>
           <a:p>
             <a:pPr algn="ctr"/>
-            <a:endParaRPr lang="ru-RU"/>
-          </a:p>
-        </p:txBody>
-      </p:sp>
-      <p:sp>
-        <p:nvSpPr>
-          <p:cNvPr id="8" name="Прямоугольник 7">
-            <a:extLst>
-              <a:ext uri="{FF2B5EF4-FFF2-40B4-BE49-F238E27FC236}">
-                <a16:creationId xmlns:a16="http://schemas.microsoft.com/office/drawing/2014/main" id="{6A0066BD-3270-2326-403B-286F6C79ABE4}"/>
-              </a:ext>
-            </a:extLst>
-          </p:cNvPr>
-          <p:cNvSpPr/>
-          <p:nvPr/>
-        </p:nvSpPr>
-        <p:spPr>
-          <a:xfrm>
-            <a:off x="0" y="331978"/>
-            <a:ext cx="5791201" cy="744878"/>
-          </a:xfrm>
-          <a:prstGeom prst="rect">
-            <a:avLst/>
-          </a:prstGeom>
-          <a:solidFill>
-            <a:schemeClr val="accent1">
-              <a:alpha val="75000"/>
-            </a:schemeClr>
-          </a:solidFill>
-          <a:ln>
-            <a:noFill/>
-          </a:ln>
-        </p:spPr>
-        <p:style>
-          <a:lnRef idx="2">
-            <a:schemeClr val="accent1">
-              <a:shade val="50000"/>
-            </a:schemeClr>
-          </a:lnRef>
-          <a:fillRef idx="1">
-            <a:schemeClr val="accent1"/>
-          </a:fillRef>
-          <a:effectRef idx="0">
-            <a:schemeClr val="accent1"/>
-          </a:effectRef>
-          <a:fontRef idx="minor">
-            <a:schemeClr val="lt1"/>
-          </a:fontRef>
-        </p:style>
-        <p:txBody>
-          <a:bodyPr rtlCol="0" anchor="ctr"/>
-          <a:lstStyle/>
-          <a:p>
-            <a:pPr algn="ctr"/>
             <a:endParaRPr lang="ru-RU" dirty="0"/>
           </a:p>
         </p:txBody>
@@ -7332,7 +7727,7 @@
         <p:spPr>
           <a:xfrm>
             <a:off x="34213" y="393842"/>
-            <a:ext cx="6366588" cy="646331"/>
+            <a:ext cx="5050971" cy="646331"/>
           </a:xfrm>
           <a:prstGeom prst="rect">
             <a:avLst/>
@@ -7458,10 +7853,10 @@
       </p:grpSpPr>
       <p:sp>
         <p:nvSpPr>
-          <p:cNvPr id="4" name="Прямоугольник 3">
-            <a:extLst>
-              <a:ext uri="{FF2B5EF4-FFF2-40B4-BE49-F238E27FC236}">
-                <a16:creationId xmlns:a16="http://schemas.microsoft.com/office/drawing/2014/main" id="{88A108B3-5818-6264-1CD6-3D23BFF1B259}"/>
+          <p:cNvPr id="9" name="Прямоугольник 8">
+            <a:extLst>
+              <a:ext uri="{FF2B5EF4-FFF2-40B4-BE49-F238E27FC236}">
+                <a16:creationId xmlns:a16="http://schemas.microsoft.com/office/drawing/2014/main" id="{0856B740-18A9-6D88-C1EC-770780CA3348}"/>
               </a:ext>
             </a:extLst>
           </p:cNvPr>
@@ -7470,14 +7865,14 @@
         </p:nvSpPr>
         <p:spPr>
           <a:xfrm>
-            <a:off x="0" y="0"/>
+            <a:off x="-1" y="0"/>
             <a:ext cx="12192000" cy="6858000"/>
           </a:xfrm>
           <a:prstGeom prst="rect">
             <a:avLst/>
           </a:prstGeom>
           <a:solidFill>
-            <a:srgbClr val="B3D5B4"/>
+            <a:srgbClr val="F8BD88"/>
           </a:solidFill>
         </p:spPr>
         <p:style>
@@ -7501,60 +7896,6 @@
           <a:lstStyle/>
           <a:p>
             <a:pPr algn="ctr"/>
-            <a:endParaRPr lang="ru-RU"/>
-          </a:p>
-        </p:txBody>
-      </p:sp>
-      <p:sp>
-        <p:nvSpPr>
-          <p:cNvPr id="8" name="Прямоугольник 7">
-            <a:extLst>
-              <a:ext uri="{FF2B5EF4-FFF2-40B4-BE49-F238E27FC236}">
-                <a16:creationId xmlns:a16="http://schemas.microsoft.com/office/drawing/2014/main" id="{6A0066BD-3270-2326-403B-286F6C79ABE4}"/>
-              </a:ext>
-            </a:extLst>
-          </p:cNvPr>
-          <p:cNvSpPr/>
-          <p:nvPr/>
-        </p:nvSpPr>
-        <p:spPr>
-          <a:xfrm>
-            <a:off x="0" y="331978"/>
-            <a:ext cx="5791201" cy="744878"/>
-          </a:xfrm>
-          <a:prstGeom prst="rect">
-            <a:avLst/>
-          </a:prstGeom>
-          <a:solidFill>
-            <a:schemeClr val="accent1">
-              <a:alpha val="75000"/>
-            </a:schemeClr>
-          </a:solidFill>
-          <a:ln>
-            <a:noFill/>
-          </a:ln>
-        </p:spPr>
-        <p:style>
-          <a:lnRef idx="2">
-            <a:schemeClr val="accent1">
-              <a:shade val="50000"/>
-            </a:schemeClr>
-          </a:lnRef>
-          <a:fillRef idx="1">
-            <a:schemeClr val="accent1"/>
-          </a:fillRef>
-          <a:effectRef idx="0">
-            <a:schemeClr val="accent1"/>
-          </a:effectRef>
-          <a:fontRef idx="minor">
-            <a:schemeClr val="lt1"/>
-          </a:fontRef>
-        </p:style>
-        <p:txBody>
-          <a:bodyPr rtlCol="0" anchor="ctr"/>
-          <a:lstStyle/>
-          <a:p>
-            <a:pPr algn="ctr"/>
             <a:endParaRPr lang="ru-RU" dirty="0"/>
           </a:p>
         </p:txBody>
@@ -7574,7 +7915,7 @@
         <p:spPr>
           <a:xfrm>
             <a:off x="304800" y="412030"/>
-            <a:ext cx="5486401" cy="646331"/>
+            <a:ext cx="5069633" cy="646331"/>
           </a:xfrm>
           <a:prstGeom prst="rect">
             <a:avLst/>

--- a/Готовые части/NormPreza.pptx
+++ b/Готовые части/NormPreza.pptx
@@ -12,10 +12,10 @@
     <p:sldId id="267" r:id="rId6"/>
     <p:sldId id="260" r:id="rId7"/>
     <p:sldId id="272" r:id="rId8"/>
-    <p:sldId id="264" r:id="rId9"/>
-    <p:sldId id="268" r:id="rId10"/>
-    <p:sldId id="262" r:id="rId11"/>
-    <p:sldId id="269" r:id="rId12"/>
+    <p:sldId id="262" r:id="rId9"/>
+    <p:sldId id="269" r:id="rId10"/>
+    <p:sldId id="273" r:id="rId11"/>
+    <p:sldId id="268" r:id="rId12"/>
     <p:sldId id="265" r:id="rId13"/>
     <p:sldId id="266" r:id="rId14"/>
     <p:sldId id="263" r:id="rId15"/>
@@ -273,7 +273,7 @@
           <a:p>
             <a:fld id="{944A6E1B-0D88-4A34-B162-82492BF04209}" type="datetimeFigureOut">
               <a:rPr lang="ru-RU" smtClean="0"/>
-              <a:t>13.06.2022</a:t>
+              <a:t>14.06.2022</a:t>
             </a:fld>
             <a:endParaRPr lang="ru-RU"/>
           </a:p>
@@ -471,7 +471,7 @@
           <a:p>
             <a:fld id="{944A6E1B-0D88-4A34-B162-82492BF04209}" type="datetimeFigureOut">
               <a:rPr lang="ru-RU" smtClean="0"/>
-              <a:t>13.06.2022</a:t>
+              <a:t>14.06.2022</a:t>
             </a:fld>
             <a:endParaRPr lang="ru-RU"/>
           </a:p>
@@ -679,7 +679,7 @@
           <a:p>
             <a:fld id="{944A6E1B-0D88-4A34-B162-82492BF04209}" type="datetimeFigureOut">
               <a:rPr lang="ru-RU" smtClean="0"/>
-              <a:t>13.06.2022</a:t>
+              <a:t>14.06.2022</a:t>
             </a:fld>
             <a:endParaRPr lang="ru-RU"/>
           </a:p>
@@ -877,7 +877,7 @@
           <a:p>
             <a:fld id="{944A6E1B-0D88-4A34-B162-82492BF04209}" type="datetimeFigureOut">
               <a:rPr lang="ru-RU" smtClean="0"/>
-              <a:t>13.06.2022</a:t>
+              <a:t>14.06.2022</a:t>
             </a:fld>
             <a:endParaRPr lang="ru-RU"/>
           </a:p>
@@ -1152,7 +1152,7 @@
           <a:p>
             <a:fld id="{944A6E1B-0D88-4A34-B162-82492BF04209}" type="datetimeFigureOut">
               <a:rPr lang="ru-RU" smtClean="0"/>
-              <a:t>13.06.2022</a:t>
+              <a:t>14.06.2022</a:t>
             </a:fld>
             <a:endParaRPr lang="ru-RU"/>
           </a:p>
@@ -1417,7 +1417,7 @@
           <a:p>
             <a:fld id="{944A6E1B-0D88-4A34-B162-82492BF04209}" type="datetimeFigureOut">
               <a:rPr lang="ru-RU" smtClean="0"/>
-              <a:t>13.06.2022</a:t>
+              <a:t>14.06.2022</a:t>
             </a:fld>
             <a:endParaRPr lang="ru-RU"/>
           </a:p>
@@ -1829,7 +1829,7 @@
           <a:p>
             <a:fld id="{944A6E1B-0D88-4A34-B162-82492BF04209}" type="datetimeFigureOut">
               <a:rPr lang="ru-RU" smtClean="0"/>
-              <a:t>13.06.2022</a:t>
+              <a:t>14.06.2022</a:t>
             </a:fld>
             <a:endParaRPr lang="ru-RU"/>
           </a:p>
@@ -1970,7 +1970,7 @@
           <a:p>
             <a:fld id="{944A6E1B-0D88-4A34-B162-82492BF04209}" type="datetimeFigureOut">
               <a:rPr lang="ru-RU" smtClean="0"/>
-              <a:t>13.06.2022</a:t>
+              <a:t>14.06.2022</a:t>
             </a:fld>
             <a:endParaRPr lang="ru-RU"/>
           </a:p>
@@ -2083,7 +2083,7 @@
           <a:p>
             <a:fld id="{944A6E1B-0D88-4A34-B162-82492BF04209}" type="datetimeFigureOut">
               <a:rPr lang="ru-RU" smtClean="0"/>
-              <a:t>13.06.2022</a:t>
+              <a:t>14.06.2022</a:t>
             </a:fld>
             <a:endParaRPr lang="ru-RU"/>
           </a:p>
@@ -2394,7 +2394,7 @@
           <a:p>
             <a:fld id="{944A6E1B-0D88-4A34-B162-82492BF04209}" type="datetimeFigureOut">
               <a:rPr lang="ru-RU" smtClean="0"/>
-              <a:t>13.06.2022</a:t>
+              <a:t>14.06.2022</a:t>
             </a:fld>
             <a:endParaRPr lang="ru-RU"/>
           </a:p>
@@ -2682,7 +2682,7 @@
           <a:p>
             <a:fld id="{944A6E1B-0D88-4A34-B162-82492BF04209}" type="datetimeFigureOut">
               <a:rPr lang="ru-RU" smtClean="0"/>
-              <a:t>13.06.2022</a:t>
+              <a:t>14.06.2022</a:t>
             </a:fld>
             <a:endParaRPr lang="ru-RU"/>
           </a:p>
@@ -2923,7 +2923,7 @@
           <a:p>
             <a:fld id="{944A6E1B-0D88-4A34-B162-82492BF04209}" type="datetimeFigureOut">
               <a:rPr lang="ru-RU" smtClean="0"/>
-              <a:t>13.06.2022</a:t>
+              <a:t>14.06.2022</a:t>
             </a:fld>
             <a:endParaRPr lang="ru-RU"/>
           </a:p>
@@ -3709,7 +3709,7 @@
               <a:rPr lang="ru-RU" sz="3600" b="1" dirty="0">
                 <a:latin typeface="Arial Narrow" panose="020B0606020202030204" pitchFamily="34" charset="0"/>
               </a:rPr>
-              <a:t>Подсистемы управления</a:t>
+              <a:t>Реализация движения</a:t>
             </a:r>
           </a:p>
         </p:txBody>
@@ -3756,138 +3756,40 @@
           </a:p>
         </p:txBody>
       </p:sp>
-      <p:sp>
-        <p:nvSpPr>
-          <p:cNvPr id="7" name="TextBox 6">
-            <a:extLst>
-              <a:ext uri="{FF2B5EF4-FFF2-40B4-BE49-F238E27FC236}">
-                <a16:creationId xmlns:a16="http://schemas.microsoft.com/office/drawing/2014/main" id="{459C69E5-7167-D46B-E24D-7EABF519FCC3}"/>
-              </a:ext>
-            </a:extLst>
-          </p:cNvPr>
-          <p:cNvSpPr txBox="1"/>
+      <p:pic>
+        <p:nvPicPr>
+          <p:cNvPr id="6" name="Рисунок 5">
+            <a:extLst>
+              <a:ext uri="{FF2B5EF4-FFF2-40B4-BE49-F238E27FC236}">
+                <a16:creationId xmlns:a16="http://schemas.microsoft.com/office/drawing/2014/main" id="{E45529B9-A389-9B13-7F10-4FFBC2031DB5}"/>
+              </a:ext>
+            </a:extLst>
+          </p:cNvPr>
+          <p:cNvPicPr>
+            <a:picLocks noChangeAspect="1"/>
+          </p:cNvPicPr>
           <p:nvPr/>
-        </p:nvSpPr>
-        <p:spPr>
-          <a:xfrm>
-            <a:off x="304800" y="1327473"/>
-            <a:ext cx="9212424" cy="3539430"/>
+        </p:nvPicPr>
+        <p:blipFill>
+          <a:blip r:embed="rId2"/>
+          <a:stretch>
+            <a:fillRect/>
+          </a:stretch>
+        </p:blipFill>
+        <p:spPr>
+          <a:xfrm>
+            <a:off x="1766916" y="1620113"/>
+            <a:ext cx="8247619" cy="4476190"/>
           </a:xfrm>
           <a:prstGeom prst="rect">
             <a:avLst/>
           </a:prstGeom>
-          <a:noFill/>
-        </p:spPr>
-        <p:txBody>
-          <a:bodyPr wrap="square">
-            <a:spAutoFit/>
-          </a:bodyPr>
-          <a:lstStyle/>
-          <a:p>
-            <a:pPr marL="457200" indent="-457200">
-              <a:buFont typeface="Arial" panose="020B0604020202020204" pitchFamily="34" charset="0"/>
-              <a:buChar char="•"/>
-            </a:pPr>
-            <a:r>
-              <a:rPr lang="ru-RU" sz="2800" dirty="0">
-                <a:cs typeface="Arial" panose="020B0604020202020204" pitchFamily="34" charset="0"/>
-              </a:rPr>
-              <a:t>Батарея</a:t>
-            </a:r>
-          </a:p>
-          <a:p>
-            <a:pPr marL="457200" indent="-457200">
-              <a:buFont typeface="Arial" panose="020B0604020202020204" pitchFamily="34" charset="0"/>
-              <a:buChar char="•"/>
-            </a:pPr>
-            <a:r>
-              <a:rPr lang="ru-RU" sz="2800" dirty="0">
-                <a:cs typeface="Arial" panose="020B0604020202020204" pitchFamily="34" charset="0"/>
-              </a:rPr>
-              <a:t>МФДУ</a:t>
-            </a:r>
-          </a:p>
-          <a:p>
-            <a:pPr marL="457200" indent="-457200">
-              <a:buFont typeface="Arial" panose="020B0604020202020204" pitchFamily="34" charset="0"/>
-              <a:buChar char="•"/>
-            </a:pPr>
-            <a:r>
-              <a:rPr lang="ru-RU" sz="2800" dirty="0">
-                <a:cs typeface="Arial" panose="020B0604020202020204" pitchFamily="34" charset="0"/>
-              </a:rPr>
-              <a:t>Контроллер реверса</a:t>
-            </a:r>
-          </a:p>
-          <a:p>
-            <a:pPr marL="457200" indent="-457200">
-              <a:buFont typeface="Arial" panose="020B0604020202020204" pitchFamily="34" charset="0"/>
-              <a:buChar char="•"/>
-            </a:pPr>
-            <a:r>
-              <a:rPr lang="ru-RU" sz="2800" dirty="0">
-                <a:cs typeface="Arial" panose="020B0604020202020204" pitchFamily="34" charset="0"/>
-              </a:rPr>
-              <a:t>Пассажирские двери</a:t>
-            </a:r>
-          </a:p>
-          <a:p>
-            <a:pPr marL="457200" indent="-457200">
-              <a:buFont typeface="Arial" panose="020B0604020202020204" pitchFamily="34" charset="0"/>
-              <a:buChar char="•"/>
-            </a:pPr>
-            <a:r>
-              <a:rPr lang="ru-RU" sz="2800" dirty="0">
-                <a:cs typeface="Arial" panose="020B0604020202020204" pitchFamily="34" charset="0"/>
-              </a:rPr>
-              <a:t>Фары</a:t>
-            </a:r>
-          </a:p>
-          <a:p>
-            <a:pPr marL="457200" indent="-457200">
-              <a:buFont typeface="Arial" panose="020B0604020202020204" pitchFamily="34" charset="0"/>
-              <a:buChar char="•"/>
-            </a:pPr>
-            <a:r>
-              <a:rPr lang="ru-RU" sz="2800" dirty="0">
-                <a:cs typeface="Arial" panose="020B0604020202020204" pitchFamily="34" charset="0"/>
-              </a:rPr>
-              <a:t>Торможение</a:t>
-            </a:r>
-          </a:p>
-          <a:p>
-            <a:pPr marL="457200" indent="-457200">
-              <a:buFont typeface="Arial" panose="020B0604020202020204" pitchFamily="34" charset="0"/>
-              <a:buChar char="•"/>
-            </a:pPr>
-            <a:r>
-              <a:rPr lang="ru-RU" sz="2800" dirty="0">
-                <a:cs typeface="Arial" panose="020B0604020202020204" pitchFamily="34" charset="0"/>
-              </a:rPr>
-              <a:t>Индикаторы состояния</a:t>
-            </a:r>
-          </a:p>
-          <a:p>
-            <a:pPr marL="457200" indent="-457200">
-              <a:buFont typeface="Arial" panose="020B0604020202020204" pitchFamily="34" charset="0"/>
-              <a:buChar char="•"/>
-            </a:pPr>
-            <a:r>
-              <a:rPr lang="ru-RU" sz="2800" dirty="0">
-                <a:cs typeface="Arial" panose="020B0604020202020204" pitchFamily="34" charset="0"/>
-              </a:rPr>
-              <a:t>Камеры машиниста</a:t>
-            </a:r>
-            <a:endParaRPr lang="en-US" sz="2800" dirty="0">
-              <a:cs typeface="Arial" panose="020B0604020202020204" pitchFamily="34" charset="0"/>
-            </a:endParaRPr>
-          </a:p>
-        </p:txBody>
-      </p:sp>
+        </p:spPr>
+      </p:pic>
     </p:spTree>
     <p:extLst>
       <p:ext uri="{BB962C8B-B14F-4D97-AF65-F5344CB8AC3E}">
-        <p14:creationId xmlns:p14="http://schemas.microsoft.com/office/powerpoint/2010/main" val="1576205623"/>
+        <p14:creationId xmlns:p14="http://schemas.microsoft.com/office/powerpoint/2010/main" val="815118820"/>
       </p:ext>
     </p:extLst>
   </p:cSld>
@@ -3916,10 +3818,10 @@
       </p:grpSpPr>
       <p:sp>
         <p:nvSpPr>
-          <p:cNvPr id="7" name="Прямоугольник 6">
-            <a:extLst>
-              <a:ext uri="{FF2B5EF4-FFF2-40B4-BE49-F238E27FC236}">
-                <a16:creationId xmlns:a16="http://schemas.microsoft.com/office/drawing/2014/main" id="{27CDDE1F-7669-3713-EF2E-83F9FA89D37F}"/>
+          <p:cNvPr id="9" name="Прямоугольник 8">
+            <a:extLst>
+              <a:ext uri="{FF2B5EF4-FFF2-40B4-BE49-F238E27FC236}">
+                <a16:creationId xmlns:a16="http://schemas.microsoft.com/office/drawing/2014/main" id="{0856B740-18A9-6D88-C1EC-770780CA3348}"/>
               </a:ext>
             </a:extLst>
           </p:cNvPr>
@@ -3977,8 +3879,8 @@
         </p:nvSpPr>
         <p:spPr>
           <a:xfrm>
-            <a:off x="304801" y="412030"/>
-            <a:ext cx="5060302" cy="646331"/>
+            <a:off x="304800" y="412030"/>
+            <a:ext cx="5069633" cy="646331"/>
           </a:xfrm>
           <a:prstGeom prst="rect">
             <a:avLst/>
@@ -3995,7 +3897,7 @@
               <a:rPr lang="ru-RU" sz="3600" b="1" dirty="0">
                 <a:latin typeface="Arial Narrow" panose="020B0606020202030204" pitchFamily="34" charset="0"/>
               </a:rPr>
-              <a:t>Реализация управления</a:t>
+              <a:t>Реализация движения</a:t>
             </a:r>
           </a:p>
         </p:txBody>
@@ -4044,10 +3946,10 @@
       </p:sp>
       <p:pic>
         <p:nvPicPr>
-          <p:cNvPr id="10" name="Рисунок 9">
-            <a:extLst>
-              <a:ext uri="{FF2B5EF4-FFF2-40B4-BE49-F238E27FC236}">
-                <a16:creationId xmlns:a16="http://schemas.microsoft.com/office/drawing/2014/main" id="{C364429E-ECCE-AA69-9398-72863156E08B}"/>
+          <p:cNvPr id="7" name="Рисунок 6" descr="Изображение выглядит как текст, электроника, компьютер&#10;&#10;Автоматически созданное описание">
+            <a:extLst>
+              <a:ext uri="{FF2B5EF4-FFF2-40B4-BE49-F238E27FC236}">
+                <a16:creationId xmlns:a16="http://schemas.microsoft.com/office/drawing/2014/main" id="{9A94BB37-156D-BA25-5661-45FCC2BE47DE}"/>
               </a:ext>
             </a:extLst>
           </p:cNvPr>
@@ -4064,8 +3966,8 @@
         </p:blipFill>
         <p:spPr>
           <a:xfrm>
-            <a:off x="1156995" y="1240882"/>
-            <a:ext cx="9181907" cy="5094585"/>
+            <a:off x="699477" y="1408834"/>
+            <a:ext cx="10793045" cy="4700522"/>
           </a:xfrm>
           <a:prstGeom prst="rect">
             <a:avLst/>
@@ -4075,7 +3977,7 @@
     </p:spTree>
     <p:extLst>
       <p:ext uri="{BB962C8B-B14F-4D97-AF65-F5344CB8AC3E}">
-        <p14:creationId xmlns:p14="http://schemas.microsoft.com/office/powerpoint/2010/main" val="3185162394"/>
+        <p14:creationId xmlns:p14="http://schemas.microsoft.com/office/powerpoint/2010/main" val="1874325486"/>
       </p:ext>
     </p:extLst>
   </p:cSld>
@@ -5712,7 +5614,7 @@
           <p:nvPr>
             <p:extLst>
               <p:ext uri="{D42A27DB-BD31-4B8C-83A1-F6EECF244321}">
-                <p14:modId xmlns:p14="http://schemas.microsoft.com/office/powerpoint/2010/main" val="3377131903"/>
+                <p14:modId xmlns:p14="http://schemas.microsoft.com/office/powerpoint/2010/main" val="879821290"/>
               </p:ext>
             </p:extLst>
           </p:nvPr>
@@ -5809,7 +5711,7 @@
                     </a:lnB>
                     <a:solidFill>
                       <a:schemeClr val="tx1">
-                        <a:alpha val="24000"/>
+                        <a:alpha val="14000"/>
                       </a:schemeClr>
                     </a:solidFill>
                   </a:tcPr>
@@ -5873,7 +5775,7 @@
                     </a:lnB>
                     <a:solidFill>
                       <a:schemeClr val="tx1">
-                        <a:alpha val="24000"/>
+                        <a:alpha val="14000"/>
                       </a:schemeClr>
                     </a:solidFill>
                   </a:tcPr>
@@ -5932,7 +5834,7 @@
                     </a:lnB>
                     <a:solidFill>
                       <a:schemeClr val="tx1">
-                        <a:alpha val="24000"/>
+                        <a:alpha val="14000"/>
                       </a:schemeClr>
                     </a:solidFill>
                   </a:tcPr>
@@ -6028,7 +5930,7 @@
                     </a:lnB>
                     <a:solidFill>
                       <a:schemeClr val="tx1">
-                        <a:alpha val="24000"/>
+                        <a:alpha val="14000"/>
                       </a:schemeClr>
                     </a:solidFill>
                   </a:tcPr>
@@ -6094,7 +5996,7 @@
                     </a:lnB>
                     <a:solidFill>
                       <a:schemeClr val="tx1">
-                        <a:alpha val="24000"/>
+                        <a:alpha val="14000"/>
                       </a:schemeClr>
                     </a:solidFill>
                   </a:tcPr>
@@ -6154,7 +6056,7 @@
                     </a:lnB>
                     <a:solidFill>
                       <a:schemeClr val="tx1">
-                        <a:alpha val="24000"/>
+                        <a:alpha val="14000"/>
                       </a:schemeClr>
                     </a:solidFill>
                   </a:tcPr>
@@ -6214,7 +6116,7 @@
                     </a:lnB>
                     <a:solidFill>
                       <a:schemeClr val="tx1">
-                        <a:alpha val="24000"/>
+                        <a:alpha val="14000"/>
                       </a:schemeClr>
                     </a:solidFill>
                   </a:tcPr>
@@ -6274,7 +6176,7 @@
                     </a:lnB>
                     <a:solidFill>
                       <a:schemeClr val="tx1">
-                        <a:alpha val="24000"/>
+                        <a:alpha val="14000"/>
                       </a:schemeClr>
                     </a:solidFill>
                   </a:tcPr>
@@ -6340,7 +6242,7 @@
                     </a:lnB>
                     <a:solidFill>
                       <a:schemeClr val="tx1">
-                        <a:alpha val="24000"/>
+                        <a:alpha val="14000"/>
                       </a:schemeClr>
                     </a:solidFill>
                   </a:tcPr>
@@ -6400,7 +6302,7 @@
                     </a:lnB>
                     <a:solidFill>
                       <a:schemeClr val="tx1">
-                        <a:alpha val="24000"/>
+                        <a:alpha val="14000"/>
                       </a:schemeClr>
                     </a:solidFill>
                   </a:tcPr>
@@ -6460,7 +6362,7 @@
                     </a:lnB>
                     <a:solidFill>
                       <a:schemeClr val="tx1">
-                        <a:alpha val="24000"/>
+                        <a:alpha val="14000"/>
                       </a:schemeClr>
                     </a:solidFill>
                   </a:tcPr>
@@ -6520,7 +6422,7 @@
                     </a:lnB>
                     <a:solidFill>
                       <a:schemeClr val="tx1">
-                        <a:alpha val="24000"/>
+                        <a:alpha val="14000"/>
                       </a:schemeClr>
                     </a:solidFill>
                   </a:tcPr>
@@ -6586,7 +6488,7 @@
                     </a:lnB>
                     <a:solidFill>
                       <a:schemeClr val="tx1">
-                        <a:alpha val="24000"/>
+                        <a:alpha val="14000"/>
                       </a:schemeClr>
                     </a:solidFill>
                   </a:tcPr>
@@ -6646,7 +6548,7 @@
                     </a:lnB>
                     <a:solidFill>
                       <a:schemeClr val="tx1">
-                        <a:alpha val="24000"/>
+                        <a:alpha val="14000"/>
                       </a:schemeClr>
                     </a:solidFill>
                   </a:tcPr>
@@ -6706,7 +6608,7 @@
                     </a:lnB>
                     <a:solidFill>
                       <a:schemeClr val="tx1">
-                        <a:alpha val="24000"/>
+                        <a:alpha val="14000"/>
                       </a:schemeClr>
                     </a:solidFill>
                   </a:tcPr>
@@ -6766,7 +6668,7 @@
                     </a:lnB>
                     <a:solidFill>
                       <a:schemeClr val="tx1">
-                        <a:alpha val="24000"/>
+                        <a:alpha val="14000"/>
                       </a:schemeClr>
                     </a:solidFill>
                   </a:tcPr>
@@ -6832,7 +6734,7 @@
                     </a:lnB>
                     <a:solidFill>
                       <a:schemeClr val="tx1">
-                        <a:alpha val="24000"/>
+                        <a:alpha val="14000"/>
                       </a:schemeClr>
                     </a:solidFill>
                   </a:tcPr>
@@ -6892,7 +6794,7 @@
                     </a:lnB>
                     <a:solidFill>
                       <a:schemeClr val="tx1">
-                        <a:alpha val="24000"/>
+                        <a:alpha val="14000"/>
                       </a:schemeClr>
                     </a:solidFill>
                   </a:tcPr>
@@ -6952,7 +6854,7 @@
                     </a:lnB>
                     <a:solidFill>
                       <a:schemeClr val="tx1">
-                        <a:alpha val="24000"/>
+                        <a:alpha val="14000"/>
                       </a:schemeClr>
                     </a:solidFill>
                   </a:tcPr>
@@ -7012,7 +6914,7 @@
                     </a:lnB>
                     <a:solidFill>
                       <a:schemeClr val="tx1">
-                        <a:alpha val="24000"/>
+                        <a:alpha val="14000"/>
                       </a:schemeClr>
                     </a:solidFill>
                   </a:tcPr>
@@ -7665,10 +7567,10 @@
       </p:grpSpPr>
       <p:sp>
         <p:nvSpPr>
-          <p:cNvPr id="9" name="Прямоугольник 8">
-            <a:extLst>
-              <a:ext uri="{FF2B5EF4-FFF2-40B4-BE49-F238E27FC236}">
-                <a16:creationId xmlns:a16="http://schemas.microsoft.com/office/drawing/2014/main" id="{78225ECB-6164-6D98-B566-13E4C129B6E9}"/>
+          <p:cNvPr id="10" name="Прямоугольник 9">
+            <a:extLst>
+              <a:ext uri="{FF2B5EF4-FFF2-40B4-BE49-F238E27FC236}">
+                <a16:creationId xmlns:a16="http://schemas.microsoft.com/office/drawing/2014/main" id="{A6EF710C-30F6-8510-59EB-F60767F738D8}"/>
               </a:ext>
             </a:extLst>
           </p:cNvPr>
@@ -7726,8 +7628,8 @@
         </p:nvSpPr>
         <p:spPr>
           <a:xfrm>
-            <a:off x="34213" y="393842"/>
-            <a:ext cx="5050971" cy="646331"/>
+            <a:off x="304800" y="412030"/>
+            <a:ext cx="4985657" cy="646331"/>
           </a:xfrm>
           <a:prstGeom prst="rect">
             <a:avLst/>
@@ -7744,7 +7646,7 @@
               <a:rPr lang="ru-RU" sz="3600" b="1" dirty="0">
                 <a:latin typeface="Arial Narrow" panose="020B0606020202030204" pitchFamily="34" charset="0"/>
               </a:rPr>
-              <a:t>Система движения</a:t>
+              <a:t>Подсистемы управления</a:t>
             </a:r>
           </a:p>
         </p:txBody>
@@ -7786,17 +7688,17 @@
                 </a:solidFill>
                 <a:latin typeface="Arial Black" panose="020B0A04020102020204" pitchFamily="34" charset="0"/>
               </a:rPr>
-              <a:t>5</a:t>
+              <a:t>6</a:t>
             </a:r>
           </a:p>
         </p:txBody>
       </p:sp>
       <p:pic>
         <p:nvPicPr>
-          <p:cNvPr id="7" name="Рисунок 6">
-            <a:extLst>
-              <a:ext uri="{FF2B5EF4-FFF2-40B4-BE49-F238E27FC236}">
-                <a16:creationId xmlns:a16="http://schemas.microsoft.com/office/drawing/2014/main" id="{CC627B56-63AD-E2F5-9622-5B99C5603B1C}"/>
+          <p:cNvPr id="4" name="Рисунок 3">
+            <a:extLst>
+              <a:ext uri="{FF2B5EF4-FFF2-40B4-BE49-F238E27FC236}">
+                <a16:creationId xmlns:a16="http://schemas.microsoft.com/office/drawing/2014/main" id="{6D43634A-E31B-1F72-65B0-6ADE9B850F64}"/>
               </a:ext>
             </a:extLst>
           </p:cNvPr>
@@ -7813,8 +7715,8 @@
         </p:blipFill>
         <p:spPr>
           <a:xfrm>
-            <a:off x="662500" y="1668236"/>
-            <a:ext cx="10555888" cy="3824295"/>
+            <a:off x="1615047" y="1331831"/>
+            <a:ext cx="8961905" cy="4380952"/>
           </a:xfrm>
           <a:prstGeom prst="rect">
             <a:avLst/>
@@ -7824,7 +7726,7 @@
     </p:spTree>
     <p:extLst>
       <p:ext uri="{BB962C8B-B14F-4D97-AF65-F5344CB8AC3E}">
-        <p14:creationId xmlns:p14="http://schemas.microsoft.com/office/powerpoint/2010/main" val="221186031"/>
+        <p14:creationId xmlns:p14="http://schemas.microsoft.com/office/powerpoint/2010/main" val="1576205623"/>
       </p:ext>
     </p:extLst>
   </p:cSld>
@@ -7853,10 +7755,10 @@
       </p:grpSpPr>
       <p:sp>
         <p:nvSpPr>
-          <p:cNvPr id="9" name="Прямоугольник 8">
-            <a:extLst>
-              <a:ext uri="{FF2B5EF4-FFF2-40B4-BE49-F238E27FC236}">
-                <a16:creationId xmlns:a16="http://schemas.microsoft.com/office/drawing/2014/main" id="{0856B740-18A9-6D88-C1EC-770780CA3348}"/>
+          <p:cNvPr id="7" name="Прямоугольник 6">
+            <a:extLst>
+              <a:ext uri="{FF2B5EF4-FFF2-40B4-BE49-F238E27FC236}">
+                <a16:creationId xmlns:a16="http://schemas.microsoft.com/office/drawing/2014/main" id="{27CDDE1F-7669-3713-EF2E-83F9FA89D37F}"/>
               </a:ext>
             </a:extLst>
           </p:cNvPr>
@@ -7914,8 +7816,8 @@
         </p:nvSpPr>
         <p:spPr>
           <a:xfrm>
-            <a:off x="304800" y="412030"/>
-            <a:ext cx="5069633" cy="646331"/>
+            <a:off x="304801" y="412030"/>
+            <a:ext cx="5060302" cy="646331"/>
           </a:xfrm>
           <a:prstGeom prst="rect">
             <a:avLst/>
@@ -7932,7 +7834,7 @@
               <a:rPr lang="ru-RU" sz="3600" b="1" dirty="0">
                 <a:latin typeface="Arial Narrow" panose="020B0606020202030204" pitchFamily="34" charset="0"/>
               </a:rPr>
-              <a:t>Реализация движения</a:t>
+              <a:t>Реализация управления</a:t>
             </a:r>
           </a:p>
         </p:txBody>
@@ -7981,10 +7883,10 @@
       </p:sp>
       <p:pic>
         <p:nvPicPr>
-          <p:cNvPr id="7" name="Рисунок 6" descr="Изображение выглядит как текст, электроника, компьютер&#10;&#10;Автоматически созданное описание">
-            <a:extLst>
-              <a:ext uri="{FF2B5EF4-FFF2-40B4-BE49-F238E27FC236}">
-                <a16:creationId xmlns:a16="http://schemas.microsoft.com/office/drawing/2014/main" id="{9A94BB37-156D-BA25-5661-45FCC2BE47DE}"/>
+          <p:cNvPr id="10" name="Рисунок 9">
+            <a:extLst>
+              <a:ext uri="{FF2B5EF4-FFF2-40B4-BE49-F238E27FC236}">
+                <a16:creationId xmlns:a16="http://schemas.microsoft.com/office/drawing/2014/main" id="{C364429E-ECCE-AA69-9398-72863156E08B}"/>
               </a:ext>
             </a:extLst>
           </p:cNvPr>
@@ -8001,8 +7903,8 @@
         </p:blipFill>
         <p:spPr>
           <a:xfrm>
-            <a:off x="699477" y="1408834"/>
-            <a:ext cx="10793045" cy="4700522"/>
+            <a:off x="1156995" y="1240882"/>
+            <a:ext cx="9181907" cy="5094585"/>
           </a:xfrm>
           <a:prstGeom prst="rect">
             <a:avLst/>
@@ -8012,7 +7914,7 @@
     </p:spTree>
     <p:extLst>
       <p:ext uri="{BB962C8B-B14F-4D97-AF65-F5344CB8AC3E}">
-        <p14:creationId xmlns:p14="http://schemas.microsoft.com/office/powerpoint/2010/main" val="1874325486"/>
+        <p14:creationId xmlns:p14="http://schemas.microsoft.com/office/powerpoint/2010/main" val="3185162394"/>
       </p:ext>
     </p:extLst>
   </p:cSld>

--- a/Готовые части/NormPreza.pptx
+++ b/Готовые части/NormPreza.pptx
@@ -3709,7 +3709,7 @@
               <a:rPr lang="ru-RU" sz="3600" b="1" dirty="0">
                 <a:latin typeface="Arial Narrow" panose="020B0606020202030204" pitchFamily="34" charset="0"/>
               </a:rPr>
-              <a:t>Реализация движения</a:t>
+              <a:t>Система движения</a:t>
             </a:r>
           </a:p>
         </p:txBody>
@@ -3728,8 +3728,8 @@
         </p:nvSpPr>
         <p:spPr>
           <a:xfrm>
-            <a:off x="11525639" y="6183404"/>
-            <a:ext cx="415990" cy="461665"/>
+            <a:off x="11308702" y="6183404"/>
+            <a:ext cx="632927" cy="461665"/>
           </a:xfrm>
           <a:prstGeom prst="rect">
             <a:avLst/>
@@ -3751,7 +3751,7 @@
                 </a:solidFill>
                 <a:latin typeface="Arial Black" panose="020B0A04020102020204" pitchFamily="34" charset="0"/>
               </a:rPr>
-              <a:t>6</a:t>
+              <a:t>10</a:t>
             </a:r>
           </a:p>
         </p:txBody>
@@ -3897,7 +3897,7 @@
               <a:rPr lang="ru-RU" sz="3600" b="1" dirty="0">
                 <a:latin typeface="Arial Narrow" panose="020B0606020202030204" pitchFamily="34" charset="0"/>
               </a:rPr>
-              <a:t>Реализация движения</a:t>
+              <a:t>Система движения</a:t>
             </a:r>
           </a:p>
         </p:txBody>
@@ -3916,8 +3916,8 @@
         </p:nvSpPr>
         <p:spPr>
           <a:xfrm>
-            <a:off x="11525639" y="6183404"/>
-            <a:ext cx="415990" cy="461665"/>
+            <a:off x="11318033" y="6183404"/>
+            <a:ext cx="623596" cy="461665"/>
           </a:xfrm>
           <a:prstGeom prst="rect">
             <a:avLst/>
@@ -3939,7 +3939,7 @@
                 </a:solidFill>
                 <a:latin typeface="Arial Black" panose="020B0A04020102020204" pitchFamily="34" charset="0"/>
               </a:rPr>
-              <a:t>6</a:t>
+              <a:t>11</a:t>
             </a:r>
           </a:p>
         </p:txBody>
@@ -4018,7 +4018,7 @@
         </p:nvSpPr>
         <p:spPr>
           <a:xfrm>
-            <a:off x="-1" y="0"/>
+            <a:off x="-1" y="9331"/>
             <a:ext cx="12192000" cy="6858000"/>
           </a:xfrm>
           <a:prstGeom prst="rect">
@@ -4067,8 +4067,8 @@
         </p:nvSpPr>
         <p:spPr>
           <a:xfrm>
-            <a:off x="304801" y="412030"/>
-            <a:ext cx="5125616" cy="646331"/>
+            <a:off x="304800" y="412030"/>
+            <a:ext cx="7364963" cy="646331"/>
           </a:xfrm>
           <a:prstGeom prst="rect">
             <a:avLst/>
@@ -4085,7 +4085,7 @@
               <a:rPr lang="ru-RU" sz="3600" b="1" dirty="0">
                 <a:latin typeface="Arial Narrow" panose="020B0606020202030204" pitchFamily="34" charset="0"/>
               </a:rPr>
-              <a:t>Расширения редактора</a:t>
+              <a:t>Хранение конфигураций модулей</a:t>
             </a:r>
           </a:p>
         </p:txBody>
@@ -4104,8 +4104,8 @@
         </p:nvSpPr>
         <p:spPr>
           <a:xfrm>
-            <a:off x="11525639" y="6183404"/>
-            <a:ext cx="415990" cy="461665"/>
+            <a:off x="11280710" y="6183404"/>
+            <a:ext cx="660919" cy="461665"/>
           </a:xfrm>
           <a:prstGeom prst="rect">
             <a:avLst/>
@@ -4127,7 +4127,7 @@
                 </a:solidFill>
                 <a:latin typeface="Arial Black" panose="020B0A04020102020204" pitchFamily="34" charset="0"/>
               </a:rPr>
-              <a:t>6</a:t>
+              <a:t>12</a:t>
             </a:r>
           </a:p>
         </p:txBody>
@@ -4154,7 +4154,7 @@
         </p:blipFill>
         <p:spPr>
           <a:xfrm>
-            <a:off x="8054139" y="735195"/>
+            <a:off x="8264733" y="595078"/>
             <a:ext cx="3740150" cy="3578860"/>
           </a:xfrm>
           <a:prstGeom prst="rect">
@@ -4164,10 +4164,10 @@
       </p:pic>
       <p:pic>
         <p:nvPicPr>
-          <p:cNvPr id="9" name="Рисунок 8">
-            <a:extLst>
-              <a:ext uri="{FF2B5EF4-FFF2-40B4-BE49-F238E27FC236}">
-                <a16:creationId xmlns:a16="http://schemas.microsoft.com/office/drawing/2014/main" id="{588ED801-EF22-4720-8EE8-665ACFF33627}"/>
+          <p:cNvPr id="10" name="Рисунок 9" descr="Изображение выглядит как текст, табло, снимок экрана&#10;&#10;Автоматически созданное описание">
+            <a:extLst>
+              <a:ext uri="{FF2B5EF4-FFF2-40B4-BE49-F238E27FC236}">
+                <a16:creationId xmlns:a16="http://schemas.microsoft.com/office/drawing/2014/main" id="{1C310545-07EC-C03F-A8C7-FD4F867D766B}"/>
               </a:ext>
             </a:extLst>
           </p:cNvPr>
@@ -4184,8 +4184,8 @@
         </p:blipFill>
         <p:spPr>
           <a:xfrm>
-            <a:off x="304799" y="1405380"/>
-            <a:ext cx="3133333" cy="4638095"/>
+            <a:off x="5169160" y="2847791"/>
+            <a:ext cx="3723640" cy="3885565"/>
           </a:xfrm>
           <a:prstGeom prst="rect">
             <a:avLst/>
@@ -4194,10 +4194,10 @@
       </p:pic>
       <p:pic>
         <p:nvPicPr>
-          <p:cNvPr id="10" name="Рисунок 9" descr="Изображение выглядит как текст, табло, снимок экрана&#10;&#10;Автоматически созданное описание">
-            <a:extLst>
-              <a:ext uri="{FF2B5EF4-FFF2-40B4-BE49-F238E27FC236}">
-                <a16:creationId xmlns:a16="http://schemas.microsoft.com/office/drawing/2014/main" id="{1C310545-07EC-C03F-A8C7-FD4F867D766B}"/>
+          <p:cNvPr id="4" name="Рисунок 3">
+            <a:extLst>
+              <a:ext uri="{FF2B5EF4-FFF2-40B4-BE49-F238E27FC236}">
+                <a16:creationId xmlns:a16="http://schemas.microsoft.com/office/drawing/2014/main" id="{B64D4F83-D5A2-DDEC-04C5-CE8A57DD46B4}"/>
               </a:ext>
             </a:extLst>
           </p:cNvPr>
@@ -4214,14 +4214,107 @@
         </p:blipFill>
         <p:spPr>
           <a:xfrm>
-            <a:off x="5030230" y="2640457"/>
-            <a:ext cx="3723640" cy="3885565"/>
+            <a:off x="187117" y="1470391"/>
+            <a:ext cx="3605388" cy="4809934"/>
           </a:xfrm>
           <a:prstGeom prst="rect">
             <a:avLst/>
           </a:prstGeom>
         </p:spPr>
       </p:pic>
+      <p:cxnSp>
+        <p:nvCxnSpPr>
+          <p:cNvPr id="7" name="Прямая со стрелкой 6">
+            <a:extLst>
+              <a:ext uri="{FF2B5EF4-FFF2-40B4-BE49-F238E27FC236}">
+                <a16:creationId xmlns:a16="http://schemas.microsoft.com/office/drawing/2014/main" id="{EC80F7E1-BB09-0B84-1E16-1EC30FA73CB1}"/>
+              </a:ext>
+            </a:extLst>
+          </p:cNvPr>
+          <p:cNvCxnSpPr>
+            <a:cxnSpLocks/>
+          </p:cNvCxnSpPr>
+          <p:nvPr/>
+        </p:nvCxnSpPr>
+        <p:spPr>
+          <a:xfrm>
+            <a:off x="3792505" y="5103845"/>
+            <a:ext cx="1376655" cy="0"/>
+          </a:xfrm>
+          <a:prstGeom prst="straightConnector1">
+            <a:avLst/>
+          </a:prstGeom>
+          <a:ln w="60325">
+            <a:solidFill>
+              <a:schemeClr val="accent3">
+                <a:lumMod val="75000"/>
+              </a:schemeClr>
+            </a:solidFill>
+            <a:tailEnd type="triangle"/>
+          </a:ln>
+        </p:spPr>
+        <p:style>
+          <a:lnRef idx="1">
+            <a:schemeClr val="dk1"/>
+          </a:lnRef>
+          <a:fillRef idx="0">
+            <a:schemeClr val="dk1"/>
+          </a:fillRef>
+          <a:effectRef idx="0">
+            <a:schemeClr val="dk1"/>
+          </a:effectRef>
+          <a:fontRef idx="minor">
+            <a:schemeClr val="tx1"/>
+          </a:fontRef>
+        </p:style>
+      </p:cxnSp>
+      <p:cxnSp>
+        <p:nvCxnSpPr>
+          <p:cNvPr id="15" name="Прямая со стрелкой 14">
+            <a:extLst>
+              <a:ext uri="{FF2B5EF4-FFF2-40B4-BE49-F238E27FC236}">
+                <a16:creationId xmlns:a16="http://schemas.microsoft.com/office/drawing/2014/main" id="{13DACE59-90FE-002D-5BDE-D525C6A11EF7}"/>
+              </a:ext>
+            </a:extLst>
+          </p:cNvPr>
+          <p:cNvCxnSpPr>
+            <a:cxnSpLocks/>
+            <a:endCxn id="11" idx="1"/>
+          </p:cNvCxnSpPr>
+          <p:nvPr/>
+        </p:nvCxnSpPr>
+        <p:spPr>
+          <a:xfrm>
+            <a:off x="3952739" y="2384508"/>
+            <a:ext cx="4311994" cy="0"/>
+          </a:xfrm>
+          <a:prstGeom prst="straightConnector1">
+            <a:avLst/>
+          </a:prstGeom>
+          <a:ln w="60325">
+            <a:solidFill>
+              <a:schemeClr val="accent3">
+                <a:lumMod val="75000"/>
+              </a:schemeClr>
+            </a:solidFill>
+            <a:tailEnd type="triangle"/>
+          </a:ln>
+        </p:spPr>
+        <p:style>
+          <a:lnRef idx="1">
+            <a:schemeClr val="dk1"/>
+          </a:lnRef>
+          <a:fillRef idx="0">
+            <a:schemeClr val="dk1"/>
+          </a:fillRef>
+          <a:effectRef idx="0">
+            <a:schemeClr val="dk1"/>
+          </a:effectRef>
+          <a:fontRef idx="minor">
+            <a:schemeClr val="tx1"/>
+          </a:fontRef>
+        </p:style>
+      </p:cxnSp>
     </p:spTree>
     <p:extLst>
       <p:ext uri="{BB962C8B-B14F-4D97-AF65-F5344CB8AC3E}">
@@ -4266,7 +4359,7 @@
         </p:nvSpPr>
         <p:spPr>
           <a:xfrm>
-            <a:off x="-1" y="0"/>
+            <a:off x="-1" y="9331"/>
             <a:ext cx="12192000" cy="6858000"/>
           </a:xfrm>
           <a:prstGeom prst="rect">
@@ -4316,7 +4409,7 @@
         <p:spPr>
           <a:xfrm>
             <a:off x="239486" y="248953"/>
-            <a:ext cx="4976327" cy="646331"/>
+            <a:ext cx="9511004" cy="646331"/>
           </a:xfrm>
           <a:prstGeom prst="rect">
             <a:avLst/>
@@ -4333,7 +4426,7 @@
               <a:rPr lang="ru-RU" sz="3600" b="1" dirty="0">
                 <a:latin typeface="Arial Narrow" panose="020B0606020202030204" pitchFamily="34" charset="0"/>
               </a:rPr>
-              <a:t>Тестирование</a:t>
+              <a:t>Сценарии симуляции движения поезда</a:t>
             </a:r>
           </a:p>
         </p:txBody>
@@ -4352,8 +4445,8 @@
         </p:nvSpPr>
         <p:spPr>
           <a:xfrm>
-            <a:off x="11525639" y="6183404"/>
-            <a:ext cx="415990" cy="461665"/>
+            <a:off x="11346024" y="6183404"/>
+            <a:ext cx="595605" cy="461665"/>
           </a:xfrm>
           <a:prstGeom prst="rect">
             <a:avLst/>
@@ -4375,7 +4468,7 @@
                 </a:solidFill>
                 <a:latin typeface="Arial Black" panose="020B0A04020102020204" pitchFamily="34" charset="0"/>
               </a:rPr>
-              <a:t>6</a:t>
+              <a:t>13</a:t>
             </a:r>
           </a:p>
         </p:txBody>
@@ -4573,8 +4666,8 @@
         </p:nvSpPr>
         <p:spPr>
           <a:xfrm>
-            <a:off x="11525639" y="6183404"/>
-            <a:ext cx="415990" cy="461665"/>
+            <a:off x="11215396" y="6183404"/>
+            <a:ext cx="726233" cy="461665"/>
           </a:xfrm>
           <a:prstGeom prst="rect">
             <a:avLst/>
@@ -4596,7 +4689,7 @@
                 </a:solidFill>
                 <a:latin typeface="Arial Black" panose="020B0A04020102020204" pitchFamily="34" charset="0"/>
               </a:rPr>
-              <a:t>7</a:t>
+              <a:t>14</a:t>
             </a:r>
           </a:p>
         </p:txBody>
@@ -4616,7 +4709,7 @@
         <p:spPr>
           <a:xfrm>
             <a:off x="314129" y="1175793"/>
-            <a:ext cx="11563741" cy="5635582"/>
+            <a:ext cx="10117495" cy="5635582"/>
           </a:xfrm>
           <a:prstGeom prst="rect">
             <a:avLst/>
@@ -4723,7 +4816,7 @@
                 <a:latin typeface="Arial" panose="020B0604020202020204" pitchFamily="34" charset="0"/>
                 <a:cs typeface="Arial" panose="020B0604020202020204" pitchFamily="34" charset="0"/>
               </a:rPr>
-              <a:t>Выполнено модульное тестирование</a:t>
+              <a:t>Пройдены сценарии симуляции</a:t>
             </a:r>
           </a:p>
           <a:p>
@@ -4804,10 +4897,10 @@
       </p:grpSpPr>
       <p:sp>
         <p:nvSpPr>
-          <p:cNvPr id="9" name="Прямоугольник 8">
-            <a:extLst>
-              <a:ext uri="{FF2B5EF4-FFF2-40B4-BE49-F238E27FC236}">
-                <a16:creationId xmlns:a16="http://schemas.microsoft.com/office/drawing/2014/main" id="{0D61A3C7-4E6B-85AD-DD84-08739ED10AC7}"/>
+          <p:cNvPr id="6" name="Прямоугольник 5">
+            <a:extLst>
+              <a:ext uri="{FF2B5EF4-FFF2-40B4-BE49-F238E27FC236}">
+                <a16:creationId xmlns:a16="http://schemas.microsoft.com/office/drawing/2014/main" id="{0059E121-A59C-8BD0-C543-24295815C758}"/>
               </a:ext>
             </a:extLst>
           </p:cNvPr>
@@ -4816,14 +4909,14 @@
         </p:nvSpPr>
         <p:spPr>
           <a:xfrm>
-            <a:off x="-1" y="0"/>
+            <a:off x="0" y="0"/>
             <a:ext cx="12192000" cy="6858000"/>
           </a:xfrm>
           <a:prstGeom prst="rect">
             <a:avLst/>
           </a:prstGeom>
           <a:solidFill>
-            <a:srgbClr val="F8BD88"/>
+            <a:srgbClr val="EADA9E"/>
           </a:solidFill>
         </p:spPr>
         <p:style>
@@ -5064,7 +5157,7 @@
         <p:spPr>
           <a:xfrm>
             <a:off x="304800" y="1316114"/>
-            <a:ext cx="11563741" cy="1754326"/>
+            <a:ext cx="11563741" cy="461665"/>
           </a:xfrm>
           <a:prstGeom prst="rect">
             <a:avLst/>
@@ -5087,20 +5180,8 @@
                 <a:ea typeface="Times New Roman" panose="02020603050405020304" pitchFamily="18" charset="0"/>
                 <a:cs typeface="Arial" panose="020B0604020202020204" pitchFamily="34" charset="0"/>
               </a:rPr>
-              <a:t>Реализовать подсистему управления поездом в симуляторе машиниста московского метрополитена. </a:t>
-            </a:r>
-          </a:p>
-          <a:p>
-            <a:endParaRPr lang="ru-RU" sz="2600" dirty="0">
-              <a:latin typeface="Arial" panose="020B0604020202020204" pitchFamily="34" charset="0"/>
-              <a:cs typeface="Arial" panose="020B0604020202020204" pitchFamily="34" charset="0"/>
-            </a:endParaRPr>
-          </a:p>
-          <a:p>
-            <a:endParaRPr lang="ru-RU" sz="3200" dirty="0">
-              <a:latin typeface="Arial Narrow" panose="020B0606020202030204" pitchFamily="34" charset="0"/>
-              <a:cs typeface="Gautami" panose="020B0502040204020203" pitchFamily="34" charset="0"/>
-            </a:endParaRPr>
+              <a:t>Симуляция работы машиниста в симуляторе московского метрополитена </a:t>
+            </a:r>
           </a:p>
         </p:txBody>
       </p:sp>
@@ -5190,7 +5271,7 @@
         </p:nvSpPr>
         <p:spPr>
           <a:xfrm>
-            <a:off x="-1" y="0"/>
+            <a:off x="0" y="0"/>
             <a:ext cx="12192000" cy="6858000"/>
           </a:xfrm>
           <a:prstGeom prst="rect">
@@ -5280,7 +5361,7 @@
         <p:spPr>
           <a:xfrm>
             <a:off x="304800" y="1316114"/>
-            <a:ext cx="11563741" cy="3822585"/>
+            <a:ext cx="11563741" cy="2922851"/>
           </a:xfrm>
           <a:prstGeom prst="rect">
             <a:avLst/>
@@ -5305,7 +5386,7 @@
                 <a:latin typeface="Arial" panose="020B0604020202020204" pitchFamily="34" charset="0"/>
                 <a:cs typeface="Arial" panose="020B0604020202020204" pitchFamily="34" charset="0"/>
               </a:rPr>
-              <a:t>Реализовать модуль чтения ввода пользователя</a:t>
+              <a:t>Чтение ввода пользователя</a:t>
             </a:r>
           </a:p>
           <a:p>
@@ -5321,7 +5402,7 @@
                 <a:latin typeface="Arial" panose="020B0604020202020204" pitchFamily="34" charset="0"/>
                 <a:cs typeface="Arial" panose="020B0604020202020204" pitchFamily="34" charset="0"/>
               </a:rPr>
-              <a:t>Разработать модуль движения модели поезда </a:t>
+              <a:t>Симуляция движения модели поезда </a:t>
             </a:r>
           </a:p>
           <a:p>
@@ -5337,7 +5418,7 @@
                 <a:latin typeface="Arial" panose="020B0604020202020204" pitchFamily="34" charset="0"/>
                 <a:cs typeface="Arial" panose="020B0604020202020204" pitchFamily="34" charset="0"/>
               </a:rPr>
-              <a:t>Разработать модули для взаимодействия с вспомогательными системами поезда</a:t>
+              <a:t>Взаимодействие с вспомогательными системами поезда</a:t>
             </a:r>
           </a:p>
           <a:p>
@@ -5353,7 +5434,7 @@
                 <a:latin typeface="Arial" panose="020B0604020202020204" pitchFamily="34" charset="0"/>
                 <a:cs typeface="Arial" panose="020B0604020202020204" pitchFamily="34" charset="0"/>
               </a:rPr>
-              <a:t>Создать инструменты для упрощенной работы с системой</a:t>
+              <a:t>Связь с визуальной частью</a:t>
             </a:r>
           </a:p>
           <a:p>
@@ -5369,7 +5450,7 @@
                 <a:latin typeface="Arial" panose="020B0604020202020204" pitchFamily="34" charset="0"/>
                 <a:cs typeface="Arial" panose="020B0604020202020204" pitchFamily="34" charset="0"/>
               </a:rPr>
-              <a:t>Связать подсистемы с визуальной частью</a:t>
+              <a:t>Хранение конфигураций модулей</a:t>
             </a:r>
           </a:p>
           <a:p>
@@ -5385,10 +5466,8 @@
                 <a:latin typeface="Arial" panose="020B0604020202020204" pitchFamily="34" charset="0"/>
                 <a:cs typeface="Arial" panose="020B0604020202020204" pitchFamily="34" charset="0"/>
               </a:rPr>
-              <a:t>Написать модульные тесты для автоматизации процесса тестирования</a:t>
-            </a:r>
-          </a:p>
-          <a:p>
+              <a:t>Прохождение сценариев симуляции</a:t>
+            </a:r>
             <a:endParaRPr lang="ru-RU" sz="2400" dirty="0">
               <a:latin typeface="Arial Narrow" panose="020B0606020202030204" pitchFamily="34" charset="0"/>
               <a:cs typeface="Gautami" panose="020B0502040204020203" pitchFamily="34" charset="0"/>
@@ -6973,7 +7052,7 @@
         </p:nvSpPr>
         <p:spPr>
           <a:xfrm>
-            <a:off x="-1" y="0"/>
+            <a:off x="0" y="0"/>
             <a:ext cx="12192000" cy="6858000"/>
           </a:xfrm>
           <a:prstGeom prst="rect">
@@ -7085,7 +7164,7 @@
                 </a:solidFill>
                 <a:latin typeface="Arial Black" panose="020B0A04020102020204" pitchFamily="34" charset="0"/>
               </a:rPr>
-              <a:t>7</a:t>
+              <a:t>5</a:t>
             </a:r>
           </a:p>
         </p:txBody>
@@ -7104,7 +7183,7 @@
         </p:nvSpPr>
         <p:spPr>
           <a:xfrm>
-            <a:off x="304801" y="2480852"/>
+            <a:off x="304801" y="1408835"/>
             <a:ext cx="9212424" cy="1446550"/>
           </a:xfrm>
           <a:prstGeom prst="rect">
@@ -7151,6 +7230,131 @@
           </a:p>
         </p:txBody>
       </p:sp>
+      <p:pic>
+        <p:nvPicPr>
+          <p:cNvPr id="4" name="Рисунок 3">
+            <a:extLst>
+              <a:ext uri="{FF2B5EF4-FFF2-40B4-BE49-F238E27FC236}">
+                <a16:creationId xmlns:a16="http://schemas.microsoft.com/office/drawing/2014/main" id="{921498ED-DE9C-9BFB-428C-2C61E840B6D8}"/>
+              </a:ext>
+            </a:extLst>
+          </p:cNvPr>
+          <p:cNvPicPr>
+            <a:picLocks noChangeAspect="1"/>
+          </p:cNvPicPr>
+          <p:nvPr/>
+        </p:nvPicPr>
+        <p:blipFill>
+          <a:blip r:embed="rId2">
+            <a:extLst>
+              <a:ext uri="{BEBA8EAE-BF5A-486C-A8C5-ECC9F3942E4B}">
+                <a14:imgProps xmlns:a14="http://schemas.microsoft.com/office/drawing/2010/main">
+                  <a14:imgLayer r:embed="rId3">
+                    <a14:imgEffect>
+                      <a14:backgroundRemoval t="10000" b="90000" l="10000" r="90000"/>
+                    </a14:imgEffect>
+                  </a14:imgLayer>
+                </a14:imgProps>
+              </a:ext>
+            </a:extLst>
+          </a:blip>
+          <a:stretch>
+            <a:fillRect/>
+          </a:stretch>
+        </p:blipFill>
+        <p:spPr>
+          <a:xfrm>
+            <a:off x="2249476" y="3330229"/>
+            <a:ext cx="2853175" cy="2853175"/>
+          </a:xfrm>
+          <a:prstGeom prst="rect">
+            <a:avLst/>
+          </a:prstGeom>
+        </p:spPr>
+      </p:pic>
+      <p:pic>
+        <p:nvPicPr>
+          <p:cNvPr id="7" name="Рисунок 6">
+            <a:extLst>
+              <a:ext uri="{FF2B5EF4-FFF2-40B4-BE49-F238E27FC236}">
+                <a16:creationId xmlns:a16="http://schemas.microsoft.com/office/drawing/2014/main" id="{B580AC10-B884-7412-B4F3-2BE58F66CE25}"/>
+              </a:ext>
+            </a:extLst>
+          </p:cNvPr>
+          <p:cNvPicPr>
+            <a:picLocks noChangeAspect="1"/>
+          </p:cNvPicPr>
+          <p:nvPr/>
+        </p:nvPicPr>
+        <p:blipFill>
+          <a:blip r:embed="rId4">
+            <a:extLst>
+              <a:ext uri="{BEBA8EAE-BF5A-486C-A8C5-ECC9F3942E4B}">
+                <a14:imgProps xmlns:a14="http://schemas.microsoft.com/office/drawing/2010/main">
+                  <a14:imgLayer r:embed="rId5">
+                    <a14:imgEffect>
+                      <a14:backgroundRemoval t="2423" b="94053" l="9451" r="89451">
+                        <a14:foregroundMark x1="20440" y1="74670" x2="20440" y2="74670"/>
+                        <a14:foregroundMark x1="18901" y1="72907" x2="15165" y2="45374"/>
+                        <a14:foregroundMark x1="15165" y1="45374" x2="27473" y2="19604"/>
+                        <a14:foregroundMark x1="27473" y1="19604" x2="54945" y2="13436"/>
+                        <a14:foregroundMark x1="54945" y1="13436" x2="73846" y2="18722"/>
+                        <a14:foregroundMark x1="73846" y1="18722" x2="83736" y2="42952"/>
+                        <a14:foregroundMark x1="83736" y1="42952" x2="81978" y2="60793"/>
+                        <a14:foregroundMark x1="81978" y1="60793" x2="60220" y2="67621"/>
+                        <a14:foregroundMark x1="60220" y1="67621" x2="61978" y2="38987"/>
+                        <a14:foregroundMark x1="61978" y1="38987" x2="57582" y2="21586"/>
+                        <a14:foregroundMark x1="57582" y1="21586" x2="31868" y2="37665"/>
+                        <a14:foregroundMark x1="31868" y1="37665" x2="35165" y2="69604"/>
+                        <a14:foregroundMark x1="35165" y1="69604" x2="55604" y2="77313"/>
+                        <a14:foregroundMark x1="55604" y1="77313" x2="63956" y2="69824"/>
+                        <a14:foregroundMark x1="31429" y1="68722" x2="26593" y2="48018"/>
+                        <a14:foregroundMark x1="26813" y1="41189" x2="26813" y2="41189"/>
+                        <a14:foregroundMark x1="29451" y1="37445" x2="39560" y2="27753"/>
+                        <a14:foregroundMark x1="26374" y1="42070" x2="39121" y2="25330"/>
+                        <a14:foregroundMark x1="39121" y1="25330" x2="39121" y2="25330"/>
+                        <a14:foregroundMark x1="18242" y1="47357" x2="31429" y2="33040"/>
+                        <a14:foregroundMark x1="31429" y1="33040" x2="25934" y2="27974"/>
+                        <a14:foregroundMark x1="17363" y1="29515" x2="43516" y2="14317"/>
+                        <a14:foregroundMark x1="58022" y1="12335" x2="74505" y2="42731"/>
+                        <a14:foregroundMark x1="83077" y1="60132" x2="81099" y2="40529"/>
+                        <a14:foregroundMark x1="81099" y1="40529" x2="79780" y2="38326"/>
+                        <a14:foregroundMark x1="74945" y1="38106" x2="79121" y2="63216"/>
+                        <a14:foregroundMark x1="68791" y1="70485" x2="65495" y2="71806"/>
+                        <a14:foregroundMark x1="39780" y1="74449" x2="39780" y2="74449"/>
+                        <a14:foregroundMark x1="16044" y1="44053" x2="16044" y2="44053"/>
+                        <a14:foregroundMark x1="26154" y1="74009" x2="26154" y2="74009"/>
+                        <a14:foregroundMark x1="20220" y1="69383" x2="45714" y2="86784"/>
+                        <a14:foregroundMark x1="55165" y1="86564" x2="77143" y2="79075"/>
+                        <a14:foregroundMark x1="77143" y1="79075" x2="83297" y2="70044"/>
+                        <a14:foregroundMark x1="41978" y1="79075" x2="41978" y2="79075"/>
+                        <a14:foregroundMark x1="26154" y1="60573" x2="26154" y2="60573"/>
+                        <a14:foregroundMark x1="86154" y1="46476" x2="86154" y2="46476"/>
+                        <a14:foregroundMark x1="73626" y1="21366" x2="73626" y2="21366"/>
+                        <a14:foregroundMark x1="50110" y1="7048" x2="50110" y2="7048"/>
+                        <a14:foregroundMark x1="49451" y1="2423" x2="49451" y2="2423"/>
+                        <a14:foregroundMark x1="49670" y1="94053" x2="49670" y2="94053"/>
+                      </a14:backgroundRemoval>
+                    </a14:imgEffect>
+                  </a14:imgLayer>
+                </a14:imgProps>
+              </a:ext>
+            </a:extLst>
+          </a:blip>
+          <a:stretch>
+            <a:fillRect/>
+          </a:stretch>
+        </p:blipFill>
+        <p:spPr>
+          <a:xfrm>
+            <a:off x="7352127" y="3415580"/>
+            <a:ext cx="2773920" cy="2767824"/>
+          </a:xfrm>
+          <a:prstGeom prst="rect">
+            <a:avLst/>
+          </a:prstGeom>
+        </p:spPr>
+      </p:pic>
     </p:spTree>
     <p:extLst>
       <p:ext uri="{BB962C8B-B14F-4D97-AF65-F5344CB8AC3E}">
@@ -7267,7 +7471,7 @@
                 </a:solidFill>
                 <a:latin typeface="Arial Black" panose="020B0A04020102020204" pitchFamily="34" charset="0"/>
               </a:rPr>
-              <a:t>4</a:t>
+              <a:t>6</a:t>
             </a:r>
           </a:p>
         </p:txBody>
@@ -7316,10 +7520,10 @@
       </p:sp>
       <p:pic>
         <p:nvPicPr>
-          <p:cNvPr id="8" name="Рисунок 7">
-            <a:extLst>
-              <a:ext uri="{FF2B5EF4-FFF2-40B4-BE49-F238E27FC236}">
-                <a16:creationId xmlns:a16="http://schemas.microsoft.com/office/drawing/2014/main" id="{C39617E3-AB0D-51D1-FC05-9F8819160FCC}"/>
+          <p:cNvPr id="4" name="Рисунок 3">
+            <a:extLst>
+              <a:ext uri="{FF2B5EF4-FFF2-40B4-BE49-F238E27FC236}">
+                <a16:creationId xmlns:a16="http://schemas.microsoft.com/office/drawing/2014/main" id="{1D106562-A380-CBE0-A249-2E07A07722E8}"/>
               </a:ext>
             </a:extLst>
           </p:cNvPr>
@@ -7336,8 +7540,8 @@
         </p:blipFill>
         <p:spPr>
           <a:xfrm>
-            <a:off x="935447" y="1406022"/>
-            <a:ext cx="10190476" cy="4885714"/>
+            <a:off x="972394" y="1271575"/>
+            <a:ext cx="10231142" cy="4911829"/>
           </a:xfrm>
           <a:prstGeom prst="rect">
             <a:avLst/>
@@ -7437,7 +7641,7 @@
         </p:nvSpPr>
         <p:spPr>
           <a:xfrm>
-            <a:off x="304801" y="412030"/>
+            <a:off x="295469" y="234744"/>
             <a:ext cx="8214048" cy="584775"/>
           </a:xfrm>
           <a:prstGeom prst="rect">
@@ -7455,7 +7659,7 @@
               <a:rPr lang="ru-RU" sz="3200" b="1" dirty="0">
                 <a:latin typeface="Arial Narrow" panose="020B0606020202030204" pitchFamily="34" charset="0"/>
               </a:rPr>
-              <a:t>Считывание ввода пользователя</a:t>
+              <a:t>Валидатор ввода пользователя</a:t>
             </a:r>
             <a:endParaRPr lang="ru-RU" sz="3600" b="1" dirty="0">
               <a:latin typeface="Arial Narrow" panose="020B0606020202030204" pitchFamily="34" charset="0"/>
@@ -7629,7 +7833,7 @@
         <p:spPr>
           <a:xfrm>
             <a:off x="304800" y="412030"/>
-            <a:ext cx="4985657" cy="646331"/>
+            <a:ext cx="8652588" cy="646331"/>
           </a:xfrm>
           <a:prstGeom prst="rect">
             <a:avLst/>
@@ -7646,7 +7850,7 @@
               <a:rPr lang="ru-RU" sz="3600" b="1" dirty="0">
                 <a:latin typeface="Arial Narrow" panose="020B0606020202030204" pitchFamily="34" charset="0"/>
               </a:rPr>
-              <a:t>Подсистемы управления</a:t>
+              <a:t>Вспомогательные системы поезда</a:t>
             </a:r>
           </a:p>
         </p:txBody>
@@ -7688,7 +7892,7 @@
                 </a:solidFill>
                 <a:latin typeface="Arial Black" panose="020B0A04020102020204" pitchFamily="34" charset="0"/>
               </a:rPr>
-              <a:t>6</a:t>
+              <a:t>8</a:t>
             </a:r>
           </a:p>
         </p:txBody>
@@ -7817,7 +8021,7 @@
         <p:spPr>
           <a:xfrm>
             <a:off x="304801" y="412030"/>
-            <a:ext cx="5060302" cy="646331"/>
+            <a:ext cx="8335346" cy="646331"/>
           </a:xfrm>
           <a:prstGeom prst="rect">
             <a:avLst/>
@@ -7834,7 +8038,7 @@
               <a:rPr lang="ru-RU" sz="3600" b="1" dirty="0">
                 <a:latin typeface="Arial Narrow" panose="020B0606020202030204" pitchFamily="34" charset="0"/>
               </a:rPr>
-              <a:t>Реализация управления</a:t>
+              <a:t>Вспомогательные системы поезда</a:t>
             </a:r>
           </a:p>
         </p:txBody>
@@ -7876,7 +8080,7 @@
                 </a:solidFill>
                 <a:latin typeface="Arial Black" panose="020B0A04020102020204" pitchFamily="34" charset="0"/>
               </a:rPr>
-              <a:t>6</a:t>
+              <a:t>9</a:t>
             </a:r>
           </a:p>
         </p:txBody>

--- a/Готовые части/NormPreza.pptx
+++ b/Готовые части/NormPreza.pptx
@@ -7,19 +7,18 @@
   <p:sldIdLst>
     <p:sldId id="256" r:id="rId2"/>
     <p:sldId id="257" r:id="rId3"/>
-    <p:sldId id="271" r:id="rId4"/>
-    <p:sldId id="259" r:id="rId5"/>
-    <p:sldId id="267" r:id="rId6"/>
-    <p:sldId id="260" r:id="rId7"/>
-    <p:sldId id="272" r:id="rId8"/>
-    <p:sldId id="262" r:id="rId9"/>
-    <p:sldId id="269" r:id="rId10"/>
-    <p:sldId id="273" r:id="rId11"/>
-    <p:sldId id="268" r:id="rId12"/>
-    <p:sldId id="265" r:id="rId13"/>
-    <p:sldId id="266" r:id="rId14"/>
-    <p:sldId id="263" r:id="rId15"/>
-    <p:sldId id="270" r:id="rId16"/>
+    <p:sldId id="259" r:id="rId4"/>
+    <p:sldId id="267" r:id="rId5"/>
+    <p:sldId id="260" r:id="rId6"/>
+    <p:sldId id="272" r:id="rId7"/>
+    <p:sldId id="262" r:id="rId8"/>
+    <p:sldId id="269" r:id="rId9"/>
+    <p:sldId id="273" r:id="rId10"/>
+    <p:sldId id="268" r:id="rId11"/>
+    <p:sldId id="265" r:id="rId12"/>
+    <p:sldId id="266" r:id="rId13"/>
+    <p:sldId id="263" r:id="rId14"/>
+    <p:sldId id="270" r:id="rId15"/>
   </p:sldIdLst>
   <p:sldSz cx="12192000" cy="6858000"/>
   <p:notesSz cx="6858000" cy="9144000"/>
@@ -273,7 +272,7 @@
           <a:p>
             <a:fld id="{944A6E1B-0D88-4A34-B162-82492BF04209}" type="datetimeFigureOut">
               <a:rPr lang="ru-RU" smtClean="0"/>
-              <a:t>14.06.2022</a:t>
+              <a:t>19.06.2022</a:t>
             </a:fld>
             <a:endParaRPr lang="ru-RU"/>
           </a:p>
@@ -471,7 +470,7 @@
           <a:p>
             <a:fld id="{944A6E1B-0D88-4A34-B162-82492BF04209}" type="datetimeFigureOut">
               <a:rPr lang="ru-RU" smtClean="0"/>
-              <a:t>14.06.2022</a:t>
+              <a:t>19.06.2022</a:t>
             </a:fld>
             <a:endParaRPr lang="ru-RU"/>
           </a:p>
@@ -679,7 +678,7 @@
           <a:p>
             <a:fld id="{944A6E1B-0D88-4A34-B162-82492BF04209}" type="datetimeFigureOut">
               <a:rPr lang="ru-RU" smtClean="0"/>
-              <a:t>14.06.2022</a:t>
+              <a:t>19.06.2022</a:t>
             </a:fld>
             <a:endParaRPr lang="ru-RU"/>
           </a:p>
@@ -877,7 +876,7 @@
           <a:p>
             <a:fld id="{944A6E1B-0D88-4A34-B162-82492BF04209}" type="datetimeFigureOut">
               <a:rPr lang="ru-RU" smtClean="0"/>
-              <a:t>14.06.2022</a:t>
+              <a:t>19.06.2022</a:t>
             </a:fld>
             <a:endParaRPr lang="ru-RU"/>
           </a:p>
@@ -1152,7 +1151,7 @@
           <a:p>
             <a:fld id="{944A6E1B-0D88-4A34-B162-82492BF04209}" type="datetimeFigureOut">
               <a:rPr lang="ru-RU" smtClean="0"/>
-              <a:t>14.06.2022</a:t>
+              <a:t>19.06.2022</a:t>
             </a:fld>
             <a:endParaRPr lang="ru-RU"/>
           </a:p>
@@ -1417,7 +1416,7 @@
           <a:p>
             <a:fld id="{944A6E1B-0D88-4A34-B162-82492BF04209}" type="datetimeFigureOut">
               <a:rPr lang="ru-RU" smtClean="0"/>
-              <a:t>14.06.2022</a:t>
+              <a:t>19.06.2022</a:t>
             </a:fld>
             <a:endParaRPr lang="ru-RU"/>
           </a:p>
@@ -1829,7 +1828,7 @@
           <a:p>
             <a:fld id="{944A6E1B-0D88-4A34-B162-82492BF04209}" type="datetimeFigureOut">
               <a:rPr lang="ru-RU" smtClean="0"/>
-              <a:t>14.06.2022</a:t>
+              <a:t>19.06.2022</a:t>
             </a:fld>
             <a:endParaRPr lang="ru-RU"/>
           </a:p>
@@ -1970,7 +1969,7 @@
           <a:p>
             <a:fld id="{944A6E1B-0D88-4A34-B162-82492BF04209}" type="datetimeFigureOut">
               <a:rPr lang="ru-RU" smtClean="0"/>
-              <a:t>14.06.2022</a:t>
+              <a:t>19.06.2022</a:t>
             </a:fld>
             <a:endParaRPr lang="ru-RU"/>
           </a:p>
@@ -2083,7 +2082,7 @@
           <a:p>
             <a:fld id="{944A6E1B-0D88-4A34-B162-82492BF04209}" type="datetimeFigureOut">
               <a:rPr lang="ru-RU" smtClean="0"/>
-              <a:t>14.06.2022</a:t>
+              <a:t>19.06.2022</a:t>
             </a:fld>
             <a:endParaRPr lang="ru-RU"/>
           </a:p>
@@ -2394,7 +2393,7 @@
           <a:p>
             <a:fld id="{944A6E1B-0D88-4A34-B162-82492BF04209}" type="datetimeFigureOut">
               <a:rPr lang="ru-RU" smtClean="0"/>
-              <a:t>14.06.2022</a:t>
+              <a:t>19.06.2022</a:t>
             </a:fld>
             <a:endParaRPr lang="ru-RU"/>
           </a:p>
@@ -2682,7 +2681,7 @@
           <a:p>
             <a:fld id="{944A6E1B-0D88-4A34-B162-82492BF04209}" type="datetimeFigureOut">
               <a:rPr lang="ru-RU" smtClean="0"/>
-              <a:t>14.06.2022</a:t>
+              <a:t>19.06.2022</a:t>
             </a:fld>
             <a:endParaRPr lang="ru-RU"/>
           </a:p>
@@ -2923,7 +2922,7 @@
           <a:p>
             <a:fld id="{944A6E1B-0D88-4A34-B162-82492BF04209}" type="datetimeFigureOut">
               <a:rPr lang="ru-RU" smtClean="0"/>
-              <a:t>14.06.2022</a:t>
+              <a:t>19.06.2022</a:t>
             </a:fld>
             <a:endParaRPr lang="ru-RU"/>
           </a:p>
@@ -3630,10 +3629,10 @@
       </p:grpSpPr>
       <p:sp>
         <p:nvSpPr>
-          <p:cNvPr id="10" name="Прямоугольник 9">
-            <a:extLst>
-              <a:ext uri="{FF2B5EF4-FFF2-40B4-BE49-F238E27FC236}">
-                <a16:creationId xmlns:a16="http://schemas.microsoft.com/office/drawing/2014/main" id="{A6EF710C-30F6-8510-59EB-F60767F738D8}"/>
+          <p:cNvPr id="9" name="Прямоугольник 8">
+            <a:extLst>
+              <a:ext uri="{FF2B5EF4-FFF2-40B4-BE49-F238E27FC236}">
+                <a16:creationId xmlns:a16="http://schemas.microsoft.com/office/drawing/2014/main" id="{0856B740-18A9-6D88-C1EC-770780CA3348}"/>
               </a:ext>
             </a:extLst>
           </p:cNvPr>
@@ -3692,7 +3691,7 @@
         <p:spPr>
           <a:xfrm>
             <a:off x="304800" y="412030"/>
-            <a:ext cx="4985657" cy="646331"/>
+            <a:ext cx="5069633" cy="646331"/>
           </a:xfrm>
           <a:prstGeom prst="rect">
             <a:avLst/>
@@ -3728,8 +3727,8 @@
         </p:nvSpPr>
         <p:spPr>
           <a:xfrm>
-            <a:off x="11308702" y="6183404"/>
-            <a:ext cx="632927" cy="461665"/>
+            <a:off x="11318033" y="6183404"/>
+            <a:ext cx="623596" cy="461665"/>
           </a:xfrm>
           <a:prstGeom prst="rect">
             <a:avLst/>
@@ -3758,10 +3757,10 @@
       </p:sp>
       <p:pic>
         <p:nvPicPr>
-          <p:cNvPr id="6" name="Рисунок 5">
-            <a:extLst>
-              <a:ext uri="{FF2B5EF4-FFF2-40B4-BE49-F238E27FC236}">
-                <a16:creationId xmlns:a16="http://schemas.microsoft.com/office/drawing/2014/main" id="{E45529B9-A389-9B13-7F10-4FFBC2031DB5}"/>
+          <p:cNvPr id="7" name="Рисунок 6" descr="Изображение выглядит как текст, электроника, компьютер&#10;&#10;Автоматически созданное описание">
+            <a:extLst>
+              <a:ext uri="{FF2B5EF4-FFF2-40B4-BE49-F238E27FC236}">
+                <a16:creationId xmlns:a16="http://schemas.microsoft.com/office/drawing/2014/main" id="{9A94BB37-156D-BA25-5661-45FCC2BE47DE}"/>
               </a:ext>
             </a:extLst>
           </p:cNvPr>
@@ -3778,8 +3777,8 @@
         </p:blipFill>
         <p:spPr>
           <a:xfrm>
-            <a:off x="1766916" y="1620113"/>
-            <a:ext cx="8247619" cy="4476190"/>
+            <a:off x="699477" y="1408834"/>
+            <a:ext cx="10793045" cy="4700522"/>
           </a:xfrm>
           <a:prstGeom prst="rect">
             <a:avLst/>
@@ -3789,7 +3788,7 @@
     </p:spTree>
     <p:extLst>
       <p:ext uri="{BB962C8B-B14F-4D97-AF65-F5344CB8AC3E}">
-        <p14:creationId xmlns:p14="http://schemas.microsoft.com/office/powerpoint/2010/main" val="815118820"/>
+        <p14:creationId xmlns:p14="http://schemas.microsoft.com/office/powerpoint/2010/main" val="1874325486"/>
       </p:ext>
     </p:extLst>
   </p:cSld>
@@ -3818,10 +3817,10 @@
       </p:grpSpPr>
       <p:sp>
         <p:nvSpPr>
-          <p:cNvPr id="9" name="Прямоугольник 8">
-            <a:extLst>
-              <a:ext uri="{FF2B5EF4-FFF2-40B4-BE49-F238E27FC236}">
-                <a16:creationId xmlns:a16="http://schemas.microsoft.com/office/drawing/2014/main" id="{0856B740-18A9-6D88-C1EC-770780CA3348}"/>
+          <p:cNvPr id="12" name="Прямоугольник 11">
+            <a:extLst>
+              <a:ext uri="{FF2B5EF4-FFF2-40B4-BE49-F238E27FC236}">
+                <a16:creationId xmlns:a16="http://schemas.microsoft.com/office/drawing/2014/main" id="{92D68066-1557-7F39-F0ED-5B7B479DC502}"/>
               </a:ext>
             </a:extLst>
           </p:cNvPr>
@@ -3830,7 +3829,7 @@
         </p:nvSpPr>
         <p:spPr>
           <a:xfrm>
-            <a:off x="-1" y="0"/>
+            <a:off x="-1" y="9331"/>
             <a:ext cx="12192000" cy="6858000"/>
           </a:xfrm>
           <a:prstGeom prst="rect">
@@ -3861,7 +3860,7 @@
           <a:lstStyle/>
           <a:p>
             <a:pPr algn="ctr"/>
-            <a:endParaRPr lang="ru-RU" dirty="0"/>
+            <a:endParaRPr lang="ru-RU"/>
           </a:p>
         </p:txBody>
       </p:sp>
@@ -3880,7 +3879,7 @@
         <p:spPr>
           <a:xfrm>
             <a:off x="304800" y="412030"/>
-            <a:ext cx="5069633" cy="646331"/>
+            <a:ext cx="7364963" cy="646331"/>
           </a:xfrm>
           <a:prstGeom prst="rect">
             <a:avLst/>
@@ -3897,7 +3896,7 @@
               <a:rPr lang="ru-RU" sz="3600" b="1" dirty="0">
                 <a:latin typeface="Arial Narrow" panose="020B0606020202030204" pitchFamily="34" charset="0"/>
               </a:rPr>
-              <a:t>Система движения</a:t>
+              <a:t>Хранение конфигураций модулей</a:t>
             </a:r>
           </a:p>
         </p:txBody>
@@ -3916,8 +3915,8 @@
         </p:nvSpPr>
         <p:spPr>
           <a:xfrm>
-            <a:off x="11318033" y="6183404"/>
-            <a:ext cx="623596" cy="461665"/>
+            <a:off x="11280710" y="6183404"/>
+            <a:ext cx="660919" cy="461665"/>
           </a:xfrm>
           <a:prstGeom prst="rect">
             <a:avLst/>
@@ -3940,194 +3939,6 @@
                 <a:latin typeface="Arial Black" panose="020B0A04020102020204" pitchFamily="34" charset="0"/>
               </a:rPr>
               <a:t>11</a:t>
-            </a:r>
-          </a:p>
-        </p:txBody>
-      </p:sp>
-      <p:pic>
-        <p:nvPicPr>
-          <p:cNvPr id="7" name="Рисунок 6" descr="Изображение выглядит как текст, электроника, компьютер&#10;&#10;Автоматически созданное описание">
-            <a:extLst>
-              <a:ext uri="{FF2B5EF4-FFF2-40B4-BE49-F238E27FC236}">
-                <a16:creationId xmlns:a16="http://schemas.microsoft.com/office/drawing/2014/main" id="{9A94BB37-156D-BA25-5661-45FCC2BE47DE}"/>
-              </a:ext>
-            </a:extLst>
-          </p:cNvPr>
-          <p:cNvPicPr>
-            <a:picLocks noChangeAspect="1"/>
-          </p:cNvPicPr>
-          <p:nvPr/>
-        </p:nvPicPr>
-        <p:blipFill>
-          <a:blip r:embed="rId2"/>
-          <a:stretch>
-            <a:fillRect/>
-          </a:stretch>
-        </p:blipFill>
-        <p:spPr>
-          <a:xfrm>
-            <a:off x="699477" y="1408834"/>
-            <a:ext cx="10793045" cy="4700522"/>
-          </a:xfrm>
-          <a:prstGeom prst="rect">
-            <a:avLst/>
-          </a:prstGeom>
-        </p:spPr>
-      </p:pic>
-    </p:spTree>
-    <p:extLst>
-      <p:ext uri="{BB962C8B-B14F-4D97-AF65-F5344CB8AC3E}">
-        <p14:creationId xmlns:p14="http://schemas.microsoft.com/office/powerpoint/2010/main" val="1874325486"/>
-      </p:ext>
-    </p:extLst>
-  </p:cSld>
-  <p:clrMapOvr>
-    <a:masterClrMapping/>
-  </p:clrMapOvr>
-</p:sld>
-</file>
-
-<file path=ppt/slides/slide12.xml><?xml version="1.0" encoding="utf-8"?>
-<p:sld xmlns:a="http://schemas.openxmlformats.org/drawingml/2006/main" xmlns:r="http://schemas.openxmlformats.org/officeDocument/2006/relationships" xmlns:p="http://schemas.openxmlformats.org/presentationml/2006/main">
-  <p:cSld>
-    <p:spTree>
-      <p:nvGrpSpPr>
-        <p:cNvPr id="1" name=""/>
-        <p:cNvGrpSpPr/>
-        <p:nvPr/>
-      </p:nvGrpSpPr>
-      <p:grpSpPr>
-        <a:xfrm>
-          <a:off x="0" y="0"/>
-          <a:ext cx="0" cy="0"/>
-          <a:chOff x="0" y="0"/>
-          <a:chExt cx="0" cy="0"/>
-        </a:xfrm>
-      </p:grpSpPr>
-      <p:sp>
-        <p:nvSpPr>
-          <p:cNvPr id="12" name="Прямоугольник 11">
-            <a:extLst>
-              <a:ext uri="{FF2B5EF4-FFF2-40B4-BE49-F238E27FC236}">
-                <a16:creationId xmlns:a16="http://schemas.microsoft.com/office/drawing/2014/main" id="{92D68066-1557-7F39-F0ED-5B7B479DC502}"/>
-              </a:ext>
-            </a:extLst>
-          </p:cNvPr>
-          <p:cNvSpPr/>
-          <p:nvPr/>
-        </p:nvSpPr>
-        <p:spPr>
-          <a:xfrm>
-            <a:off x="-1" y="9331"/>
-            <a:ext cx="12192000" cy="6858000"/>
-          </a:xfrm>
-          <a:prstGeom prst="rect">
-            <a:avLst/>
-          </a:prstGeom>
-          <a:solidFill>
-            <a:srgbClr val="F8BD88"/>
-          </a:solidFill>
-        </p:spPr>
-        <p:style>
-          <a:lnRef idx="2">
-            <a:schemeClr val="accent1">
-              <a:shade val="50000"/>
-            </a:schemeClr>
-          </a:lnRef>
-          <a:fillRef idx="1">
-            <a:schemeClr val="accent1"/>
-          </a:fillRef>
-          <a:effectRef idx="0">
-            <a:schemeClr val="accent1"/>
-          </a:effectRef>
-          <a:fontRef idx="minor">
-            <a:schemeClr val="lt1"/>
-          </a:fontRef>
-        </p:style>
-        <p:txBody>
-          <a:bodyPr rtlCol="0" anchor="ctr"/>
-          <a:lstStyle/>
-          <a:p>
-            <a:pPr algn="ctr"/>
-            <a:endParaRPr lang="ru-RU"/>
-          </a:p>
-        </p:txBody>
-      </p:sp>
-      <p:sp>
-        <p:nvSpPr>
-          <p:cNvPr id="5" name="TextBox 4">
-            <a:extLst>
-              <a:ext uri="{FF2B5EF4-FFF2-40B4-BE49-F238E27FC236}">
-                <a16:creationId xmlns:a16="http://schemas.microsoft.com/office/drawing/2014/main" id="{F71A844B-7627-0241-B45B-44F2D9D1EF05}"/>
-              </a:ext>
-            </a:extLst>
-          </p:cNvPr>
-          <p:cNvSpPr txBox="1"/>
-          <p:nvPr/>
-        </p:nvSpPr>
-        <p:spPr>
-          <a:xfrm>
-            <a:off x="304800" y="412030"/>
-            <a:ext cx="7364963" cy="646331"/>
-          </a:xfrm>
-          <a:prstGeom prst="rect">
-            <a:avLst/>
-          </a:prstGeom>
-          <a:noFill/>
-        </p:spPr>
-        <p:txBody>
-          <a:bodyPr wrap="square">
-            <a:spAutoFit/>
-          </a:bodyPr>
-          <a:lstStyle/>
-          <a:p>
-            <a:r>
-              <a:rPr lang="ru-RU" sz="3600" b="1" dirty="0">
-                <a:latin typeface="Arial Narrow" panose="020B0606020202030204" pitchFamily="34" charset="0"/>
-              </a:rPr>
-              <a:t>Хранение конфигураций модулей</a:t>
-            </a:r>
-          </a:p>
-        </p:txBody>
-      </p:sp>
-      <p:sp>
-        <p:nvSpPr>
-          <p:cNvPr id="3" name="TextBox 2">
-            <a:extLst>
-              <a:ext uri="{FF2B5EF4-FFF2-40B4-BE49-F238E27FC236}">
-                <a16:creationId xmlns:a16="http://schemas.microsoft.com/office/drawing/2014/main" id="{830DA6B1-AFAA-B43F-424F-7D28736F06D2}"/>
-              </a:ext>
-            </a:extLst>
-          </p:cNvPr>
-          <p:cNvSpPr txBox="1"/>
-          <p:nvPr/>
-        </p:nvSpPr>
-        <p:spPr>
-          <a:xfrm>
-            <a:off x="11280710" y="6183404"/>
-            <a:ext cx="660919" cy="461665"/>
-          </a:xfrm>
-          <a:prstGeom prst="rect">
-            <a:avLst/>
-          </a:prstGeom>
-          <a:noFill/>
-        </p:spPr>
-        <p:txBody>
-          <a:bodyPr wrap="square" rtlCol="0">
-            <a:spAutoFit/>
-          </a:bodyPr>
-          <a:lstStyle/>
-          <a:p>
-            <a:r>
-              <a:rPr lang="ru-RU" sz="2400" dirty="0">
-                <a:solidFill>
-                  <a:schemeClr val="accent6">
-                    <a:lumMod val="75000"/>
-                  </a:schemeClr>
-                </a:solidFill>
-                <a:latin typeface="Arial Black" panose="020B0A04020102020204" pitchFamily="34" charset="0"/>
-              </a:rPr>
-              <a:t>12</a:t>
             </a:r>
           </a:p>
         </p:txBody>
@@ -4328,6 +4139,224 @@
 </p:sld>
 </file>
 
+<file path=ppt/slides/slide12.xml><?xml version="1.0" encoding="utf-8"?>
+<p:sld xmlns:a="http://schemas.openxmlformats.org/drawingml/2006/main" xmlns:r="http://schemas.openxmlformats.org/officeDocument/2006/relationships" xmlns:p="http://schemas.openxmlformats.org/presentationml/2006/main">
+  <p:cSld>
+    <p:spTree>
+      <p:nvGrpSpPr>
+        <p:cNvPr id="1" name=""/>
+        <p:cNvGrpSpPr/>
+        <p:nvPr/>
+      </p:nvGrpSpPr>
+      <p:grpSpPr>
+        <a:xfrm>
+          <a:off x="0" y="0"/>
+          <a:ext cx="0" cy="0"/>
+          <a:chOff x="0" y="0"/>
+          <a:chExt cx="0" cy="0"/>
+        </a:xfrm>
+      </p:grpSpPr>
+      <p:sp>
+        <p:nvSpPr>
+          <p:cNvPr id="10" name="Прямоугольник 9">
+            <a:extLst>
+              <a:ext uri="{FF2B5EF4-FFF2-40B4-BE49-F238E27FC236}">
+                <a16:creationId xmlns:a16="http://schemas.microsoft.com/office/drawing/2014/main" id="{4BBD1E4F-E39D-C912-9657-2A1D4C2BF1B2}"/>
+              </a:ext>
+            </a:extLst>
+          </p:cNvPr>
+          <p:cNvSpPr/>
+          <p:nvPr/>
+        </p:nvSpPr>
+        <p:spPr>
+          <a:xfrm>
+            <a:off x="-1" y="9331"/>
+            <a:ext cx="12192000" cy="6858000"/>
+          </a:xfrm>
+          <a:prstGeom prst="rect">
+            <a:avLst/>
+          </a:prstGeom>
+          <a:solidFill>
+            <a:srgbClr val="F8BD88"/>
+          </a:solidFill>
+        </p:spPr>
+        <p:style>
+          <a:lnRef idx="2">
+            <a:schemeClr val="accent1">
+              <a:shade val="50000"/>
+            </a:schemeClr>
+          </a:lnRef>
+          <a:fillRef idx="1">
+            <a:schemeClr val="accent1"/>
+          </a:fillRef>
+          <a:effectRef idx="0">
+            <a:schemeClr val="accent1"/>
+          </a:effectRef>
+          <a:fontRef idx="minor">
+            <a:schemeClr val="lt1"/>
+          </a:fontRef>
+        </p:style>
+        <p:txBody>
+          <a:bodyPr rtlCol="0" anchor="ctr"/>
+          <a:lstStyle/>
+          <a:p>
+            <a:pPr algn="ctr"/>
+            <a:endParaRPr lang="ru-RU"/>
+          </a:p>
+        </p:txBody>
+      </p:sp>
+      <p:sp>
+        <p:nvSpPr>
+          <p:cNvPr id="5" name="TextBox 4">
+            <a:extLst>
+              <a:ext uri="{FF2B5EF4-FFF2-40B4-BE49-F238E27FC236}">
+                <a16:creationId xmlns:a16="http://schemas.microsoft.com/office/drawing/2014/main" id="{F71A844B-7627-0241-B45B-44F2D9D1EF05}"/>
+              </a:ext>
+            </a:extLst>
+          </p:cNvPr>
+          <p:cNvSpPr txBox="1"/>
+          <p:nvPr/>
+        </p:nvSpPr>
+        <p:spPr>
+          <a:xfrm>
+            <a:off x="239486" y="248953"/>
+            <a:ext cx="9511004" cy="646331"/>
+          </a:xfrm>
+          <a:prstGeom prst="rect">
+            <a:avLst/>
+          </a:prstGeom>
+          <a:noFill/>
+        </p:spPr>
+        <p:txBody>
+          <a:bodyPr wrap="square">
+            <a:spAutoFit/>
+          </a:bodyPr>
+          <a:lstStyle/>
+          <a:p>
+            <a:r>
+              <a:rPr lang="ru-RU" sz="3600" b="1" dirty="0">
+                <a:latin typeface="Arial Narrow" panose="020B0606020202030204" pitchFamily="34" charset="0"/>
+              </a:rPr>
+              <a:t>Сценарии симуляции движения поезда</a:t>
+            </a:r>
+          </a:p>
+        </p:txBody>
+      </p:sp>
+      <p:sp>
+        <p:nvSpPr>
+          <p:cNvPr id="3" name="TextBox 2">
+            <a:extLst>
+              <a:ext uri="{FF2B5EF4-FFF2-40B4-BE49-F238E27FC236}">
+                <a16:creationId xmlns:a16="http://schemas.microsoft.com/office/drawing/2014/main" id="{830DA6B1-AFAA-B43F-424F-7D28736F06D2}"/>
+              </a:ext>
+            </a:extLst>
+          </p:cNvPr>
+          <p:cNvSpPr txBox="1"/>
+          <p:nvPr/>
+        </p:nvSpPr>
+        <p:spPr>
+          <a:xfrm>
+            <a:off x="11346024" y="6183404"/>
+            <a:ext cx="595605" cy="461665"/>
+          </a:xfrm>
+          <a:prstGeom prst="rect">
+            <a:avLst/>
+          </a:prstGeom>
+          <a:noFill/>
+        </p:spPr>
+        <p:txBody>
+          <a:bodyPr wrap="square" rtlCol="0">
+            <a:spAutoFit/>
+          </a:bodyPr>
+          <a:lstStyle/>
+          <a:p>
+            <a:r>
+              <a:rPr lang="ru-RU" sz="2400" dirty="0">
+                <a:solidFill>
+                  <a:schemeClr val="accent6">
+                    <a:lumMod val="75000"/>
+                  </a:schemeClr>
+                </a:solidFill>
+                <a:latin typeface="Arial Black" panose="020B0A04020102020204" pitchFamily="34" charset="0"/>
+              </a:rPr>
+              <a:t>12</a:t>
+            </a:r>
+          </a:p>
+        </p:txBody>
+      </p:sp>
+      <p:pic>
+        <p:nvPicPr>
+          <p:cNvPr id="7" name="Рисунок 6" descr="Изображение выглядит как текст&#10;&#10;Автоматически созданное описание">
+            <a:extLst>
+              <a:ext uri="{FF2B5EF4-FFF2-40B4-BE49-F238E27FC236}">
+                <a16:creationId xmlns:a16="http://schemas.microsoft.com/office/drawing/2014/main" id="{5D5771FD-056D-2686-E5B0-F8686F914C32}"/>
+              </a:ext>
+            </a:extLst>
+          </p:cNvPr>
+          <p:cNvPicPr>
+            <a:picLocks noChangeAspect="1"/>
+          </p:cNvPicPr>
+          <p:nvPr/>
+        </p:nvPicPr>
+        <p:blipFill>
+          <a:blip r:embed="rId2"/>
+          <a:stretch>
+            <a:fillRect/>
+          </a:stretch>
+        </p:blipFill>
+        <p:spPr>
+          <a:xfrm>
+            <a:off x="93307" y="1156908"/>
+            <a:ext cx="6895352" cy="3668249"/>
+          </a:xfrm>
+          <a:prstGeom prst="rect">
+            <a:avLst/>
+          </a:prstGeom>
+        </p:spPr>
+      </p:pic>
+      <p:pic>
+        <p:nvPicPr>
+          <p:cNvPr id="9" name="Рисунок 8">
+            <a:extLst>
+              <a:ext uri="{FF2B5EF4-FFF2-40B4-BE49-F238E27FC236}">
+                <a16:creationId xmlns:a16="http://schemas.microsoft.com/office/drawing/2014/main" id="{5723D7FB-3D06-0DC3-F927-941387057CF7}"/>
+              </a:ext>
+            </a:extLst>
+          </p:cNvPr>
+          <p:cNvPicPr>
+            <a:picLocks noChangeAspect="1"/>
+          </p:cNvPicPr>
+          <p:nvPr/>
+        </p:nvPicPr>
+        <p:blipFill>
+          <a:blip r:embed="rId3"/>
+          <a:stretch>
+            <a:fillRect/>
+          </a:stretch>
+        </p:blipFill>
+        <p:spPr>
+          <a:xfrm>
+            <a:off x="4813306" y="4078497"/>
+            <a:ext cx="6017763" cy="2194714"/>
+          </a:xfrm>
+          <a:prstGeom prst="rect">
+            <a:avLst/>
+          </a:prstGeom>
+        </p:spPr>
+      </p:pic>
+    </p:spTree>
+    <p:extLst>
+      <p:ext uri="{BB962C8B-B14F-4D97-AF65-F5344CB8AC3E}">
+        <p14:creationId xmlns:p14="http://schemas.microsoft.com/office/powerpoint/2010/main" val="3698893246"/>
+      </p:ext>
+    </p:extLst>
+  </p:cSld>
+  <p:clrMapOvr>
+    <a:masterClrMapping/>
+  </p:clrMapOvr>
+</p:sld>
+</file>
+
 <file path=ppt/slides/slide13.xml><?xml version="1.0" encoding="utf-8"?>
 <p:sld xmlns:a="http://schemas.openxmlformats.org/drawingml/2006/main" xmlns:r="http://schemas.openxmlformats.org/officeDocument/2006/relationships" xmlns:p="http://schemas.openxmlformats.org/presentationml/2006/main">
   <p:cSld>
@@ -4347,10 +4376,10 @@
       </p:grpSpPr>
       <p:sp>
         <p:nvSpPr>
-          <p:cNvPr id="10" name="Прямоугольник 9">
-            <a:extLst>
-              <a:ext uri="{FF2B5EF4-FFF2-40B4-BE49-F238E27FC236}">
-                <a16:creationId xmlns:a16="http://schemas.microsoft.com/office/drawing/2014/main" id="{4BBD1E4F-E39D-C912-9657-2A1D4C2BF1B2}"/>
+          <p:cNvPr id="9" name="Прямоугольник 8">
+            <a:extLst>
+              <a:ext uri="{FF2B5EF4-FFF2-40B4-BE49-F238E27FC236}">
+                <a16:creationId xmlns:a16="http://schemas.microsoft.com/office/drawing/2014/main" id="{0D61A3C7-4E6B-85AD-DD84-08739ED10AC7}"/>
               </a:ext>
             </a:extLst>
           </p:cNvPr>
@@ -4359,7 +4388,7 @@
         </p:nvSpPr>
         <p:spPr>
           <a:xfrm>
-            <a:off x="-1" y="9331"/>
+            <a:off x="-1" y="0"/>
             <a:ext cx="12192000" cy="6858000"/>
           </a:xfrm>
           <a:prstGeom prst="rect">
@@ -4408,8 +4437,8 @@
         </p:nvSpPr>
         <p:spPr>
           <a:xfrm>
-            <a:off x="239486" y="248953"/>
-            <a:ext cx="9511004" cy="646331"/>
+            <a:off x="304801" y="412030"/>
+            <a:ext cx="4805680" cy="584775"/>
           </a:xfrm>
           <a:prstGeom prst="rect">
             <a:avLst/>
@@ -4423,11 +4452,14 @@
           <a:lstStyle/>
           <a:p>
             <a:r>
-              <a:rPr lang="ru-RU" sz="3600" b="1" dirty="0">
+              <a:rPr lang="ru-RU" sz="3200" b="1" dirty="0">
                 <a:latin typeface="Arial Narrow" panose="020B0606020202030204" pitchFamily="34" charset="0"/>
               </a:rPr>
-              <a:t>Сценарии симуляции движения поезда</a:t>
-            </a:r>
+              <a:t>Заключение</a:t>
+            </a:r>
+            <a:endParaRPr lang="ru-RU" sz="3600" b="1" dirty="0">
+              <a:latin typeface="Arial Narrow" panose="020B0606020202030204" pitchFamily="34" charset="0"/>
+            </a:endParaRPr>
           </a:p>
         </p:txBody>
       </p:sp>
@@ -4445,8 +4477,8 @@
         </p:nvSpPr>
         <p:spPr>
           <a:xfrm>
-            <a:off x="11346024" y="6183404"/>
-            <a:ext cx="595605" cy="461665"/>
+            <a:off x="11215396" y="6183404"/>
+            <a:ext cx="726233" cy="461665"/>
           </a:xfrm>
           <a:prstGeom prst="rect">
             <a:avLst/>
@@ -4473,70 +4505,181 @@
           </a:p>
         </p:txBody>
       </p:sp>
-      <p:pic>
-        <p:nvPicPr>
-          <p:cNvPr id="7" name="Рисунок 6" descr="Изображение выглядит как текст&#10;&#10;Автоматически созданное описание">
-            <a:extLst>
-              <a:ext uri="{FF2B5EF4-FFF2-40B4-BE49-F238E27FC236}">
-                <a16:creationId xmlns:a16="http://schemas.microsoft.com/office/drawing/2014/main" id="{5D5771FD-056D-2686-E5B0-F8686F914C32}"/>
-              </a:ext>
-            </a:extLst>
-          </p:cNvPr>
-          <p:cNvPicPr>
-            <a:picLocks noChangeAspect="1"/>
-          </p:cNvPicPr>
+      <p:sp>
+        <p:nvSpPr>
+          <p:cNvPr id="6" name="TextBox 5">
+            <a:extLst>
+              <a:ext uri="{FF2B5EF4-FFF2-40B4-BE49-F238E27FC236}">
+                <a16:creationId xmlns:a16="http://schemas.microsoft.com/office/drawing/2014/main" id="{6E9B498D-5736-7ABB-6631-1FFD80E1DD9B}"/>
+              </a:ext>
+            </a:extLst>
+          </p:cNvPr>
+          <p:cNvSpPr txBox="1"/>
           <p:nvPr/>
-        </p:nvPicPr>
-        <p:blipFill>
-          <a:blip r:embed="rId2"/>
-          <a:stretch>
-            <a:fillRect/>
-          </a:stretch>
-        </p:blipFill>
-        <p:spPr>
-          <a:xfrm>
-            <a:off x="93307" y="1156908"/>
-            <a:ext cx="6895352" cy="3668249"/>
+        </p:nvSpPr>
+        <p:spPr>
+          <a:xfrm>
+            <a:off x="314129" y="1175793"/>
+            <a:ext cx="10117495" cy="5635582"/>
           </a:xfrm>
           <a:prstGeom prst="rect">
             <a:avLst/>
           </a:prstGeom>
-        </p:spPr>
-      </p:pic>
-      <p:pic>
-        <p:nvPicPr>
-          <p:cNvPr id="9" name="Рисунок 8">
-            <a:extLst>
-              <a:ext uri="{FF2B5EF4-FFF2-40B4-BE49-F238E27FC236}">
-                <a16:creationId xmlns:a16="http://schemas.microsoft.com/office/drawing/2014/main" id="{5723D7FB-3D06-0DC3-F927-941387057CF7}"/>
-              </a:ext>
-            </a:extLst>
-          </p:cNvPr>
-          <p:cNvPicPr>
-            <a:picLocks noChangeAspect="1"/>
-          </p:cNvPicPr>
-          <p:nvPr/>
-        </p:nvPicPr>
-        <p:blipFill>
-          <a:blip r:embed="rId3"/>
-          <a:stretch>
-            <a:fillRect/>
-          </a:stretch>
-        </p:blipFill>
-        <p:spPr>
-          <a:xfrm>
-            <a:off x="4813306" y="4078497"/>
-            <a:ext cx="6017763" cy="2194714"/>
-          </a:xfrm>
-          <a:prstGeom prst="rect">
-            <a:avLst/>
-          </a:prstGeom>
-        </p:spPr>
-      </p:pic>
+          <a:noFill/>
+        </p:spPr>
+        <p:txBody>
+          <a:bodyPr wrap="square">
+            <a:spAutoFit/>
+          </a:bodyPr>
+          <a:lstStyle/>
+          <a:p>
+            <a:pPr>
+              <a:lnSpc>
+                <a:spcPct val="130000"/>
+              </a:lnSpc>
+            </a:pPr>
+            <a:r>
+              <a:rPr lang="en-US" sz="2800" b="1" dirty="0">
+                <a:latin typeface="Arial" panose="020B0604020202020204" pitchFamily="34" charset="0"/>
+                <a:cs typeface="Arial" panose="020B0604020202020204" pitchFamily="34" charset="0"/>
+              </a:rPr>
+              <a:t> 	</a:t>
+            </a:r>
+            <a:endParaRPr lang="ru-RU" sz="2800" dirty="0">
+              <a:latin typeface="Arial" panose="020B0604020202020204" pitchFamily="34" charset="0"/>
+              <a:cs typeface="Arial" panose="020B0604020202020204" pitchFamily="34" charset="0"/>
+            </a:endParaRPr>
+          </a:p>
+          <a:p>
+            <a:pPr marL="457200" indent="-457200">
+              <a:lnSpc>
+                <a:spcPct val="130000"/>
+              </a:lnSpc>
+              <a:buFont typeface="Arial" panose="020B0604020202020204" pitchFamily="34" charset="0"/>
+              <a:buChar char="•"/>
+            </a:pPr>
+            <a:r>
+              <a:rPr lang="ru-RU" sz="2800" dirty="0">
+                <a:latin typeface="Arial" panose="020B0604020202020204" pitchFamily="34" charset="0"/>
+                <a:cs typeface="Arial" panose="020B0604020202020204" pitchFamily="34" charset="0"/>
+              </a:rPr>
+              <a:t>Проведен анализ предметной области</a:t>
+            </a:r>
+          </a:p>
+          <a:p>
+            <a:pPr marL="457200" indent="-457200">
+              <a:lnSpc>
+                <a:spcPct val="130000"/>
+              </a:lnSpc>
+              <a:buFont typeface="Arial" panose="020B0604020202020204" pitchFamily="34" charset="0"/>
+              <a:buChar char="•"/>
+            </a:pPr>
+            <a:r>
+              <a:rPr lang="ru-RU" sz="2800" dirty="0">
+                <a:latin typeface="Arial" panose="020B0604020202020204" pitchFamily="34" charset="0"/>
+                <a:cs typeface="Arial" panose="020B0604020202020204" pitchFamily="34" charset="0"/>
+              </a:rPr>
+              <a:t>Спроектированы модули подсистемы</a:t>
+            </a:r>
+          </a:p>
+          <a:p>
+            <a:pPr marL="457200" indent="-457200">
+              <a:lnSpc>
+                <a:spcPct val="130000"/>
+              </a:lnSpc>
+              <a:buFont typeface="Arial" panose="020B0604020202020204" pitchFamily="34" charset="0"/>
+              <a:buChar char="•"/>
+            </a:pPr>
+            <a:r>
+              <a:rPr lang="ru-RU" sz="2800" dirty="0">
+                <a:latin typeface="Arial" panose="020B0604020202020204" pitchFamily="34" charset="0"/>
+                <a:cs typeface="Arial" panose="020B0604020202020204" pitchFamily="34" charset="0"/>
+              </a:rPr>
+              <a:t>Выполнена программная реализация</a:t>
+            </a:r>
+          </a:p>
+          <a:p>
+            <a:pPr marL="457200" indent="-457200">
+              <a:lnSpc>
+                <a:spcPct val="130000"/>
+              </a:lnSpc>
+              <a:buFont typeface="Arial" panose="020B0604020202020204" pitchFamily="34" charset="0"/>
+              <a:buChar char="•"/>
+            </a:pPr>
+            <a:r>
+              <a:rPr lang="ru-RU" sz="2800" dirty="0">
+                <a:latin typeface="Arial" panose="020B0604020202020204" pitchFamily="34" charset="0"/>
+                <a:cs typeface="Arial" panose="020B0604020202020204" pitchFamily="34" charset="0"/>
+              </a:rPr>
+              <a:t>Связаны подсистемы с визуальной частью</a:t>
+            </a:r>
+          </a:p>
+          <a:p>
+            <a:pPr marL="457200" indent="-457200">
+              <a:lnSpc>
+                <a:spcPct val="130000"/>
+              </a:lnSpc>
+              <a:buFont typeface="Arial" panose="020B0604020202020204" pitchFamily="34" charset="0"/>
+              <a:buChar char="•"/>
+            </a:pPr>
+            <a:r>
+              <a:rPr lang="ru-RU" sz="2800" dirty="0">
+                <a:latin typeface="Arial" panose="020B0604020202020204" pitchFamily="34" charset="0"/>
+                <a:cs typeface="Arial" panose="020B0604020202020204" pitchFamily="34" charset="0"/>
+              </a:rPr>
+              <a:t>Пройдены сценарии симуляции</a:t>
+            </a:r>
+          </a:p>
+          <a:p>
+            <a:pPr>
+              <a:lnSpc>
+                <a:spcPct val="130000"/>
+              </a:lnSpc>
+            </a:pPr>
+            <a:endParaRPr lang="ru-RU" sz="2800" dirty="0">
+              <a:latin typeface="Arial" panose="020B0604020202020204" pitchFamily="34" charset="0"/>
+              <a:cs typeface="Arial" panose="020B0604020202020204" pitchFamily="34" charset="0"/>
+            </a:endParaRPr>
+          </a:p>
+          <a:p>
+            <a:pPr>
+              <a:lnSpc>
+                <a:spcPct val="130000"/>
+              </a:lnSpc>
+            </a:pPr>
+            <a:endParaRPr lang="ru-RU" sz="2800" dirty="0">
+              <a:latin typeface="Arial" panose="020B0604020202020204" pitchFamily="34" charset="0"/>
+              <a:cs typeface="Arial" panose="020B0604020202020204" pitchFamily="34" charset="0"/>
+            </a:endParaRPr>
+          </a:p>
+          <a:p>
+            <a:pPr>
+              <a:lnSpc>
+                <a:spcPct val="130000"/>
+              </a:lnSpc>
+            </a:pPr>
+            <a:endParaRPr lang="ru-RU" sz="2800" dirty="0">
+              <a:latin typeface="Arial" panose="020B0604020202020204" pitchFamily="34" charset="0"/>
+              <a:cs typeface="Arial" panose="020B0604020202020204" pitchFamily="34" charset="0"/>
+            </a:endParaRPr>
+          </a:p>
+          <a:p>
+            <a:pPr>
+              <a:lnSpc>
+                <a:spcPct val="130000"/>
+              </a:lnSpc>
+            </a:pPr>
+            <a:endParaRPr lang="ru-RU" sz="2800" dirty="0">
+              <a:latin typeface="Arial" panose="020B0604020202020204" pitchFamily="34" charset="0"/>
+              <a:cs typeface="Arial" panose="020B0604020202020204" pitchFamily="34" charset="0"/>
+            </a:endParaRPr>
+          </a:p>
+        </p:txBody>
+      </p:sp>
     </p:spTree>
     <p:extLst>
       <p:ext uri="{BB962C8B-B14F-4D97-AF65-F5344CB8AC3E}">
-        <p14:creationId xmlns:p14="http://schemas.microsoft.com/office/powerpoint/2010/main" val="3698893246"/>
+        <p14:creationId xmlns:p14="http://schemas.microsoft.com/office/powerpoint/2010/main" val="403349445"/>
       </p:ext>
     </p:extLst>
   </p:cSld>
@@ -4565,10 +4708,10 @@
       </p:grpSpPr>
       <p:sp>
         <p:nvSpPr>
-          <p:cNvPr id="9" name="Прямоугольник 8">
-            <a:extLst>
-              <a:ext uri="{FF2B5EF4-FFF2-40B4-BE49-F238E27FC236}">
-                <a16:creationId xmlns:a16="http://schemas.microsoft.com/office/drawing/2014/main" id="{0D61A3C7-4E6B-85AD-DD84-08739ED10AC7}"/>
+          <p:cNvPr id="6" name="Прямоугольник 5">
+            <a:extLst>
+              <a:ext uri="{FF2B5EF4-FFF2-40B4-BE49-F238E27FC236}">
+                <a16:creationId xmlns:a16="http://schemas.microsoft.com/office/drawing/2014/main" id="{0059E121-A59C-8BD0-C543-24295815C758}"/>
               </a:ext>
             </a:extLst>
           </p:cNvPr>
@@ -4577,14 +4720,14 @@
         </p:nvSpPr>
         <p:spPr>
           <a:xfrm>
-            <a:off x="-1" y="0"/>
+            <a:off x="0" y="0"/>
             <a:ext cx="12192000" cy="6858000"/>
           </a:xfrm>
           <a:prstGeom prst="rect">
             <a:avLst/>
           </a:prstGeom>
           <a:solidFill>
-            <a:srgbClr val="F8BD88"/>
+            <a:srgbClr val="EADA9E"/>
           </a:solidFill>
         </p:spPr>
         <p:style>
@@ -4626,8 +4769,8 @@
         </p:nvSpPr>
         <p:spPr>
           <a:xfrm>
-            <a:off x="304801" y="412030"/>
-            <a:ext cx="4805680" cy="584775"/>
+            <a:off x="1424474" y="2790503"/>
+            <a:ext cx="8605933" cy="1015663"/>
           </a:xfrm>
           <a:prstGeom prst="rect">
             <a:avLst/>
@@ -4641,384 +4784,10 @@
           <a:lstStyle/>
           <a:p>
             <a:r>
-              <a:rPr lang="ru-RU" sz="3200" b="1" dirty="0">
-                <a:latin typeface="Arial Narrow" panose="020B0606020202030204" pitchFamily="34" charset="0"/>
-              </a:rPr>
-              <a:t>Заключение</a:t>
-            </a:r>
-            <a:endParaRPr lang="ru-RU" sz="3600" b="1" dirty="0">
-              <a:latin typeface="Arial Narrow" panose="020B0606020202030204" pitchFamily="34" charset="0"/>
-            </a:endParaRPr>
-          </a:p>
-        </p:txBody>
-      </p:sp>
-      <p:sp>
-        <p:nvSpPr>
-          <p:cNvPr id="3" name="TextBox 2">
-            <a:extLst>
-              <a:ext uri="{FF2B5EF4-FFF2-40B4-BE49-F238E27FC236}">
-                <a16:creationId xmlns:a16="http://schemas.microsoft.com/office/drawing/2014/main" id="{830DA6B1-AFAA-B43F-424F-7D28736F06D2}"/>
-              </a:ext>
-            </a:extLst>
-          </p:cNvPr>
-          <p:cNvSpPr txBox="1"/>
-          <p:nvPr/>
-        </p:nvSpPr>
-        <p:spPr>
-          <a:xfrm>
-            <a:off x="11215396" y="6183404"/>
-            <a:ext cx="726233" cy="461665"/>
-          </a:xfrm>
-          <a:prstGeom prst="rect">
-            <a:avLst/>
-          </a:prstGeom>
-          <a:noFill/>
-        </p:spPr>
-        <p:txBody>
-          <a:bodyPr wrap="square" rtlCol="0">
-            <a:spAutoFit/>
-          </a:bodyPr>
-          <a:lstStyle/>
-          <a:p>
-            <a:r>
-              <a:rPr lang="ru-RU" sz="2400" dirty="0">
-                <a:solidFill>
-                  <a:schemeClr val="accent6">
-                    <a:lumMod val="75000"/>
-                  </a:schemeClr>
-                </a:solidFill>
-                <a:latin typeface="Arial Black" panose="020B0A04020102020204" pitchFamily="34" charset="0"/>
-              </a:rPr>
-              <a:t>14</a:t>
-            </a:r>
-          </a:p>
-        </p:txBody>
-      </p:sp>
-      <p:sp>
-        <p:nvSpPr>
-          <p:cNvPr id="6" name="TextBox 5">
-            <a:extLst>
-              <a:ext uri="{FF2B5EF4-FFF2-40B4-BE49-F238E27FC236}">
-                <a16:creationId xmlns:a16="http://schemas.microsoft.com/office/drawing/2014/main" id="{6E9B498D-5736-7ABB-6631-1FFD80E1DD9B}"/>
-              </a:ext>
-            </a:extLst>
-          </p:cNvPr>
-          <p:cNvSpPr txBox="1"/>
-          <p:nvPr/>
-        </p:nvSpPr>
-        <p:spPr>
-          <a:xfrm>
-            <a:off x="314129" y="1175793"/>
-            <a:ext cx="10117495" cy="5635582"/>
-          </a:xfrm>
-          <a:prstGeom prst="rect">
-            <a:avLst/>
-          </a:prstGeom>
-          <a:noFill/>
-        </p:spPr>
-        <p:txBody>
-          <a:bodyPr wrap="square">
-            <a:spAutoFit/>
-          </a:bodyPr>
-          <a:lstStyle/>
-          <a:p>
-            <a:pPr>
-              <a:lnSpc>
-                <a:spcPct val="130000"/>
-              </a:lnSpc>
-            </a:pPr>
-            <a:r>
-              <a:rPr lang="en-US" sz="2800" b="1" dirty="0">
-                <a:latin typeface="Arial" panose="020B0604020202020204" pitchFamily="34" charset="0"/>
-                <a:cs typeface="Arial" panose="020B0604020202020204" pitchFamily="34" charset="0"/>
-              </a:rPr>
-              <a:t> 	</a:t>
-            </a:r>
-            <a:endParaRPr lang="ru-RU" sz="2800" dirty="0">
-              <a:latin typeface="Arial" panose="020B0604020202020204" pitchFamily="34" charset="0"/>
-              <a:cs typeface="Arial" panose="020B0604020202020204" pitchFamily="34" charset="0"/>
-            </a:endParaRPr>
-          </a:p>
-          <a:p>
-            <a:pPr marL="457200" indent="-457200">
-              <a:lnSpc>
-                <a:spcPct val="130000"/>
-              </a:lnSpc>
-              <a:buFont typeface="Arial" panose="020B0604020202020204" pitchFamily="34" charset="0"/>
-              <a:buChar char="•"/>
-            </a:pPr>
-            <a:r>
-              <a:rPr lang="ru-RU" sz="2800" dirty="0">
-                <a:latin typeface="Arial" panose="020B0604020202020204" pitchFamily="34" charset="0"/>
-                <a:cs typeface="Arial" panose="020B0604020202020204" pitchFamily="34" charset="0"/>
-              </a:rPr>
-              <a:t>Проведен анализ предметной области</a:t>
-            </a:r>
-          </a:p>
-          <a:p>
-            <a:pPr marL="457200" indent="-457200">
-              <a:lnSpc>
-                <a:spcPct val="130000"/>
-              </a:lnSpc>
-              <a:buFont typeface="Arial" panose="020B0604020202020204" pitchFamily="34" charset="0"/>
-              <a:buChar char="•"/>
-            </a:pPr>
-            <a:r>
-              <a:rPr lang="ru-RU" sz="2800" dirty="0">
-                <a:latin typeface="Arial" panose="020B0604020202020204" pitchFamily="34" charset="0"/>
-                <a:cs typeface="Arial" panose="020B0604020202020204" pitchFamily="34" charset="0"/>
-              </a:rPr>
-              <a:t>Спроектированы модули подсистемы</a:t>
-            </a:r>
-          </a:p>
-          <a:p>
-            <a:pPr marL="457200" indent="-457200">
-              <a:lnSpc>
-                <a:spcPct val="130000"/>
-              </a:lnSpc>
-              <a:buFont typeface="Arial" panose="020B0604020202020204" pitchFamily="34" charset="0"/>
-              <a:buChar char="•"/>
-            </a:pPr>
-            <a:r>
-              <a:rPr lang="ru-RU" sz="2800" dirty="0">
-                <a:latin typeface="Arial" panose="020B0604020202020204" pitchFamily="34" charset="0"/>
-                <a:cs typeface="Arial" panose="020B0604020202020204" pitchFamily="34" charset="0"/>
-              </a:rPr>
-              <a:t>Выполнена программная реализация</a:t>
-            </a:r>
-          </a:p>
-          <a:p>
-            <a:pPr marL="457200" indent="-457200">
-              <a:lnSpc>
-                <a:spcPct val="130000"/>
-              </a:lnSpc>
-              <a:buFont typeface="Arial" panose="020B0604020202020204" pitchFamily="34" charset="0"/>
-              <a:buChar char="•"/>
-            </a:pPr>
-            <a:r>
-              <a:rPr lang="ru-RU" sz="2800" dirty="0">
-                <a:latin typeface="Arial" panose="020B0604020202020204" pitchFamily="34" charset="0"/>
-                <a:cs typeface="Arial" panose="020B0604020202020204" pitchFamily="34" charset="0"/>
-              </a:rPr>
-              <a:t>Связаны подсистемы с визуальной частью</a:t>
-            </a:r>
-          </a:p>
-          <a:p>
-            <a:pPr marL="457200" indent="-457200">
-              <a:lnSpc>
-                <a:spcPct val="130000"/>
-              </a:lnSpc>
-              <a:buFont typeface="Arial" panose="020B0604020202020204" pitchFamily="34" charset="0"/>
-              <a:buChar char="•"/>
-            </a:pPr>
-            <a:r>
-              <a:rPr lang="ru-RU" sz="2800" dirty="0">
-                <a:latin typeface="Arial" panose="020B0604020202020204" pitchFamily="34" charset="0"/>
-                <a:cs typeface="Arial" panose="020B0604020202020204" pitchFamily="34" charset="0"/>
-              </a:rPr>
-              <a:t>Пройдены сценарии симуляции</a:t>
-            </a:r>
-          </a:p>
-          <a:p>
-            <a:pPr>
-              <a:lnSpc>
-                <a:spcPct val="130000"/>
-              </a:lnSpc>
-            </a:pPr>
-            <a:endParaRPr lang="ru-RU" sz="2800" dirty="0">
-              <a:latin typeface="Arial" panose="020B0604020202020204" pitchFamily="34" charset="0"/>
-              <a:cs typeface="Arial" panose="020B0604020202020204" pitchFamily="34" charset="0"/>
-            </a:endParaRPr>
-          </a:p>
-          <a:p>
-            <a:pPr>
-              <a:lnSpc>
-                <a:spcPct val="130000"/>
-              </a:lnSpc>
-            </a:pPr>
-            <a:endParaRPr lang="ru-RU" sz="2800" dirty="0">
-              <a:latin typeface="Arial" panose="020B0604020202020204" pitchFamily="34" charset="0"/>
-              <a:cs typeface="Arial" panose="020B0604020202020204" pitchFamily="34" charset="0"/>
-            </a:endParaRPr>
-          </a:p>
-          <a:p>
-            <a:pPr>
-              <a:lnSpc>
-                <a:spcPct val="130000"/>
-              </a:lnSpc>
-            </a:pPr>
-            <a:endParaRPr lang="ru-RU" sz="2800" dirty="0">
-              <a:latin typeface="Arial" panose="020B0604020202020204" pitchFamily="34" charset="0"/>
-              <a:cs typeface="Arial" panose="020B0604020202020204" pitchFamily="34" charset="0"/>
-            </a:endParaRPr>
-          </a:p>
-          <a:p>
-            <a:pPr>
-              <a:lnSpc>
-                <a:spcPct val="130000"/>
-              </a:lnSpc>
-            </a:pPr>
-            <a:endParaRPr lang="ru-RU" sz="2800" dirty="0">
-              <a:latin typeface="Arial" panose="020B0604020202020204" pitchFamily="34" charset="0"/>
-              <a:cs typeface="Arial" panose="020B0604020202020204" pitchFamily="34" charset="0"/>
-            </a:endParaRPr>
-          </a:p>
-        </p:txBody>
-      </p:sp>
-    </p:spTree>
-    <p:extLst>
-      <p:ext uri="{BB962C8B-B14F-4D97-AF65-F5344CB8AC3E}">
-        <p14:creationId xmlns:p14="http://schemas.microsoft.com/office/powerpoint/2010/main" val="403349445"/>
-      </p:ext>
-    </p:extLst>
-  </p:cSld>
-  <p:clrMapOvr>
-    <a:masterClrMapping/>
-  </p:clrMapOvr>
-</p:sld>
-</file>
-
-<file path=ppt/slides/slide15.xml><?xml version="1.0" encoding="utf-8"?>
-<p:sld xmlns:a="http://schemas.openxmlformats.org/drawingml/2006/main" xmlns:r="http://schemas.openxmlformats.org/officeDocument/2006/relationships" xmlns:p="http://schemas.openxmlformats.org/presentationml/2006/main">
-  <p:cSld>
-    <p:spTree>
-      <p:nvGrpSpPr>
-        <p:cNvPr id="1" name=""/>
-        <p:cNvGrpSpPr/>
-        <p:nvPr/>
-      </p:nvGrpSpPr>
-      <p:grpSpPr>
-        <a:xfrm>
-          <a:off x="0" y="0"/>
-          <a:ext cx="0" cy="0"/>
-          <a:chOff x="0" y="0"/>
-          <a:chExt cx="0" cy="0"/>
-        </a:xfrm>
-      </p:grpSpPr>
-      <p:sp>
-        <p:nvSpPr>
-          <p:cNvPr id="6" name="Прямоугольник 5">
-            <a:extLst>
-              <a:ext uri="{FF2B5EF4-FFF2-40B4-BE49-F238E27FC236}">
-                <a16:creationId xmlns:a16="http://schemas.microsoft.com/office/drawing/2014/main" id="{0059E121-A59C-8BD0-C543-24295815C758}"/>
-              </a:ext>
-            </a:extLst>
-          </p:cNvPr>
-          <p:cNvSpPr/>
-          <p:nvPr/>
-        </p:nvSpPr>
-        <p:spPr>
-          <a:xfrm>
-            <a:off x="0" y="0"/>
-            <a:ext cx="12192000" cy="6858000"/>
-          </a:xfrm>
-          <a:prstGeom prst="rect">
-            <a:avLst/>
-          </a:prstGeom>
-          <a:solidFill>
-            <a:srgbClr val="EADA9E"/>
-          </a:solidFill>
-        </p:spPr>
-        <p:style>
-          <a:lnRef idx="2">
-            <a:schemeClr val="accent1">
-              <a:shade val="50000"/>
-            </a:schemeClr>
-          </a:lnRef>
-          <a:fillRef idx="1">
-            <a:schemeClr val="accent1"/>
-          </a:fillRef>
-          <a:effectRef idx="0">
-            <a:schemeClr val="accent1"/>
-          </a:effectRef>
-          <a:fontRef idx="minor">
-            <a:schemeClr val="lt1"/>
-          </a:fontRef>
-        </p:style>
-        <p:txBody>
-          <a:bodyPr rtlCol="0" anchor="ctr"/>
-          <a:lstStyle/>
-          <a:p>
-            <a:pPr algn="ctr"/>
-            <a:endParaRPr lang="ru-RU"/>
-          </a:p>
-        </p:txBody>
-      </p:sp>
-      <p:sp>
-        <p:nvSpPr>
-          <p:cNvPr id="5" name="TextBox 4">
-            <a:extLst>
-              <a:ext uri="{FF2B5EF4-FFF2-40B4-BE49-F238E27FC236}">
-                <a16:creationId xmlns:a16="http://schemas.microsoft.com/office/drawing/2014/main" id="{F71A844B-7627-0241-B45B-44F2D9D1EF05}"/>
-              </a:ext>
-            </a:extLst>
-          </p:cNvPr>
-          <p:cNvSpPr txBox="1"/>
-          <p:nvPr/>
-        </p:nvSpPr>
-        <p:spPr>
-          <a:xfrm>
-            <a:off x="1424474" y="2790503"/>
-            <a:ext cx="8605933" cy="1015663"/>
-          </a:xfrm>
-          <a:prstGeom prst="rect">
-            <a:avLst/>
-          </a:prstGeom>
-          <a:noFill/>
-        </p:spPr>
-        <p:txBody>
-          <a:bodyPr wrap="square">
-            <a:spAutoFit/>
-          </a:bodyPr>
-          <a:lstStyle/>
-          <a:p>
-            <a:r>
               <a:rPr lang="ru-RU" sz="6000" b="1" dirty="0">
                 <a:latin typeface="Arial Narrow" panose="020B0606020202030204" pitchFamily="34" charset="0"/>
               </a:rPr>
               <a:t>Благодарю за внимание !</a:t>
-            </a:r>
-          </a:p>
-        </p:txBody>
-      </p:sp>
-      <p:sp>
-        <p:nvSpPr>
-          <p:cNvPr id="3" name="TextBox 2">
-            <a:extLst>
-              <a:ext uri="{FF2B5EF4-FFF2-40B4-BE49-F238E27FC236}">
-                <a16:creationId xmlns:a16="http://schemas.microsoft.com/office/drawing/2014/main" id="{830DA6B1-AFAA-B43F-424F-7D28736F06D2}"/>
-              </a:ext>
-            </a:extLst>
-          </p:cNvPr>
-          <p:cNvSpPr txBox="1"/>
-          <p:nvPr/>
-        </p:nvSpPr>
-        <p:spPr>
-          <a:xfrm>
-            <a:off x="11525639" y="6183404"/>
-            <a:ext cx="415990" cy="461665"/>
-          </a:xfrm>
-          <a:prstGeom prst="rect">
-            <a:avLst/>
-          </a:prstGeom>
-          <a:noFill/>
-        </p:spPr>
-        <p:txBody>
-          <a:bodyPr wrap="square" rtlCol="0">
-            <a:spAutoFit/>
-          </a:bodyPr>
-          <a:lstStyle/>
-          <a:p>
-            <a:r>
-              <a:rPr lang="ru-RU" sz="2400" dirty="0">
-                <a:solidFill>
-                  <a:schemeClr val="accent6">
-                    <a:lumMod val="75000"/>
-                  </a:schemeClr>
-                </a:solidFill>
-                <a:latin typeface="Arial Black" panose="020B0A04020102020204" pitchFamily="34" charset="0"/>
-              </a:rPr>
-              <a:t>7</a:t>
             </a:r>
           </a:p>
         </p:txBody>
@@ -5117,7 +4886,7 @@
         <p:spPr>
           <a:xfrm>
             <a:off x="304800" y="412030"/>
-            <a:ext cx="3128865" cy="584775"/>
+            <a:ext cx="3586065" cy="584775"/>
           </a:xfrm>
           <a:prstGeom prst="rect">
             <a:avLst/>
@@ -5134,7 +4903,7 @@
               <a:rPr lang="ru-RU" sz="3200" b="1" dirty="0">
                 <a:latin typeface="Arial Narrow" panose="020B0606020202030204" pitchFamily="34" charset="0"/>
               </a:rPr>
-              <a:t>ЦЕЛИ</a:t>
+              <a:t>ЦЕЛИ И ЗАДАЧИ</a:t>
             </a:r>
             <a:endParaRPr lang="ru-RU" sz="3600" b="1" dirty="0">
               <a:latin typeface="Arial Narrow" panose="020B0606020202030204" pitchFamily="34" charset="0"/>
@@ -5170,6 +4939,28 @@
           </a:bodyPr>
           <a:lstStyle/>
           <a:p>
+            <a:r>
+              <a:rPr lang="ru-RU" sz="2400" b="1" dirty="0">
+                <a:solidFill>
+                  <a:srgbClr val="000000"/>
+                </a:solidFill>
+                <a:latin typeface="Arial" panose="020B0604020202020204" pitchFamily="34" charset="0"/>
+                <a:ea typeface="Times New Roman" panose="02020603050405020304" pitchFamily="18" charset="0"/>
+                <a:cs typeface="Arial" panose="020B0604020202020204" pitchFamily="34" charset="0"/>
+              </a:rPr>
+              <a:t>Цель:</a:t>
+            </a:r>
+            <a:r>
+              <a:rPr lang="ru-RU" sz="2400" dirty="0">
+                <a:solidFill>
+                  <a:srgbClr val="000000"/>
+                </a:solidFill>
+                <a:latin typeface="Arial" panose="020B0604020202020204" pitchFamily="34" charset="0"/>
+                <a:ea typeface="Times New Roman" panose="02020603050405020304" pitchFamily="18" charset="0"/>
+                <a:cs typeface="Arial" panose="020B0604020202020204" pitchFamily="34" charset="0"/>
+              </a:rPr>
+              <a:t> </a:t>
+            </a:r>
             <a:r>
               <a:rPr lang="ru-RU" sz="2400" dirty="0">
                 <a:solidFill>
@@ -5180,7 +4971,7 @@
                 <a:ea typeface="Times New Roman" panose="02020603050405020304" pitchFamily="18" charset="0"/>
                 <a:cs typeface="Arial" panose="020B0604020202020204" pitchFamily="34" charset="0"/>
               </a:rPr>
-              <a:t>Симуляция работы машиниста в симуляторе московского метрополитена </a:t>
+              <a:t>Имитация работы машиниста в симуляторе московского метрополитена </a:t>
             </a:r>
           </a:p>
         </p:txBody>
@@ -5224,6 +5015,186 @@
               </a:rPr>
               <a:t>2</a:t>
             </a:r>
+          </a:p>
+        </p:txBody>
+      </p:sp>
+      <p:sp>
+        <p:nvSpPr>
+          <p:cNvPr id="8" name="TextBox 7">
+            <a:extLst>
+              <a:ext uri="{FF2B5EF4-FFF2-40B4-BE49-F238E27FC236}">
+                <a16:creationId xmlns:a16="http://schemas.microsoft.com/office/drawing/2014/main" id="{E35F9852-2581-4E7E-AC11-1C7527288EB4}"/>
+              </a:ext>
+            </a:extLst>
+          </p:cNvPr>
+          <p:cNvSpPr txBox="1"/>
+          <p:nvPr/>
+        </p:nvSpPr>
+        <p:spPr>
+          <a:xfrm>
+            <a:off x="304799" y="2856464"/>
+            <a:ext cx="11563741" cy="2922851"/>
+          </a:xfrm>
+          <a:prstGeom prst="rect">
+            <a:avLst/>
+          </a:prstGeom>
+          <a:noFill/>
+        </p:spPr>
+        <p:txBody>
+          <a:bodyPr wrap="square">
+            <a:spAutoFit/>
+          </a:bodyPr>
+          <a:lstStyle/>
+          <a:p>
+            <a:pPr marL="342900" indent="-342900">
+              <a:lnSpc>
+                <a:spcPct val="130000"/>
+              </a:lnSpc>
+              <a:buFont typeface="Arial" panose="020B0604020202020204" pitchFamily="34" charset="0"/>
+              <a:buChar char="•"/>
+            </a:pPr>
+            <a:r>
+              <a:rPr lang="ru-RU" sz="2400" dirty="0">
+                <a:latin typeface="Arial" panose="020B0604020202020204" pitchFamily="34" charset="0"/>
+                <a:cs typeface="Arial" panose="020B0604020202020204" pitchFamily="34" charset="0"/>
+              </a:rPr>
+              <a:t>Чтение ввода пользователя</a:t>
+            </a:r>
+          </a:p>
+          <a:p>
+            <a:pPr marL="342900" indent="-342900">
+              <a:lnSpc>
+                <a:spcPct val="130000"/>
+              </a:lnSpc>
+              <a:buFont typeface="Arial" panose="020B0604020202020204" pitchFamily="34" charset="0"/>
+              <a:buChar char="•"/>
+            </a:pPr>
+            <a:r>
+              <a:rPr lang="ru-RU" sz="2400" dirty="0">
+                <a:latin typeface="Arial" panose="020B0604020202020204" pitchFamily="34" charset="0"/>
+                <a:cs typeface="Arial" panose="020B0604020202020204" pitchFamily="34" charset="0"/>
+              </a:rPr>
+              <a:t>Симуляция движения модели поезда </a:t>
+            </a:r>
+          </a:p>
+          <a:p>
+            <a:pPr marL="342900" indent="-342900">
+              <a:lnSpc>
+                <a:spcPct val="130000"/>
+              </a:lnSpc>
+              <a:buFont typeface="Arial" panose="020B0604020202020204" pitchFamily="34" charset="0"/>
+              <a:buChar char="•"/>
+            </a:pPr>
+            <a:r>
+              <a:rPr lang="ru-RU" sz="2400" dirty="0">
+                <a:latin typeface="Arial" panose="020B0604020202020204" pitchFamily="34" charset="0"/>
+                <a:cs typeface="Arial" panose="020B0604020202020204" pitchFamily="34" charset="0"/>
+              </a:rPr>
+              <a:t>Взаимодействие с вспомогательными системами поезда</a:t>
+            </a:r>
+          </a:p>
+          <a:p>
+            <a:pPr marL="342900" indent="-342900">
+              <a:lnSpc>
+                <a:spcPct val="130000"/>
+              </a:lnSpc>
+              <a:buFont typeface="Arial" panose="020B0604020202020204" pitchFamily="34" charset="0"/>
+              <a:buChar char="•"/>
+            </a:pPr>
+            <a:r>
+              <a:rPr lang="ru-RU" sz="2400" dirty="0">
+                <a:latin typeface="Arial" panose="020B0604020202020204" pitchFamily="34" charset="0"/>
+                <a:cs typeface="Arial" panose="020B0604020202020204" pitchFamily="34" charset="0"/>
+              </a:rPr>
+              <a:t>Связь с визуальной частью</a:t>
+            </a:r>
+          </a:p>
+          <a:p>
+            <a:pPr marL="342900" indent="-342900">
+              <a:lnSpc>
+                <a:spcPct val="130000"/>
+              </a:lnSpc>
+              <a:buFont typeface="Arial" panose="020B0604020202020204" pitchFamily="34" charset="0"/>
+              <a:buChar char="•"/>
+            </a:pPr>
+            <a:r>
+              <a:rPr lang="ru-RU" sz="2400" dirty="0">
+                <a:latin typeface="Arial" panose="020B0604020202020204" pitchFamily="34" charset="0"/>
+                <a:cs typeface="Arial" panose="020B0604020202020204" pitchFamily="34" charset="0"/>
+              </a:rPr>
+              <a:t>Хранение конфигураций модулей</a:t>
+            </a:r>
+          </a:p>
+          <a:p>
+            <a:pPr marL="342900" indent="-342900">
+              <a:lnSpc>
+                <a:spcPct val="130000"/>
+              </a:lnSpc>
+              <a:buFont typeface="Arial" panose="020B0604020202020204" pitchFamily="34" charset="0"/>
+              <a:buChar char="•"/>
+            </a:pPr>
+            <a:r>
+              <a:rPr lang="ru-RU" sz="2400" dirty="0">
+                <a:latin typeface="Arial" panose="020B0604020202020204" pitchFamily="34" charset="0"/>
+                <a:cs typeface="Arial" panose="020B0604020202020204" pitchFamily="34" charset="0"/>
+              </a:rPr>
+              <a:t>Прохождение сценариев симуляции</a:t>
+            </a:r>
+            <a:endParaRPr lang="ru-RU" sz="2400" dirty="0">
+              <a:latin typeface="Arial Narrow" panose="020B0606020202030204" pitchFamily="34" charset="0"/>
+              <a:cs typeface="Gautami" panose="020B0502040204020203" pitchFamily="34" charset="0"/>
+            </a:endParaRPr>
+          </a:p>
+        </p:txBody>
+      </p:sp>
+      <p:sp>
+        <p:nvSpPr>
+          <p:cNvPr id="9" name="TextBox 8">
+            <a:extLst>
+              <a:ext uri="{FF2B5EF4-FFF2-40B4-BE49-F238E27FC236}">
+                <a16:creationId xmlns:a16="http://schemas.microsoft.com/office/drawing/2014/main" id="{D2FFFC73-E91E-C2D0-F292-2727A9166993}"/>
+              </a:ext>
+            </a:extLst>
+          </p:cNvPr>
+          <p:cNvSpPr txBox="1"/>
+          <p:nvPr/>
+        </p:nvSpPr>
+        <p:spPr>
+          <a:xfrm>
+            <a:off x="304798" y="2394799"/>
+            <a:ext cx="11563741" cy="461665"/>
+          </a:xfrm>
+          <a:prstGeom prst="rect">
+            <a:avLst/>
+          </a:prstGeom>
+          <a:noFill/>
+        </p:spPr>
+        <p:txBody>
+          <a:bodyPr wrap="square">
+            <a:spAutoFit/>
+          </a:bodyPr>
+          <a:lstStyle/>
+          <a:p>
+            <a:r>
+              <a:rPr lang="ru-RU" sz="2400" b="1" dirty="0">
+                <a:solidFill>
+                  <a:srgbClr val="000000"/>
+                </a:solidFill>
+                <a:latin typeface="Arial" panose="020B0604020202020204" pitchFamily="34" charset="0"/>
+                <a:ea typeface="Times New Roman" panose="02020603050405020304" pitchFamily="18" charset="0"/>
+                <a:cs typeface="Arial" panose="020B0604020202020204" pitchFamily="34" charset="0"/>
+              </a:rPr>
+              <a:t>Задачи:</a:t>
+            </a:r>
+            <a:endParaRPr lang="ru-RU" sz="2400" b="1" dirty="0">
+              <a:solidFill>
+                <a:srgbClr val="000000"/>
+              </a:solidFill>
+              <a:effectLst/>
+              <a:latin typeface="Arial" panose="020B0604020202020204" pitchFamily="34" charset="0"/>
+              <a:ea typeface="Times New Roman" panose="02020603050405020304" pitchFamily="18" charset="0"/>
+              <a:cs typeface="Arial" panose="020B0604020202020204" pitchFamily="34" charset="0"/>
+            </a:endParaRPr>
           </a:p>
         </p:txBody>
       </p:sp>
@@ -5259,10 +5230,10 @@
       </p:grpSpPr>
       <p:sp>
         <p:nvSpPr>
-          <p:cNvPr id="7" name="Прямоугольник 6">
-            <a:extLst>
-              <a:ext uri="{FF2B5EF4-FFF2-40B4-BE49-F238E27FC236}">
-                <a16:creationId xmlns:a16="http://schemas.microsoft.com/office/drawing/2014/main" id="{96A2F7E4-6AF2-E92C-8B53-0C233082524B}"/>
+          <p:cNvPr id="14" name="Прямоугольник 13">
+            <a:extLst>
+              <a:ext uri="{FF2B5EF4-FFF2-40B4-BE49-F238E27FC236}">
+                <a16:creationId xmlns:a16="http://schemas.microsoft.com/office/drawing/2014/main" id="{AA20400C-DBA7-E79C-63BD-78DE5A62D9CA}"/>
               </a:ext>
             </a:extLst>
           </p:cNvPr>
@@ -5271,7 +5242,7 @@
         </p:nvSpPr>
         <p:spPr>
           <a:xfrm>
-            <a:off x="0" y="0"/>
+            <a:off x="-1" y="0"/>
             <a:ext cx="12192000" cy="6858000"/>
           </a:xfrm>
           <a:prstGeom prst="rect">
@@ -5321,7 +5292,7 @@
         <p:spPr>
           <a:xfrm>
             <a:off x="304800" y="412030"/>
-            <a:ext cx="3128865" cy="584775"/>
+            <a:ext cx="7159690" cy="584775"/>
           </a:xfrm>
           <a:prstGeom prst="rect">
             <a:avLst/>
@@ -5338,139 +5309,10 @@
               <a:rPr lang="ru-RU" sz="3200" b="1" dirty="0">
                 <a:latin typeface="Arial Narrow" panose="020B0606020202030204" pitchFamily="34" charset="0"/>
               </a:rPr>
-              <a:t>ЗАДАЧИ</a:t>
+              <a:t>Сравнительная таблица аналогов</a:t>
             </a:r>
             <a:endParaRPr lang="ru-RU" sz="3600" b="1" dirty="0">
               <a:latin typeface="Arial Narrow" panose="020B0606020202030204" pitchFamily="34" charset="0"/>
-            </a:endParaRPr>
-          </a:p>
-        </p:txBody>
-      </p:sp>
-      <p:sp>
-        <p:nvSpPr>
-          <p:cNvPr id="6" name="TextBox 5">
-            <a:extLst>
-              <a:ext uri="{FF2B5EF4-FFF2-40B4-BE49-F238E27FC236}">
-                <a16:creationId xmlns:a16="http://schemas.microsoft.com/office/drawing/2014/main" id="{F02C1988-801B-D566-CFD9-ADD114A1C611}"/>
-              </a:ext>
-            </a:extLst>
-          </p:cNvPr>
-          <p:cNvSpPr txBox="1"/>
-          <p:nvPr/>
-        </p:nvSpPr>
-        <p:spPr>
-          <a:xfrm>
-            <a:off x="304800" y="1316114"/>
-            <a:ext cx="11563741" cy="2922851"/>
-          </a:xfrm>
-          <a:prstGeom prst="rect">
-            <a:avLst/>
-          </a:prstGeom>
-          <a:noFill/>
-        </p:spPr>
-        <p:txBody>
-          <a:bodyPr wrap="square">
-            <a:spAutoFit/>
-          </a:bodyPr>
-          <a:lstStyle/>
-          <a:p>
-            <a:pPr marL="342900" indent="-342900">
-              <a:lnSpc>
-                <a:spcPct val="130000"/>
-              </a:lnSpc>
-              <a:buFont typeface="Arial" panose="020B0604020202020204" pitchFamily="34" charset="0"/>
-              <a:buChar char="•"/>
-            </a:pPr>
-            <a:r>
-              <a:rPr lang="ru-RU" sz="2400" dirty="0">
-                <a:latin typeface="Arial" panose="020B0604020202020204" pitchFamily="34" charset="0"/>
-                <a:cs typeface="Arial" panose="020B0604020202020204" pitchFamily="34" charset="0"/>
-              </a:rPr>
-              <a:t>Чтение ввода пользователя</a:t>
-            </a:r>
-          </a:p>
-          <a:p>
-            <a:pPr marL="342900" indent="-342900">
-              <a:lnSpc>
-                <a:spcPct val="130000"/>
-              </a:lnSpc>
-              <a:buFont typeface="Arial" panose="020B0604020202020204" pitchFamily="34" charset="0"/>
-              <a:buChar char="•"/>
-            </a:pPr>
-            <a:r>
-              <a:rPr lang="ru-RU" sz="2400" dirty="0">
-                <a:latin typeface="Arial" panose="020B0604020202020204" pitchFamily="34" charset="0"/>
-                <a:cs typeface="Arial" panose="020B0604020202020204" pitchFamily="34" charset="0"/>
-              </a:rPr>
-              <a:t>Симуляция движения модели поезда </a:t>
-            </a:r>
-          </a:p>
-          <a:p>
-            <a:pPr marL="342900" indent="-342900">
-              <a:lnSpc>
-                <a:spcPct val="130000"/>
-              </a:lnSpc>
-              <a:buFont typeface="Arial" panose="020B0604020202020204" pitchFamily="34" charset="0"/>
-              <a:buChar char="•"/>
-            </a:pPr>
-            <a:r>
-              <a:rPr lang="ru-RU" sz="2400" dirty="0">
-                <a:latin typeface="Arial" panose="020B0604020202020204" pitchFamily="34" charset="0"/>
-                <a:cs typeface="Arial" panose="020B0604020202020204" pitchFamily="34" charset="0"/>
-              </a:rPr>
-              <a:t>Взаимодействие с вспомогательными системами поезда</a:t>
-            </a:r>
-          </a:p>
-          <a:p>
-            <a:pPr marL="342900" indent="-342900">
-              <a:lnSpc>
-                <a:spcPct val="130000"/>
-              </a:lnSpc>
-              <a:buFont typeface="Arial" panose="020B0604020202020204" pitchFamily="34" charset="0"/>
-              <a:buChar char="•"/>
-            </a:pPr>
-            <a:r>
-              <a:rPr lang="ru-RU" sz="2400" dirty="0">
-                <a:latin typeface="Arial" panose="020B0604020202020204" pitchFamily="34" charset="0"/>
-                <a:cs typeface="Arial" panose="020B0604020202020204" pitchFamily="34" charset="0"/>
-              </a:rPr>
-              <a:t>Связь с визуальной частью</a:t>
-            </a:r>
-          </a:p>
-          <a:p>
-            <a:pPr marL="342900" indent="-342900">
-              <a:lnSpc>
-                <a:spcPct val="130000"/>
-              </a:lnSpc>
-              <a:buFont typeface="Arial" panose="020B0604020202020204" pitchFamily="34" charset="0"/>
-              <a:buChar char="•"/>
-            </a:pPr>
-            <a:r>
-              <a:rPr lang="ru-RU" sz="2400" dirty="0">
-                <a:latin typeface="Arial" panose="020B0604020202020204" pitchFamily="34" charset="0"/>
-                <a:cs typeface="Arial" panose="020B0604020202020204" pitchFamily="34" charset="0"/>
-              </a:rPr>
-              <a:t>Хранение конфигураций модулей</a:t>
-            </a:r>
-          </a:p>
-          <a:p>
-            <a:pPr marL="342900" indent="-342900">
-              <a:lnSpc>
-                <a:spcPct val="130000"/>
-              </a:lnSpc>
-              <a:buFont typeface="Arial" panose="020B0604020202020204" pitchFamily="34" charset="0"/>
-              <a:buChar char="•"/>
-            </a:pPr>
-            <a:r>
-              <a:rPr lang="ru-RU" sz="2400" dirty="0">
-                <a:latin typeface="Arial" panose="020B0604020202020204" pitchFamily="34" charset="0"/>
-                <a:cs typeface="Arial" panose="020B0604020202020204" pitchFamily="34" charset="0"/>
-              </a:rPr>
-              <a:t>Прохождение сценариев симуляции</a:t>
-            </a:r>
-            <a:endParaRPr lang="ru-RU" sz="2400" dirty="0">
-              <a:latin typeface="Arial Narrow" panose="020B0606020202030204" pitchFamily="34" charset="0"/>
-              <a:cs typeface="Gautami" panose="020B0502040204020203" pitchFamily="34" charset="0"/>
             </a:endParaRPr>
           </a:p>
         </p:txBody>
@@ -5513,167 +5355,6 @@
                 <a:latin typeface="Arial Black" panose="020B0A04020102020204" pitchFamily="34" charset="0"/>
               </a:rPr>
               <a:t>3</a:t>
-            </a:r>
-          </a:p>
-        </p:txBody>
-      </p:sp>
-    </p:spTree>
-    <p:extLst>
-      <p:ext uri="{BB962C8B-B14F-4D97-AF65-F5344CB8AC3E}">
-        <p14:creationId xmlns:p14="http://schemas.microsoft.com/office/powerpoint/2010/main" val="369477858"/>
-      </p:ext>
-    </p:extLst>
-  </p:cSld>
-  <p:clrMapOvr>
-    <a:masterClrMapping/>
-  </p:clrMapOvr>
-</p:sld>
-</file>
-
-<file path=ppt/slides/slide4.xml><?xml version="1.0" encoding="utf-8"?>
-<p:sld xmlns:a="http://schemas.openxmlformats.org/drawingml/2006/main" xmlns:r="http://schemas.openxmlformats.org/officeDocument/2006/relationships" xmlns:p="http://schemas.openxmlformats.org/presentationml/2006/main">
-  <p:cSld>
-    <p:spTree>
-      <p:nvGrpSpPr>
-        <p:cNvPr id="1" name=""/>
-        <p:cNvGrpSpPr/>
-        <p:nvPr/>
-      </p:nvGrpSpPr>
-      <p:grpSpPr>
-        <a:xfrm>
-          <a:off x="0" y="0"/>
-          <a:ext cx="0" cy="0"/>
-          <a:chOff x="0" y="0"/>
-          <a:chExt cx="0" cy="0"/>
-        </a:xfrm>
-      </p:grpSpPr>
-      <p:sp>
-        <p:nvSpPr>
-          <p:cNvPr id="14" name="Прямоугольник 13">
-            <a:extLst>
-              <a:ext uri="{FF2B5EF4-FFF2-40B4-BE49-F238E27FC236}">
-                <a16:creationId xmlns:a16="http://schemas.microsoft.com/office/drawing/2014/main" id="{AA20400C-DBA7-E79C-63BD-78DE5A62D9CA}"/>
-              </a:ext>
-            </a:extLst>
-          </p:cNvPr>
-          <p:cNvSpPr/>
-          <p:nvPr/>
-        </p:nvSpPr>
-        <p:spPr>
-          <a:xfrm>
-            <a:off x="-1" y="0"/>
-            <a:ext cx="12192000" cy="6858000"/>
-          </a:xfrm>
-          <a:prstGeom prst="rect">
-            <a:avLst/>
-          </a:prstGeom>
-          <a:solidFill>
-            <a:srgbClr val="F8BD88"/>
-          </a:solidFill>
-        </p:spPr>
-        <p:style>
-          <a:lnRef idx="2">
-            <a:schemeClr val="accent1">
-              <a:shade val="50000"/>
-            </a:schemeClr>
-          </a:lnRef>
-          <a:fillRef idx="1">
-            <a:schemeClr val="accent1"/>
-          </a:fillRef>
-          <a:effectRef idx="0">
-            <a:schemeClr val="accent1"/>
-          </a:effectRef>
-          <a:fontRef idx="minor">
-            <a:schemeClr val="lt1"/>
-          </a:fontRef>
-        </p:style>
-        <p:txBody>
-          <a:bodyPr rtlCol="0" anchor="ctr"/>
-          <a:lstStyle/>
-          <a:p>
-            <a:pPr algn="ctr"/>
-            <a:endParaRPr lang="ru-RU" dirty="0"/>
-          </a:p>
-        </p:txBody>
-      </p:sp>
-      <p:sp>
-        <p:nvSpPr>
-          <p:cNvPr id="5" name="TextBox 4">
-            <a:extLst>
-              <a:ext uri="{FF2B5EF4-FFF2-40B4-BE49-F238E27FC236}">
-                <a16:creationId xmlns:a16="http://schemas.microsoft.com/office/drawing/2014/main" id="{F71A844B-7627-0241-B45B-44F2D9D1EF05}"/>
-              </a:ext>
-            </a:extLst>
-          </p:cNvPr>
-          <p:cNvSpPr txBox="1"/>
-          <p:nvPr/>
-        </p:nvSpPr>
-        <p:spPr>
-          <a:xfrm>
-            <a:off x="304800" y="412030"/>
-            <a:ext cx="7159690" cy="584775"/>
-          </a:xfrm>
-          <a:prstGeom prst="rect">
-            <a:avLst/>
-          </a:prstGeom>
-          <a:noFill/>
-        </p:spPr>
-        <p:txBody>
-          <a:bodyPr wrap="square">
-            <a:spAutoFit/>
-          </a:bodyPr>
-          <a:lstStyle/>
-          <a:p>
-            <a:r>
-              <a:rPr lang="ru-RU" sz="3200" b="1" dirty="0">
-                <a:latin typeface="Arial Narrow" panose="020B0606020202030204" pitchFamily="34" charset="0"/>
-              </a:rPr>
-              <a:t>Сравнительная таблица аналогов</a:t>
-            </a:r>
-            <a:endParaRPr lang="ru-RU" sz="3600" b="1" dirty="0">
-              <a:latin typeface="Arial Narrow" panose="020B0606020202030204" pitchFamily="34" charset="0"/>
-            </a:endParaRPr>
-          </a:p>
-        </p:txBody>
-      </p:sp>
-      <p:sp>
-        <p:nvSpPr>
-          <p:cNvPr id="3" name="TextBox 2">
-            <a:extLst>
-              <a:ext uri="{FF2B5EF4-FFF2-40B4-BE49-F238E27FC236}">
-                <a16:creationId xmlns:a16="http://schemas.microsoft.com/office/drawing/2014/main" id="{830DA6B1-AFAA-B43F-424F-7D28736F06D2}"/>
-              </a:ext>
-            </a:extLst>
-          </p:cNvPr>
-          <p:cNvSpPr txBox="1"/>
-          <p:nvPr/>
-        </p:nvSpPr>
-        <p:spPr>
-          <a:xfrm>
-            <a:off x="11525639" y="6183404"/>
-            <a:ext cx="415990" cy="461665"/>
-          </a:xfrm>
-          <a:prstGeom prst="rect">
-            <a:avLst/>
-          </a:prstGeom>
-          <a:noFill/>
-        </p:spPr>
-        <p:txBody>
-          <a:bodyPr wrap="square" rtlCol="0">
-            <a:spAutoFit/>
-          </a:bodyPr>
-          <a:lstStyle/>
-          <a:p>
-            <a:r>
-              <a:rPr lang="ru-RU" sz="2400" dirty="0">
-                <a:solidFill>
-                  <a:schemeClr val="accent6">
-                    <a:lumMod val="75000"/>
-                  </a:schemeClr>
-                </a:solidFill>
-                <a:latin typeface="Arial Black" panose="020B0A04020102020204" pitchFamily="34" charset="0"/>
-              </a:rPr>
-              <a:t>4</a:t>
             </a:r>
           </a:p>
         </p:txBody>
@@ -7021,7 +6702,7 @@
 </p:sld>
 </file>
 
-<file path=ppt/slides/slide5.xml><?xml version="1.0" encoding="utf-8"?>
+<file path=ppt/slides/slide4.xml><?xml version="1.0" encoding="utf-8"?>
 <p:sld xmlns:a="http://schemas.openxmlformats.org/drawingml/2006/main" xmlns:r="http://schemas.openxmlformats.org/officeDocument/2006/relationships" xmlns:p="http://schemas.openxmlformats.org/presentationml/2006/main">
   <p:cSld>
     <p:spTree>
@@ -7164,7 +6845,7 @@
                 </a:solidFill>
                 <a:latin typeface="Arial Black" panose="020B0A04020102020204" pitchFamily="34" charset="0"/>
               </a:rPr>
-              <a:t>5</a:t>
+              <a:t>4</a:t>
             </a:r>
           </a:p>
         </p:txBody>
@@ -7368,6 +7049,199 @@
 </p:sld>
 </file>
 
+<file path=ppt/slides/slide5.xml><?xml version="1.0" encoding="utf-8"?>
+<p:sld xmlns:a="http://schemas.openxmlformats.org/drawingml/2006/main" xmlns:r="http://schemas.openxmlformats.org/officeDocument/2006/relationships" xmlns:p="http://schemas.openxmlformats.org/presentationml/2006/main">
+  <p:cSld>
+    <p:spTree>
+      <p:nvGrpSpPr>
+        <p:cNvPr id="1" name=""/>
+        <p:cNvGrpSpPr/>
+        <p:nvPr/>
+      </p:nvGrpSpPr>
+      <p:grpSpPr>
+        <a:xfrm>
+          <a:off x="0" y="0"/>
+          <a:ext cx="0" cy="0"/>
+          <a:chOff x="0" y="0"/>
+          <a:chExt cx="0" cy="0"/>
+        </a:xfrm>
+      </p:grpSpPr>
+      <p:sp>
+        <p:nvSpPr>
+          <p:cNvPr id="7" name="Прямоугольник 6">
+            <a:extLst>
+              <a:ext uri="{FF2B5EF4-FFF2-40B4-BE49-F238E27FC236}">
+                <a16:creationId xmlns:a16="http://schemas.microsoft.com/office/drawing/2014/main" id="{C20A429C-54C8-353B-4F60-4F472CB92A6E}"/>
+              </a:ext>
+            </a:extLst>
+          </p:cNvPr>
+          <p:cNvSpPr/>
+          <p:nvPr/>
+        </p:nvSpPr>
+        <p:spPr>
+          <a:xfrm>
+            <a:off x="-1" y="0"/>
+            <a:ext cx="12192000" cy="6858000"/>
+          </a:xfrm>
+          <a:prstGeom prst="rect">
+            <a:avLst/>
+          </a:prstGeom>
+          <a:solidFill>
+            <a:srgbClr val="F8BD88"/>
+          </a:solidFill>
+        </p:spPr>
+        <p:style>
+          <a:lnRef idx="2">
+            <a:schemeClr val="accent1">
+              <a:shade val="50000"/>
+            </a:schemeClr>
+          </a:lnRef>
+          <a:fillRef idx="1">
+            <a:schemeClr val="accent1"/>
+          </a:fillRef>
+          <a:effectRef idx="0">
+            <a:schemeClr val="accent1"/>
+          </a:effectRef>
+          <a:fontRef idx="minor">
+            <a:schemeClr val="lt1"/>
+          </a:fontRef>
+        </p:style>
+        <p:txBody>
+          <a:bodyPr rtlCol="0" anchor="ctr"/>
+          <a:lstStyle/>
+          <a:p>
+            <a:pPr algn="ctr"/>
+            <a:endParaRPr lang="ru-RU" dirty="0"/>
+          </a:p>
+        </p:txBody>
+      </p:sp>
+      <p:sp>
+        <p:nvSpPr>
+          <p:cNvPr id="3" name="TextBox 2">
+            <a:extLst>
+              <a:ext uri="{FF2B5EF4-FFF2-40B4-BE49-F238E27FC236}">
+                <a16:creationId xmlns:a16="http://schemas.microsoft.com/office/drawing/2014/main" id="{830DA6B1-AFAA-B43F-424F-7D28736F06D2}"/>
+              </a:ext>
+            </a:extLst>
+          </p:cNvPr>
+          <p:cNvSpPr txBox="1"/>
+          <p:nvPr/>
+        </p:nvSpPr>
+        <p:spPr>
+          <a:xfrm>
+            <a:off x="11525639" y="6183404"/>
+            <a:ext cx="415990" cy="461665"/>
+          </a:xfrm>
+          <a:prstGeom prst="rect">
+            <a:avLst/>
+          </a:prstGeom>
+          <a:noFill/>
+        </p:spPr>
+        <p:txBody>
+          <a:bodyPr wrap="square" rtlCol="0">
+            <a:spAutoFit/>
+          </a:bodyPr>
+          <a:lstStyle/>
+          <a:p>
+            <a:r>
+              <a:rPr lang="ru-RU" sz="2400" dirty="0">
+                <a:solidFill>
+                  <a:schemeClr val="accent6">
+                    <a:lumMod val="75000"/>
+                  </a:schemeClr>
+                </a:solidFill>
+                <a:latin typeface="Arial Black" panose="020B0A04020102020204" pitchFamily="34" charset="0"/>
+              </a:rPr>
+              <a:t>5</a:t>
+            </a:r>
+          </a:p>
+        </p:txBody>
+      </p:sp>
+      <p:sp>
+        <p:nvSpPr>
+          <p:cNvPr id="6" name="TextBox 5">
+            <a:extLst>
+              <a:ext uri="{FF2B5EF4-FFF2-40B4-BE49-F238E27FC236}">
+                <a16:creationId xmlns:a16="http://schemas.microsoft.com/office/drawing/2014/main" id="{5FF33FC1-4A5A-6754-AFAB-107C5F72DBDB}"/>
+              </a:ext>
+            </a:extLst>
+          </p:cNvPr>
+          <p:cNvSpPr txBox="1"/>
+          <p:nvPr/>
+        </p:nvSpPr>
+        <p:spPr>
+          <a:xfrm>
+            <a:off x="370115" y="251067"/>
+            <a:ext cx="9212424" cy="769441"/>
+          </a:xfrm>
+          <a:prstGeom prst="rect">
+            <a:avLst/>
+          </a:prstGeom>
+          <a:noFill/>
+        </p:spPr>
+        <p:txBody>
+          <a:bodyPr wrap="square">
+            <a:spAutoFit/>
+          </a:bodyPr>
+          <a:lstStyle/>
+          <a:p>
+            <a:r>
+              <a:rPr lang="ru-RU" sz="4400" dirty="0">
+                <a:latin typeface="Arial" panose="020B0604020202020204" pitchFamily="34" charset="0"/>
+                <a:cs typeface="Arial" panose="020B0604020202020204" pitchFamily="34" charset="0"/>
+              </a:rPr>
+              <a:t>Диаграмма последовательности</a:t>
+            </a:r>
+            <a:endParaRPr lang="en-US" sz="4400" dirty="0">
+              <a:latin typeface="Arial" panose="020B0604020202020204" pitchFamily="34" charset="0"/>
+              <a:cs typeface="Arial" panose="020B0604020202020204" pitchFamily="34" charset="0"/>
+            </a:endParaRPr>
+          </a:p>
+        </p:txBody>
+      </p:sp>
+      <p:pic>
+        <p:nvPicPr>
+          <p:cNvPr id="4" name="Рисунок 3">
+            <a:extLst>
+              <a:ext uri="{FF2B5EF4-FFF2-40B4-BE49-F238E27FC236}">
+                <a16:creationId xmlns:a16="http://schemas.microsoft.com/office/drawing/2014/main" id="{1D106562-A380-CBE0-A249-2E07A07722E8}"/>
+              </a:ext>
+            </a:extLst>
+          </p:cNvPr>
+          <p:cNvPicPr>
+            <a:picLocks noChangeAspect="1"/>
+          </p:cNvPicPr>
+          <p:nvPr/>
+        </p:nvPicPr>
+        <p:blipFill>
+          <a:blip r:embed="rId2"/>
+          <a:stretch>
+            <a:fillRect/>
+          </a:stretch>
+        </p:blipFill>
+        <p:spPr>
+          <a:xfrm>
+            <a:off x="972394" y="1271575"/>
+            <a:ext cx="10231142" cy="4911829"/>
+          </a:xfrm>
+          <a:prstGeom prst="rect">
+            <a:avLst/>
+          </a:prstGeom>
+        </p:spPr>
+      </p:pic>
+    </p:spTree>
+    <p:extLst>
+      <p:ext uri="{BB962C8B-B14F-4D97-AF65-F5344CB8AC3E}">
+        <p14:creationId xmlns:p14="http://schemas.microsoft.com/office/powerpoint/2010/main" val="3040585686"/>
+      </p:ext>
+    </p:extLst>
+  </p:cSld>
+  <p:clrMapOvr>
+    <a:masterClrMapping/>
+  </p:clrMapOvr>
+</p:sld>
+</file>
+
 <file path=ppt/slides/slide6.xml><?xml version="1.0" encoding="utf-8"?>
 <p:sld xmlns:a="http://schemas.openxmlformats.org/drawingml/2006/main" xmlns:r="http://schemas.openxmlformats.org/officeDocument/2006/relationships" xmlns:p="http://schemas.openxmlformats.org/presentationml/2006/main">
   <p:cSld>
@@ -7387,10 +7261,10 @@
       </p:grpSpPr>
       <p:sp>
         <p:nvSpPr>
-          <p:cNvPr id="7" name="Прямоугольник 6">
-            <a:extLst>
-              <a:ext uri="{FF2B5EF4-FFF2-40B4-BE49-F238E27FC236}">
-                <a16:creationId xmlns:a16="http://schemas.microsoft.com/office/drawing/2014/main" id="{C20A429C-54C8-353B-4F60-4F472CB92A6E}"/>
+          <p:cNvPr id="9" name="Прямоугольник 8">
+            <a:extLst>
+              <a:ext uri="{FF2B5EF4-FFF2-40B4-BE49-F238E27FC236}">
+                <a16:creationId xmlns:a16="http://schemas.microsoft.com/office/drawing/2014/main" id="{0D61A3C7-4E6B-85AD-DD84-08739ED10AC7}"/>
               </a:ext>
             </a:extLst>
           </p:cNvPr>
@@ -7436,6 +7310,46 @@
       </p:sp>
       <p:sp>
         <p:nvSpPr>
+          <p:cNvPr id="5" name="TextBox 4">
+            <a:extLst>
+              <a:ext uri="{FF2B5EF4-FFF2-40B4-BE49-F238E27FC236}">
+                <a16:creationId xmlns:a16="http://schemas.microsoft.com/office/drawing/2014/main" id="{F71A844B-7627-0241-B45B-44F2D9D1EF05}"/>
+              </a:ext>
+            </a:extLst>
+          </p:cNvPr>
+          <p:cNvSpPr txBox="1"/>
+          <p:nvPr/>
+        </p:nvSpPr>
+        <p:spPr>
+          <a:xfrm>
+            <a:off x="295469" y="234744"/>
+            <a:ext cx="8214048" cy="584775"/>
+          </a:xfrm>
+          <a:prstGeom prst="rect">
+            <a:avLst/>
+          </a:prstGeom>
+          <a:noFill/>
+        </p:spPr>
+        <p:txBody>
+          <a:bodyPr wrap="square">
+            <a:spAutoFit/>
+          </a:bodyPr>
+          <a:lstStyle/>
+          <a:p>
+            <a:r>
+              <a:rPr lang="ru-RU" sz="3200" b="1" dirty="0">
+                <a:latin typeface="Arial Narrow" panose="020B0606020202030204" pitchFamily="34" charset="0"/>
+              </a:rPr>
+              <a:t>Валидатор ввода пользователя</a:t>
+            </a:r>
+            <a:endParaRPr lang="ru-RU" sz="3600" b="1" dirty="0">
+              <a:latin typeface="Arial Narrow" panose="020B0606020202030204" pitchFamily="34" charset="0"/>
+            </a:endParaRPr>
+          </a:p>
+        </p:txBody>
+      </p:sp>
+      <p:sp>
+        <p:nvSpPr>
           <p:cNvPr id="3" name="TextBox 2">
             <a:extLst>
               <a:ext uri="{FF2B5EF4-FFF2-40B4-BE49-F238E27FC236}">
@@ -7476,54 +7390,12 @@
           </a:p>
         </p:txBody>
       </p:sp>
-      <p:sp>
-        <p:nvSpPr>
-          <p:cNvPr id="6" name="TextBox 5">
-            <a:extLst>
-              <a:ext uri="{FF2B5EF4-FFF2-40B4-BE49-F238E27FC236}">
-                <a16:creationId xmlns:a16="http://schemas.microsoft.com/office/drawing/2014/main" id="{5FF33FC1-4A5A-6754-AFAB-107C5F72DBDB}"/>
-              </a:ext>
-            </a:extLst>
-          </p:cNvPr>
-          <p:cNvSpPr txBox="1"/>
-          <p:nvPr/>
-        </p:nvSpPr>
-        <p:spPr>
-          <a:xfrm>
-            <a:off x="370115" y="251067"/>
-            <a:ext cx="9212424" cy="769441"/>
-          </a:xfrm>
-          <a:prstGeom prst="rect">
-            <a:avLst/>
-          </a:prstGeom>
-          <a:noFill/>
-        </p:spPr>
-        <p:txBody>
-          <a:bodyPr wrap="square">
-            <a:spAutoFit/>
-          </a:bodyPr>
-          <a:lstStyle/>
-          <a:p>
-            <a:r>
-              <a:rPr lang="ru-RU" sz="4400" dirty="0">
-                <a:latin typeface="Arial" panose="020B0604020202020204" pitchFamily="34" charset="0"/>
-                <a:cs typeface="Arial" panose="020B0604020202020204" pitchFamily="34" charset="0"/>
-              </a:rPr>
-              <a:t>Диаграмма последовательности</a:t>
-            </a:r>
-            <a:endParaRPr lang="en-US" sz="4400" dirty="0">
-              <a:latin typeface="Arial" panose="020B0604020202020204" pitchFamily="34" charset="0"/>
-              <a:cs typeface="Arial" panose="020B0604020202020204" pitchFamily="34" charset="0"/>
-            </a:endParaRPr>
-          </a:p>
-        </p:txBody>
-      </p:sp>
       <p:pic>
         <p:nvPicPr>
           <p:cNvPr id="4" name="Рисунок 3">
             <a:extLst>
               <a:ext uri="{FF2B5EF4-FFF2-40B4-BE49-F238E27FC236}">
-                <a16:creationId xmlns:a16="http://schemas.microsoft.com/office/drawing/2014/main" id="{1D106562-A380-CBE0-A249-2E07A07722E8}"/>
+                <a16:creationId xmlns:a16="http://schemas.microsoft.com/office/drawing/2014/main" id="{A33FE87E-FA5D-4DD5-ED45-DE5FD8C8F98E}"/>
               </a:ext>
             </a:extLst>
           </p:cNvPr>
@@ -7540,8 +7412,8 @@
         </p:blipFill>
         <p:spPr>
           <a:xfrm>
-            <a:off x="972394" y="1271575"/>
-            <a:ext cx="10231142" cy="4911829"/>
+            <a:off x="3114869" y="1095975"/>
+            <a:ext cx="5962260" cy="5443302"/>
           </a:xfrm>
           <a:prstGeom prst="rect">
             <a:avLst/>
@@ -7551,7 +7423,7 @@
     </p:spTree>
     <p:extLst>
       <p:ext uri="{BB962C8B-B14F-4D97-AF65-F5344CB8AC3E}">
-        <p14:creationId xmlns:p14="http://schemas.microsoft.com/office/powerpoint/2010/main" val="3040585686"/>
+        <p14:creationId xmlns:p14="http://schemas.microsoft.com/office/powerpoint/2010/main" val="435180575"/>
       </p:ext>
     </p:extLst>
   </p:cSld>
@@ -7580,10 +7452,10 @@
       </p:grpSpPr>
       <p:sp>
         <p:nvSpPr>
-          <p:cNvPr id="9" name="Прямоугольник 8">
-            <a:extLst>
-              <a:ext uri="{FF2B5EF4-FFF2-40B4-BE49-F238E27FC236}">
-                <a16:creationId xmlns:a16="http://schemas.microsoft.com/office/drawing/2014/main" id="{0D61A3C7-4E6B-85AD-DD84-08739ED10AC7}"/>
+          <p:cNvPr id="10" name="Прямоугольник 9">
+            <a:extLst>
+              <a:ext uri="{FF2B5EF4-FFF2-40B4-BE49-F238E27FC236}">
+                <a16:creationId xmlns:a16="http://schemas.microsoft.com/office/drawing/2014/main" id="{A6EF710C-30F6-8510-59EB-F60767F738D8}"/>
               </a:ext>
             </a:extLst>
           </p:cNvPr>
@@ -7641,8 +7513,8 @@
         </p:nvSpPr>
         <p:spPr>
           <a:xfrm>
-            <a:off x="295469" y="234744"/>
-            <a:ext cx="8214048" cy="584775"/>
+            <a:off x="304800" y="412030"/>
+            <a:ext cx="8652588" cy="646331"/>
           </a:xfrm>
           <a:prstGeom prst="rect">
             <a:avLst/>
@@ -7656,14 +7528,11 @@
           <a:lstStyle/>
           <a:p>
             <a:r>
-              <a:rPr lang="ru-RU" sz="3200" b="1" dirty="0">
+              <a:rPr lang="ru-RU" sz="3600" b="1" dirty="0">
                 <a:latin typeface="Arial Narrow" panose="020B0606020202030204" pitchFamily="34" charset="0"/>
               </a:rPr>
-              <a:t>Валидатор ввода пользователя</a:t>
-            </a:r>
-            <a:endParaRPr lang="ru-RU" sz="3600" b="1" dirty="0">
-              <a:latin typeface="Arial Narrow" panose="020B0606020202030204" pitchFamily="34" charset="0"/>
-            </a:endParaRPr>
+              <a:t>Вспомогательные системы поезда</a:t>
+            </a:r>
           </a:p>
         </p:txBody>
       </p:sp>
@@ -7714,7 +7583,7 @@
           <p:cNvPr id="4" name="Рисунок 3">
             <a:extLst>
               <a:ext uri="{FF2B5EF4-FFF2-40B4-BE49-F238E27FC236}">
-                <a16:creationId xmlns:a16="http://schemas.microsoft.com/office/drawing/2014/main" id="{A33FE87E-FA5D-4DD5-ED45-DE5FD8C8F98E}"/>
+                <a16:creationId xmlns:a16="http://schemas.microsoft.com/office/drawing/2014/main" id="{6D43634A-E31B-1F72-65B0-6ADE9B850F64}"/>
               </a:ext>
             </a:extLst>
           </p:cNvPr>
@@ -7731,8 +7600,8 @@
         </p:blipFill>
         <p:spPr>
           <a:xfrm>
-            <a:off x="3114869" y="1095975"/>
-            <a:ext cx="5962260" cy="5443302"/>
+            <a:off x="1615047" y="1331831"/>
+            <a:ext cx="8961905" cy="4380952"/>
           </a:xfrm>
           <a:prstGeom prst="rect">
             <a:avLst/>
@@ -7742,7 +7611,7 @@
     </p:spTree>
     <p:extLst>
       <p:ext uri="{BB962C8B-B14F-4D97-AF65-F5344CB8AC3E}">
-        <p14:creationId xmlns:p14="http://schemas.microsoft.com/office/powerpoint/2010/main" val="435180575"/>
+        <p14:creationId xmlns:p14="http://schemas.microsoft.com/office/powerpoint/2010/main" val="1576205623"/>
       </p:ext>
     </p:extLst>
   </p:cSld>
@@ -7771,10 +7640,10 @@
       </p:grpSpPr>
       <p:sp>
         <p:nvSpPr>
-          <p:cNvPr id="10" name="Прямоугольник 9">
-            <a:extLst>
-              <a:ext uri="{FF2B5EF4-FFF2-40B4-BE49-F238E27FC236}">
-                <a16:creationId xmlns:a16="http://schemas.microsoft.com/office/drawing/2014/main" id="{A6EF710C-30F6-8510-59EB-F60767F738D8}"/>
+          <p:cNvPr id="7" name="Прямоугольник 6">
+            <a:extLst>
+              <a:ext uri="{FF2B5EF4-FFF2-40B4-BE49-F238E27FC236}">
+                <a16:creationId xmlns:a16="http://schemas.microsoft.com/office/drawing/2014/main" id="{27CDDE1F-7669-3713-EF2E-83F9FA89D37F}"/>
               </a:ext>
             </a:extLst>
           </p:cNvPr>
@@ -7832,8 +7701,8 @@
         </p:nvSpPr>
         <p:spPr>
           <a:xfrm>
-            <a:off x="304800" y="412030"/>
-            <a:ext cx="8652588" cy="646331"/>
+            <a:off x="304801" y="412030"/>
+            <a:ext cx="8335346" cy="646331"/>
           </a:xfrm>
           <a:prstGeom prst="rect">
             <a:avLst/>
@@ -7899,10 +7768,10 @@
       </p:sp>
       <p:pic>
         <p:nvPicPr>
-          <p:cNvPr id="4" name="Рисунок 3">
-            <a:extLst>
-              <a:ext uri="{FF2B5EF4-FFF2-40B4-BE49-F238E27FC236}">
-                <a16:creationId xmlns:a16="http://schemas.microsoft.com/office/drawing/2014/main" id="{6D43634A-E31B-1F72-65B0-6ADE9B850F64}"/>
+          <p:cNvPr id="10" name="Рисунок 9">
+            <a:extLst>
+              <a:ext uri="{FF2B5EF4-FFF2-40B4-BE49-F238E27FC236}">
+                <a16:creationId xmlns:a16="http://schemas.microsoft.com/office/drawing/2014/main" id="{C364429E-ECCE-AA69-9398-72863156E08B}"/>
               </a:ext>
             </a:extLst>
           </p:cNvPr>
@@ -7919,8 +7788,8 @@
         </p:blipFill>
         <p:spPr>
           <a:xfrm>
-            <a:off x="1615047" y="1331831"/>
-            <a:ext cx="8961905" cy="4380952"/>
+            <a:off x="1156995" y="1240882"/>
+            <a:ext cx="9181907" cy="5094585"/>
           </a:xfrm>
           <a:prstGeom prst="rect">
             <a:avLst/>
@@ -7930,7 +7799,7 @@
     </p:spTree>
     <p:extLst>
       <p:ext uri="{BB962C8B-B14F-4D97-AF65-F5344CB8AC3E}">
-        <p14:creationId xmlns:p14="http://schemas.microsoft.com/office/powerpoint/2010/main" val="1576205623"/>
+        <p14:creationId xmlns:p14="http://schemas.microsoft.com/office/powerpoint/2010/main" val="3185162394"/>
       </p:ext>
     </p:extLst>
   </p:cSld>
@@ -7959,10 +7828,10 @@
       </p:grpSpPr>
       <p:sp>
         <p:nvSpPr>
-          <p:cNvPr id="7" name="Прямоугольник 6">
-            <a:extLst>
-              <a:ext uri="{FF2B5EF4-FFF2-40B4-BE49-F238E27FC236}">
-                <a16:creationId xmlns:a16="http://schemas.microsoft.com/office/drawing/2014/main" id="{27CDDE1F-7669-3713-EF2E-83F9FA89D37F}"/>
+          <p:cNvPr id="10" name="Прямоугольник 9">
+            <a:extLst>
+              <a:ext uri="{FF2B5EF4-FFF2-40B4-BE49-F238E27FC236}">
+                <a16:creationId xmlns:a16="http://schemas.microsoft.com/office/drawing/2014/main" id="{A6EF710C-30F6-8510-59EB-F60767F738D8}"/>
               </a:ext>
             </a:extLst>
           </p:cNvPr>
@@ -8020,8 +7889,8 @@
         </p:nvSpPr>
         <p:spPr>
           <a:xfrm>
-            <a:off x="304801" y="412030"/>
-            <a:ext cx="8335346" cy="646331"/>
+            <a:off x="304800" y="412030"/>
+            <a:ext cx="4985657" cy="646331"/>
           </a:xfrm>
           <a:prstGeom prst="rect">
             <a:avLst/>
@@ -8038,7 +7907,7 @@
               <a:rPr lang="ru-RU" sz="3600" b="1" dirty="0">
                 <a:latin typeface="Arial Narrow" panose="020B0606020202030204" pitchFamily="34" charset="0"/>
               </a:rPr>
-              <a:t>Вспомогательные системы поезда</a:t>
+              <a:t>Система движения</a:t>
             </a:r>
           </a:p>
         </p:txBody>
@@ -8057,8 +7926,8 @@
         </p:nvSpPr>
         <p:spPr>
           <a:xfrm>
-            <a:off x="11525639" y="6183404"/>
-            <a:ext cx="415990" cy="461665"/>
+            <a:off x="11559072" y="6183404"/>
+            <a:ext cx="374781" cy="461665"/>
           </a:xfrm>
           <a:prstGeom prst="rect">
             <a:avLst/>
@@ -8087,10 +7956,10 @@
       </p:sp>
       <p:pic>
         <p:nvPicPr>
-          <p:cNvPr id="10" name="Рисунок 9">
-            <a:extLst>
-              <a:ext uri="{FF2B5EF4-FFF2-40B4-BE49-F238E27FC236}">
-                <a16:creationId xmlns:a16="http://schemas.microsoft.com/office/drawing/2014/main" id="{C364429E-ECCE-AA69-9398-72863156E08B}"/>
+          <p:cNvPr id="6" name="Рисунок 5">
+            <a:extLst>
+              <a:ext uri="{FF2B5EF4-FFF2-40B4-BE49-F238E27FC236}">
+                <a16:creationId xmlns:a16="http://schemas.microsoft.com/office/drawing/2014/main" id="{E45529B9-A389-9B13-7F10-4FFBC2031DB5}"/>
               </a:ext>
             </a:extLst>
           </p:cNvPr>
@@ -8107,8 +7976,8 @@
         </p:blipFill>
         <p:spPr>
           <a:xfrm>
-            <a:off x="1156995" y="1240882"/>
-            <a:ext cx="9181907" cy="5094585"/>
+            <a:off x="1766916" y="1620113"/>
+            <a:ext cx="8247619" cy="4476190"/>
           </a:xfrm>
           <a:prstGeom prst="rect">
             <a:avLst/>
@@ -8118,7 +7987,7 @@
     </p:spTree>
     <p:extLst>
       <p:ext uri="{BB962C8B-B14F-4D97-AF65-F5344CB8AC3E}">
-        <p14:creationId xmlns:p14="http://schemas.microsoft.com/office/powerpoint/2010/main" val="3185162394"/>
+        <p14:creationId xmlns:p14="http://schemas.microsoft.com/office/powerpoint/2010/main" val="815118820"/>
       </p:ext>
     </p:extLst>
   </p:cSld>
